--- a/Figures.pptx
+++ b/Figures.pptx
@@ -6,9 +6,17 @@
   </p:sldMasterIdLst>
   <p:sldIdLst>
     <p:sldId id="256" r:id="rId2"/>
-    <p:sldId id="259" r:id="rId3"/>
-    <p:sldId id="258" r:id="rId4"/>
-    <p:sldId id="260" r:id="rId5"/>
+    <p:sldId id="262" r:id="rId3"/>
+    <p:sldId id="263" r:id="rId4"/>
+    <p:sldId id="264" r:id="rId5"/>
+    <p:sldId id="265" r:id="rId6"/>
+    <p:sldId id="266" r:id="rId7"/>
+    <p:sldId id="267" r:id="rId8"/>
+    <p:sldId id="268" r:id="rId9"/>
+    <p:sldId id="261" r:id="rId10"/>
+    <p:sldId id="259" r:id="rId11"/>
+    <p:sldId id="258" r:id="rId12"/>
+    <p:sldId id="260" r:id="rId13"/>
   </p:sldIdLst>
   <p:sldSz cx="12192000" cy="6858000"/>
   <p:notesSz cx="6858000" cy="9144000"/>
@@ -107,6 +115,11 @@
       </a:defRPr>
     </a:lvl9pPr>
   </p:defaultTextStyle>
+  <p:extLst>
+    <p:ext uri="{EFAFB233-063F-42B5-8137-9DF3F51BA10A}">
+      <p15:sldGuideLst xmlns:p15="http://schemas.microsoft.com/office/powerpoint/2012/main"/>
+    </p:ext>
+  </p:extLst>
 </p:presentation>
 </file>
 
@@ -257,7 +270,7 @@
           <a:p>
             <a:fld id="{0C47E950-7371-4A44-97D6-8899311B9D63}" type="datetimeFigureOut">
               <a:rPr lang="en-US" smtClean="0"/>
-              <a:t>6/15/22</a:t>
+              <a:t>6/16/22</a:t>
             </a:fld>
             <a:endParaRPr lang="en-US"/>
           </a:p>
@@ -455,7 +468,7 @@
           <a:p>
             <a:fld id="{0C47E950-7371-4A44-97D6-8899311B9D63}" type="datetimeFigureOut">
               <a:rPr lang="en-US" smtClean="0"/>
-              <a:t>6/15/22</a:t>
+              <a:t>6/16/22</a:t>
             </a:fld>
             <a:endParaRPr lang="en-US"/>
           </a:p>
@@ -663,7 +676,7 @@
           <a:p>
             <a:fld id="{0C47E950-7371-4A44-97D6-8899311B9D63}" type="datetimeFigureOut">
               <a:rPr lang="en-US" smtClean="0"/>
-              <a:t>6/15/22</a:t>
+              <a:t>6/16/22</a:t>
             </a:fld>
             <a:endParaRPr lang="en-US"/>
           </a:p>
@@ -861,7 +874,7 @@
           <a:p>
             <a:fld id="{0C47E950-7371-4A44-97D6-8899311B9D63}" type="datetimeFigureOut">
               <a:rPr lang="en-US" smtClean="0"/>
-              <a:t>6/15/22</a:t>
+              <a:t>6/16/22</a:t>
             </a:fld>
             <a:endParaRPr lang="en-US"/>
           </a:p>
@@ -1136,7 +1149,7 @@
           <a:p>
             <a:fld id="{0C47E950-7371-4A44-97D6-8899311B9D63}" type="datetimeFigureOut">
               <a:rPr lang="en-US" smtClean="0"/>
-              <a:t>6/15/22</a:t>
+              <a:t>6/16/22</a:t>
             </a:fld>
             <a:endParaRPr lang="en-US"/>
           </a:p>
@@ -1401,7 +1414,7 @@
           <a:p>
             <a:fld id="{0C47E950-7371-4A44-97D6-8899311B9D63}" type="datetimeFigureOut">
               <a:rPr lang="en-US" smtClean="0"/>
-              <a:t>6/15/22</a:t>
+              <a:t>6/16/22</a:t>
             </a:fld>
             <a:endParaRPr lang="en-US"/>
           </a:p>
@@ -1813,7 +1826,7 @@
           <a:p>
             <a:fld id="{0C47E950-7371-4A44-97D6-8899311B9D63}" type="datetimeFigureOut">
               <a:rPr lang="en-US" smtClean="0"/>
-              <a:t>6/15/22</a:t>
+              <a:t>6/16/22</a:t>
             </a:fld>
             <a:endParaRPr lang="en-US"/>
           </a:p>
@@ -1954,7 +1967,7 @@
           <a:p>
             <a:fld id="{0C47E950-7371-4A44-97D6-8899311B9D63}" type="datetimeFigureOut">
               <a:rPr lang="en-US" smtClean="0"/>
-              <a:t>6/15/22</a:t>
+              <a:t>6/16/22</a:t>
             </a:fld>
             <a:endParaRPr lang="en-US"/>
           </a:p>
@@ -2067,7 +2080,7 @@
           <a:p>
             <a:fld id="{0C47E950-7371-4A44-97D6-8899311B9D63}" type="datetimeFigureOut">
               <a:rPr lang="en-US" smtClean="0"/>
-              <a:t>6/15/22</a:t>
+              <a:t>6/16/22</a:t>
             </a:fld>
             <a:endParaRPr lang="en-US"/>
           </a:p>
@@ -2378,7 +2391,7 @@
           <a:p>
             <a:fld id="{0C47E950-7371-4A44-97D6-8899311B9D63}" type="datetimeFigureOut">
               <a:rPr lang="en-US" smtClean="0"/>
-              <a:t>6/15/22</a:t>
+              <a:t>6/16/22</a:t>
             </a:fld>
             <a:endParaRPr lang="en-US"/>
           </a:p>
@@ -2666,7 +2679,7 @@
           <a:p>
             <a:fld id="{0C47E950-7371-4A44-97D6-8899311B9D63}" type="datetimeFigureOut">
               <a:rPr lang="en-US" smtClean="0"/>
-              <a:t>6/15/22</a:t>
+              <a:t>6/16/22</a:t>
             </a:fld>
             <a:endParaRPr lang="en-US"/>
           </a:p>
@@ -2907,7 +2920,7 @@
           <a:p>
             <a:fld id="{0C47E950-7371-4A44-97D6-8899311B9D63}" type="datetimeFigureOut">
               <a:rPr lang="en-US" smtClean="0"/>
-              <a:t>6/15/22</a:t>
+              <a:t>6/16/22</a:t>
             </a:fld>
             <a:endParaRPr lang="en-US"/>
           </a:p>
@@ -3450,7 +3463,7 @@
 </p:sld>
 </file>
 
-<file path=ppt/slides/slide2.xml><?xml version="1.0" encoding="utf-8"?>
+<file path=ppt/slides/slide10.xml><?xml version="1.0" encoding="utf-8"?>
 <p:sld xmlns:a="http://schemas.openxmlformats.org/drawingml/2006/main" xmlns:r="http://schemas.openxmlformats.org/officeDocument/2006/relationships" xmlns:p="http://schemas.openxmlformats.org/presentationml/2006/main">
   <p:cSld>
     <p:spTree>
@@ -7668,7 +7681,7 @@
 </p:sld>
 </file>
 
-<file path=ppt/slides/slide3.xml><?xml version="1.0" encoding="utf-8"?>
+<file path=ppt/slides/slide11.xml><?xml version="1.0" encoding="utf-8"?>
 <p:sld xmlns:a="http://schemas.openxmlformats.org/drawingml/2006/main" xmlns:r="http://schemas.openxmlformats.org/officeDocument/2006/relationships" xmlns:p="http://schemas.openxmlformats.org/presentationml/2006/main">
   <p:cSld>
     <p:spTree>
@@ -12990,7 +13003,7 @@
 </p:sld>
 </file>
 
-<file path=ppt/slides/slide4.xml><?xml version="1.0" encoding="utf-8"?>
+<file path=ppt/slides/slide12.xml><?xml version="1.0" encoding="utf-8"?>
 <p:sld xmlns:a="http://schemas.openxmlformats.org/drawingml/2006/main" xmlns:r="http://schemas.openxmlformats.org/officeDocument/2006/relationships" xmlns:p="http://schemas.openxmlformats.org/presentationml/2006/main">
   <p:cSld>
     <p:spTree>
@@ -13007,506 +13020,12 @@
           <a:chExt cx="0" cy="0"/>
         </a:xfrm>
       </p:grpSpPr>
-      <p:sp>
-        <p:nvSpPr>
-          <p:cNvPr id="2" name="Oval 1">
+      <p:grpSp>
+        <p:nvGrpSpPr>
+          <p:cNvPr id="69" name="Group 68">
             <a:extLst>
               <a:ext uri="{FF2B5EF4-FFF2-40B4-BE49-F238E27FC236}">
-                <a16:creationId xmlns:a16="http://schemas.microsoft.com/office/drawing/2014/main" id="{A3E635E6-83D3-3A1C-7557-D3688B1D098C}"/>
-              </a:ext>
-            </a:extLst>
-          </p:cNvPr>
-          <p:cNvSpPr/>
-          <p:nvPr/>
-        </p:nvSpPr>
-        <p:spPr>
-          <a:xfrm>
-            <a:off x="1248171" y="3850484"/>
-            <a:ext cx="417191" cy="417191"/>
-          </a:xfrm>
-          <a:prstGeom prst="ellipse">
-            <a:avLst/>
-          </a:prstGeom>
-          <a:solidFill>
-            <a:schemeClr val="bg2">
-              <a:lumMod val="90000"/>
-            </a:schemeClr>
-          </a:solidFill>
-          <a:ln w="28575">
-            <a:solidFill>
-              <a:schemeClr val="tx1"/>
-            </a:solidFill>
-          </a:ln>
-        </p:spPr>
-        <p:style>
-          <a:lnRef idx="2">
-            <a:schemeClr val="accent1">
-              <a:shade val="50000"/>
-            </a:schemeClr>
-          </a:lnRef>
-          <a:fillRef idx="1">
-            <a:schemeClr val="accent1"/>
-          </a:fillRef>
-          <a:effectRef idx="0">
-            <a:schemeClr val="accent1"/>
-          </a:effectRef>
-          <a:fontRef idx="minor">
-            <a:schemeClr val="lt1"/>
-          </a:fontRef>
-        </p:style>
-        <p:txBody>
-          <a:bodyPr rtlCol="0" anchor="ctr"/>
-          <a:lstStyle/>
-          <a:p>
-            <a:pPr algn="ctr"/>
-            <a:endParaRPr lang="en-US" sz="1400" baseline="-25000" dirty="0">
-              <a:solidFill>
-                <a:schemeClr val="tx1"/>
-              </a:solidFill>
-              <a:latin typeface="Arial" panose="020B0604020202020204" pitchFamily="34" charset="0"/>
-              <a:cs typeface="Arial" panose="020B0604020202020204" pitchFamily="34" charset="0"/>
-            </a:endParaRPr>
-          </a:p>
-        </p:txBody>
-      </p:sp>
-      <p:cxnSp>
-        <p:nvCxnSpPr>
-          <p:cNvPr id="3" name="Straight Arrow Connector 2">
-            <a:extLst>
-              <a:ext uri="{FF2B5EF4-FFF2-40B4-BE49-F238E27FC236}">
-                <a16:creationId xmlns:a16="http://schemas.microsoft.com/office/drawing/2014/main" id="{80B364AE-B093-4193-02CF-BF642057E6B9}"/>
-              </a:ext>
-            </a:extLst>
-          </p:cNvPr>
-          <p:cNvCxnSpPr>
-            <a:cxnSpLocks/>
-          </p:cNvCxnSpPr>
-          <p:nvPr/>
-        </p:nvCxnSpPr>
-        <p:spPr>
-          <a:xfrm>
-            <a:off x="911363" y="3436963"/>
-            <a:ext cx="336808" cy="413521"/>
-          </a:xfrm>
-          <a:prstGeom prst="straightConnector1">
-            <a:avLst/>
-          </a:prstGeom>
-          <a:ln w="38100">
-            <a:solidFill>
-              <a:schemeClr val="tx1"/>
-            </a:solidFill>
-            <a:tailEnd type="triangle" w="med" len="lg"/>
-          </a:ln>
-        </p:spPr>
-        <p:style>
-          <a:lnRef idx="1">
-            <a:schemeClr val="accent1"/>
-          </a:lnRef>
-          <a:fillRef idx="0">
-            <a:schemeClr val="accent1"/>
-          </a:fillRef>
-          <a:effectRef idx="0">
-            <a:schemeClr val="accent1"/>
-          </a:effectRef>
-          <a:fontRef idx="minor">
-            <a:schemeClr val="tx1"/>
-          </a:fontRef>
-        </p:style>
-      </p:cxnSp>
-      <p:cxnSp>
-        <p:nvCxnSpPr>
-          <p:cNvPr id="4" name="Straight Arrow Connector 3">
-            <a:extLst>
-              <a:ext uri="{FF2B5EF4-FFF2-40B4-BE49-F238E27FC236}">
-                <a16:creationId xmlns:a16="http://schemas.microsoft.com/office/drawing/2014/main" id="{3FCDF324-14C4-432C-E576-38CFD4872AE9}"/>
-              </a:ext>
-            </a:extLst>
-          </p:cNvPr>
-          <p:cNvCxnSpPr>
-            <a:cxnSpLocks/>
-          </p:cNvCxnSpPr>
-          <p:nvPr/>
-        </p:nvCxnSpPr>
-        <p:spPr>
-          <a:xfrm>
-            <a:off x="1762811" y="4059080"/>
-            <a:ext cx="370995" cy="0"/>
-          </a:xfrm>
-          <a:prstGeom prst="straightConnector1">
-            <a:avLst/>
-          </a:prstGeom>
-          <a:ln w="38100">
-            <a:solidFill>
-              <a:schemeClr val="tx1"/>
-            </a:solidFill>
-            <a:tailEnd type="triangle" w="med" len="lg"/>
-          </a:ln>
-        </p:spPr>
-        <p:style>
-          <a:lnRef idx="1">
-            <a:schemeClr val="accent1"/>
-          </a:lnRef>
-          <a:fillRef idx="0">
-            <a:schemeClr val="accent1"/>
-          </a:fillRef>
-          <a:effectRef idx="0">
-            <a:schemeClr val="accent1"/>
-          </a:effectRef>
-          <a:fontRef idx="minor">
-            <a:schemeClr val="tx1"/>
-          </a:fontRef>
-        </p:style>
-      </p:cxnSp>
-      <p:sp>
-        <p:nvSpPr>
-          <p:cNvPr id="5" name="Oval 4">
-            <a:extLst>
-              <a:ext uri="{FF2B5EF4-FFF2-40B4-BE49-F238E27FC236}">
-                <a16:creationId xmlns:a16="http://schemas.microsoft.com/office/drawing/2014/main" id="{B8076D26-72EC-1503-85C0-D391A4010D6E}"/>
-              </a:ext>
-            </a:extLst>
-          </p:cNvPr>
-          <p:cNvSpPr/>
-          <p:nvPr/>
-        </p:nvSpPr>
-        <p:spPr>
-          <a:xfrm>
-            <a:off x="5678809" y="3847531"/>
-            <a:ext cx="417191" cy="417191"/>
-          </a:xfrm>
-          <a:prstGeom prst="ellipse">
-            <a:avLst/>
-          </a:prstGeom>
-          <a:solidFill>
-            <a:schemeClr val="bg2">
-              <a:lumMod val="90000"/>
-            </a:schemeClr>
-          </a:solidFill>
-          <a:ln w="28575">
-            <a:solidFill>
-              <a:schemeClr val="tx1"/>
-            </a:solidFill>
-          </a:ln>
-        </p:spPr>
-        <p:style>
-          <a:lnRef idx="2">
-            <a:schemeClr val="accent1">
-              <a:shade val="50000"/>
-            </a:schemeClr>
-          </a:lnRef>
-          <a:fillRef idx="1">
-            <a:schemeClr val="accent1"/>
-          </a:fillRef>
-          <a:effectRef idx="0">
-            <a:schemeClr val="accent1"/>
-          </a:effectRef>
-          <a:fontRef idx="minor">
-            <a:schemeClr val="lt1"/>
-          </a:fontRef>
-        </p:style>
-        <p:txBody>
-          <a:bodyPr rtlCol="0" anchor="ctr"/>
-          <a:lstStyle/>
-          <a:p>
-            <a:pPr algn="ctr"/>
-            <a:endParaRPr lang="en-US" sz="1400" baseline="-25000" dirty="0">
-              <a:solidFill>
-                <a:schemeClr val="tx1"/>
-              </a:solidFill>
-              <a:latin typeface="Arial" panose="020B0604020202020204" pitchFamily="34" charset="0"/>
-              <a:cs typeface="Arial" panose="020B0604020202020204" pitchFamily="34" charset="0"/>
-            </a:endParaRPr>
-          </a:p>
-        </p:txBody>
-      </p:sp>
-      <p:cxnSp>
-        <p:nvCxnSpPr>
-          <p:cNvPr id="6" name="Straight Arrow Connector 5">
-            <a:extLst>
-              <a:ext uri="{FF2B5EF4-FFF2-40B4-BE49-F238E27FC236}">
-                <a16:creationId xmlns:a16="http://schemas.microsoft.com/office/drawing/2014/main" id="{57EC2C5C-2843-24BF-5EC6-76BC6B201D27}"/>
-              </a:ext>
-            </a:extLst>
-          </p:cNvPr>
-          <p:cNvCxnSpPr>
-            <a:cxnSpLocks/>
-          </p:cNvCxnSpPr>
-          <p:nvPr/>
-        </p:nvCxnSpPr>
-        <p:spPr>
-          <a:xfrm>
-            <a:off x="1456766" y="4384046"/>
-            <a:ext cx="0" cy="503584"/>
-          </a:xfrm>
-          <a:prstGeom prst="straightConnector1">
-            <a:avLst/>
-          </a:prstGeom>
-          <a:ln w="38100">
-            <a:solidFill>
-              <a:schemeClr val="tx1"/>
-            </a:solidFill>
-            <a:tailEnd type="triangle" w="med" len="lg"/>
-          </a:ln>
-        </p:spPr>
-        <p:style>
-          <a:lnRef idx="1">
-            <a:schemeClr val="accent1"/>
-          </a:lnRef>
-          <a:fillRef idx="0">
-            <a:schemeClr val="accent1"/>
-          </a:fillRef>
-          <a:effectRef idx="0">
-            <a:schemeClr val="accent1"/>
-          </a:effectRef>
-          <a:fontRef idx="minor">
-            <a:schemeClr val="tx1"/>
-          </a:fontRef>
-        </p:style>
-      </p:cxnSp>
-      <p:sp>
-        <p:nvSpPr>
-          <p:cNvPr id="7" name="TextBox 6">
-            <a:extLst>
-              <a:ext uri="{FF2B5EF4-FFF2-40B4-BE49-F238E27FC236}">
-                <a16:creationId xmlns:a16="http://schemas.microsoft.com/office/drawing/2014/main" id="{C99C909F-7AF7-D942-DBE3-F9C948C85A62}"/>
-              </a:ext>
-            </a:extLst>
-          </p:cNvPr>
-          <p:cNvSpPr txBox="1"/>
-          <p:nvPr/>
-        </p:nvSpPr>
-        <p:spPr>
-          <a:xfrm>
-            <a:off x="1287489" y="3874413"/>
-            <a:ext cx="338554" cy="646331"/>
-          </a:xfrm>
-          <a:prstGeom prst="rect">
-            <a:avLst/>
-          </a:prstGeom>
-          <a:noFill/>
-        </p:spPr>
-        <p:txBody>
-          <a:bodyPr wrap="none" rtlCol="0">
-            <a:spAutoFit/>
-          </a:bodyPr>
-          <a:lstStyle/>
-          <a:p>
-            <a:r>
-              <a:rPr lang="en-US" dirty="0">
-                <a:latin typeface="Arial" panose="020B0604020202020204" pitchFamily="34" charset="0"/>
-                <a:cs typeface="Arial" panose="020B0604020202020204" pitchFamily="34" charset="0"/>
-              </a:rPr>
-              <a:t>S</a:t>
-            </a:r>
-            <a:endParaRPr lang="en-US" baseline="-25000" dirty="0">
-              <a:latin typeface="Arial" panose="020B0604020202020204" pitchFamily="34" charset="0"/>
-              <a:cs typeface="Arial" panose="020B0604020202020204" pitchFamily="34" charset="0"/>
-            </a:endParaRPr>
-          </a:p>
-          <a:p>
-            <a:endParaRPr lang="en-US" dirty="0"/>
-          </a:p>
-        </p:txBody>
-      </p:sp>
-      <p:sp>
-        <p:nvSpPr>
-          <p:cNvPr id="8" name="TextBox 7">
-            <a:extLst>
-              <a:ext uri="{FF2B5EF4-FFF2-40B4-BE49-F238E27FC236}">
-                <a16:creationId xmlns:a16="http://schemas.microsoft.com/office/drawing/2014/main" id="{BF9D7259-D6F6-D889-0DEA-35C51A7C97FD}"/>
-              </a:ext>
-            </a:extLst>
-          </p:cNvPr>
-          <p:cNvSpPr txBox="1"/>
-          <p:nvPr/>
-        </p:nvSpPr>
-        <p:spPr>
-          <a:xfrm>
-            <a:off x="5740225" y="3871460"/>
-            <a:ext cx="338554" cy="369332"/>
-          </a:xfrm>
-          <a:prstGeom prst="rect">
-            <a:avLst/>
-          </a:prstGeom>
-          <a:noFill/>
-        </p:spPr>
-        <p:txBody>
-          <a:bodyPr wrap="none" rtlCol="0">
-            <a:spAutoFit/>
-          </a:bodyPr>
-          <a:lstStyle/>
-          <a:p>
-            <a:r>
-              <a:rPr lang="en-US" dirty="0">
-                <a:latin typeface="Arial" panose="020B0604020202020204" pitchFamily="34" charset="0"/>
-                <a:cs typeface="Arial" panose="020B0604020202020204" pitchFamily="34" charset="0"/>
-              </a:rPr>
-              <a:t>P</a:t>
-            </a:r>
-            <a:endParaRPr lang="en-US" baseline="-25000" dirty="0">
-              <a:latin typeface="Arial" panose="020B0604020202020204" pitchFamily="34" charset="0"/>
-              <a:cs typeface="Arial" panose="020B0604020202020204" pitchFamily="34" charset="0"/>
-            </a:endParaRPr>
-          </a:p>
-        </p:txBody>
-      </p:sp>
-      <mc:AlternateContent xmlns:mc="http://schemas.openxmlformats.org/markup-compatibility/2006">
-        <mc:Choice xmlns:a14="http://schemas.microsoft.com/office/drawing/2010/main" Requires="a14">
-          <p:sp>
-            <p:nvSpPr>
-              <p:cNvPr id="9" name="TextBox 8">
-                <a:extLst>
-                  <a:ext uri="{FF2B5EF4-FFF2-40B4-BE49-F238E27FC236}">
-                    <a16:creationId xmlns:a16="http://schemas.microsoft.com/office/drawing/2014/main" id="{8FC9482C-56B4-B4C2-2004-F9A5BAD1FB00}"/>
-                  </a:ext>
-                </a:extLst>
-              </p:cNvPr>
-              <p:cNvSpPr txBox="1"/>
-              <p:nvPr/>
-            </p:nvSpPr>
-            <p:spPr>
-              <a:xfrm>
-                <a:off x="1072950" y="4145683"/>
-                <a:ext cx="381835" cy="513282"/>
-              </a:xfrm>
-              <a:prstGeom prst="rect">
-                <a:avLst/>
-              </a:prstGeom>
-              <a:noFill/>
-            </p:spPr>
-            <p:txBody>
-              <a:bodyPr wrap="none" rtlCol="0">
-                <a:spAutoFit/>
-              </a:bodyPr>
-              <a:lstStyle/>
-              <a:p>
-                <a:pPr/>
-                <a14:m>
-                  <m:oMathPara xmlns:m="http://schemas.openxmlformats.org/officeDocument/2006/math">
-                    <m:oMathParaPr>
-                      <m:jc m:val="centerGroup"/>
-                    </m:oMathParaPr>
-                    <m:oMath xmlns:m="http://schemas.openxmlformats.org/officeDocument/2006/math">
-                      <m:r>
-                        <m:rPr>
-                          <m:sty m:val="p"/>
-                        </m:rPr>
-                        <a:rPr lang="en-US" sz="2800" b="0" i="1" baseline="-25000" smtClean="0">
-                          <a:latin typeface="Cambria Math" panose="02040503050406030204" pitchFamily="18" charset="0"/>
-                          <a:cs typeface="Arial" panose="020B0604020202020204" pitchFamily="34" charset="0"/>
-                        </a:rPr>
-                        <m:t>μ</m:t>
-                      </m:r>
-                    </m:oMath>
-                  </m:oMathPara>
-                </a14:m>
-                <a:endParaRPr lang="en-US" sz="2800" b="0" baseline="-25000" dirty="0">
-                  <a:latin typeface="Arial" panose="020B0604020202020204" pitchFamily="34" charset="0"/>
-                  <a:cs typeface="Arial" panose="020B0604020202020204" pitchFamily="34" charset="0"/>
-                </a:endParaRPr>
-              </a:p>
-            </p:txBody>
-          </p:sp>
-        </mc:Choice>
-        <mc:Fallback>
-          <p:sp>
-            <p:nvSpPr>
-              <p:cNvPr id="9" name="TextBox 8">
-                <a:extLst>
-                  <a:ext uri="{FF2B5EF4-FFF2-40B4-BE49-F238E27FC236}">
-                    <a16:creationId xmlns:a16="http://schemas.microsoft.com/office/drawing/2014/main" id="{8FC9482C-56B4-B4C2-2004-F9A5BAD1FB00}"/>
-                  </a:ext>
-                </a:extLst>
-              </p:cNvPr>
-              <p:cNvSpPr txBox="1">
-                <a:spLocks noRot="1" noChangeAspect="1" noMove="1" noResize="1" noEditPoints="1" noAdjustHandles="1" noChangeArrowheads="1" noChangeShapeType="1" noTextEdit="1"/>
-              </p:cNvSpPr>
-              <p:nvPr/>
-            </p:nvSpPr>
-            <p:spPr>
-              <a:xfrm>
-                <a:off x="1072950" y="4145683"/>
-                <a:ext cx="381835" cy="513282"/>
-              </a:xfrm>
-              <a:prstGeom prst="rect">
-                <a:avLst/>
-              </a:prstGeom>
-              <a:blipFill>
-                <a:blip r:embed="rId2"/>
-                <a:stretch>
-                  <a:fillRect b="-17073"/>
-                </a:stretch>
-              </a:blipFill>
-            </p:spPr>
-            <p:txBody>
-              <a:bodyPr/>
-              <a:lstStyle/>
-              <a:p>
-                <a:r>
-                  <a:rPr lang="en-US">
-                    <a:noFill/>
-                  </a:rPr>
-                  <a:t> </a:t>
-                </a:r>
-              </a:p>
-            </p:txBody>
-          </p:sp>
-        </mc:Fallback>
-      </mc:AlternateContent>
-      <p:sp>
-        <p:nvSpPr>
-          <p:cNvPr id="10" name="TextBox 9">
-            <a:extLst>
-              <a:ext uri="{FF2B5EF4-FFF2-40B4-BE49-F238E27FC236}">
-                <a16:creationId xmlns:a16="http://schemas.microsoft.com/office/drawing/2014/main" id="{788736E5-3402-9EBB-F187-E280DD780951}"/>
-              </a:ext>
-            </a:extLst>
-          </p:cNvPr>
-          <p:cNvSpPr txBox="1"/>
-          <p:nvPr/>
-        </p:nvSpPr>
-        <p:spPr>
-          <a:xfrm>
-            <a:off x="620092" y="3499352"/>
-            <a:ext cx="453009" cy="646331"/>
-          </a:xfrm>
-          <a:prstGeom prst="rect">
-            <a:avLst/>
-          </a:prstGeom>
-          <a:noFill/>
-        </p:spPr>
-        <p:txBody>
-          <a:bodyPr wrap="none" rtlCol="0">
-            <a:spAutoFit/>
-          </a:bodyPr>
-          <a:lstStyle/>
-          <a:p>
-            <a:r>
-              <a:rPr lang="en-US" dirty="0">
-                <a:latin typeface="Arial" panose="020B0604020202020204" pitchFamily="34" charset="0"/>
-                <a:cs typeface="Arial" panose="020B0604020202020204" pitchFamily="34" charset="0"/>
-              </a:rPr>
-              <a:t>V</a:t>
-            </a:r>
-            <a:r>
-              <a:rPr lang="en-US" baseline="-25000" dirty="0">
-                <a:latin typeface="Arial" panose="020B0604020202020204" pitchFamily="34" charset="0"/>
-                <a:cs typeface="Arial" panose="020B0604020202020204" pitchFamily="34" charset="0"/>
-              </a:rPr>
-              <a:t>in</a:t>
-            </a:r>
-          </a:p>
-          <a:p>
-            <a:endParaRPr lang="en-US" dirty="0"/>
-          </a:p>
-        </p:txBody>
-      </p:sp>
-      <p:grpSp>
-        <p:nvGrpSpPr>
-          <p:cNvPr id="11" name="Group 10">
-            <a:extLst>
-              <a:ext uri="{FF2B5EF4-FFF2-40B4-BE49-F238E27FC236}">
-                <a16:creationId xmlns:a16="http://schemas.microsoft.com/office/drawing/2014/main" id="{9E5D3DA5-D47E-AB8F-3C9C-F5FEBBEE683E}"/>
+                <a16:creationId xmlns:a16="http://schemas.microsoft.com/office/drawing/2014/main" id="{3EC721E8-1139-F46C-E0DA-5A500D4E55F6}"/>
               </a:ext>
             </a:extLst>
           </p:cNvPr>
@@ -13515,34 +13034,37 @@
         </p:nvGrpSpPr>
         <p:grpSpPr>
           <a:xfrm>
-            <a:off x="1945741" y="2914842"/>
-            <a:ext cx="880056" cy="360297"/>
-            <a:chOff x="6400248" y="1777592"/>
-            <a:chExt cx="880056" cy="360297"/>
+            <a:off x="2833205" y="1098483"/>
+            <a:ext cx="5475908" cy="3162021"/>
+            <a:chOff x="2833205" y="1098483"/>
+            <a:chExt cx="5475908" cy="3162021"/>
           </a:xfrm>
         </p:grpSpPr>
-        <p:cxnSp>
-          <p:nvCxnSpPr>
-            <p:cNvPr id="12" name="Straight Connector 11">
+        <p:sp>
+          <p:nvSpPr>
+            <p:cNvPr id="2" name="Oval 1">
               <a:extLst>
                 <a:ext uri="{FF2B5EF4-FFF2-40B4-BE49-F238E27FC236}">
-                  <a16:creationId xmlns:a16="http://schemas.microsoft.com/office/drawing/2014/main" id="{D86B5128-17EB-F531-AC1D-F37D705F1827}"/>
+                  <a16:creationId xmlns:a16="http://schemas.microsoft.com/office/drawing/2014/main" id="{A3E635E6-83D3-3A1C-7557-D3688B1D098C}"/>
                 </a:ext>
               </a:extLst>
             </p:cNvPr>
-            <p:cNvCxnSpPr>
-              <a:cxnSpLocks/>
-            </p:cNvCxnSpPr>
+            <p:cNvSpPr/>
             <p:nvPr/>
-          </p:nvCxnSpPr>
+          </p:nvSpPr>
           <p:spPr>
-            <a:xfrm flipH="1">
-              <a:off x="6400248" y="2035931"/>
-              <a:ext cx="880056" cy="0"/>
+            <a:xfrm>
+              <a:off x="3461284" y="3223358"/>
+              <a:ext cx="417191" cy="417191"/>
             </a:xfrm>
-            <a:prstGeom prst="line">
+            <a:prstGeom prst="ellipse">
               <a:avLst/>
             </a:prstGeom>
+            <a:solidFill>
+              <a:schemeClr val="bg2">
+                <a:lumMod val="90000"/>
+              </a:schemeClr>
+            </a:solidFill>
             <a:ln w="28575">
               <a:solidFill>
                 <a:schemeClr val="tx1"/>
@@ -13550,26 +13072,42 @@
             </a:ln>
           </p:spPr>
           <p:style>
-            <a:lnRef idx="1">
-              <a:schemeClr val="accent1"/>
+            <a:lnRef idx="2">
+              <a:schemeClr val="accent1">
+                <a:shade val="50000"/>
+              </a:schemeClr>
             </a:lnRef>
-            <a:fillRef idx="0">
+            <a:fillRef idx="1">
               <a:schemeClr val="accent1"/>
             </a:fillRef>
             <a:effectRef idx="0">
               <a:schemeClr val="accent1"/>
             </a:effectRef>
             <a:fontRef idx="minor">
-              <a:schemeClr val="tx1"/>
+              <a:schemeClr val="lt1"/>
             </a:fontRef>
           </p:style>
-        </p:cxnSp>
+          <p:txBody>
+            <a:bodyPr rtlCol="0" anchor="ctr"/>
+            <a:lstStyle/>
+            <a:p>
+              <a:pPr algn="ctr"/>
+              <a:endParaRPr lang="en-US" sz="1400" baseline="-25000" dirty="0">
+                <a:solidFill>
+                  <a:schemeClr val="tx1"/>
+                </a:solidFill>
+                <a:latin typeface="Arial" panose="020B0604020202020204" pitchFamily="34" charset="0"/>
+                <a:cs typeface="Arial" panose="020B0604020202020204" pitchFamily="34" charset="0"/>
+              </a:endParaRPr>
+            </a:p>
+          </p:txBody>
+        </p:sp>
         <p:cxnSp>
           <p:nvCxnSpPr>
-            <p:cNvPr id="13" name="Straight Connector 12">
+            <p:cNvPr id="3" name="Straight Arrow Connector 2">
               <a:extLst>
                 <a:ext uri="{FF2B5EF4-FFF2-40B4-BE49-F238E27FC236}">
-                  <a16:creationId xmlns:a16="http://schemas.microsoft.com/office/drawing/2014/main" id="{F9A2880E-D597-6540-81F6-5267D788A433}"/>
+                  <a16:creationId xmlns:a16="http://schemas.microsoft.com/office/drawing/2014/main" id="{80B364AE-B093-4193-02CF-BF642057E6B9}"/>
                 </a:ext>
               </a:extLst>
             </p:cNvPr>
@@ -13580,16 +13118,17 @@
           </p:nvCxnSpPr>
           <p:spPr>
             <a:xfrm>
-              <a:off x="6498734" y="1777592"/>
-              <a:ext cx="0" cy="258339"/>
+              <a:off x="3124476" y="2809837"/>
+              <a:ext cx="336808" cy="413521"/>
             </a:xfrm>
-            <a:prstGeom prst="line">
+            <a:prstGeom prst="straightConnector1">
               <a:avLst/>
             </a:prstGeom>
-            <a:ln w="28575">
+            <a:ln w="38100">
               <a:solidFill>
                 <a:schemeClr val="tx1"/>
               </a:solidFill>
+              <a:tailEnd type="triangle" w="med" len="lg"/>
             </a:ln>
           </p:spPr>
           <p:style>
@@ -13609,29 +13148,31 @@
         </p:cxnSp>
         <p:cxnSp>
           <p:nvCxnSpPr>
-            <p:cNvPr id="14" name="Straight Arrow Connector 13">
+            <p:cNvPr id="4" name="Straight Arrow Connector 3">
               <a:extLst>
                 <a:ext uri="{FF2B5EF4-FFF2-40B4-BE49-F238E27FC236}">
-                  <a16:creationId xmlns:a16="http://schemas.microsoft.com/office/drawing/2014/main" id="{24BFCCEC-57AA-5251-5EC9-4851E101F0B4}"/>
+                  <a16:creationId xmlns:a16="http://schemas.microsoft.com/office/drawing/2014/main" id="{3FCDF324-14C4-432C-E576-38CFD4872AE9}"/>
                 </a:ext>
               </a:extLst>
             </p:cNvPr>
-            <p:cNvCxnSpPr/>
+            <p:cNvCxnSpPr>
+              <a:cxnSpLocks/>
+            </p:cNvCxnSpPr>
             <p:nvPr/>
           </p:nvCxnSpPr>
           <p:spPr>
             <a:xfrm>
-              <a:off x="6481800" y="1777592"/>
-              <a:ext cx="182784" cy="0"/>
+              <a:off x="3975924" y="3431954"/>
+              <a:ext cx="370995" cy="0"/>
             </a:xfrm>
             <a:prstGeom prst="straightConnector1">
               <a:avLst/>
             </a:prstGeom>
-            <a:ln w="28575">
+            <a:ln w="38100">
               <a:solidFill>
                 <a:schemeClr val="tx1"/>
               </a:solidFill>
-              <a:tailEnd type="triangle"/>
+              <a:tailEnd type="triangle" w="med" len="lg"/>
             </a:ln>
           </p:spPr>
           <p:style>
@@ -13651,10 +13192,10 @@
         </p:cxnSp>
         <p:sp>
           <p:nvSpPr>
-            <p:cNvPr id="15" name="Pentagon 14">
+            <p:cNvPr id="5" name="Oval 4">
               <a:extLst>
                 <a:ext uri="{FF2B5EF4-FFF2-40B4-BE49-F238E27FC236}">
-                  <a16:creationId xmlns:a16="http://schemas.microsoft.com/office/drawing/2014/main" id="{F5EF53FC-2CD1-FF1E-97BF-EDC827329235}"/>
+                  <a16:creationId xmlns:a16="http://schemas.microsoft.com/office/drawing/2014/main" id="{B8076D26-72EC-1503-85C0-D391A4010D6E}"/>
                 </a:ext>
               </a:extLst>
             </p:cNvPr>
@@ -13663,10 +13204,753 @@
           </p:nvSpPr>
           <p:spPr>
             <a:xfrm>
-              <a:off x="6573749" y="1929992"/>
-              <a:ext cx="651925" cy="207897"/>
+              <a:off x="7891922" y="3220405"/>
+              <a:ext cx="417191" cy="417191"/>
             </a:xfrm>
-            <a:prstGeom prst="homePlate">
+            <a:prstGeom prst="ellipse">
+              <a:avLst/>
+            </a:prstGeom>
+            <a:solidFill>
+              <a:schemeClr val="bg2">
+                <a:lumMod val="90000"/>
+              </a:schemeClr>
+            </a:solidFill>
+            <a:ln w="28575">
+              <a:solidFill>
+                <a:schemeClr val="tx1"/>
+              </a:solidFill>
+            </a:ln>
+          </p:spPr>
+          <p:style>
+            <a:lnRef idx="2">
+              <a:schemeClr val="accent1">
+                <a:shade val="50000"/>
+              </a:schemeClr>
+            </a:lnRef>
+            <a:fillRef idx="1">
+              <a:schemeClr val="accent1"/>
+            </a:fillRef>
+            <a:effectRef idx="0">
+              <a:schemeClr val="accent1"/>
+            </a:effectRef>
+            <a:fontRef idx="minor">
+              <a:schemeClr val="lt1"/>
+            </a:fontRef>
+          </p:style>
+          <p:txBody>
+            <a:bodyPr rtlCol="0" anchor="ctr"/>
+            <a:lstStyle/>
+            <a:p>
+              <a:pPr algn="ctr"/>
+              <a:endParaRPr lang="en-US" sz="1400" baseline="-25000" dirty="0">
+                <a:solidFill>
+                  <a:schemeClr val="tx1"/>
+                </a:solidFill>
+                <a:latin typeface="Arial" panose="020B0604020202020204" pitchFamily="34" charset="0"/>
+                <a:cs typeface="Arial" panose="020B0604020202020204" pitchFamily="34" charset="0"/>
+              </a:endParaRPr>
+            </a:p>
+          </p:txBody>
+        </p:sp>
+        <p:cxnSp>
+          <p:nvCxnSpPr>
+            <p:cNvPr id="6" name="Straight Arrow Connector 5">
+              <a:extLst>
+                <a:ext uri="{FF2B5EF4-FFF2-40B4-BE49-F238E27FC236}">
+                  <a16:creationId xmlns:a16="http://schemas.microsoft.com/office/drawing/2014/main" id="{57EC2C5C-2843-24BF-5EC6-76BC6B201D27}"/>
+                </a:ext>
+              </a:extLst>
+            </p:cNvPr>
+            <p:cNvCxnSpPr>
+              <a:cxnSpLocks/>
+            </p:cNvCxnSpPr>
+            <p:nvPr/>
+          </p:nvCxnSpPr>
+          <p:spPr>
+            <a:xfrm>
+              <a:off x="3669879" y="3756920"/>
+              <a:ext cx="0" cy="503584"/>
+            </a:xfrm>
+            <a:prstGeom prst="straightConnector1">
+              <a:avLst/>
+            </a:prstGeom>
+            <a:ln w="38100">
+              <a:solidFill>
+                <a:schemeClr val="tx1"/>
+              </a:solidFill>
+              <a:tailEnd type="triangle" w="med" len="lg"/>
+            </a:ln>
+          </p:spPr>
+          <p:style>
+            <a:lnRef idx="1">
+              <a:schemeClr val="accent1"/>
+            </a:lnRef>
+            <a:fillRef idx="0">
+              <a:schemeClr val="accent1"/>
+            </a:fillRef>
+            <a:effectRef idx="0">
+              <a:schemeClr val="accent1"/>
+            </a:effectRef>
+            <a:fontRef idx="minor">
+              <a:schemeClr val="tx1"/>
+            </a:fontRef>
+          </p:style>
+        </p:cxnSp>
+        <p:sp>
+          <p:nvSpPr>
+            <p:cNvPr id="7" name="TextBox 6">
+              <a:extLst>
+                <a:ext uri="{FF2B5EF4-FFF2-40B4-BE49-F238E27FC236}">
+                  <a16:creationId xmlns:a16="http://schemas.microsoft.com/office/drawing/2014/main" id="{C99C909F-7AF7-D942-DBE3-F9C948C85A62}"/>
+                </a:ext>
+              </a:extLst>
+            </p:cNvPr>
+            <p:cNvSpPr txBox="1"/>
+            <p:nvPr/>
+          </p:nvSpPr>
+          <p:spPr>
+            <a:xfrm>
+              <a:off x="3500602" y="3247287"/>
+              <a:ext cx="338554" cy="646331"/>
+            </a:xfrm>
+            <a:prstGeom prst="rect">
+              <a:avLst/>
+            </a:prstGeom>
+            <a:noFill/>
+          </p:spPr>
+          <p:txBody>
+            <a:bodyPr wrap="none" rtlCol="0">
+              <a:spAutoFit/>
+            </a:bodyPr>
+            <a:lstStyle/>
+            <a:p>
+              <a:r>
+                <a:rPr lang="en-US" dirty="0">
+                  <a:latin typeface="Arial" panose="020B0604020202020204" pitchFamily="34" charset="0"/>
+                  <a:cs typeface="Arial" panose="020B0604020202020204" pitchFamily="34" charset="0"/>
+                </a:rPr>
+                <a:t>S</a:t>
+              </a:r>
+              <a:endParaRPr lang="en-US" baseline="-25000" dirty="0">
+                <a:latin typeface="Arial" panose="020B0604020202020204" pitchFamily="34" charset="0"/>
+                <a:cs typeface="Arial" panose="020B0604020202020204" pitchFamily="34" charset="0"/>
+              </a:endParaRPr>
+            </a:p>
+            <a:p>
+              <a:endParaRPr lang="en-US" dirty="0"/>
+            </a:p>
+          </p:txBody>
+        </p:sp>
+        <p:sp>
+          <p:nvSpPr>
+            <p:cNvPr id="8" name="TextBox 7">
+              <a:extLst>
+                <a:ext uri="{FF2B5EF4-FFF2-40B4-BE49-F238E27FC236}">
+                  <a16:creationId xmlns:a16="http://schemas.microsoft.com/office/drawing/2014/main" id="{BF9D7259-D6F6-D889-0DEA-35C51A7C97FD}"/>
+                </a:ext>
+              </a:extLst>
+            </p:cNvPr>
+            <p:cNvSpPr txBox="1"/>
+            <p:nvPr/>
+          </p:nvSpPr>
+          <p:spPr>
+            <a:xfrm>
+              <a:off x="7953338" y="3244334"/>
+              <a:ext cx="338554" cy="369332"/>
+            </a:xfrm>
+            <a:prstGeom prst="rect">
+              <a:avLst/>
+            </a:prstGeom>
+            <a:noFill/>
+          </p:spPr>
+          <p:txBody>
+            <a:bodyPr wrap="none" rtlCol="0">
+              <a:spAutoFit/>
+            </a:bodyPr>
+            <a:lstStyle/>
+            <a:p>
+              <a:r>
+                <a:rPr lang="en-US" dirty="0">
+                  <a:latin typeface="Arial" panose="020B0604020202020204" pitchFamily="34" charset="0"/>
+                  <a:cs typeface="Arial" panose="020B0604020202020204" pitchFamily="34" charset="0"/>
+                </a:rPr>
+                <a:t>P</a:t>
+              </a:r>
+              <a:endParaRPr lang="en-US" baseline="-25000" dirty="0">
+                <a:latin typeface="Arial" panose="020B0604020202020204" pitchFamily="34" charset="0"/>
+                <a:cs typeface="Arial" panose="020B0604020202020204" pitchFamily="34" charset="0"/>
+              </a:endParaRPr>
+            </a:p>
+          </p:txBody>
+        </p:sp>
+        <mc:AlternateContent xmlns:mc="http://schemas.openxmlformats.org/markup-compatibility/2006" xmlns:a14="http://schemas.microsoft.com/office/drawing/2010/main">
+          <mc:Choice Requires="a14">
+            <p:sp>
+              <p:nvSpPr>
+                <p:cNvPr id="9" name="TextBox 8">
+                  <a:extLst>
+                    <a:ext uri="{FF2B5EF4-FFF2-40B4-BE49-F238E27FC236}">
+                      <a16:creationId xmlns:a16="http://schemas.microsoft.com/office/drawing/2014/main" id="{8FC9482C-56B4-B4C2-2004-F9A5BAD1FB00}"/>
+                    </a:ext>
+                  </a:extLst>
+                </p:cNvPr>
+                <p:cNvSpPr txBox="1"/>
+                <p:nvPr/>
+              </p:nvSpPr>
+              <p:spPr>
+                <a:xfrm>
+                  <a:off x="3286063" y="3518557"/>
+                  <a:ext cx="381835" cy="513282"/>
+                </a:xfrm>
+                <a:prstGeom prst="rect">
+                  <a:avLst/>
+                </a:prstGeom>
+                <a:noFill/>
+              </p:spPr>
+              <p:txBody>
+                <a:bodyPr wrap="none" rtlCol="0">
+                  <a:spAutoFit/>
+                </a:bodyPr>
+                <a:lstStyle/>
+                <a:p>
+                  <a:pPr/>
+                  <a14:m>
+                    <m:oMathPara xmlns:m="http://schemas.openxmlformats.org/officeDocument/2006/math">
+                      <m:oMathParaPr>
+                        <m:jc m:val="centerGroup"/>
+                      </m:oMathParaPr>
+                      <m:oMath xmlns:m="http://schemas.openxmlformats.org/officeDocument/2006/math">
+                        <m:r>
+                          <m:rPr>
+                            <m:sty m:val="p"/>
+                          </m:rPr>
+                          <a:rPr lang="en-US" sz="2800" b="0" i="1" baseline="-25000" smtClean="0">
+                            <a:latin typeface="Cambria Math" panose="02040503050406030204" pitchFamily="18" charset="0"/>
+                            <a:cs typeface="Arial" panose="020B0604020202020204" pitchFamily="34" charset="0"/>
+                          </a:rPr>
+                          <m:t>μ</m:t>
+                        </m:r>
+                      </m:oMath>
+                    </m:oMathPara>
+                  </a14:m>
+                  <a:endParaRPr lang="en-US" sz="2800" b="0" baseline="-25000" dirty="0">
+                    <a:latin typeface="Arial" panose="020B0604020202020204" pitchFamily="34" charset="0"/>
+                    <a:cs typeface="Arial" panose="020B0604020202020204" pitchFamily="34" charset="0"/>
+                  </a:endParaRPr>
+                </a:p>
+              </p:txBody>
+            </p:sp>
+          </mc:Choice>
+          <mc:Fallback xmlns="">
+            <p:sp>
+              <p:nvSpPr>
+                <p:cNvPr id="9" name="TextBox 8">
+                  <a:extLst>
+                    <a:ext uri="{FF2B5EF4-FFF2-40B4-BE49-F238E27FC236}">
+                      <a16:creationId xmlns:a16="http://schemas.microsoft.com/office/drawing/2014/main" id="{8FC9482C-56B4-B4C2-2004-F9A5BAD1FB00}"/>
+                    </a:ext>
+                  </a:extLst>
+                </p:cNvPr>
+                <p:cNvSpPr txBox="1">
+                  <a:spLocks noRot="1" noChangeAspect="1" noMove="1" noResize="1" noEditPoints="1" noAdjustHandles="1" noChangeArrowheads="1" noChangeShapeType="1" noTextEdit="1"/>
+                </p:cNvSpPr>
+                <p:nvPr/>
+              </p:nvSpPr>
+              <p:spPr>
+                <a:xfrm>
+                  <a:off x="3286063" y="3518557"/>
+                  <a:ext cx="381835" cy="513282"/>
+                </a:xfrm>
+                <a:prstGeom prst="rect">
+                  <a:avLst/>
+                </a:prstGeom>
+                <a:blipFill>
+                  <a:blip r:embed="rId2"/>
+                  <a:stretch>
+                    <a:fillRect b="-16667"/>
+                  </a:stretch>
+                </a:blipFill>
+              </p:spPr>
+              <p:txBody>
+                <a:bodyPr/>
+                <a:lstStyle/>
+                <a:p>
+                  <a:r>
+                    <a:rPr lang="en-US">
+                      <a:noFill/>
+                    </a:rPr>
+                    <a:t> </a:t>
+                  </a:r>
+                </a:p>
+              </p:txBody>
+            </p:sp>
+          </mc:Fallback>
+        </mc:AlternateContent>
+        <p:sp>
+          <p:nvSpPr>
+            <p:cNvPr id="10" name="TextBox 9">
+              <a:extLst>
+                <a:ext uri="{FF2B5EF4-FFF2-40B4-BE49-F238E27FC236}">
+                  <a16:creationId xmlns:a16="http://schemas.microsoft.com/office/drawing/2014/main" id="{788736E5-3402-9EBB-F187-E280DD780951}"/>
+                </a:ext>
+              </a:extLst>
+            </p:cNvPr>
+            <p:cNvSpPr txBox="1"/>
+            <p:nvPr/>
+          </p:nvSpPr>
+          <p:spPr>
+            <a:xfrm>
+              <a:off x="2833205" y="2872226"/>
+              <a:ext cx="453009" cy="646331"/>
+            </a:xfrm>
+            <a:prstGeom prst="rect">
+              <a:avLst/>
+            </a:prstGeom>
+            <a:noFill/>
+          </p:spPr>
+          <p:txBody>
+            <a:bodyPr wrap="none" rtlCol="0">
+              <a:spAutoFit/>
+            </a:bodyPr>
+            <a:lstStyle/>
+            <a:p>
+              <a:r>
+                <a:rPr lang="en-US" dirty="0">
+                  <a:latin typeface="Arial" panose="020B0604020202020204" pitchFamily="34" charset="0"/>
+                  <a:cs typeface="Arial" panose="020B0604020202020204" pitchFamily="34" charset="0"/>
+                </a:rPr>
+                <a:t>V</a:t>
+              </a:r>
+              <a:r>
+                <a:rPr lang="en-US" baseline="-25000" dirty="0">
+                  <a:latin typeface="Arial" panose="020B0604020202020204" pitchFamily="34" charset="0"/>
+                  <a:cs typeface="Arial" panose="020B0604020202020204" pitchFamily="34" charset="0"/>
+                </a:rPr>
+                <a:t>in</a:t>
+              </a:r>
+            </a:p>
+            <a:p>
+              <a:endParaRPr lang="en-US" dirty="0"/>
+            </a:p>
+          </p:txBody>
+        </p:sp>
+        <p:grpSp>
+          <p:nvGrpSpPr>
+            <p:cNvPr id="11" name="Group 10">
+              <a:extLst>
+                <a:ext uri="{FF2B5EF4-FFF2-40B4-BE49-F238E27FC236}">
+                  <a16:creationId xmlns:a16="http://schemas.microsoft.com/office/drawing/2014/main" id="{9E5D3DA5-D47E-AB8F-3C9C-F5FEBBEE683E}"/>
+                </a:ext>
+              </a:extLst>
+            </p:cNvPr>
+            <p:cNvGrpSpPr/>
+            <p:nvPr/>
+          </p:nvGrpSpPr>
+          <p:grpSpPr>
+            <a:xfrm>
+              <a:off x="4158854" y="2287716"/>
+              <a:ext cx="880056" cy="360297"/>
+              <a:chOff x="6400248" y="1777592"/>
+              <a:chExt cx="880056" cy="360297"/>
+            </a:xfrm>
+          </p:grpSpPr>
+          <p:cxnSp>
+            <p:nvCxnSpPr>
+              <p:cNvPr id="12" name="Straight Connector 11">
+                <a:extLst>
+                  <a:ext uri="{FF2B5EF4-FFF2-40B4-BE49-F238E27FC236}">
+                    <a16:creationId xmlns:a16="http://schemas.microsoft.com/office/drawing/2014/main" id="{D86B5128-17EB-F531-AC1D-F37D705F1827}"/>
+                  </a:ext>
+                </a:extLst>
+              </p:cNvPr>
+              <p:cNvCxnSpPr>
+                <a:cxnSpLocks/>
+              </p:cNvCxnSpPr>
+              <p:nvPr/>
+            </p:nvCxnSpPr>
+            <p:spPr>
+              <a:xfrm flipH="1">
+                <a:off x="6400248" y="2035931"/>
+                <a:ext cx="880056" cy="0"/>
+              </a:xfrm>
+              <a:prstGeom prst="line">
+                <a:avLst/>
+              </a:prstGeom>
+              <a:ln w="28575">
+                <a:solidFill>
+                  <a:schemeClr val="tx1"/>
+                </a:solidFill>
+              </a:ln>
+            </p:spPr>
+            <p:style>
+              <a:lnRef idx="1">
+                <a:schemeClr val="accent1"/>
+              </a:lnRef>
+              <a:fillRef idx="0">
+                <a:schemeClr val="accent1"/>
+              </a:fillRef>
+              <a:effectRef idx="0">
+                <a:schemeClr val="accent1"/>
+              </a:effectRef>
+              <a:fontRef idx="minor">
+                <a:schemeClr val="tx1"/>
+              </a:fontRef>
+            </p:style>
+          </p:cxnSp>
+          <p:cxnSp>
+            <p:nvCxnSpPr>
+              <p:cNvPr id="13" name="Straight Connector 12">
+                <a:extLst>
+                  <a:ext uri="{FF2B5EF4-FFF2-40B4-BE49-F238E27FC236}">
+                    <a16:creationId xmlns:a16="http://schemas.microsoft.com/office/drawing/2014/main" id="{F9A2880E-D597-6540-81F6-5267D788A433}"/>
+                  </a:ext>
+                </a:extLst>
+              </p:cNvPr>
+              <p:cNvCxnSpPr>
+                <a:cxnSpLocks/>
+              </p:cNvCxnSpPr>
+              <p:nvPr/>
+            </p:nvCxnSpPr>
+            <p:spPr>
+              <a:xfrm>
+                <a:off x="6498734" y="1777592"/>
+                <a:ext cx="0" cy="258339"/>
+              </a:xfrm>
+              <a:prstGeom prst="line">
+                <a:avLst/>
+              </a:prstGeom>
+              <a:ln w="28575">
+                <a:solidFill>
+                  <a:schemeClr val="tx1"/>
+                </a:solidFill>
+              </a:ln>
+            </p:spPr>
+            <p:style>
+              <a:lnRef idx="1">
+                <a:schemeClr val="accent1"/>
+              </a:lnRef>
+              <a:fillRef idx="0">
+                <a:schemeClr val="accent1"/>
+              </a:fillRef>
+              <a:effectRef idx="0">
+                <a:schemeClr val="accent1"/>
+              </a:effectRef>
+              <a:fontRef idx="minor">
+                <a:schemeClr val="tx1"/>
+              </a:fontRef>
+            </p:style>
+          </p:cxnSp>
+          <p:cxnSp>
+            <p:nvCxnSpPr>
+              <p:cNvPr id="14" name="Straight Arrow Connector 13">
+                <a:extLst>
+                  <a:ext uri="{FF2B5EF4-FFF2-40B4-BE49-F238E27FC236}">
+                    <a16:creationId xmlns:a16="http://schemas.microsoft.com/office/drawing/2014/main" id="{24BFCCEC-57AA-5251-5EC9-4851E101F0B4}"/>
+                  </a:ext>
+                </a:extLst>
+              </p:cNvPr>
+              <p:cNvCxnSpPr/>
+              <p:nvPr/>
+            </p:nvCxnSpPr>
+            <p:spPr>
+              <a:xfrm>
+                <a:off x="6481800" y="1777592"/>
+                <a:ext cx="182784" cy="0"/>
+              </a:xfrm>
+              <a:prstGeom prst="straightConnector1">
+                <a:avLst/>
+              </a:prstGeom>
+              <a:ln w="28575">
+                <a:solidFill>
+                  <a:schemeClr val="tx1"/>
+                </a:solidFill>
+                <a:tailEnd type="triangle"/>
+              </a:ln>
+            </p:spPr>
+            <p:style>
+              <a:lnRef idx="1">
+                <a:schemeClr val="accent1"/>
+              </a:lnRef>
+              <a:fillRef idx="0">
+                <a:schemeClr val="accent1"/>
+              </a:fillRef>
+              <a:effectRef idx="0">
+                <a:schemeClr val="accent1"/>
+              </a:effectRef>
+              <a:fontRef idx="minor">
+                <a:schemeClr val="tx1"/>
+              </a:fontRef>
+            </p:style>
+          </p:cxnSp>
+          <p:sp>
+            <p:nvSpPr>
+              <p:cNvPr id="15" name="Pentagon 14">
+                <a:extLst>
+                  <a:ext uri="{FF2B5EF4-FFF2-40B4-BE49-F238E27FC236}">
+                    <a16:creationId xmlns:a16="http://schemas.microsoft.com/office/drawing/2014/main" id="{F5EF53FC-2CD1-FF1E-97BF-EDC827329235}"/>
+                  </a:ext>
+                </a:extLst>
+              </p:cNvPr>
+              <p:cNvSpPr/>
+              <p:nvPr/>
+            </p:nvSpPr>
+            <p:spPr>
+              <a:xfrm>
+                <a:off x="6573749" y="1929992"/>
+                <a:ext cx="651925" cy="207897"/>
+              </a:xfrm>
+              <a:prstGeom prst="homePlate">
+                <a:avLst/>
+              </a:prstGeom>
+              <a:solidFill>
+                <a:schemeClr val="accent5">
+                  <a:lumMod val="20000"/>
+                  <a:lumOff val="80000"/>
+                </a:schemeClr>
+              </a:solidFill>
+              <a:ln w="28575">
+                <a:solidFill>
+                  <a:schemeClr val="tx1"/>
+                </a:solidFill>
+              </a:ln>
+            </p:spPr>
+            <p:style>
+              <a:lnRef idx="2">
+                <a:schemeClr val="accent1">
+                  <a:shade val="50000"/>
+                </a:schemeClr>
+              </a:lnRef>
+              <a:fillRef idx="1">
+                <a:schemeClr val="accent1"/>
+              </a:fillRef>
+              <a:effectRef idx="0">
+                <a:schemeClr val="accent1"/>
+              </a:effectRef>
+              <a:fontRef idx="minor">
+                <a:schemeClr val="lt1"/>
+              </a:fontRef>
+            </p:style>
+            <p:txBody>
+              <a:bodyPr rtlCol="0" anchor="ctr"/>
+              <a:lstStyle/>
+              <a:p>
+                <a:pPr algn="ctr"/>
+                <a:endParaRPr lang="en-US" dirty="0"/>
+              </a:p>
+            </p:txBody>
+          </p:sp>
+        </p:grpSp>
+        <p:sp>
+          <p:nvSpPr>
+            <p:cNvPr id="16" name="TextBox 15">
+              <a:extLst>
+                <a:ext uri="{FF2B5EF4-FFF2-40B4-BE49-F238E27FC236}">
+                  <a16:creationId xmlns:a16="http://schemas.microsoft.com/office/drawing/2014/main" id="{D258F8D9-9B15-AFAA-B51B-5A18C48922C1}"/>
+                </a:ext>
+              </a:extLst>
+            </p:cNvPr>
+            <p:cNvSpPr txBox="1"/>
+            <p:nvPr/>
+          </p:nvSpPr>
+          <p:spPr>
+            <a:xfrm>
+              <a:off x="5857903" y="3034892"/>
+              <a:ext cx="338554" cy="369332"/>
+            </a:xfrm>
+            <a:prstGeom prst="rect">
+              <a:avLst/>
+            </a:prstGeom>
+            <a:noFill/>
+          </p:spPr>
+          <p:txBody>
+            <a:bodyPr wrap="none" rtlCol="0">
+              <a:spAutoFit/>
+            </a:bodyPr>
+            <a:lstStyle/>
+            <a:p>
+              <a:r>
+                <a:rPr lang="en-US" dirty="0">
+                  <a:latin typeface="Arial" panose="020B0604020202020204" pitchFamily="34" charset="0"/>
+                  <a:cs typeface="Arial" panose="020B0604020202020204" pitchFamily="34" charset="0"/>
+                </a:rPr>
+                <a:t>E</a:t>
+              </a:r>
+              <a:endParaRPr lang="en-US" baseline="-25000" dirty="0">
+                <a:latin typeface="Arial" panose="020B0604020202020204" pitchFamily="34" charset="0"/>
+                <a:cs typeface="Arial" panose="020B0604020202020204" pitchFamily="34" charset="0"/>
+              </a:endParaRPr>
+            </a:p>
+          </p:txBody>
+        </p:sp>
+        <p:sp>
+          <p:nvSpPr>
+            <p:cNvPr id="17" name="Oval 16">
+              <a:extLst>
+                <a:ext uri="{FF2B5EF4-FFF2-40B4-BE49-F238E27FC236}">
+                  <a16:creationId xmlns:a16="http://schemas.microsoft.com/office/drawing/2014/main" id="{D82901F2-F5D5-5875-7635-F4F47279C86E}"/>
+                </a:ext>
+              </a:extLst>
+            </p:cNvPr>
+            <p:cNvSpPr/>
+            <p:nvPr/>
+          </p:nvSpPr>
+          <p:spPr>
+            <a:xfrm>
+              <a:off x="5329155" y="3223357"/>
+              <a:ext cx="417191" cy="417191"/>
+            </a:xfrm>
+            <a:prstGeom prst="ellipse">
+              <a:avLst/>
+            </a:prstGeom>
+            <a:solidFill>
+              <a:schemeClr val="accent1">
+                <a:lumMod val="20000"/>
+                <a:lumOff val="80000"/>
+              </a:schemeClr>
+            </a:solidFill>
+            <a:ln w="28575">
+              <a:solidFill>
+                <a:schemeClr val="accent1"/>
+              </a:solidFill>
+            </a:ln>
+          </p:spPr>
+          <p:style>
+            <a:lnRef idx="2">
+              <a:schemeClr val="accent1">
+                <a:shade val="50000"/>
+              </a:schemeClr>
+            </a:lnRef>
+            <a:fillRef idx="1">
+              <a:schemeClr val="accent1"/>
+            </a:fillRef>
+            <a:effectRef idx="0">
+              <a:schemeClr val="accent1"/>
+            </a:effectRef>
+            <a:fontRef idx="minor">
+              <a:schemeClr val="lt1"/>
+            </a:fontRef>
+          </p:style>
+          <p:txBody>
+            <a:bodyPr rtlCol="0" anchor="ctr"/>
+            <a:lstStyle/>
+            <a:p>
+              <a:pPr algn="ctr"/>
+              <a:endParaRPr lang="en-US" sz="1400" baseline="-25000" dirty="0">
+                <a:solidFill>
+                  <a:schemeClr val="tx1"/>
+                </a:solidFill>
+                <a:latin typeface="Arial" panose="020B0604020202020204" pitchFamily="34" charset="0"/>
+                <a:cs typeface="Arial" panose="020B0604020202020204" pitchFamily="34" charset="0"/>
+              </a:endParaRPr>
+            </a:p>
+          </p:txBody>
+        </p:sp>
+        <p:cxnSp>
+          <p:nvCxnSpPr>
+            <p:cNvPr id="18" name="Straight Arrow Connector 17">
+              <a:extLst>
+                <a:ext uri="{FF2B5EF4-FFF2-40B4-BE49-F238E27FC236}">
+                  <a16:creationId xmlns:a16="http://schemas.microsoft.com/office/drawing/2014/main" id="{5254EF11-8A4B-CA94-0AB8-38D6846BF30C}"/>
+                </a:ext>
+              </a:extLst>
+            </p:cNvPr>
+            <p:cNvCxnSpPr>
+              <a:cxnSpLocks/>
+            </p:cNvCxnSpPr>
+            <p:nvPr/>
+          </p:nvCxnSpPr>
+          <p:spPr>
+            <a:xfrm>
+              <a:off x="4402004" y="3434834"/>
+              <a:ext cx="370995" cy="0"/>
+            </a:xfrm>
+            <a:prstGeom prst="straightConnector1">
+              <a:avLst/>
+            </a:prstGeom>
+            <a:ln w="38100">
+              <a:solidFill>
+                <a:schemeClr val="tx1"/>
+              </a:solidFill>
+              <a:tailEnd type="triangle" w="med" len="lg"/>
+            </a:ln>
+          </p:spPr>
+          <p:style>
+            <a:lnRef idx="1">
+              <a:schemeClr val="accent1"/>
+            </a:lnRef>
+            <a:fillRef idx="0">
+              <a:schemeClr val="accent1"/>
+            </a:fillRef>
+            <a:effectRef idx="0">
+              <a:schemeClr val="accent1"/>
+            </a:effectRef>
+            <a:fontRef idx="minor">
+              <a:schemeClr val="tx1"/>
+            </a:fontRef>
+          </p:style>
+        </p:cxnSp>
+        <p:cxnSp>
+          <p:nvCxnSpPr>
+            <p:cNvPr id="19" name="Straight Arrow Connector 18">
+              <a:extLst>
+                <a:ext uri="{FF2B5EF4-FFF2-40B4-BE49-F238E27FC236}">
+                  <a16:creationId xmlns:a16="http://schemas.microsoft.com/office/drawing/2014/main" id="{9747A585-3554-A9B8-95F7-998818526077}"/>
+                </a:ext>
+              </a:extLst>
+            </p:cNvPr>
+            <p:cNvCxnSpPr>
+              <a:cxnSpLocks/>
+            </p:cNvCxnSpPr>
+            <p:nvPr/>
+          </p:nvCxnSpPr>
+          <p:spPr>
+            <a:xfrm>
+              <a:off x="4861135" y="3431953"/>
+              <a:ext cx="370995" cy="0"/>
+            </a:xfrm>
+            <a:prstGeom prst="straightConnector1">
+              <a:avLst/>
+            </a:prstGeom>
+            <a:ln w="38100">
+              <a:solidFill>
+                <a:schemeClr val="tx1"/>
+              </a:solidFill>
+              <a:tailEnd type="triangle" w="med" len="lg"/>
+            </a:ln>
+          </p:spPr>
+          <p:style>
+            <a:lnRef idx="1">
+              <a:schemeClr val="accent1"/>
+            </a:lnRef>
+            <a:fillRef idx="0">
+              <a:schemeClr val="accent1"/>
+            </a:fillRef>
+            <a:effectRef idx="0">
+              <a:schemeClr val="accent1"/>
+            </a:effectRef>
+            <a:fontRef idx="minor">
+              <a:schemeClr val="tx1"/>
+            </a:fontRef>
+          </p:style>
+        </p:cxnSp>
+        <p:sp>
+          <p:nvSpPr>
+            <p:cNvPr id="20" name="Rounded Rectangle 19">
+              <a:extLst>
+                <a:ext uri="{FF2B5EF4-FFF2-40B4-BE49-F238E27FC236}">
+                  <a16:creationId xmlns:a16="http://schemas.microsoft.com/office/drawing/2014/main" id="{375098C7-A82B-0E89-E6E2-5991FC0F9092}"/>
+                </a:ext>
+              </a:extLst>
+            </p:cNvPr>
+            <p:cNvSpPr/>
+            <p:nvPr/>
+          </p:nvSpPr>
+          <p:spPr>
+            <a:xfrm>
+              <a:off x="7205994" y="3167675"/>
+              <a:ext cx="268013" cy="462511"/>
+            </a:xfrm>
+            <a:prstGeom prst="roundRect">
               <a:avLst/>
             </a:prstGeom>
             <a:solidFill>
@@ -13702,571 +13986,16 @@
             <a:lstStyle/>
             <a:p>
               <a:pPr algn="ctr"/>
-              <a:endParaRPr lang="en-US" dirty="0"/>
+              <a:endParaRPr lang="en-US"/>
             </a:p>
           </p:txBody>
         </p:sp>
-      </p:grpSp>
-      <p:sp>
-        <p:nvSpPr>
-          <p:cNvPr id="16" name="TextBox 15">
-            <a:extLst>
-              <a:ext uri="{FF2B5EF4-FFF2-40B4-BE49-F238E27FC236}">
-                <a16:creationId xmlns:a16="http://schemas.microsoft.com/office/drawing/2014/main" id="{D258F8D9-9B15-AFAA-B51B-5A18C48922C1}"/>
-              </a:ext>
-            </a:extLst>
-          </p:cNvPr>
-          <p:cNvSpPr txBox="1"/>
-          <p:nvPr/>
-        </p:nvSpPr>
-        <p:spPr>
-          <a:xfrm>
-            <a:off x="3644790" y="3662018"/>
-            <a:ext cx="338554" cy="369332"/>
-          </a:xfrm>
-          <a:prstGeom prst="rect">
-            <a:avLst/>
-          </a:prstGeom>
-          <a:noFill/>
-        </p:spPr>
-        <p:txBody>
-          <a:bodyPr wrap="none" rtlCol="0">
-            <a:spAutoFit/>
-          </a:bodyPr>
-          <a:lstStyle/>
-          <a:p>
-            <a:r>
-              <a:rPr lang="en-US" dirty="0">
-                <a:latin typeface="Arial" panose="020B0604020202020204" pitchFamily="34" charset="0"/>
-                <a:cs typeface="Arial" panose="020B0604020202020204" pitchFamily="34" charset="0"/>
-              </a:rPr>
-              <a:t>E</a:t>
-            </a:r>
-            <a:endParaRPr lang="en-US" baseline="-25000" dirty="0">
-              <a:latin typeface="Arial" panose="020B0604020202020204" pitchFamily="34" charset="0"/>
-              <a:cs typeface="Arial" panose="020B0604020202020204" pitchFamily="34" charset="0"/>
-            </a:endParaRPr>
-          </a:p>
-        </p:txBody>
-      </p:sp>
-      <p:sp>
-        <p:nvSpPr>
-          <p:cNvPr id="17" name="Oval 16">
-            <a:extLst>
-              <a:ext uri="{FF2B5EF4-FFF2-40B4-BE49-F238E27FC236}">
-                <a16:creationId xmlns:a16="http://schemas.microsoft.com/office/drawing/2014/main" id="{D82901F2-F5D5-5875-7635-F4F47279C86E}"/>
-              </a:ext>
-            </a:extLst>
-          </p:cNvPr>
-          <p:cNvSpPr/>
-          <p:nvPr/>
-        </p:nvSpPr>
-        <p:spPr>
-          <a:xfrm>
-            <a:off x="3116042" y="3850483"/>
-            <a:ext cx="417191" cy="417191"/>
-          </a:xfrm>
-          <a:prstGeom prst="ellipse">
-            <a:avLst/>
-          </a:prstGeom>
-          <a:solidFill>
-            <a:schemeClr val="accent1">
-              <a:lumMod val="20000"/>
-              <a:lumOff val="80000"/>
-            </a:schemeClr>
-          </a:solidFill>
-          <a:ln w="28575">
-            <a:solidFill>
-              <a:schemeClr val="accent1"/>
-            </a:solidFill>
-          </a:ln>
-        </p:spPr>
-        <p:style>
-          <a:lnRef idx="2">
-            <a:schemeClr val="accent1">
-              <a:shade val="50000"/>
-            </a:schemeClr>
-          </a:lnRef>
-          <a:fillRef idx="1">
-            <a:schemeClr val="accent1"/>
-          </a:fillRef>
-          <a:effectRef idx="0">
-            <a:schemeClr val="accent1"/>
-          </a:effectRef>
-          <a:fontRef idx="minor">
-            <a:schemeClr val="lt1"/>
-          </a:fontRef>
-        </p:style>
-        <p:txBody>
-          <a:bodyPr rtlCol="0" anchor="ctr"/>
-          <a:lstStyle/>
-          <a:p>
-            <a:pPr algn="ctr"/>
-            <a:endParaRPr lang="en-US" sz="1400" baseline="-25000" dirty="0">
-              <a:solidFill>
-                <a:schemeClr val="tx1"/>
-              </a:solidFill>
-              <a:latin typeface="Arial" panose="020B0604020202020204" pitchFamily="34" charset="0"/>
-              <a:cs typeface="Arial" panose="020B0604020202020204" pitchFamily="34" charset="0"/>
-            </a:endParaRPr>
-          </a:p>
-        </p:txBody>
-      </p:sp>
-      <p:cxnSp>
-        <p:nvCxnSpPr>
-          <p:cNvPr id="18" name="Straight Arrow Connector 17">
-            <a:extLst>
-              <a:ext uri="{FF2B5EF4-FFF2-40B4-BE49-F238E27FC236}">
-                <a16:creationId xmlns:a16="http://schemas.microsoft.com/office/drawing/2014/main" id="{5254EF11-8A4B-CA94-0AB8-38D6846BF30C}"/>
-              </a:ext>
-            </a:extLst>
-          </p:cNvPr>
-          <p:cNvCxnSpPr>
-            <a:cxnSpLocks/>
-          </p:cNvCxnSpPr>
-          <p:nvPr/>
-        </p:nvCxnSpPr>
-        <p:spPr>
-          <a:xfrm>
-            <a:off x="2188891" y="4061960"/>
-            <a:ext cx="370995" cy="0"/>
-          </a:xfrm>
-          <a:prstGeom prst="straightConnector1">
-            <a:avLst/>
-          </a:prstGeom>
-          <a:ln w="38100">
-            <a:solidFill>
-              <a:schemeClr val="tx1"/>
-            </a:solidFill>
-            <a:tailEnd type="triangle" w="med" len="lg"/>
-          </a:ln>
-        </p:spPr>
-        <p:style>
-          <a:lnRef idx="1">
-            <a:schemeClr val="accent1"/>
-          </a:lnRef>
-          <a:fillRef idx="0">
-            <a:schemeClr val="accent1"/>
-          </a:fillRef>
-          <a:effectRef idx="0">
-            <a:schemeClr val="accent1"/>
-          </a:effectRef>
-          <a:fontRef idx="minor">
-            <a:schemeClr val="tx1"/>
-          </a:fontRef>
-        </p:style>
-      </p:cxnSp>
-      <p:cxnSp>
-        <p:nvCxnSpPr>
-          <p:cNvPr id="19" name="Straight Arrow Connector 18">
-            <a:extLst>
-              <a:ext uri="{FF2B5EF4-FFF2-40B4-BE49-F238E27FC236}">
-                <a16:creationId xmlns:a16="http://schemas.microsoft.com/office/drawing/2014/main" id="{9747A585-3554-A9B8-95F7-998818526077}"/>
-              </a:ext>
-            </a:extLst>
-          </p:cNvPr>
-          <p:cNvCxnSpPr>
-            <a:cxnSpLocks/>
-          </p:cNvCxnSpPr>
-          <p:nvPr/>
-        </p:nvCxnSpPr>
-        <p:spPr>
-          <a:xfrm>
-            <a:off x="2648022" y="4059079"/>
-            <a:ext cx="370995" cy="0"/>
-          </a:xfrm>
-          <a:prstGeom prst="straightConnector1">
-            <a:avLst/>
-          </a:prstGeom>
-          <a:ln w="38100">
-            <a:solidFill>
-              <a:schemeClr val="tx1"/>
-            </a:solidFill>
-            <a:tailEnd type="triangle" w="med" len="lg"/>
-          </a:ln>
-        </p:spPr>
-        <p:style>
-          <a:lnRef idx="1">
-            <a:schemeClr val="accent1"/>
-          </a:lnRef>
-          <a:fillRef idx="0">
-            <a:schemeClr val="accent1"/>
-          </a:fillRef>
-          <a:effectRef idx="0">
-            <a:schemeClr val="accent1"/>
-          </a:effectRef>
-          <a:fontRef idx="minor">
-            <a:schemeClr val="tx1"/>
-          </a:fontRef>
-        </p:style>
-      </p:cxnSp>
-      <p:sp>
-        <p:nvSpPr>
-          <p:cNvPr id="20" name="Rounded Rectangle 19">
-            <a:extLst>
-              <a:ext uri="{FF2B5EF4-FFF2-40B4-BE49-F238E27FC236}">
-                <a16:creationId xmlns:a16="http://schemas.microsoft.com/office/drawing/2014/main" id="{375098C7-A82B-0E89-E6E2-5991FC0F9092}"/>
-              </a:ext>
-            </a:extLst>
-          </p:cNvPr>
-          <p:cNvSpPr/>
-          <p:nvPr/>
-        </p:nvSpPr>
-        <p:spPr>
-          <a:xfrm>
-            <a:off x="4992881" y="3794801"/>
-            <a:ext cx="268013" cy="462511"/>
-          </a:xfrm>
-          <a:prstGeom prst="roundRect">
-            <a:avLst/>
-          </a:prstGeom>
-          <a:solidFill>
-            <a:schemeClr val="accent5">
-              <a:lumMod val="20000"/>
-              <a:lumOff val="80000"/>
-            </a:schemeClr>
-          </a:solidFill>
-          <a:ln w="28575">
-            <a:solidFill>
-              <a:schemeClr val="tx1"/>
-            </a:solidFill>
-          </a:ln>
-        </p:spPr>
-        <p:style>
-          <a:lnRef idx="2">
-            <a:schemeClr val="accent1">
-              <a:shade val="50000"/>
-            </a:schemeClr>
-          </a:lnRef>
-          <a:fillRef idx="1">
-            <a:schemeClr val="accent1"/>
-          </a:fillRef>
-          <a:effectRef idx="0">
-            <a:schemeClr val="accent1"/>
-          </a:effectRef>
-          <a:fontRef idx="minor">
-            <a:schemeClr val="lt1"/>
-          </a:fontRef>
-        </p:style>
-        <p:txBody>
-          <a:bodyPr rtlCol="0" anchor="ctr"/>
-          <a:lstStyle/>
-          <a:p>
-            <a:pPr algn="ctr"/>
-            <a:endParaRPr lang="en-US"/>
-          </a:p>
-        </p:txBody>
-      </p:sp>
-      <p:cxnSp>
-        <p:nvCxnSpPr>
-          <p:cNvPr id="21" name="Straight Arrow Connector 20">
-            <a:extLst>
-              <a:ext uri="{FF2B5EF4-FFF2-40B4-BE49-F238E27FC236}">
-                <a16:creationId xmlns:a16="http://schemas.microsoft.com/office/drawing/2014/main" id="{0CB86979-3896-366C-04B1-00A193A9C792}"/>
-              </a:ext>
-            </a:extLst>
-          </p:cNvPr>
-          <p:cNvCxnSpPr>
-            <a:cxnSpLocks/>
-          </p:cNvCxnSpPr>
-          <p:nvPr/>
-        </p:nvCxnSpPr>
-        <p:spPr>
-          <a:xfrm>
-            <a:off x="3616904" y="4059078"/>
-            <a:ext cx="552995" cy="0"/>
-          </a:xfrm>
-          <a:prstGeom prst="straightConnector1">
-            <a:avLst/>
-          </a:prstGeom>
-          <a:ln w="38100">
-            <a:solidFill>
-              <a:schemeClr val="tx1"/>
-            </a:solidFill>
-            <a:tailEnd type="triangle" w="med" len="lg"/>
-          </a:ln>
-        </p:spPr>
-        <p:style>
-          <a:lnRef idx="1">
-            <a:schemeClr val="accent1"/>
-          </a:lnRef>
-          <a:fillRef idx="0">
-            <a:schemeClr val="accent1"/>
-          </a:fillRef>
-          <a:effectRef idx="0">
-            <a:schemeClr val="accent1"/>
-          </a:effectRef>
-          <a:fontRef idx="minor">
-            <a:schemeClr val="tx1"/>
-          </a:fontRef>
-        </p:style>
-      </p:cxnSp>
-      <p:sp>
-        <p:nvSpPr>
-          <p:cNvPr id="22" name="Oval 21">
-            <a:extLst>
-              <a:ext uri="{FF2B5EF4-FFF2-40B4-BE49-F238E27FC236}">
-                <a16:creationId xmlns:a16="http://schemas.microsoft.com/office/drawing/2014/main" id="{1EC61A8E-1395-95DE-97EA-F650E879F7ED}"/>
-              </a:ext>
-            </a:extLst>
-          </p:cNvPr>
-          <p:cNvSpPr/>
-          <p:nvPr/>
-        </p:nvSpPr>
-        <p:spPr>
-          <a:xfrm>
-            <a:off x="4251449" y="3846684"/>
-            <a:ext cx="417191" cy="417191"/>
-          </a:xfrm>
-          <a:prstGeom prst="ellipse">
-            <a:avLst/>
-          </a:prstGeom>
-          <a:solidFill>
-            <a:schemeClr val="accent6">
-              <a:lumMod val="20000"/>
-              <a:lumOff val="80000"/>
-            </a:schemeClr>
-          </a:solidFill>
-          <a:ln w="28575">
-            <a:solidFill>
-              <a:schemeClr val="accent6"/>
-            </a:solidFill>
-          </a:ln>
-        </p:spPr>
-        <p:style>
-          <a:lnRef idx="2">
-            <a:schemeClr val="accent1">
-              <a:shade val="50000"/>
-            </a:schemeClr>
-          </a:lnRef>
-          <a:fillRef idx="1">
-            <a:schemeClr val="accent1"/>
-          </a:fillRef>
-          <a:effectRef idx="0">
-            <a:schemeClr val="accent1"/>
-          </a:effectRef>
-          <a:fontRef idx="minor">
-            <a:schemeClr val="lt1"/>
-          </a:fontRef>
-        </p:style>
-        <p:txBody>
-          <a:bodyPr rtlCol="0" anchor="ctr"/>
-          <a:lstStyle/>
-          <a:p>
-            <a:pPr algn="ctr"/>
-            <a:endParaRPr lang="en-US" sz="1400" baseline="-25000" dirty="0">
-              <a:solidFill>
-                <a:schemeClr val="tx1"/>
-              </a:solidFill>
-              <a:latin typeface="Arial" panose="020B0604020202020204" pitchFamily="34" charset="0"/>
-              <a:cs typeface="Arial" panose="020B0604020202020204" pitchFamily="34" charset="0"/>
-            </a:endParaRPr>
-          </a:p>
-        </p:txBody>
-      </p:sp>
-      <p:cxnSp>
-        <p:nvCxnSpPr>
-          <p:cNvPr id="23" name="Straight Arrow Connector 22">
-            <a:extLst>
-              <a:ext uri="{FF2B5EF4-FFF2-40B4-BE49-F238E27FC236}">
-                <a16:creationId xmlns:a16="http://schemas.microsoft.com/office/drawing/2014/main" id="{3ECB20DA-B287-B850-FF80-D855EB52E13D}"/>
-              </a:ext>
-            </a:extLst>
-          </p:cNvPr>
-          <p:cNvCxnSpPr>
-            <a:cxnSpLocks/>
-          </p:cNvCxnSpPr>
-          <p:nvPr/>
-        </p:nvCxnSpPr>
-        <p:spPr>
-          <a:xfrm>
-            <a:off x="4767787" y="4026057"/>
-            <a:ext cx="815753" cy="0"/>
-          </a:xfrm>
-          <a:prstGeom prst="straightConnector1">
-            <a:avLst/>
-          </a:prstGeom>
-          <a:ln w="38100">
-            <a:solidFill>
-              <a:schemeClr val="tx1"/>
-            </a:solidFill>
-            <a:tailEnd type="triangle" w="med" len="lg"/>
-          </a:ln>
-        </p:spPr>
-        <p:style>
-          <a:lnRef idx="1">
-            <a:schemeClr val="accent1"/>
-          </a:lnRef>
-          <a:fillRef idx="0">
-            <a:schemeClr val="accent1"/>
-          </a:fillRef>
-          <a:effectRef idx="0">
-            <a:schemeClr val="accent1"/>
-          </a:effectRef>
-          <a:fontRef idx="minor">
-            <a:schemeClr val="tx1"/>
-          </a:fontRef>
-        </p:style>
-      </p:cxnSp>
-      <p:sp>
-        <p:nvSpPr>
-          <p:cNvPr id="24" name="TextBox 23">
-            <a:extLst>
-              <a:ext uri="{FF2B5EF4-FFF2-40B4-BE49-F238E27FC236}">
-                <a16:creationId xmlns:a16="http://schemas.microsoft.com/office/drawing/2014/main" id="{CA7A16E6-C8E3-B7AF-2AFD-664B42080C98}"/>
-              </a:ext>
-            </a:extLst>
-          </p:cNvPr>
-          <p:cNvSpPr txBox="1"/>
-          <p:nvPr/>
-        </p:nvSpPr>
-        <p:spPr>
-          <a:xfrm>
-            <a:off x="3130301" y="3871460"/>
-            <a:ext cx="423514" cy="369332"/>
-          </a:xfrm>
-          <a:prstGeom prst="rect">
-            <a:avLst/>
-          </a:prstGeom>
-          <a:noFill/>
-        </p:spPr>
-        <p:txBody>
-          <a:bodyPr wrap="none" rtlCol="0">
-            <a:spAutoFit/>
-          </a:bodyPr>
-          <a:lstStyle/>
-          <a:p>
-            <a:r>
-              <a:rPr lang="en-US" dirty="0">
-                <a:latin typeface="Arial" panose="020B0604020202020204" pitchFamily="34" charset="0"/>
-                <a:cs typeface="Arial" panose="020B0604020202020204" pitchFamily="34" charset="0"/>
-              </a:rPr>
-              <a:t>X</a:t>
-            </a:r>
-            <a:r>
-              <a:rPr lang="en-US" baseline="-25000" dirty="0">
-                <a:latin typeface="Arial" panose="020B0604020202020204" pitchFamily="34" charset="0"/>
-                <a:cs typeface="Arial" panose="020B0604020202020204" pitchFamily="34" charset="0"/>
-              </a:rPr>
-              <a:t>1</a:t>
-            </a:r>
-          </a:p>
-        </p:txBody>
-      </p:sp>
-      <p:sp>
-        <p:nvSpPr>
-          <p:cNvPr id="25" name="TextBox 24">
-            <a:extLst>
-              <a:ext uri="{FF2B5EF4-FFF2-40B4-BE49-F238E27FC236}">
-                <a16:creationId xmlns:a16="http://schemas.microsoft.com/office/drawing/2014/main" id="{71DF4D96-708D-6995-F433-3ED231EFA408}"/>
-              </a:ext>
-            </a:extLst>
-          </p:cNvPr>
-          <p:cNvSpPr txBox="1"/>
-          <p:nvPr/>
-        </p:nvSpPr>
-        <p:spPr>
-          <a:xfrm>
-            <a:off x="4265168" y="3864919"/>
-            <a:ext cx="423514" cy="369332"/>
-          </a:xfrm>
-          <a:prstGeom prst="rect">
-            <a:avLst/>
-          </a:prstGeom>
-          <a:noFill/>
-        </p:spPr>
-        <p:txBody>
-          <a:bodyPr wrap="none" rtlCol="0">
-            <a:spAutoFit/>
-          </a:bodyPr>
-          <a:lstStyle/>
-          <a:p>
-            <a:r>
-              <a:rPr lang="en-US" dirty="0">
-                <a:latin typeface="Arial" panose="020B0604020202020204" pitchFamily="34" charset="0"/>
-                <a:cs typeface="Arial" panose="020B0604020202020204" pitchFamily="34" charset="0"/>
-              </a:rPr>
-              <a:t>X</a:t>
-            </a:r>
-            <a:r>
-              <a:rPr lang="en-US" baseline="-25000" dirty="0">
-                <a:latin typeface="Arial" panose="020B0604020202020204" pitchFamily="34" charset="0"/>
-                <a:cs typeface="Arial" panose="020B0604020202020204" pitchFamily="34" charset="0"/>
-              </a:rPr>
-              <a:t>2</a:t>
-            </a:r>
-          </a:p>
-        </p:txBody>
-      </p:sp>
-      <p:grpSp>
-        <p:nvGrpSpPr>
-          <p:cNvPr id="26" name="Group 25">
-            <a:extLst>
-              <a:ext uri="{FF2B5EF4-FFF2-40B4-BE49-F238E27FC236}">
-                <a16:creationId xmlns:a16="http://schemas.microsoft.com/office/drawing/2014/main" id="{1BACBEAE-F932-B50F-72E5-DD4CCFF9E677}"/>
-              </a:ext>
-            </a:extLst>
-          </p:cNvPr>
-          <p:cNvGrpSpPr/>
-          <p:nvPr/>
-        </p:nvGrpSpPr>
-        <p:grpSpPr>
-          <a:xfrm>
-            <a:off x="3533233" y="2902770"/>
-            <a:ext cx="651933" cy="360297"/>
-            <a:chOff x="6400248" y="1777592"/>
-            <a:chExt cx="651933" cy="360297"/>
-          </a:xfrm>
-        </p:grpSpPr>
         <p:cxnSp>
           <p:nvCxnSpPr>
-            <p:cNvPr id="27" name="Straight Connector 26">
+            <p:cNvPr id="21" name="Straight Arrow Connector 20">
               <a:extLst>
                 <a:ext uri="{FF2B5EF4-FFF2-40B4-BE49-F238E27FC236}">
-                  <a16:creationId xmlns:a16="http://schemas.microsoft.com/office/drawing/2014/main" id="{612E6AE3-2A49-BA8D-A5A0-48C2CB635B1C}"/>
-                </a:ext>
-              </a:extLst>
-            </p:cNvPr>
-            <p:cNvCxnSpPr>
-              <a:cxnSpLocks/>
-            </p:cNvCxnSpPr>
-            <p:nvPr/>
-          </p:nvCxnSpPr>
-          <p:spPr>
-            <a:xfrm flipH="1">
-              <a:off x="6400248" y="2035931"/>
-              <a:ext cx="651933" cy="0"/>
-            </a:xfrm>
-            <a:prstGeom prst="line">
-              <a:avLst/>
-            </a:prstGeom>
-            <a:ln w="28575">
-              <a:solidFill>
-                <a:schemeClr val="tx1"/>
-              </a:solidFill>
-            </a:ln>
-          </p:spPr>
-          <p:style>
-            <a:lnRef idx="1">
-              <a:schemeClr val="accent1"/>
-            </a:lnRef>
-            <a:fillRef idx="0">
-              <a:schemeClr val="accent1"/>
-            </a:fillRef>
-            <a:effectRef idx="0">
-              <a:schemeClr val="accent1"/>
-            </a:effectRef>
-            <a:fontRef idx="minor">
-              <a:schemeClr val="tx1"/>
-            </a:fontRef>
-          </p:style>
-        </p:cxnSp>
-        <p:cxnSp>
-          <p:nvCxnSpPr>
-            <p:cNvPr id="28" name="Straight Connector 27">
-              <a:extLst>
-                <a:ext uri="{FF2B5EF4-FFF2-40B4-BE49-F238E27FC236}">
-                  <a16:creationId xmlns:a16="http://schemas.microsoft.com/office/drawing/2014/main" id="{8ABC3972-9F90-F82B-E014-1B4A5C1C0264}"/>
+                  <a16:creationId xmlns:a16="http://schemas.microsoft.com/office/drawing/2014/main" id="{0CB86979-3896-366C-04B1-00A193A9C792}"/>
                 </a:ext>
               </a:extLst>
             </p:cNvPr>
@@ -14277,58 +14006,17 @@
           </p:nvCxnSpPr>
           <p:spPr>
             <a:xfrm>
-              <a:off x="6498734" y="1777592"/>
-              <a:ext cx="0" cy="258339"/>
-            </a:xfrm>
-            <a:prstGeom prst="line">
-              <a:avLst/>
-            </a:prstGeom>
-            <a:ln w="28575">
-              <a:solidFill>
-                <a:schemeClr val="tx1"/>
-              </a:solidFill>
-            </a:ln>
-          </p:spPr>
-          <p:style>
-            <a:lnRef idx="1">
-              <a:schemeClr val="accent1"/>
-            </a:lnRef>
-            <a:fillRef idx="0">
-              <a:schemeClr val="accent1"/>
-            </a:fillRef>
-            <a:effectRef idx="0">
-              <a:schemeClr val="accent1"/>
-            </a:effectRef>
-            <a:fontRef idx="minor">
-              <a:schemeClr val="tx1"/>
-            </a:fontRef>
-          </p:style>
-        </p:cxnSp>
-        <p:cxnSp>
-          <p:nvCxnSpPr>
-            <p:cNvPr id="29" name="Straight Arrow Connector 28">
-              <a:extLst>
-                <a:ext uri="{FF2B5EF4-FFF2-40B4-BE49-F238E27FC236}">
-                  <a16:creationId xmlns:a16="http://schemas.microsoft.com/office/drawing/2014/main" id="{111F3E1E-22DD-3781-3914-C7A1C2DF0017}"/>
-                </a:ext>
-              </a:extLst>
-            </p:cNvPr>
-            <p:cNvCxnSpPr/>
-            <p:nvPr/>
-          </p:nvCxnSpPr>
-          <p:spPr>
-            <a:xfrm>
-              <a:off x="6481800" y="1777592"/>
-              <a:ext cx="182784" cy="0"/>
+              <a:off x="5830017" y="3431952"/>
+              <a:ext cx="552995" cy="0"/>
             </a:xfrm>
             <a:prstGeom prst="straightConnector1">
               <a:avLst/>
             </a:prstGeom>
-            <a:ln w="28575">
+            <a:ln w="38100">
               <a:solidFill>
                 <a:schemeClr val="tx1"/>
               </a:solidFill>
-              <a:tailEnd type="triangle"/>
+              <a:tailEnd type="triangle" w="med" len="lg"/>
             </a:ln>
           </p:spPr>
           <p:style>
@@ -14348,10 +14036,10 @@
         </p:cxnSp>
         <p:sp>
           <p:nvSpPr>
-            <p:cNvPr id="30" name="Pentagon 29">
+            <p:cNvPr id="22" name="Oval 21">
               <a:extLst>
                 <a:ext uri="{FF2B5EF4-FFF2-40B4-BE49-F238E27FC236}">
-                  <a16:creationId xmlns:a16="http://schemas.microsoft.com/office/drawing/2014/main" id="{F172FA70-4E96-9F77-5493-7377C16C530C}"/>
+                  <a16:creationId xmlns:a16="http://schemas.microsoft.com/office/drawing/2014/main" id="{1EC61A8E-1395-95DE-97EA-F650E879F7ED}"/>
                 </a:ext>
               </a:extLst>
             </p:cNvPr>
@@ -14360,959 +14048,10 @@
           </p:nvSpPr>
           <p:spPr>
             <a:xfrm>
-              <a:off x="6573750" y="1929992"/>
-              <a:ext cx="389596" cy="207897"/>
+              <a:off x="6464562" y="3219558"/>
+              <a:ext cx="417191" cy="417191"/>
             </a:xfrm>
-            <a:prstGeom prst="homePlate">
-              <a:avLst/>
-            </a:prstGeom>
-            <a:solidFill>
-              <a:schemeClr val="accent5">
-                <a:lumMod val="20000"/>
-                <a:lumOff val="80000"/>
-              </a:schemeClr>
-            </a:solidFill>
-            <a:ln w="28575">
-              <a:solidFill>
-                <a:schemeClr val="tx1"/>
-              </a:solidFill>
-            </a:ln>
-          </p:spPr>
-          <p:style>
-            <a:lnRef idx="2">
-              <a:schemeClr val="accent1">
-                <a:shade val="50000"/>
-              </a:schemeClr>
-            </a:lnRef>
-            <a:fillRef idx="1">
-              <a:schemeClr val="accent1"/>
-            </a:fillRef>
-            <a:effectRef idx="0">
-              <a:schemeClr val="accent1"/>
-            </a:effectRef>
-            <a:fontRef idx="minor">
-              <a:schemeClr val="lt1"/>
-            </a:fontRef>
-          </p:style>
-          <p:txBody>
-            <a:bodyPr rtlCol="0" anchor="ctr"/>
-            <a:lstStyle/>
-            <a:p>
-              <a:pPr algn="ctr"/>
-              <a:endParaRPr lang="en-US" dirty="0"/>
-            </a:p>
-          </p:txBody>
-        </p:sp>
-      </p:grpSp>
-      <p:grpSp>
-        <p:nvGrpSpPr>
-          <p:cNvPr id="31" name="Group 30">
-            <a:extLst>
-              <a:ext uri="{FF2B5EF4-FFF2-40B4-BE49-F238E27FC236}">
-                <a16:creationId xmlns:a16="http://schemas.microsoft.com/office/drawing/2014/main" id="{0116B306-CE43-181F-5F62-1A1E8983BBCB}"/>
-              </a:ext>
-            </a:extLst>
-          </p:cNvPr>
-          <p:cNvGrpSpPr/>
-          <p:nvPr/>
-        </p:nvGrpSpPr>
-        <p:grpSpPr>
-          <a:xfrm>
-            <a:off x="4800920" y="2921298"/>
-            <a:ext cx="651933" cy="360297"/>
-            <a:chOff x="6400248" y="1777592"/>
-            <a:chExt cx="651933" cy="360297"/>
-          </a:xfrm>
-        </p:grpSpPr>
-        <p:cxnSp>
-          <p:nvCxnSpPr>
-            <p:cNvPr id="32" name="Straight Connector 31">
-              <a:extLst>
-                <a:ext uri="{FF2B5EF4-FFF2-40B4-BE49-F238E27FC236}">
-                  <a16:creationId xmlns:a16="http://schemas.microsoft.com/office/drawing/2014/main" id="{078A9B06-DFE8-76A0-6412-99D1AB94A5EC}"/>
-                </a:ext>
-              </a:extLst>
-            </p:cNvPr>
-            <p:cNvCxnSpPr>
-              <a:cxnSpLocks/>
-            </p:cNvCxnSpPr>
-            <p:nvPr/>
-          </p:nvCxnSpPr>
-          <p:spPr>
-            <a:xfrm flipH="1">
-              <a:off x="6400248" y="2035931"/>
-              <a:ext cx="651933" cy="0"/>
-            </a:xfrm>
-            <a:prstGeom prst="line">
-              <a:avLst/>
-            </a:prstGeom>
-            <a:ln w="28575">
-              <a:solidFill>
-                <a:schemeClr val="tx1"/>
-              </a:solidFill>
-            </a:ln>
-          </p:spPr>
-          <p:style>
-            <a:lnRef idx="1">
-              <a:schemeClr val="accent1"/>
-            </a:lnRef>
-            <a:fillRef idx="0">
-              <a:schemeClr val="accent1"/>
-            </a:fillRef>
-            <a:effectRef idx="0">
-              <a:schemeClr val="accent1"/>
-            </a:effectRef>
-            <a:fontRef idx="minor">
-              <a:schemeClr val="tx1"/>
-            </a:fontRef>
-          </p:style>
-        </p:cxnSp>
-        <p:cxnSp>
-          <p:nvCxnSpPr>
-            <p:cNvPr id="33" name="Straight Connector 32">
-              <a:extLst>
-                <a:ext uri="{FF2B5EF4-FFF2-40B4-BE49-F238E27FC236}">
-                  <a16:creationId xmlns:a16="http://schemas.microsoft.com/office/drawing/2014/main" id="{34E96D96-71E4-A3EA-2D50-0C8C8C93693A}"/>
-                </a:ext>
-              </a:extLst>
-            </p:cNvPr>
-            <p:cNvCxnSpPr>
-              <a:cxnSpLocks/>
-            </p:cNvCxnSpPr>
-            <p:nvPr/>
-          </p:nvCxnSpPr>
-          <p:spPr>
-            <a:xfrm>
-              <a:off x="6498734" y="1777592"/>
-              <a:ext cx="0" cy="258339"/>
-            </a:xfrm>
-            <a:prstGeom prst="line">
-              <a:avLst/>
-            </a:prstGeom>
-            <a:ln w="28575">
-              <a:solidFill>
-                <a:schemeClr val="tx1"/>
-              </a:solidFill>
-            </a:ln>
-          </p:spPr>
-          <p:style>
-            <a:lnRef idx="1">
-              <a:schemeClr val="accent1"/>
-            </a:lnRef>
-            <a:fillRef idx="0">
-              <a:schemeClr val="accent1"/>
-            </a:fillRef>
-            <a:effectRef idx="0">
-              <a:schemeClr val="accent1"/>
-            </a:effectRef>
-            <a:fontRef idx="minor">
-              <a:schemeClr val="tx1"/>
-            </a:fontRef>
-          </p:style>
-        </p:cxnSp>
-        <p:cxnSp>
-          <p:nvCxnSpPr>
-            <p:cNvPr id="34" name="Straight Arrow Connector 33">
-              <a:extLst>
-                <a:ext uri="{FF2B5EF4-FFF2-40B4-BE49-F238E27FC236}">
-                  <a16:creationId xmlns:a16="http://schemas.microsoft.com/office/drawing/2014/main" id="{162A38D3-9909-C235-BEA9-80F792FA29FB}"/>
-                </a:ext>
-              </a:extLst>
-            </p:cNvPr>
-            <p:cNvCxnSpPr/>
-            <p:nvPr/>
-          </p:nvCxnSpPr>
-          <p:spPr>
-            <a:xfrm>
-              <a:off x="6481800" y="1777592"/>
-              <a:ext cx="182784" cy="0"/>
-            </a:xfrm>
-            <a:prstGeom prst="straightConnector1">
-              <a:avLst/>
-            </a:prstGeom>
-            <a:ln w="28575">
-              <a:solidFill>
-                <a:schemeClr val="tx1"/>
-              </a:solidFill>
-              <a:tailEnd type="triangle"/>
-            </a:ln>
-          </p:spPr>
-          <p:style>
-            <a:lnRef idx="1">
-              <a:schemeClr val="accent1"/>
-            </a:lnRef>
-            <a:fillRef idx="0">
-              <a:schemeClr val="accent1"/>
-            </a:fillRef>
-            <a:effectRef idx="0">
-              <a:schemeClr val="accent1"/>
-            </a:effectRef>
-            <a:fontRef idx="minor">
-              <a:schemeClr val="tx1"/>
-            </a:fontRef>
-          </p:style>
-        </p:cxnSp>
-        <p:sp>
-          <p:nvSpPr>
-            <p:cNvPr id="35" name="Pentagon 34">
-              <a:extLst>
-                <a:ext uri="{FF2B5EF4-FFF2-40B4-BE49-F238E27FC236}">
-                  <a16:creationId xmlns:a16="http://schemas.microsoft.com/office/drawing/2014/main" id="{75261F84-0E0B-0A39-9BFE-C737CDE864B1}"/>
-                </a:ext>
-              </a:extLst>
-            </p:cNvPr>
-            <p:cNvSpPr/>
-            <p:nvPr/>
-          </p:nvSpPr>
-          <p:spPr>
-            <a:xfrm>
-              <a:off x="6573750" y="1929992"/>
-              <a:ext cx="389596" cy="207897"/>
-            </a:xfrm>
-            <a:prstGeom prst="homePlate">
-              <a:avLst/>
-            </a:prstGeom>
-            <a:solidFill>
-              <a:schemeClr val="accent5">
-                <a:lumMod val="20000"/>
-                <a:lumOff val="80000"/>
-              </a:schemeClr>
-            </a:solidFill>
-            <a:ln w="28575">
-              <a:solidFill>
-                <a:schemeClr val="tx1"/>
-              </a:solidFill>
-            </a:ln>
-          </p:spPr>
-          <p:style>
-            <a:lnRef idx="2">
-              <a:schemeClr val="accent1">
-                <a:shade val="50000"/>
-              </a:schemeClr>
-            </a:lnRef>
-            <a:fillRef idx="1">
-              <a:schemeClr val="accent1"/>
-            </a:fillRef>
-            <a:effectRef idx="0">
-              <a:schemeClr val="accent1"/>
-            </a:effectRef>
-            <a:fontRef idx="minor">
-              <a:schemeClr val="lt1"/>
-            </a:fontRef>
-          </p:style>
-          <p:txBody>
-            <a:bodyPr rtlCol="0" anchor="ctr"/>
-            <a:lstStyle/>
-            <a:p>
-              <a:pPr algn="ctr"/>
-              <a:endParaRPr lang="en-US" dirty="0"/>
-            </a:p>
-          </p:txBody>
-        </p:sp>
-      </p:grpSp>
-      <p:sp>
-        <p:nvSpPr>
-          <p:cNvPr id="36" name="TextBox 35">
-            <a:extLst>
-              <a:ext uri="{FF2B5EF4-FFF2-40B4-BE49-F238E27FC236}">
-                <a16:creationId xmlns:a16="http://schemas.microsoft.com/office/drawing/2014/main" id="{C5B4A549-AFF3-1E86-3B5D-7CBAF141E39C}"/>
-              </a:ext>
-            </a:extLst>
-          </p:cNvPr>
-          <p:cNvSpPr txBox="1"/>
-          <p:nvPr/>
-        </p:nvSpPr>
-        <p:spPr>
-          <a:xfrm>
-            <a:off x="1772035" y="3671409"/>
-            <a:ext cx="338554" cy="369332"/>
-          </a:xfrm>
-          <a:prstGeom prst="rect">
-            <a:avLst/>
-          </a:prstGeom>
-          <a:noFill/>
-        </p:spPr>
-        <p:txBody>
-          <a:bodyPr wrap="none" rtlCol="0">
-            <a:spAutoFit/>
-          </a:bodyPr>
-          <a:lstStyle/>
-          <a:p>
-            <a:r>
-              <a:rPr lang="en-US" dirty="0">
-                <a:latin typeface="Arial" panose="020B0604020202020204" pitchFamily="34" charset="0"/>
-                <a:cs typeface="Arial" panose="020B0604020202020204" pitchFamily="34" charset="0"/>
-              </a:rPr>
-              <a:t>A</a:t>
-            </a:r>
-            <a:endParaRPr lang="en-US" baseline="-25000" dirty="0">
-              <a:latin typeface="Arial" panose="020B0604020202020204" pitchFamily="34" charset="0"/>
-              <a:cs typeface="Arial" panose="020B0604020202020204" pitchFamily="34" charset="0"/>
-            </a:endParaRPr>
-          </a:p>
-        </p:txBody>
-      </p:sp>
-      <p:sp>
-        <p:nvSpPr>
-          <p:cNvPr id="37" name="TextBox 36">
-            <a:extLst>
-              <a:ext uri="{FF2B5EF4-FFF2-40B4-BE49-F238E27FC236}">
-                <a16:creationId xmlns:a16="http://schemas.microsoft.com/office/drawing/2014/main" id="{4AB8FC5E-DD25-2E4C-C21C-C0E9D1720047}"/>
-              </a:ext>
-            </a:extLst>
-          </p:cNvPr>
-          <p:cNvSpPr txBox="1"/>
-          <p:nvPr/>
-        </p:nvSpPr>
-        <p:spPr>
-          <a:xfrm>
-            <a:off x="2196653" y="3675203"/>
-            <a:ext cx="338554" cy="369332"/>
-          </a:xfrm>
-          <a:prstGeom prst="rect">
-            <a:avLst/>
-          </a:prstGeom>
-          <a:noFill/>
-        </p:spPr>
-        <p:txBody>
-          <a:bodyPr wrap="none" rtlCol="0">
-            <a:spAutoFit/>
-          </a:bodyPr>
-          <a:lstStyle/>
-          <a:p>
-            <a:r>
-              <a:rPr lang="en-US" dirty="0">
-                <a:latin typeface="Arial" panose="020B0604020202020204" pitchFamily="34" charset="0"/>
-                <a:cs typeface="Arial" panose="020B0604020202020204" pitchFamily="34" charset="0"/>
-              </a:rPr>
-              <a:t>B</a:t>
-            </a:r>
-            <a:endParaRPr lang="en-US" baseline="-25000" dirty="0">
-              <a:latin typeface="Arial" panose="020B0604020202020204" pitchFamily="34" charset="0"/>
-              <a:cs typeface="Arial" panose="020B0604020202020204" pitchFamily="34" charset="0"/>
-            </a:endParaRPr>
-          </a:p>
-        </p:txBody>
-      </p:sp>
-      <p:sp>
-        <p:nvSpPr>
-          <p:cNvPr id="38" name="TextBox 37">
-            <a:extLst>
-              <a:ext uri="{FF2B5EF4-FFF2-40B4-BE49-F238E27FC236}">
-                <a16:creationId xmlns:a16="http://schemas.microsoft.com/office/drawing/2014/main" id="{CF7FB89D-67C4-BB55-7B7D-54435315554F}"/>
-              </a:ext>
-            </a:extLst>
-          </p:cNvPr>
-          <p:cNvSpPr txBox="1"/>
-          <p:nvPr/>
-        </p:nvSpPr>
-        <p:spPr>
-          <a:xfrm>
-            <a:off x="2643436" y="3671409"/>
-            <a:ext cx="351378" cy="369332"/>
-          </a:xfrm>
-          <a:prstGeom prst="rect">
-            <a:avLst/>
-          </a:prstGeom>
-          <a:noFill/>
-        </p:spPr>
-        <p:txBody>
-          <a:bodyPr wrap="none" rtlCol="0">
-            <a:spAutoFit/>
-          </a:bodyPr>
-          <a:lstStyle/>
-          <a:p>
-            <a:r>
-              <a:rPr lang="en-US" dirty="0">
-                <a:latin typeface="Arial" panose="020B0604020202020204" pitchFamily="34" charset="0"/>
-                <a:cs typeface="Arial" panose="020B0604020202020204" pitchFamily="34" charset="0"/>
-              </a:rPr>
-              <a:t>C</a:t>
-            </a:r>
-            <a:endParaRPr lang="en-US" baseline="-25000" dirty="0">
-              <a:latin typeface="Arial" panose="020B0604020202020204" pitchFamily="34" charset="0"/>
-              <a:cs typeface="Arial" panose="020B0604020202020204" pitchFamily="34" charset="0"/>
-            </a:endParaRPr>
-          </a:p>
-        </p:txBody>
-      </p:sp>
-      <p:sp>
-        <p:nvSpPr>
-          <p:cNvPr id="39" name="TextBox 38">
-            <a:extLst>
-              <a:ext uri="{FF2B5EF4-FFF2-40B4-BE49-F238E27FC236}">
-                <a16:creationId xmlns:a16="http://schemas.microsoft.com/office/drawing/2014/main" id="{E0326B8B-4C7A-4857-AB5F-287E52F69352}"/>
-              </a:ext>
-            </a:extLst>
-          </p:cNvPr>
-          <p:cNvSpPr txBox="1"/>
-          <p:nvPr/>
-        </p:nvSpPr>
-        <p:spPr>
-          <a:xfrm>
-            <a:off x="2168249" y="2771574"/>
-            <a:ext cx="740908" cy="307777"/>
-          </a:xfrm>
-          <a:prstGeom prst="rect">
-            <a:avLst/>
-          </a:prstGeom>
-          <a:noFill/>
-        </p:spPr>
-        <p:txBody>
-          <a:bodyPr wrap="none" rtlCol="0">
-            <a:spAutoFit/>
-          </a:bodyPr>
-          <a:lstStyle/>
-          <a:p>
-            <a:r>
-              <a:rPr lang="en-US" sz="1400" dirty="0">
-                <a:latin typeface="Arial" panose="020B0604020202020204" pitchFamily="34" charset="0"/>
-                <a:cs typeface="Arial" panose="020B0604020202020204" pitchFamily="34" charset="0"/>
-              </a:rPr>
-              <a:t>operon</a:t>
-            </a:r>
-          </a:p>
-        </p:txBody>
-      </p:sp>
-      <p:sp>
-        <p:nvSpPr>
-          <p:cNvPr id="40" name="Rectangle 39">
-            <a:extLst>
-              <a:ext uri="{FF2B5EF4-FFF2-40B4-BE49-F238E27FC236}">
-                <a16:creationId xmlns:a16="http://schemas.microsoft.com/office/drawing/2014/main" id="{3DECF54D-BE99-7AFF-6976-A39C782F2071}"/>
-              </a:ext>
-            </a:extLst>
-          </p:cNvPr>
-          <p:cNvSpPr/>
-          <p:nvPr/>
-        </p:nvSpPr>
-        <p:spPr>
-          <a:xfrm>
-            <a:off x="2307304" y="3067242"/>
-            <a:ext cx="211001" cy="207896"/>
-          </a:xfrm>
-          <a:prstGeom prst="rect">
-            <a:avLst/>
-          </a:prstGeom>
-          <a:solidFill>
-            <a:schemeClr val="accent4">
-              <a:lumMod val="40000"/>
-              <a:lumOff val="60000"/>
-            </a:schemeClr>
-          </a:solidFill>
-          <a:ln w="28575">
-            <a:solidFill>
-              <a:schemeClr val="tx1"/>
-            </a:solidFill>
-          </a:ln>
-        </p:spPr>
-        <p:style>
-          <a:lnRef idx="2">
-            <a:schemeClr val="accent1">
-              <a:shade val="50000"/>
-            </a:schemeClr>
-          </a:lnRef>
-          <a:fillRef idx="1">
-            <a:schemeClr val="accent1"/>
-          </a:fillRef>
-          <a:effectRef idx="0">
-            <a:schemeClr val="accent1"/>
-          </a:effectRef>
-          <a:fontRef idx="minor">
-            <a:schemeClr val="lt1"/>
-          </a:fontRef>
-        </p:style>
-        <p:txBody>
-          <a:bodyPr rtlCol="0" anchor="ctr"/>
-          <a:lstStyle/>
-          <a:p>
-            <a:pPr algn="ctr"/>
-            <a:endParaRPr lang="en-US"/>
-          </a:p>
-        </p:txBody>
-      </p:sp>
-      <p:sp>
-        <p:nvSpPr>
-          <p:cNvPr id="41" name="Rectangle 40">
-            <a:extLst>
-              <a:ext uri="{FF2B5EF4-FFF2-40B4-BE49-F238E27FC236}">
-                <a16:creationId xmlns:a16="http://schemas.microsoft.com/office/drawing/2014/main" id="{6103B162-48D4-5614-E2EC-CC4F0B872BE9}"/>
-              </a:ext>
-            </a:extLst>
-          </p:cNvPr>
-          <p:cNvSpPr/>
-          <p:nvPr/>
-        </p:nvSpPr>
-        <p:spPr>
-          <a:xfrm>
-            <a:off x="2121138" y="3067242"/>
-            <a:ext cx="193181" cy="207896"/>
-          </a:xfrm>
-          <a:prstGeom prst="rect">
-            <a:avLst/>
-          </a:prstGeom>
-          <a:solidFill>
-            <a:schemeClr val="accent3">
-              <a:lumMod val="40000"/>
-              <a:lumOff val="60000"/>
-            </a:schemeClr>
-          </a:solidFill>
-          <a:ln w="28575">
-            <a:solidFill>
-              <a:schemeClr val="tx1"/>
-            </a:solidFill>
-          </a:ln>
-        </p:spPr>
-        <p:style>
-          <a:lnRef idx="2">
-            <a:schemeClr val="accent1">
-              <a:shade val="50000"/>
-            </a:schemeClr>
-          </a:lnRef>
-          <a:fillRef idx="1">
-            <a:schemeClr val="accent1"/>
-          </a:fillRef>
-          <a:effectRef idx="0">
-            <a:schemeClr val="accent1"/>
-          </a:effectRef>
-          <a:fontRef idx="minor">
-            <a:schemeClr val="lt1"/>
-          </a:fontRef>
-        </p:style>
-        <p:txBody>
-          <a:bodyPr rtlCol="0" anchor="ctr"/>
-          <a:lstStyle/>
-          <a:p>
-            <a:pPr algn="ctr"/>
-            <a:endParaRPr lang="en-US"/>
-          </a:p>
-        </p:txBody>
-      </p:sp>
-      <p:cxnSp>
-        <p:nvCxnSpPr>
-          <p:cNvPr id="42" name="Straight Arrow Connector 41">
-            <a:extLst>
-              <a:ext uri="{FF2B5EF4-FFF2-40B4-BE49-F238E27FC236}">
-                <a16:creationId xmlns:a16="http://schemas.microsoft.com/office/drawing/2014/main" id="{B10CAEC6-0510-1CFD-E968-21C2A51BE942}"/>
-              </a:ext>
-            </a:extLst>
-          </p:cNvPr>
-          <p:cNvCxnSpPr>
-            <a:cxnSpLocks/>
-          </p:cNvCxnSpPr>
-          <p:nvPr/>
-        </p:nvCxnSpPr>
-        <p:spPr>
-          <a:xfrm flipH="1">
-            <a:off x="1945065" y="3360506"/>
-            <a:ext cx="192392" cy="377773"/>
-          </a:xfrm>
-          <a:prstGeom prst="straightConnector1">
-            <a:avLst/>
-          </a:prstGeom>
-          <a:ln w="38100">
-            <a:solidFill>
-              <a:schemeClr val="tx1"/>
-            </a:solidFill>
-            <a:tailEnd type="triangle" w="med" len="lg"/>
-          </a:ln>
-        </p:spPr>
-        <p:style>
-          <a:lnRef idx="1">
-            <a:schemeClr val="accent1"/>
-          </a:lnRef>
-          <a:fillRef idx="0">
-            <a:schemeClr val="accent1"/>
-          </a:fillRef>
-          <a:effectRef idx="0">
-            <a:schemeClr val="accent1"/>
-          </a:effectRef>
-          <a:fontRef idx="minor">
-            <a:schemeClr val="tx1"/>
-          </a:fontRef>
-        </p:style>
-      </p:cxnSp>
-      <p:cxnSp>
-        <p:nvCxnSpPr>
-          <p:cNvPr id="43" name="Straight Arrow Connector 42">
-            <a:extLst>
-              <a:ext uri="{FF2B5EF4-FFF2-40B4-BE49-F238E27FC236}">
-                <a16:creationId xmlns:a16="http://schemas.microsoft.com/office/drawing/2014/main" id="{A2A4E399-2F30-226A-173A-02F0677EF18B}"/>
-              </a:ext>
-            </a:extLst>
-          </p:cNvPr>
-          <p:cNvCxnSpPr>
-            <a:cxnSpLocks/>
-          </p:cNvCxnSpPr>
-          <p:nvPr/>
-        </p:nvCxnSpPr>
-        <p:spPr>
-          <a:xfrm>
-            <a:off x="2620985" y="3360507"/>
-            <a:ext cx="192392" cy="377773"/>
-          </a:xfrm>
-          <a:prstGeom prst="straightConnector1">
-            <a:avLst/>
-          </a:prstGeom>
-          <a:ln w="38100">
-            <a:solidFill>
-              <a:schemeClr val="tx1"/>
-            </a:solidFill>
-            <a:tailEnd type="triangle" w="med" len="lg"/>
-          </a:ln>
-        </p:spPr>
-        <p:style>
-          <a:lnRef idx="1">
-            <a:schemeClr val="accent1"/>
-          </a:lnRef>
-          <a:fillRef idx="0">
-            <a:schemeClr val="accent1"/>
-          </a:fillRef>
-          <a:effectRef idx="0">
-            <a:schemeClr val="accent1"/>
-          </a:effectRef>
-          <a:fontRef idx="minor">
-            <a:schemeClr val="tx1"/>
-          </a:fontRef>
-        </p:style>
-      </p:cxnSp>
-      <p:cxnSp>
-        <p:nvCxnSpPr>
-          <p:cNvPr id="44" name="Straight Arrow Connector 43">
-            <a:extLst>
-              <a:ext uri="{FF2B5EF4-FFF2-40B4-BE49-F238E27FC236}">
-                <a16:creationId xmlns:a16="http://schemas.microsoft.com/office/drawing/2014/main" id="{02CA9B18-AE12-5A43-7A23-DFC515C1A0AE}"/>
-              </a:ext>
-            </a:extLst>
-          </p:cNvPr>
-          <p:cNvCxnSpPr>
-            <a:cxnSpLocks/>
-          </p:cNvCxnSpPr>
-          <p:nvPr/>
-        </p:nvCxnSpPr>
-        <p:spPr>
-          <a:xfrm>
-            <a:off x="2365930" y="3360507"/>
-            <a:ext cx="0" cy="377773"/>
-          </a:xfrm>
-          <a:prstGeom prst="straightConnector1">
-            <a:avLst/>
-          </a:prstGeom>
-          <a:ln w="38100">
-            <a:solidFill>
-              <a:schemeClr val="tx1"/>
-            </a:solidFill>
-            <a:tailEnd type="triangle" w="med" len="lg"/>
-          </a:ln>
-        </p:spPr>
-        <p:style>
-          <a:lnRef idx="1">
-            <a:schemeClr val="accent1"/>
-          </a:lnRef>
-          <a:fillRef idx="0">
-            <a:schemeClr val="accent1"/>
-          </a:fillRef>
-          <a:effectRef idx="0">
-            <a:schemeClr val="accent1"/>
-          </a:effectRef>
-          <a:fontRef idx="minor">
-            <a:schemeClr val="tx1"/>
-          </a:fontRef>
-        </p:style>
-      </p:cxnSp>
-      <p:sp>
-        <p:nvSpPr>
-          <p:cNvPr id="45" name="TextBox 44">
-            <a:extLst>
-              <a:ext uri="{FF2B5EF4-FFF2-40B4-BE49-F238E27FC236}">
-                <a16:creationId xmlns:a16="http://schemas.microsoft.com/office/drawing/2014/main" id="{3BAFED1A-BAE1-20C5-98A2-2A92066FBEB3}"/>
-              </a:ext>
-            </a:extLst>
-          </p:cNvPr>
-          <p:cNvSpPr txBox="1"/>
-          <p:nvPr/>
-        </p:nvSpPr>
-        <p:spPr>
-          <a:xfrm>
-            <a:off x="4574302" y="4225614"/>
-            <a:ext cx="1106329" cy="307777"/>
-          </a:xfrm>
-          <a:prstGeom prst="rect">
-            <a:avLst/>
-          </a:prstGeom>
-          <a:noFill/>
-        </p:spPr>
-        <p:txBody>
-          <a:bodyPr wrap="none" rtlCol="0">
-            <a:spAutoFit/>
-          </a:bodyPr>
-          <a:lstStyle/>
-          <a:p>
-            <a:r>
-              <a:rPr lang="en-US" sz="1400" dirty="0">
-                <a:latin typeface="Arial" panose="020B0604020202020204" pitchFamily="34" charset="0"/>
-                <a:cs typeface="Arial" panose="020B0604020202020204" pitchFamily="34" charset="0"/>
-              </a:rPr>
-              <a:t>efflux pump</a:t>
-            </a:r>
-          </a:p>
-        </p:txBody>
-      </p:sp>
-      <p:cxnSp>
-        <p:nvCxnSpPr>
-          <p:cNvPr id="46" name="Straight Arrow Connector 45">
-            <a:extLst>
-              <a:ext uri="{FF2B5EF4-FFF2-40B4-BE49-F238E27FC236}">
-                <a16:creationId xmlns:a16="http://schemas.microsoft.com/office/drawing/2014/main" id="{576B92F7-DB0C-2963-AA22-5A168FD9D744}"/>
-              </a:ext>
-            </a:extLst>
-          </p:cNvPr>
-          <p:cNvCxnSpPr>
-            <a:cxnSpLocks/>
-          </p:cNvCxnSpPr>
-          <p:nvPr/>
-        </p:nvCxnSpPr>
-        <p:spPr>
-          <a:xfrm>
-            <a:off x="3797569" y="3319091"/>
-            <a:ext cx="0" cy="377773"/>
-          </a:xfrm>
-          <a:prstGeom prst="straightConnector1">
-            <a:avLst/>
-          </a:prstGeom>
-          <a:ln w="38100">
-            <a:solidFill>
-              <a:schemeClr val="tx1"/>
-            </a:solidFill>
-            <a:tailEnd type="triangle" w="med" len="lg"/>
-          </a:ln>
-        </p:spPr>
-        <p:style>
-          <a:lnRef idx="1">
-            <a:schemeClr val="accent1"/>
-          </a:lnRef>
-          <a:fillRef idx="0">
-            <a:schemeClr val="accent1"/>
-          </a:fillRef>
-          <a:effectRef idx="0">
-            <a:schemeClr val="accent1"/>
-          </a:effectRef>
-          <a:fontRef idx="minor">
-            <a:schemeClr val="tx1"/>
-          </a:fontRef>
-        </p:style>
-      </p:cxnSp>
-      <p:cxnSp>
-        <p:nvCxnSpPr>
-          <p:cNvPr id="47" name="Straight Arrow Connector 46">
-            <a:extLst>
-              <a:ext uri="{FF2B5EF4-FFF2-40B4-BE49-F238E27FC236}">
-                <a16:creationId xmlns:a16="http://schemas.microsoft.com/office/drawing/2014/main" id="{3AF0C496-B705-8C95-A7CB-C09AE6FDABA4}"/>
-              </a:ext>
-            </a:extLst>
-          </p:cNvPr>
-          <p:cNvCxnSpPr>
-            <a:cxnSpLocks/>
-          </p:cNvCxnSpPr>
-          <p:nvPr/>
-        </p:nvCxnSpPr>
-        <p:spPr>
-          <a:xfrm>
-            <a:off x="5126886" y="3360505"/>
-            <a:ext cx="0" cy="377773"/>
-          </a:xfrm>
-          <a:prstGeom prst="straightConnector1">
-            <a:avLst/>
-          </a:prstGeom>
-          <a:ln w="38100">
-            <a:solidFill>
-              <a:schemeClr val="tx1"/>
-            </a:solidFill>
-            <a:tailEnd type="triangle" w="med" len="lg"/>
-          </a:ln>
-        </p:spPr>
-        <p:style>
-          <a:lnRef idx="1">
-            <a:schemeClr val="accent1"/>
-          </a:lnRef>
-          <a:fillRef idx="0">
-            <a:schemeClr val="accent1"/>
-          </a:fillRef>
-          <a:effectRef idx="0">
-            <a:schemeClr val="accent1"/>
-          </a:effectRef>
-          <a:fontRef idx="minor">
-            <a:schemeClr val="tx1"/>
-          </a:fontRef>
-        </p:style>
-      </p:cxnSp>
-      <p:grpSp>
-        <p:nvGrpSpPr>
-          <p:cNvPr id="48" name="Group 47">
-            <a:extLst>
-              <a:ext uri="{FF2B5EF4-FFF2-40B4-BE49-F238E27FC236}">
-                <a16:creationId xmlns:a16="http://schemas.microsoft.com/office/drawing/2014/main" id="{C22C86EA-BA59-BC8D-633C-137EC2EAA7F9}"/>
-              </a:ext>
-            </a:extLst>
-          </p:cNvPr>
-          <p:cNvGrpSpPr/>
-          <p:nvPr/>
-        </p:nvGrpSpPr>
-        <p:grpSpPr>
-          <a:xfrm>
-            <a:off x="3035843" y="2354296"/>
-            <a:ext cx="551754" cy="369332"/>
-            <a:chOff x="5838834" y="3728172"/>
-            <a:chExt cx="551754" cy="369332"/>
-          </a:xfrm>
-        </p:grpSpPr>
-        <p:sp>
-          <p:nvSpPr>
-            <p:cNvPr id="49" name="Rounded Rectangle 48">
-              <a:extLst>
-                <a:ext uri="{FF2B5EF4-FFF2-40B4-BE49-F238E27FC236}">
-                  <a16:creationId xmlns:a16="http://schemas.microsoft.com/office/drawing/2014/main" id="{745FD290-5198-F64B-FA20-BE524E342E49}"/>
-                </a:ext>
-              </a:extLst>
-            </p:cNvPr>
-            <p:cNvSpPr/>
-            <p:nvPr/>
-          </p:nvSpPr>
-          <p:spPr>
-            <a:xfrm>
-              <a:off x="5878272" y="3766823"/>
-              <a:ext cx="472878" cy="306888"/>
-            </a:xfrm>
-            <a:prstGeom prst="roundRect">
-              <a:avLst/>
-            </a:prstGeom>
-            <a:solidFill>
-              <a:schemeClr val="accent1">
-                <a:lumMod val="20000"/>
-                <a:lumOff val="80000"/>
-              </a:schemeClr>
-            </a:solidFill>
-            <a:ln w="28575">
-              <a:solidFill>
-                <a:schemeClr val="accent1"/>
-              </a:solidFill>
-            </a:ln>
-          </p:spPr>
-          <p:style>
-            <a:lnRef idx="2">
-              <a:schemeClr val="accent1">
-                <a:shade val="50000"/>
-              </a:schemeClr>
-            </a:lnRef>
-            <a:fillRef idx="1">
-              <a:schemeClr val="accent1"/>
-            </a:fillRef>
-            <a:effectRef idx="0">
-              <a:schemeClr val="accent1"/>
-            </a:effectRef>
-            <a:fontRef idx="minor">
-              <a:schemeClr val="lt1"/>
-            </a:fontRef>
-          </p:style>
-          <p:txBody>
-            <a:bodyPr rtlCol="0" anchor="ctr"/>
-            <a:lstStyle/>
-            <a:p>
-              <a:pPr algn="ctr"/>
-              <a:endParaRPr lang="en-US" sz="1600" baseline="-25000" dirty="0">
-                <a:solidFill>
-                  <a:schemeClr val="tx1"/>
-                </a:solidFill>
-                <a:latin typeface="Arial" panose="020B0604020202020204" pitchFamily="34" charset="0"/>
-                <a:cs typeface="Arial" panose="020B0604020202020204" pitchFamily="34" charset="0"/>
-              </a:endParaRPr>
-            </a:p>
-          </p:txBody>
-        </p:sp>
-        <p:sp>
-          <p:nvSpPr>
-            <p:cNvPr id="50" name="TextBox 49">
-              <a:extLst>
-                <a:ext uri="{FF2B5EF4-FFF2-40B4-BE49-F238E27FC236}">
-                  <a16:creationId xmlns:a16="http://schemas.microsoft.com/office/drawing/2014/main" id="{88EDB9F0-A726-195A-E5BE-01CA29614BE1}"/>
-                </a:ext>
-              </a:extLst>
-            </p:cNvPr>
-            <p:cNvSpPr txBox="1"/>
-            <p:nvPr/>
-          </p:nvSpPr>
-          <p:spPr>
-            <a:xfrm>
-              <a:off x="5838834" y="3728172"/>
-              <a:ext cx="551754" cy="369332"/>
-            </a:xfrm>
-            <a:prstGeom prst="rect">
-              <a:avLst/>
-            </a:prstGeom>
-            <a:noFill/>
-          </p:spPr>
-          <p:txBody>
-            <a:bodyPr wrap="none" rtlCol="0">
-              <a:spAutoFit/>
-            </a:bodyPr>
-            <a:lstStyle/>
-            <a:p>
-              <a:r>
-                <a:rPr lang="en-US" dirty="0">
-                  <a:latin typeface="Arial" panose="020B0604020202020204" pitchFamily="34" charset="0"/>
-                  <a:cs typeface="Arial" panose="020B0604020202020204" pitchFamily="34" charset="0"/>
-                </a:rPr>
-                <a:t>TF</a:t>
-              </a:r>
-              <a:r>
-                <a:rPr lang="en-US" baseline="-25000" dirty="0">
-                  <a:latin typeface="Arial" panose="020B0604020202020204" pitchFamily="34" charset="0"/>
-                  <a:cs typeface="Arial" panose="020B0604020202020204" pitchFamily="34" charset="0"/>
-                </a:rPr>
-                <a:t>1</a:t>
-              </a:r>
-            </a:p>
-          </p:txBody>
-        </p:sp>
-      </p:grpSp>
-      <p:grpSp>
-        <p:nvGrpSpPr>
-          <p:cNvPr id="51" name="Group 50">
-            <a:extLst>
-              <a:ext uri="{FF2B5EF4-FFF2-40B4-BE49-F238E27FC236}">
-                <a16:creationId xmlns:a16="http://schemas.microsoft.com/office/drawing/2014/main" id="{C51D4C44-E77A-5D56-77D5-B49CAFCD205F}"/>
-              </a:ext>
-            </a:extLst>
-          </p:cNvPr>
-          <p:cNvGrpSpPr/>
-          <p:nvPr/>
-        </p:nvGrpSpPr>
-        <p:grpSpPr>
-          <a:xfrm>
-            <a:off x="4169066" y="2354296"/>
-            <a:ext cx="551754" cy="369332"/>
-            <a:chOff x="5839496" y="3733485"/>
-            <a:chExt cx="551754" cy="369332"/>
-          </a:xfrm>
-        </p:grpSpPr>
-        <p:sp>
-          <p:nvSpPr>
-            <p:cNvPr id="52" name="Rounded Rectangle 51">
-              <a:extLst>
-                <a:ext uri="{FF2B5EF4-FFF2-40B4-BE49-F238E27FC236}">
-                  <a16:creationId xmlns:a16="http://schemas.microsoft.com/office/drawing/2014/main" id="{2F7C18C2-A9F6-3A5F-C0BB-12B993A6D794}"/>
-                </a:ext>
-              </a:extLst>
-            </p:cNvPr>
-            <p:cNvSpPr/>
-            <p:nvPr/>
-          </p:nvSpPr>
-          <p:spPr>
-            <a:xfrm>
-              <a:off x="5878272" y="3766823"/>
-              <a:ext cx="472878" cy="306888"/>
-            </a:xfrm>
-            <a:prstGeom prst="roundRect">
+            <a:prstGeom prst="ellipse">
               <a:avLst/>
             </a:prstGeom>
             <a:solidFill>
@@ -15348,7 +14087,7 @@
             <a:lstStyle/>
             <a:p>
               <a:pPr algn="ctr"/>
-              <a:endParaRPr lang="en-US" sz="1600" baseline="-25000" dirty="0">
+              <a:endParaRPr lang="en-US" sz="1400" baseline="-25000" dirty="0">
                 <a:solidFill>
                   <a:schemeClr val="tx1"/>
                 </a:solidFill>
@@ -15358,12 +14097,56 @@
             </a:p>
           </p:txBody>
         </p:sp>
+        <p:cxnSp>
+          <p:nvCxnSpPr>
+            <p:cNvPr id="23" name="Straight Arrow Connector 22">
+              <a:extLst>
+                <a:ext uri="{FF2B5EF4-FFF2-40B4-BE49-F238E27FC236}">
+                  <a16:creationId xmlns:a16="http://schemas.microsoft.com/office/drawing/2014/main" id="{3ECB20DA-B287-B850-FF80-D855EB52E13D}"/>
+                </a:ext>
+              </a:extLst>
+            </p:cNvPr>
+            <p:cNvCxnSpPr>
+              <a:cxnSpLocks/>
+            </p:cNvCxnSpPr>
+            <p:nvPr/>
+          </p:nvCxnSpPr>
+          <p:spPr>
+            <a:xfrm>
+              <a:off x="6980900" y="3398931"/>
+              <a:ext cx="815753" cy="0"/>
+            </a:xfrm>
+            <a:prstGeom prst="straightConnector1">
+              <a:avLst/>
+            </a:prstGeom>
+            <a:ln w="38100">
+              <a:solidFill>
+                <a:schemeClr val="tx1"/>
+              </a:solidFill>
+              <a:tailEnd type="triangle" w="med" len="lg"/>
+            </a:ln>
+          </p:spPr>
+          <p:style>
+            <a:lnRef idx="1">
+              <a:schemeClr val="accent1"/>
+            </a:lnRef>
+            <a:fillRef idx="0">
+              <a:schemeClr val="accent1"/>
+            </a:fillRef>
+            <a:effectRef idx="0">
+              <a:schemeClr val="accent1"/>
+            </a:effectRef>
+            <a:fontRef idx="minor">
+              <a:schemeClr val="tx1"/>
+            </a:fontRef>
+          </p:style>
+        </p:cxnSp>
         <p:sp>
           <p:nvSpPr>
-            <p:cNvPr id="53" name="TextBox 52">
+            <p:cNvPr id="24" name="TextBox 23">
               <a:extLst>
                 <a:ext uri="{FF2B5EF4-FFF2-40B4-BE49-F238E27FC236}">
-                  <a16:creationId xmlns:a16="http://schemas.microsoft.com/office/drawing/2014/main" id="{C35C8A95-2F93-7F62-4929-1494EC0EE436}"/>
+                  <a16:creationId xmlns:a16="http://schemas.microsoft.com/office/drawing/2014/main" id="{CA7A16E6-C8E3-B7AF-2AFD-664B42080C98}"/>
                 </a:ext>
               </a:extLst>
             </p:cNvPr>
@@ -15372,8 +14155,8 @@
           </p:nvSpPr>
           <p:spPr>
             <a:xfrm>
-              <a:off x="5839496" y="3733485"/>
-              <a:ext cx="551754" cy="369332"/>
+              <a:off x="5343414" y="3244334"/>
+              <a:ext cx="423514" cy="369332"/>
             </a:xfrm>
             <a:prstGeom prst="rect">
               <a:avLst/>
@@ -15391,7 +14174,52 @@
                   <a:latin typeface="Arial" panose="020B0604020202020204" pitchFamily="34" charset="0"/>
                   <a:cs typeface="Arial" panose="020B0604020202020204" pitchFamily="34" charset="0"/>
                 </a:rPr>
-                <a:t>TF</a:t>
+                <a:t>X</a:t>
+              </a:r>
+              <a:r>
+                <a:rPr lang="en-US" baseline="-25000" dirty="0">
+                  <a:latin typeface="Arial" panose="020B0604020202020204" pitchFamily="34" charset="0"/>
+                  <a:cs typeface="Arial" panose="020B0604020202020204" pitchFamily="34" charset="0"/>
+                </a:rPr>
+                <a:t>1</a:t>
+              </a:r>
+            </a:p>
+          </p:txBody>
+        </p:sp>
+        <p:sp>
+          <p:nvSpPr>
+            <p:cNvPr id="25" name="TextBox 24">
+              <a:extLst>
+                <a:ext uri="{FF2B5EF4-FFF2-40B4-BE49-F238E27FC236}">
+                  <a16:creationId xmlns:a16="http://schemas.microsoft.com/office/drawing/2014/main" id="{71DF4D96-708D-6995-F433-3ED231EFA408}"/>
+                </a:ext>
+              </a:extLst>
+            </p:cNvPr>
+            <p:cNvSpPr txBox="1"/>
+            <p:nvPr/>
+          </p:nvSpPr>
+          <p:spPr>
+            <a:xfrm>
+              <a:off x="6478281" y="3237793"/>
+              <a:ext cx="423514" cy="369332"/>
+            </a:xfrm>
+            <a:prstGeom prst="rect">
+              <a:avLst/>
+            </a:prstGeom>
+            <a:noFill/>
+          </p:spPr>
+          <p:txBody>
+            <a:bodyPr wrap="none" rtlCol="0">
+              <a:spAutoFit/>
+            </a:bodyPr>
+            <a:lstStyle/>
+            <a:p>
+              <a:r>
+                <a:rPr lang="en-US" dirty="0">
+                  <a:latin typeface="Arial" panose="020B0604020202020204" pitchFamily="34" charset="0"/>
+                  <a:cs typeface="Arial" panose="020B0604020202020204" pitchFamily="34" charset="0"/>
+                </a:rPr>
+                <a:t>X</a:t>
               </a:r>
               <a:r>
                 <a:rPr lang="en-US" baseline="-25000" dirty="0">
@@ -15403,629 +14231,2567 @@
             </a:p>
           </p:txBody>
         </p:sp>
+        <p:grpSp>
+          <p:nvGrpSpPr>
+            <p:cNvPr id="26" name="Group 25">
+              <a:extLst>
+                <a:ext uri="{FF2B5EF4-FFF2-40B4-BE49-F238E27FC236}">
+                  <a16:creationId xmlns:a16="http://schemas.microsoft.com/office/drawing/2014/main" id="{1BACBEAE-F932-B50F-72E5-DD4CCFF9E677}"/>
+                </a:ext>
+              </a:extLst>
+            </p:cNvPr>
+            <p:cNvGrpSpPr/>
+            <p:nvPr/>
+          </p:nvGrpSpPr>
+          <p:grpSpPr>
+            <a:xfrm>
+              <a:off x="5746346" y="2275644"/>
+              <a:ext cx="651933" cy="360297"/>
+              <a:chOff x="6400248" y="1777592"/>
+              <a:chExt cx="651933" cy="360297"/>
+            </a:xfrm>
+          </p:grpSpPr>
+          <p:cxnSp>
+            <p:nvCxnSpPr>
+              <p:cNvPr id="27" name="Straight Connector 26">
+                <a:extLst>
+                  <a:ext uri="{FF2B5EF4-FFF2-40B4-BE49-F238E27FC236}">
+                    <a16:creationId xmlns:a16="http://schemas.microsoft.com/office/drawing/2014/main" id="{612E6AE3-2A49-BA8D-A5A0-48C2CB635B1C}"/>
+                  </a:ext>
+                </a:extLst>
+              </p:cNvPr>
+              <p:cNvCxnSpPr>
+                <a:cxnSpLocks/>
+              </p:cNvCxnSpPr>
+              <p:nvPr/>
+            </p:nvCxnSpPr>
+            <p:spPr>
+              <a:xfrm flipH="1">
+                <a:off x="6400248" y="2035931"/>
+                <a:ext cx="651933" cy="0"/>
+              </a:xfrm>
+              <a:prstGeom prst="line">
+                <a:avLst/>
+              </a:prstGeom>
+              <a:ln w="28575">
+                <a:solidFill>
+                  <a:schemeClr val="tx1"/>
+                </a:solidFill>
+              </a:ln>
+            </p:spPr>
+            <p:style>
+              <a:lnRef idx="1">
+                <a:schemeClr val="accent1"/>
+              </a:lnRef>
+              <a:fillRef idx="0">
+                <a:schemeClr val="accent1"/>
+              </a:fillRef>
+              <a:effectRef idx="0">
+                <a:schemeClr val="accent1"/>
+              </a:effectRef>
+              <a:fontRef idx="minor">
+                <a:schemeClr val="tx1"/>
+              </a:fontRef>
+            </p:style>
+          </p:cxnSp>
+          <p:cxnSp>
+            <p:nvCxnSpPr>
+              <p:cNvPr id="28" name="Straight Connector 27">
+                <a:extLst>
+                  <a:ext uri="{FF2B5EF4-FFF2-40B4-BE49-F238E27FC236}">
+                    <a16:creationId xmlns:a16="http://schemas.microsoft.com/office/drawing/2014/main" id="{8ABC3972-9F90-F82B-E014-1B4A5C1C0264}"/>
+                  </a:ext>
+                </a:extLst>
+              </p:cNvPr>
+              <p:cNvCxnSpPr>
+                <a:cxnSpLocks/>
+              </p:cNvCxnSpPr>
+              <p:nvPr/>
+            </p:nvCxnSpPr>
+            <p:spPr>
+              <a:xfrm>
+                <a:off x="6498734" y="1777592"/>
+                <a:ext cx="0" cy="258339"/>
+              </a:xfrm>
+              <a:prstGeom prst="line">
+                <a:avLst/>
+              </a:prstGeom>
+              <a:ln w="28575">
+                <a:solidFill>
+                  <a:schemeClr val="tx1"/>
+                </a:solidFill>
+              </a:ln>
+            </p:spPr>
+            <p:style>
+              <a:lnRef idx="1">
+                <a:schemeClr val="accent1"/>
+              </a:lnRef>
+              <a:fillRef idx="0">
+                <a:schemeClr val="accent1"/>
+              </a:fillRef>
+              <a:effectRef idx="0">
+                <a:schemeClr val="accent1"/>
+              </a:effectRef>
+              <a:fontRef idx="minor">
+                <a:schemeClr val="tx1"/>
+              </a:fontRef>
+            </p:style>
+          </p:cxnSp>
+          <p:cxnSp>
+            <p:nvCxnSpPr>
+              <p:cNvPr id="29" name="Straight Arrow Connector 28">
+                <a:extLst>
+                  <a:ext uri="{FF2B5EF4-FFF2-40B4-BE49-F238E27FC236}">
+                    <a16:creationId xmlns:a16="http://schemas.microsoft.com/office/drawing/2014/main" id="{111F3E1E-22DD-3781-3914-C7A1C2DF0017}"/>
+                  </a:ext>
+                </a:extLst>
+              </p:cNvPr>
+              <p:cNvCxnSpPr/>
+              <p:nvPr/>
+            </p:nvCxnSpPr>
+            <p:spPr>
+              <a:xfrm>
+                <a:off x="6481800" y="1777592"/>
+                <a:ext cx="182784" cy="0"/>
+              </a:xfrm>
+              <a:prstGeom prst="straightConnector1">
+                <a:avLst/>
+              </a:prstGeom>
+              <a:ln w="28575">
+                <a:solidFill>
+                  <a:schemeClr val="tx1"/>
+                </a:solidFill>
+                <a:tailEnd type="triangle"/>
+              </a:ln>
+            </p:spPr>
+            <p:style>
+              <a:lnRef idx="1">
+                <a:schemeClr val="accent1"/>
+              </a:lnRef>
+              <a:fillRef idx="0">
+                <a:schemeClr val="accent1"/>
+              </a:fillRef>
+              <a:effectRef idx="0">
+                <a:schemeClr val="accent1"/>
+              </a:effectRef>
+              <a:fontRef idx="minor">
+                <a:schemeClr val="tx1"/>
+              </a:fontRef>
+            </p:style>
+          </p:cxnSp>
+          <p:sp>
+            <p:nvSpPr>
+              <p:cNvPr id="30" name="Pentagon 29">
+                <a:extLst>
+                  <a:ext uri="{FF2B5EF4-FFF2-40B4-BE49-F238E27FC236}">
+                    <a16:creationId xmlns:a16="http://schemas.microsoft.com/office/drawing/2014/main" id="{F172FA70-4E96-9F77-5493-7377C16C530C}"/>
+                  </a:ext>
+                </a:extLst>
+              </p:cNvPr>
+              <p:cNvSpPr/>
+              <p:nvPr/>
+            </p:nvSpPr>
+            <p:spPr>
+              <a:xfrm>
+                <a:off x="6573750" y="1929992"/>
+                <a:ext cx="389596" cy="207897"/>
+              </a:xfrm>
+              <a:prstGeom prst="homePlate">
+                <a:avLst/>
+              </a:prstGeom>
+              <a:solidFill>
+                <a:schemeClr val="accent5">
+                  <a:lumMod val="20000"/>
+                  <a:lumOff val="80000"/>
+                </a:schemeClr>
+              </a:solidFill>
+              <a:ln w="28575">
+                <a:solidFill>
+                  <a:schemeClr val="tx1"/>
+                </a:solidFill>
+              </a:ln>
+            </p:spPr>
+            <p:style>
+              <a:lnRef idx="2">
+                <a:schemeClr val="accent1">
+                  <a:shade val="50000"/>
+                </a:schemeClr>
+              </a:lnRef>
+              <a:fillRef idx="1">
+                <a:schemeClr val="accent1"/>
+              </a:fillRef>
+              <a:effectRef idx="0">
+                <a:schemeClr val="accent1"/>
+              </a:effectRef>
+              <a:fontRef idx="minor">
+                <a:schemeClr val="lt1"/>
+              </a:fontRef>
+            </p:style>
+            <p:txBody>
+              <a:bodyPr rtlCol="0" anchor="ctr"/>
+              <a:lstStyle/>
+              <a:p>
+                <a:pPr algn="ctr"/>
+                <a:endParaRPr lang="en-US" dirty="0"/>
+              </a:p>
+            </p:txBody>
+          </p:sp>
+        </p:grpSp>
+        <p:grpSp>
+          <p:nvGrpSpPr>
+            <p:cNvPr id="31" name="Group 30">
+              <a:extLst>
+                <a:ext uri="{FF2B5EF4-FFF2-40B4-BE49-F238E27FC236}">
+                  <a16:creationId xmlns:a16="http://schemas.microsoft.com/office/drawing/2014/main" id="{0116B306-CE43-181F-5F62-1A1E8983BBCB}"/>
+                </a:ext>
+              </a:extLst>
+            </p:cNvPr>
+            <p:cNvGrpSpPr/>
+            <p:nvPr/>
+          </p:nvGrpSpPr>
+          <p:grpSpPr>
+            <a:xfrm>
+              <a:off x="7014033" y="2294172"/>
+              <a:ext cx="651933" cy="360297"/>
+              <a:chOff x="6400248" y="1777592"/>
+              <a:chExt cx="651933" cy="360297"/>
+            </a:xfrm>
+          </p:grpSpPr>
+          <p:cxnSp>
+            <p:nvCxnSpPr>
+              <p:cNvPr id="32" name="Straight Connector 31">
+                <a:extLst>
+                  <a:ext uri="{FF2B5EF4-FFF2-40B4-BE49-F238E27FC236}">
+                    <a16:creationId xmlns:a16="http://schemas.microsoft.com/office/drawing/2014/main" id="{078A9B06-DFE8-76A0-6412-99D1AB94A5EC}"/>
+                  </a:ext>
+                </a:extLst>
+              </p:cNvPr>
+              <p:cNvCxnSpPr>
+                <a:cxnSpLocks/>
+              </p:cNvCxnSpPr>
+              <p:nvPr/>
+            </p:nvCxnSpPr>
+            <p:spPr>
+              <a:xfrm flipH="1">
+                <a:off x="6400248" y="2035931"/>
+                <a:ext cx="651933" cy="0"/>
+              </a:xfrm>
+              <a:prstGeom prst="line">
+                <a:avLst/>
+              </a:prstGeom>
+              <a:ln w="28575">
+                <a:solidFill>
+                  <a:schemeClr val="tx1"/>
+                </a:solidFill>
+              </a:ln>
+            </p:spPr>
+            <p:style>
+              <a:lnRef idx="1">
+                <a:schemeClr val="accent1"/>
+              </a:lnRef>
+              <a:fillRef idx="0">
+                <a:schemeClr val="accent1"/>
+              </a:fillRef>
+              <a:effectRef idx="0">
+                <a:schemeClr val="accent1"/>
+              </a:effectRef>
+              <a:fontRef idx="minor">
+                <a:schemeClr val="tx1"/>
+              </a:fontRef>
+            </p:style>
+          </p:cxnSp>
+          <p:cxnSp>
+            <p:nvCxnSpPr>
+              <p:cNvPr id="33" name="Straight Connector 32">
+                <a:extLst>
+                  <a:ext uri="{FF2B5EF4-FFF2-40B4-BE49-F238E27FC236}">
+                    <a16:creationId xmlns:a16="http://schemas.microsoft.com/office/drawing/2014/main" id="{34E96D96-71E4-A3EA-2D50-0C8C8C93693A}"/>
+                  </a:ext>
+                </a:extLst>
+              </p:cNvPr>
+              <p:cNvCxnSpPr>
+                <a:cxnSpLocks/>
+              </p:cNvCxnSpPr>
+              <p:nvPr/>
+            </p:nvCxnSpPr>
+            <p:spPr>
+              <a:xfrm>
+                <a:off x="6498734" y="1777592"/>
+                <a:ext cx="0" cy="258339"/>
+              </a:xfrm>
+              <a:prstGeom prst="line">
+                <a:avLst/>
+              </a:prstGeom>
+              <a:ln w="28575">
+                <a:solidFill>
+                  <a:schemeClr val="tx1"/>
+                </a:solidFill>
+              </a:ln>
+            </p:spPr>
+            <p:style>
+              <a:lnRef idx="1">
+                <a:schemeClr val="accent1"/>
+              </a:lnRef>
+              <a:fillRef idx="0">
+                <a:schemeClr val="accent1"/>
+              </a:fillRef>
+              <a:effectRef idx="0">
+                <a:schemeClr val="accent1"/>
+              </a:effectRef>
+              <a:fontRef idx="minor">
+                <a:schemeClr val="tx1"/>
+              </a:fontRef>
+            </p:style>
+          </p:cxnSp>
+          <p:cxnSp>
+            <p:nvCxnSpPr>
+              <p:cNvPr id="34" name="Straight Arrow Connector 33">
+                <a:extLst>
+                  <a:ext uri="{FF2B5EF4-FFF2-40B4-BE49-F238E27FC236}">
+                    <a16:creationId xmlns:a16="http://schemas.microsoft.com/office/drawing/2014/main" id="{162A38D3-9909-C235-BEA9-80F792FA29FB}"/>
+                  </a:ext>
+                </a:extLst>
+              </p:cNvPr>
+              <p:cNvCxnSpPr/>
+              <p:nvPr/>
+            </p:nvCxnSpPr>
+            <p:spPr>
+              <a:xfrm>
+                <a:off x="6481800" y="1777592"/>
+                <a:ext cx="182784" cy="0"/>
+              </a:xfrm>
+              <a:prstGeom prst="straightConnector1">
+                <a:avLst/>
+              </a:prstGeom>
+              <a:ln w="28575">
+                <a:solidFill>
+                  <a:schemeClr val="tx1"/>
+                </a:solidFill>
+                <a:tailEnd type="triangle"/>
+              </a:ln>
+            </p:spPr>
+            <p:style>
+              <a:lnRef idx="1">
+                <a:schemeClr val="accent1"/>
+              </a:lnRef>
+              <a:fillRef idx="0">
+                <a:schemeClr val="accent1"/>
+              </a:fillRef>
+              <a:effectRef idx="0">
+                <a:schemeClr val="accent1"/>
+              </a:effectRef>
+              <a:fontRef idx="minor">
+                <a:schemeClr val="tx1"/>
+              </a:fontRef>
+            </p:style>
+          </p:cxnSp>
+          <p:sp>
+            <p:nvSpPr>
+              <p:cNvPr id="35" name="Pentagon 34">
+                <a:extLst>
+                  <a:ext uri="{FF2B5EF4-FFF2-40B4-BE49-F238E27FC236}">
+                    <a16:creationId xmlns:a16="http://schemas.microsoft.com/office/drawing/2014/main" id="{75261F84-0E0B-0A39-9BFE-C737CDE864B1}"/>
+                  </a:ext>
+                </a:extLst>
+              </p:cNvPr>
+              <p:cNvSpPr/>
+              <p:nvPr/>
+            </p:nvSpPr>
+            <p:spPr>
+              <a:xfrm>
+                <a:off x="6573750" y="1929992"/>
+                <a:ext cx="389596" cy="207897"/>
+              </a:xfrm>
+              <a:prstGeom prst="homePlate">
+                <a:avLst/>
+              </a:prstGeom>
+              <a:solidFill>
+                <a:schemeClr val="accent5">
+                  <a:lumMod val="20000"/>
+                  <a:lumOff val="80000"/>
+                </a:schemeClr>
+              </a:solidFill>
+              <a:ln w="28575">
+                <a:solidFill>
+                  <a:schemeClr val="tx1"/>
+                </a:solidFill>
+              </a:ln>
+            </p:spPr>
+            <p:style>
+              <a:lnRef idx="2">
+                <a:schemeClr val="accent1">
+                  <a:shade val="50000"/>
+                </a:schemeClr>
+              </a:lnRef>
+              <a:fillRef idx="1">
+                <a:schemeClr val="accent1"/>
+              </a:fillRef>
+              <a:effectRef idx="0">
+                <a:schemeClr val="accent1"/>
+              </a:effectRef>
+              <a:fontRef idx="minor">
+                <a:schemeClr val="lt1"/>
+              </a:fontRef>
+            </p:style>
+            <p:txBody>
+              <a:bodyPr rtlCol="0" anchor="ctr"/>
+              <a:lstStyle/>
+              <a:p>
+                <a:pPr algn="ctr"/>
+                <a:endParaRPr lang="en-US" dirty="0"/>
+              </a:p>
+            </p:txBody>
+          </p:sp>
+        </p:grpSp>
+        <p:sp>
+          <p:nvSpPr>
+            <p:cNvPr id="36" name="TextBox 35">
+              <a:extLst>
+                <a:ext uri="{FF2B5EF4-FFF2-40B4-BE49-F238E27FC236}">
+                  <a16:creationId xmlns:a16="http://schemas.microsoft.com/office/drawing/2014/main" id="{C5B4A549-AFF3-1E86-3B5D-7CBAF141E39C}"/>
+                </a:ext>
+              </a:extLst>
+            </p:cNvPr>
+            <p:cNvSpPr txBox="1"/>
+            <p:nvPr/>
+          </p:nvSpPr>
+          <p:spPr>
+            <a:xfrm>
+              <a:off x="3985148" y="3044283"/>
+              <a:ext cx="338554" cy="369332"/>
+            </a:xfrm>
+            <a:prstGeom prst="rect">
+              <a:avLst/>
+            </a:prstGeom>
+            <a:noFill/>
+          </p:spPr>
+          <p:txBody>
+            <a:bodyPr wrap="none" rtlCol="0">
+              <a:spAutoFit/>
+            </a:bodyPr>
+            <a:lstStyle/>
+            <a:p>
+              <a:r>
+                <a:rPr lang="en-US" dirty="0">
+                  <a:latin typeface="Arial" panose="020B0604020202020204" pitchFamily="34" charset="0"/>
+                  <a:cs typeface="Arial" panose="020B0604020202020204" pitchFamily="34" charset="0"/>
+                </a:rPr>
+                <a:t>A</a:t>
+              </a:r>
+              <a:endParaRPr lang="en-US" baseline="-25000" dirty="0">
+                <a:latin typeface="Arial" panose="020B0604020202020204" pitchFamily="34" charset="0"/>
+                <a:cs typeface="Arial" panose="020B0604020202020204" pitchFamily="34" charset="0"/>
+              </a:endParaRPr>
+            </a:p>
+          </p:txBody>
+        </p:sp>
+        <p:sp>
+          <p:nvSpPr>
+            <p:cNvPr id="37" name="TextBox 36">
+              <a:extLst>
+                <a:ext uri="{FF2B5EF4-FFF2-40B4-BE49-F238E27FC236}">
+                  <a16:creationId xmlns:a16="http://schemas.microsoft.com/office/drawing/2014/main" id="{4AB8FC5E-DD25-2E4C-C21C-C0E9D1720047}"/>
+                </a:ext>
+              </a:extLst>
+            </p:cNvPr>
+            <p:cNvSpPr txBox="1"/>
+            <p:nvPr/>
+          </p:nvSpPr>
+          <p:spPr>
+            <a:xfrm>
+              <a:off x="4409766" y="3048077"/>
+              <a:ext cx="338554" cy="369332"/>
+            </a:xfrm>
+            <a:prstGeom prst="rect">
+              <a:avLst/>
+            </a:prstGeom>
+            <a:noFill/>
+          </p:spPr>
+          <p:txBody>
+            <a:bodyPr wrap="none" rtlCol="0">
+              <a:spAutoFit/>
+            </a:bodyPr>
+            <a:lstStyle/>
+            <a:p>
+              <a:r>
+                <a:rPr lang="en-US" dirty="0">
+                  <a:latin typeface="Arial" panose="020B0604020202020204" pitchFamily="34" charset="0"/>
+                  <a:cs typeface="Arial" panose="020B0604020202020204" pitchFamily="34" charset="0"/>
+                </a:rPr>
+                <a:t>B</a:t>
+              </a:r>
+              <a:endParaRPr lang="en-US" baseline="-25000" dirty="0">
+                <a:latin typeface="Arial" panose="020B0604020202020204" pitchFamily="34" charset="0"/>
+                <a:cs typeface="Arial" panose="020B0604020202020204" pitchFamily="34" charset="0"/>
+              </a:endParaRPr>
+            </a:p>
+          </p:txBody>
+        </p:sp>
+        <p:sp>
+          <p:nvSpPr>
+            <p:cNvPr id="38" name="TextBox 37">
+              <a:extLst>
+                <a:ext uri="{FF2B5EF4-FFF2-40B4-BE49-F238E27FC236}">
+                  <a16:creationId xmlns:a16="http://schemas.microsoft.com/office/drawing/2014/main" id="{CF7FB89D-67C4-BB55-7B7D-54435315554F}"/>
+                </a:ext>
+              </a:extLst>
+            </p:cNvPr>
+            <p:cNvSpPr txBox="1"/>
+            <p:nvPr/>
+          </p:nvSpPr>
+          <p:spPr>
+            <a:xfrm>
+              <a:off x="4856549" y="3044283"/>
+              <a:ext cx="351378" cy="369332"/>
+            </a:xfrm>
+            <a:prstGeom prst="rect">
+              <a:avLst/>
+            </a:prstGeom>
+            <a:noFill/>
+          </p:spPr>
+          <p:txBody>
+            <a:bodyPr wrap="none" rtlCol="0">
+              <a:spAutoFit/>
+            </a:bodyPr>
+            <a:lstStyle/>
+            <a:p>
+              <a:r>
+                <a:rPr lang="en-US" dirty="0">
+                  <a:latin typeface="Arial" panose="020B0604020202020204" pitchFamily="34" charset="0"/>
+                  <a:cs typeface="Arial" panose="020B0604020202020204" pitchFamily="34" charset="0"/>
+                </a:rPr>
+                <a:t>C</a:t>
+              </a:r>
+              <a:endParaRPr lang="en-US" baseline="-25000" dirty="0">
+                <a:latin typeface="Arial" panose="020B0604020202020204" pitchFamily="34" charset="0"/>
+                <a:cs typeface="Arial" panose="020B0604020202020204" pitchFamily="34" charset="0"/>
+              </a:endParaRPr>
+            </a:p>
+          </p:txBody>
+        </p:sp>
+        <p:sp>
+          <p:nvSpPr>
+            <p:cNvPr id="39" name="TextBox 38">
+              <a:extLst>
+                <a:ext uri="{FF2B5EF4-FFF2-40B4-BE49-F238E27FC236}">
+                  <a16:creationId xmlns:a16="http://schemas.microsoft.com/office/drawing/2014/main" id="{E0326B8B-4C7A-4857-AB5F-287E52F69352}"/>
+                </a:ext>
+              </a:extLst>
+            </p:cNvPr>
+            <p:cNvSpPr txBox="1"/>
+            <p:nvPr/>
+          </p:nvSpPr>
+          <p:spPr>
+            <a:xfrm>
+              <a:off x="4381362" y="2144448"/>
+              <a:ext cx="740908" cy="307777"/>
+            </a:xfrm>
+            <a:prstGeom prst="rect">
+              <a:avLst/>
+            </a:prstGeom>
+            <a:noFill/>
+          </p:spPr>
+          <p:txBody>
+            <a:bodyPr wrap="none" rtlCol="0">
+              <a:spAutoFit/>
+            </a:bodyPr>
+            <a:lstStyle/>
+            <a:p>
+              <a:r>
+                <a:rPr lang="en-US" sz="1400" dirty="0">
+                  <a:latin typeface="Arial" panose="020B0604020202020204" pitchFamily="34" charset="0"/>
+                  <a:cs typeface="Arial" panose="020B0604020202020204" pitchFamily="34" charset="0"/>
+                </a:rPr>
+                <a:t>operon</a:t>
+              </a:r>
+            </a:p>
+          </p:txBody>
+        </p:sp>
+        <p:sp>
+          <p:nvSpPr>
+            <p:cNvPr id="40" name="Rectangle 39">
+              <a:extLst>
+                <a:ext uri="{FF2B5EF4-FFF2-40B4-BE49-F238E27FC236}">
+                  <a16:creationId xmlns:a16="http://schemas.microsoft.com/office/drawing/2014/main" id="{3DECF54D-BE99-7AFF-6976-A39C782F2071}"/>
+                </a:ext>
+              </a:extLst>
+            </p:cNvPr>
+            <p:cNvSpPr/>
+            <p:nvPr/>
+          </p:nvSpPr>
+          <p:spPr>
+            <a:xfrm>
+              <a:off x="4520417" y="2440116"/>
+              <a:ext cx="211001" cy="207896"/>
+            </a:xfrm>
+            <a:prstGeom prst="rect">
+              <a:avLst/>
+            </a:prstGeom>
+            <a:solidFill>
+              <a:schemeClr val="accent4">
+                <a:lumMod val="40000"/>
+                <a:lumOff val="60000"/>
+              </a:schemeClr>
+            </a:solidFill>
+            <a:ln w="28575">
+              <a:solidFill>
+                <a:schemeClr val="tx1"/>
+              </a:solidFill>
+            </a:ln>
+          </p:spPr>
+          <p:style>
+            <a:lnRef idx="2">
+              <a:schemeClr val="accent1">
+                <a:shade val="50000"/>
+              </a:schemeClr>
+            </a:lnRef>
+            <a:fillRef idx="1">
+              <a:schemeClr val="accent1"/>
+            </a:fillRef>
+            <a:effectRef idx="0">
+              <a:schemeClr val="accent1"/>
+            </a:effectRef>
+            <a:fontRef idx="minor">
+              <a:schemeClr val="lt1"/>
+            </a:fontRef>
+          </p:style>
+          <p:txBody>
+            <a:bodyPr rtlCol="0" anchor="ctr"/>
+            <a:lstStyle/>
+            <a:p>
+              <a:pPr algn="ctr"/>
+              <a:endParaRPr lang="en-US"/>
+            </a:p>
+          </p:txBody>
+        </p:sp>
+        <p:sp>
+          <p:nvSpPr>
+            <p:cNvPr id="41" name="Rectangle 40">
+              <a:extLst>
+                <a:ext uri="{FF2B5EF4-FFF2-40B4-BE49-F238E27FC236}">
+                  <a16:creationId xmlns:a16="http://schemas.microsoft.com/office/drawing/2014/main" id="{6103B162-48D4-5614-E2EC-CC4F0B872BE9}"/>
+                </a:ext>
+              </a:extLst>
+            </p:cNvPr>
+            <p:cNvSpPr/>
+            <p:nvPr/>
+          </p:nvSpPr>
+          <p:spPr>
+            <a:xfrm>
+              <a:off x="4334251" y="2440116"/>
+              <a:ext cx="193181" cy="207896"/>
+            </a:xfrm>
+            <a:prstGeom prst="rect">
+              <a:avLst/>
+            </a:prstGeom>
+            <a:solidFill>
+              <a:schemeClr val="accent3">
+                <a:lumMod val="40000"/>
+                <a:lumOff val="60000"/>
+              </a:schemeClr>
+            </a:solidFill>
+            <a:ln w="28575">
+              <a:solidFill>
+                <a:schemeClr val="tx1"/>
+              </a:solidFill>
+            </a:ln>
+          </p:spPr>
+          <p:style>
+            <a:lnRef idx="2">
+              <a:schemeClr val="accent1">
+                <a:shade val="50000"/>
+              </a:schemeClr>
+            </a:lnRef>
+            <a:fillRef idx="1">
+              <a:schemeClr val="accent1"/>
+            </a:fillRef>
+            <a:effectRef idx="0">
+              <a:schemeClr val="accent1"/>
+            </a:effectRef>
+            <a:fontRef idx="minor">
+              <a:schemeClr val="lt1"/>
+            </a:fontRef>
+          </p:style>
+          <p:txBody>
+            <a:bodyPr rtlCol="0" anchor="ctr"/>
+            <a:lstStyle/>
+            <a:p>
+              <a:pPr algn="ctr"/>
+              <a:endParaRPr lang="en-US"/>
+            </a:p>
+          </p:txBody>
+        </p:sp>
+        <p:cxnSp>
+          <p:nvCxnSpPr>
+            <p:cNvPr id="42" name="Straight Arrow Connector 41">
+              <a:extLst>
+                <a:ext uri="{FF2B5EF4-FFF2-40B4-BE49-F238E27FC236}">
+                  <a16:creationId xmlns:a16="http://schemas.microsoft.com/office/drawing/2014/main" id="{B10CAEC6-0510-1CFD-E968-21C2A51BE942}"/>
+                </a:ext>
+              </a:extLst>
+            </p:cNvPr>
+            <p:cNvCxnSpPr>
+              <a:cxnSpLocks/>
+            </p:cNvCxnSpPr>
+            <p:nvPr/>
+          </p:nvCxnSpPr>
+          <p:spPr>
+            <a:xfrm flipH="1">
+              <a:off x="4158178" y="2733380"/>
+              <a:ext cx="192392" cy="377773"/>
+            </a:xfrm>
+            <a:prstGeom prst="straightConnector1">
+              <a:avLst/>
+            </a:prstGeom>
+            <a:ln w="38100">
+              <a:solidFill>
+                <a:schemeClr val="tx1"/>
+              </a:solidFill>
+              <a:tailEnd type="triangle" w="med" len="lg"/>
+            </a:ln>
+          </p:spPr>
+          <p:style>
+            <a:lnRef idx="1">
+              <a:schemeClr val="accent1"/>
+            </a:lnRef>
+            <a:fillRef idx="0">
+              <a:schemeClr val="accent1"/>
+            </a:fillRef>
+            <a:effectRef idx="0">
+              <a:schemeClr val="accent1"/>
+            </a:effectRef>
+            <a:fontRef idx="minor">
+              <a:schemeClr val="tx1"/>
+            </a:fontRef>
+          </p:style>
+        </p:cxnSp>
+        <p:cxnSp>
+          <p:nvCxnSpPr>
+            <p:cNvPr id="43" name="Straight Arrow Connector 42">
+              <a:extLst>
+                <a:ext uri="{FF2B5EF4-FFF2-40B4-BE49-F238E27FC236}">
+                  <a16:creationId xmlns:a16="http://schemas.microsoft.com/office/drawing/2014/main" id="{A2A4E399-2F30-226A-173A-02F0677EF18B}"/>
+                </a:ext>
+              </a:extLst>
+            </p:cNvPr>
+            <p:cNvCxnSpPr>
+              <a:cxnSpLocks/>
+            </p:cNvCxnSpPr>
+            <p:nvPr/>
+          </p:nvCxnSpPr>
+          <p:spPr>
+            <a:xfrm>
+              <a:off x="4834098" y="2733381"/>
+              <a:ext cx="192392" cy="377773"/>
+            </a:xfrm>
+            <a:prstGeom prst="straightConnector1">
+              <a:avLst/>
+            </a:prstGeom>
+            <a:ln w="38100">
+              <a:solidFill>
+                <a:schemeClr val="tx1"/>
+              </a:solidFill>
+              <a:tailEnd type="triangle" w="med" len="lg"/>
+            </a:ln>
+          </p:spPr>
+          <p:style>
+            <a:lnRef idx="1">
+              <a:schemeClr val="accent1"/>
+            </a:lnRef>
+            <a:fillRef idx="0">
+              <a:schemeClr val="accent1"/>
+            </a:fillRef>
+            <a:effectRef idx="0">
+              <a:schemeClr val="accent1"/>
+            </a:effectRef>
+            <a:fontRef idx="minor">
+              <a:schemeClr val="tx1"/>
+            </a:fontRef>
+          </p:style>
+        </p:cxnSp>
+        <p:cxnSp>
+          <p:nvCxnSpPr>
+            <p:cNvPr id="44" name="Straight Arrow Connector 43">
+              <a:extLst>
+                <a:ext uri="{FF2B5EF4-FFF2-40B4-BE49-F238E27FC236}">
+                  <a16:creationId xmlns:a16="http://schemas.microsoft.com/office/drawing/2014/main" id="{02CA9B18-AE12-5A43-7A23-DFC515C1A0AE}"/>
+                </a:ext>
+              </a:extLst>
+            </p:cNvPr>
+            <p:cNvCxnSpPr>
+              <a:cxnSpLocks/>
+            </p:cNvCxnSpPr>
+            <p:nvPr/>
+          </p:nvCxnSpPr>
+          <p:spPr>
+            <a:xfrm>
+              <a:off x="4579043" y="2733381"/>
+              <a:ext cx="0" cy="377773"/>
+            </a:xfrm>
+            <a:prstGeom prst="straightConnector1">
+              <a:avLst/>
+            </a:prstGeom>
+            <a:ln w="38100">
+              <a:solidFill>
+                <a:schemeClr val="tx1"/>
+              </a:solidFill>
+              <a:tailEnd type="triangle" w="med" len="lg"/>
+            </a:ln>
+          </p:spPr>
+          <p:style>
+            <a:lnRef idx="1">
+              <a:schemeClr val="accent1"/>
+            </a:lnRef>
+            <a:fillRef idx="0">
+              <a:schemeClr val="accent1"/>
+            </a:fillRef>
+            <a:effectRef idx="0">
+              <a:schemeClr val="accent1"/>
+            </a:effectRef>
+            <a:fontRef idx="minor">
+              <a:schemeClr val="tx1"/>
+            </a:fontRef>
+          </p:style>
+        </p:cxnSp>
+        <p:sp>
+          <p:nvSpPr>
+            <p:cNvPr id="45" name="TextBox 44">
+              <a:extLst>
+                <a:ext uri="{FF2B5EF4-FFF2-40B4-BE49-F238E27FC236}">
+                  <a16:creationId xmlns:a16="http://schemas.microsoft.com/office/drawing/2014/main" id="{3BAFED1A-BAE1-20C5-98A2-2A92066FBEB3}"/>
+                </a:ext>
+              </a:extLst>
+            </p:cNvPr>
+            <p:cNvSpPr txBox="1"/>
+            <p:nvPr/>
+          </p:nvSpPr>
+          <p:spPr>
+            <a:xfrm>
+              <a:off x="6787415" y="3598488"/>
+              <a:ext cx="1106329" cy="307777"/>
+            </a:xfrm>
+            <a:prstGeom prst="rect">
+              <a:avLst/>
+            </a:prstGeom>
+            <a:noFill/>
+          </p:spPr>
+          <p:txBody>
+            <a:bodyPr wrap="none" rtlCol="0">
+              <a:spAutoFit/>
+            </a:bodyPr>
+            <a:lstStyle/>
+            <a:p>
+              <a:r>
+                <a:rPr lang="en-US" sz="1400" dirty="0">
+                  <a:latin typeface="Arial" panose="020B0604020202020204" pitchFamily="34" charset="0"/>
+                  <a:cs typeface="Arial" panose="020B0604020202020204" pitchFamily="34" charset="0"/>
+                </a:rPr>
+                <a:t>efflux pump</a:t>
+              </a:r>
+            </a:p>
+          </p:txBody>
+        </p:sp>
+        <p:cxnSp>
+          <p:nvCxnSpPr>
+            <p:cNvPr id="46" name="Straight Arrow Connector 45">
+              <a:extLst>
+                <a:ext uri="{FF2B5EF4-FFF2-40B4-BE49-F238E27FC236}">
+                  <a16:creationId xmlns:a16="http://schemas.microsoft.com/office/drawing/2014/main" id="{576B92F7-DB0C-2963-AA22-5A168FD9D744}"/>
+                </a:ext>
+              </a:extLst>
+            </p:cNvPr>
+            <p:cNvCxnSpPr>
+              <a:cxnSpLocks/>
+            </p:cNvCxnSpPr>
+            <p:nvPr/>
+          </p:nvCxnSpPr>
+          <p:spPr>
+            <a:xfrm>
+              <a:off x="6010682" y="2691965"/>
+              <a:ext cx="0" cy="377773"/>
+            </a:xfrm>
+            <a:prstGeom prst="straightConnector1">
+              <a:avLst/>
+            </a:prstGeom>
+            <a:ln w="38100">
+              <a:solidFill>
+                <a:schemeClr val="tx1"/>
+              </a:solidFill>
+              <a:tailEnd type="triangle" w="med" len="lg"/>
+            </a:ln>
+          </p:spPr>
+          <p:style>
+            <a:lnRef idx="1">
+              <a:schemeClr val="accent1"/>
+            </a:lnRef>
+            <a:fillRef idx="0">
+              <a:schemeClr val="accent1"/>
+            </a:fillRef>
+            <a:effectRef idx="0">
+              <a:schemeClr val="accent1"/>
+            </a:effectRef>
+            <a:fontRef idx="minor">
+              <a:schemeClr val="tx1"/>
+            </a:fontRef>
+          </p:style>
+        </p:cxnSp>
+        <p:cxnSp>
+          <p:nvCxnSpPr>
+            <p:cNvPr id="47" name="Straight Arrow Connector 46">
+              <a:extLst>
+                <a:ext uri="{FF2B5EF4-FFF2-40B4-BE49-F238E27FC236}">
+                  <a16:creationId xmlns:a16="http://schemas.microsoft.com/office/drawing/2014/main" id="{3AF0C496-B705-8C95-A7CB-C09AE6FDABA4}"/>
+                </a:ext>
+              </a:extLst>
+            </p:cNvPr>
+            <p:cNvCxnSpPr>
+              <a:cxnSpLocks/>
+            </p:cNvCxnSpPr>
+            <p:nvPr/>
+          </p:nvCxnSpPr>
+          <p:spPr>
+            <a:xfrm>
+              <a:off x="7339999" y="2733379"/>
+              <a:ext cx="0" cy="377773"/>
+            </a:xfrm>
+            <a:prstGeom prst="straightConnector1">
+              <a:avLst/>
+            </a:prstGeom>
+            <a:ln w="38100">
+              <a:solidFill>
+                <a:schemeClr val="tx1"/>
+              </a:solidFill>
+              <a:tailEnd type="triangle" w="med" len="lg"/>
+            </a:ln>
+          </p:spPr>
+          <p:style>
+            <a:lnRef idx="1">
+              <a:schemeClr val="accent1"/>
+            </a:lnRef>
+            <a:fillRef idx="0">
+              <a:schemeClr val="accent1"/>
+            </a:fillRef>
+            <a:effectRef idx="0">
+              <a:schemeClr val="accent1"/>
+            </a:effectRef>
+            <a:fontRef idx="minor">
+              <a:schemeClr val="tx1"/>
+            </a:fontRef>
+          </p:style>
+        </p:cxnSp>
+        <p:grpSp>
+          <p:nvGrpSpPr>
+            <p:cNvPr id="48" name="Group 47">
+              <a:extLst>
+                <a:ext uri="{FF2B5EF4-FFF2-40B4-BE49-F238E27FC236}">
+                  <a16:creationId xmlns:a16="http://schemas.microsoft.com/office/drawing/2014/main" id="{C22C86EA-BA59-BC8D-633C-137EC2EAA7F9}"/>
+                </a:ext>
+              </a:extLst>
+            </p:cNvPr>
+            <p:cNvGrpSpPr/>
+            <p:nvPr/>
+          </p:nvGrpSpPr>
+          <p:grpSpPr>
+            <a:xfrm>
+              <a:off x="5248956" y="1727170"/>
+              <a:ext cx="551754" cy="369332"/>
+              <a:chOff x="5838834" y="3728172"/>
+              <a:chExt cx="551754" cy="369332"/>
+            </a:xfrm>
+          </p:grpSpPr>
+          <p:sp>
+            <p:nvSpPr>
+              <p:cNvPr id="49" name="Rounded Rectangle 48">
+                <a:extLst>
+                  <a:ext uri="{FF2B5EF4-FFF2-40B4-BE49-F238E27FC236}">
+                    <a16:creationId xmlns:a16="http://schemas.microsoft.com/office/drawing/2014/main" id="{745FD290-5198-F64B-FA20-BE524E342E49}"/>
+                  </a:ext>
+                </a:extLst>
+              </p:cNvPr>
+              <p:cNvSpPr/>
+              <p:nvPr/>
+            </p:nvSpPr>
+            <p:spPr>
+              <a:xfrm>
+                <a:off x="5878272" y="3766823"/>
+                <a:ext cx="472878" cy="306888"/>
+              </a:xfrm>
+              <a:prstGeom prst="roundRect">
+                <a:avLst/>
+              </a:prstGeom>
+              <a:solidFill>
+                <a:schemeClr val="accent1">
+                  <a:lumMod val="20000"/>
+                  <a:lumOff val="80000"/>
+                </a:schemeClr>
+              </a:solidFill>
+              <a:ln w="28575">
+                <a:solidFill>
+                  <a:schemeClr val="accent1"/>
+                </a:solidFill>
+              </a:ln>
+            </p:spPr>
+            <p:style>
+              <a:lnRef idx="2">
+                <a:schemeClr val="accent1">
+                  <a:shade val="50000"/>
+                </a:schemeClr>
+              </a:lnRef>
+              <a:fillRef idx="1">
+                <a:schemeClr val="accent1"/>
+              </a:fillRef>
+              <a:effectRef idx="0">
+                <a:schemeClr val="accent1"/>
+              </a:effectRef>
+              <a:fontRef idx="minor">
+                <a:schemeClr val="lt1"/>
+              </a:fontRef>
+            </p:style>
+            <p:txBody>
+              <a:bodyPr rtlCol="0" anchor="ctr"/>
+              <a:lstStyle/>
+              <a:p>
+                <a:pPr algn="ctr"/>
+                <a:endParaRPr lang="en-US" sz="1600" baseline="-25000" dirty="0">
+                  <a:solidFill>
+                    <a:schemeClr val="tx1"/>
+                  </a:solidFill>
+                  <a:latin typeface="Arial" panose="020B0604020202020204" pitchFamily="34" charset="0"/>
+                  <a:cs typeface="Arial" panose="020B0604020202020204" pitchFamily="34" charset="0"/>
+                </a:endParaRPr>
+              </a:p>
+            </p:txBody>
+          </p:sp>
+          <p:sp>
+            <p:nvSpPr>
+              <p:cNvPr id="50" name="TextBox 49">
+                <a:extLst>
+                  <a:ext uri="{FF2B5EF4-FFF2-40B4-BE49-F238E27FC236}">
+                    <a16:creationId xmlns:a16="http://schemas.microsoft.com/office/drawing/2014/main" id="{88EDB9F0-A726-195A-E5BE-01CA29614BE1}"/>
+                  </a:ext>
+                </a:extLst>
+              </p:cNvPr>
+              <p:cNvSpPr txBox="1"/>
+              <p:nvPr/>
+            </p:nvSpPr>
+            <p:spPr>
+              <a:xfrm>
+                <a:off x="5838834" y="3728172"/>
+                <a:ext cx="551754" cy="369332"/>
+              </a:xfrm>
+              <a:prstGeom prst="rect">
+                <a:avLst/>
+              </a:prstGeom>
+              <a:noFill/>
+            </p:spPr>
+            <p:txBody>
+              <a:bodyPr wrap="none" rtlCol="0">
+                <a:spAutoFit/>
+              </a:bodyPr>
+              <a:lstStyle/>
+              <a:p>
+                <a:r>
+                  <a:rPr lang="en-US" dirty="0">
+                    <a:latin typeface="Arial" panose="020B0604020202020204" pitchFamily="34" charset="0"/>
+                    <a:cs typeface="Arial" panose="020B0604020202020204" pitchFamily="34" charset="0"/>
+                  </a:rPr>
+                  <a:t>TF</a:t>
+                </a:r>
+                <a:r>
+                  <a:rPr lang="en-US" baseline="-25000" dirty="0">
+                    <a:latin typeface="Arial" panose="020B0604020202020204" pitchFamily="34" charset="0"/>
+                    <a:cs typeface="Arial" panose="020B0604020202020204" pitchFamily="34" charset="0"/>
+                  </a:rPr>
+                  <a:t>1</a:t>
+                </a:r>
+              </a:p>
+            </p:txBody>
+          </p:sp>
+        </p:grpSp>
+        <p:grpSp>
+          <p:nvGrpSpPr>
+            <p:cNvPr id="51" name="Group 50">
+              <a:extLst>
+                <a:ext uri="{FF2B5EF4-FFF2-40B4-BE49-F238E27FC236}">
+                  <a16:creationId xmlns:a16="http://schemas.microsoft.com/office/drawing/2014/main" id="{C51D4C44-E77A-5D56-77D5-B49CAFCD205F}"/>
+                </a:ext>
+              </a:extLst>
+            </p:cNvPr>
+            <p:cNvGrpSpPr/>
+            <p:nvPr/>
+          </p:nvGrpSpPr>
+          <p:grpSpPr>
+            <a:xfrm>
+              <a:off x="6382179" y="1727170"/>
+              <a:ext cx="551754" cy="369332"/>
+              <a:chOff x="5839496" y="3733485"/>
+              <a:chExt cx="551754" cy="369332"/>
+            </a:xfrm>
+          </p:grpSpPr>
+          <p:sp>
+            <p:nvSpPr>
+              <p:cNvPr id="52" name="Rounded Rectangle 51">
+                <a:extLst>
+                  <a:ext uri="{FF2B5EF4-FFF2-40B4-BE49-F238E27FC236}">
+                    <a16:creationId xmlns:a16="http://schemas.microsoft.com/office/drawing/2014/main" id="{2F7C18C2-A9F6-3A5F-C0BB-12B993A6D794}"/>
+                  </a:ext>
+                </a:extLst>
+              </p:cNvPr>
+              <p:cNvSpPr/>
+              <p:nvPr/>
+            </p:nvSpPr>
+            <p:spPr>
+              <a:xfrm>
+                <a:off x="5878272" y="3766823"/>
+                <a:ext cx="472878" cy="306888"/>
+              </a:xfrm>
+              <a:prstGeom prst="roundRect">
+                <a:avLst/>
+              </a:prstGeom>
+              <a:solidFill>
+                <a:schemeClr val="accent6">
+                  <a:lumMod val="20000"/>
+                  <a:lumOff val="80000"/>
+                </a:schemeClr>
+              </a:solidFill>
+              <a:ln w="28575">
+                <a:solidFill>
+                  <a:schemeClr val="accent6"/>
+                </a:solidFill>
+              </a:ln>
+            </p:spPr>
+            <p:style>
+              <a:lnRef idx="2">
+                <a:schemeClr val="accent1">
+                  <a:shade val="50000"/>
+                </a:schemeClr>
+              </a:lnRef>
+              <a:fillRef idx="1">
+                <a:schemeClr val="accent1"/>
+              </a:fillRef>
+              <a:effectRef idx="0">
+                <a:schemeClr val="accent1"/>
+              </a:effectRef>
+              <a:fontRef idx="minor">
+                <a:schemeClr val="lt1"/>
+              </a:fontRef>
+            </p:style>
+            <p:txBody>
+              <a:bodyPr rtlCol="0" anchor="ctr"/>
+              <a:lstStyle/>
+              <a:p>
+                <a:pPr algn="ctr"/>
+                <a:endParaRPr lang="en-US" sz="1600" baseline="-25000" dirty="0">
+                  <a:solidFill>
+                    <a:schemeClr val="tx1"/>
+                  </a:solidFill>
+                  <a:latin typeface="Arial" panose="020B0604020202020204" pitchFamily="34" charset="0"/>
+                  <a:cs typeface="Arial" panose="020B0604020202020204" pitchFamily="34" charset="0"/>
+                </a:endParaRPr>
+              </a:p>
+            </p:txBody>
+          </p:sp>
+          <p:sp>
+            <p:nvSpPr>
+              <p:cNvPr id="53" name="TextBox 52">
+                <a:extLst>
+                  <a:ext uri="{FF2B5EF4-FFF2-40B4-BE49-F238E27FC236}">
+                    <a16:creationId xmlns:a16="http://schemas.microsoft.com/office/drawing/2014/main" id="{C35C8A95-2F93-7F62-4929-1494EC0EE436}"/>
+                  </a:ext>
+                </a:extLst>
+              </p:cNvPr>
+              <p:cNvSpPr txBox="1"/>
+              <p:nvPr/>
+            </p:nvSpPr>
+            <p:spPr>
+              <a:xfrm>
+                <a:off x="5839496" y="3733485"/>
+                <a:ext cx="551754" cy="369332"/>
+              </a:xfrm>
+              <a:prstGeom prst="rect">
+                <a:avLst/>
+              </a:prstGeom>
+              <a:noFill/>
+            </p:spPr>
+            <p:txBody>
+              <a:bodyPr wrap="none" rtlCol="0">
+                <a:spAutoFit/>
+              </a:bodyPr>
+              <a:lstStyle/>
+              <a:p>
+                <a:r>
+                  <a:rPr lang="en-US" dirty="0">
+                    <a:latin typeface="Arial" panose="020B0604020202020204" pitchFamily="34" charset="0"/>
+                    <a:cs typeface="Arial" panose="020B0604020202020204" pitchFamily="34" charset="0"/>
+                  </a:rPr>
+                  <a:t>TF</a:t>
+                </a:r>
+                <a:r>
+                  <a:rPr lang="en-US" baseline="-25000" dirty="0">
+                    <a:latin typeface="Arial" panose="020B0604020202020204" pitchFamily="34" charset="0"/>
+                    <a:cs typeface="Arial" panose="020B0604020202020204" pitchFamily="34" charset="0"/>
+                  </a:rPr>
+                  <a:t>2</a:t>
+                </a:r>
+              </a:p>
+            </p:txBody>
+          </p:sp>
+        </p:grpSp>
+        <p:cxnSp>
+          <p:nvCxnSpPr>
+            <p:cNvPr id="54" name="Straight Connector 53">
+              <a:extLst>
+                <a:ext uri="{FF2B5EF4-FFF2-40B4-BE49-F238E27FC236}">
+                  <a16:creationId xmlns:a16="http://schemas.microsoft.com/office/drawing/2014/main" id="{3408885C-5DCD-EF78-412F-46E5A9C9DAAC}"/>
+                </a:ext>
+              </a:extLst>
+            </p:cNvPr>
+            <p:cNvCxnSpPr/>
+            <p:nvPr/>
+          </p:nvCxnSpPr>
+          <p:spPr>
+            <a:xfrm flipV="1">
+              <a:off x="5524833" y="2138795"/>
+              <a:ext cx="0" cy="972357"/>
+            </a:xfrm>
+            <a:prstGeom prst="line">
+              <a:avLst/>
+            </a:prstGeom>
+            <a:ln w="38100">
+              <a:solidFill>
+                <a:schemeClr val="accent1"/>
+              </a:solidFill>
+              <a:prstDash val="sysDot"/>
+            </a:ln>
+          </p:spPr>
+          <p:style>
+            <a:lnRef idx="1">
+              <a:schemeClr val="accent1"/>
+            </a:lnRef>
+            <a:fillRef idx="0">
+              <a:schemeClr val="accent1"/>
+            </a:fillRef>
+            <a:effectRef idx="0">
+              <a:schemeClr val="accent1"/>
+            </a:effectRef>
+            <a:fontRef idx="minor">
+              <a:schemeClr val="tx1"/>
+            </a:fontRef>
+          </p:style>
+        </p:cxnSp>
+        <p:cxnSp>
+          <p:nvCxnSpPr>
+            <p:cNvPr id="55" name="Straight Connector 54">
+              <a:extLst>
+                <a:ext uri="{FF2B5EF4-FFF2-40B4-BE49-F238E27FC236}">
+                  <a16:creationId xmlns:a16="http://schemas.microsoft.com/office/drawing/2014/main" id="{C24003AB-2DAB-4F48-F11A-246459E6E52C}"/>
+                </a:ext>
+              </a:extLst>
+            </p:cNvPr>
+            <p:cNvCxnSpPr/>
+            <p:nvPr/>
+          </p:nvCxnSpPr>
+          <p:spPr>
+            <a:xfrm flipV="1">
+              <a:off x="6658056" y="2138794"/>
+              <a:ext cx="0" cy="972357"/>
+            </a:xfrm>
+            <a:prstGeom prst="line">
+              <a:avLst/>
+            </a:prstGeom>
+            <a:ln w="38100">
+              <a:solidFill>
+                <a:schemeClr val="accent6"/>
+              </a:solidFill>
+              <a:prstDash val="sysDot"/>
+            </a:ln>
+          </p:spPr>
+          <p:style>
+            <a:lnRef idx="1">
+              <a:schemeClr val="accent1"/>
+            </a:lnRef>
+            <a:fillRef idx="0">
+              <a:schemeClr val="accent1"/>
+            </a:fillRef>
+            <a:effectRef idx="0">
+              <a:schemeClr val="accent1"/>
+            </a:effectRef>
+            <a:fontRef idx="minor">
+              <a:schemeClr val="tx1"/>
+            </a:fontRef>
+          </p:style>
+        </p:cxnSp>
+        <p:cxnSp>
+          <p:nvCxnSpPr>
+            <p:cNvPr id="56" name="Straight Connector 55">
+              <a:extLst>
+                <a:ext uri="{FF2B5EF4-FFF2-40B4-BE49-F238E27FC236}">
+                  <a16:creationId xmlns:a16="http://schemas.microsoft.com/office/drawing/2014/main" id="{12FBB9D9-75B4-285E-2D84-525998D10104}"/>
+                </a:ext>
+              </a:extLst>
+            </p:cNvPr>
+            <p:cNvCxnSpPr>
+              <a:cxnSpLocks/>
+            </p:cNvCxnSpPr>
+            <p:nvPr/>
+          </p:nvCxnSpPr>
+          <p:spPr>
+            <a:xfrm flipH="1">
+              <a:off x="6565001" y="2138794"/>
+              <a:ext cx="186109" cy="0"/>
+            </a:xfrm>
+            <a:prstGeom prst="line">
+              <a:avLst/>
+            </a:prstGeom>
+            <a:ln w="38100">
+              <a:solidFill>
+                <a:schemeClr val="accent6"/>
+              </a:solidFill>
+            </a:ln>
+          </p:spPr>
+          <p:style>
+            <a:lnRef idx="1">
+              <a:schemeClr val="accent1"/>
+            </a:lnRef>
+            <a:fillRef idx="0">
+              <a:schemeClr val="accent1"/>
+            </a:fillRef>
+            <a:effectRef idx="0">
+              <a:schemeClr val="accent1"/>
+            </a:effectRef>
+            <a:fontRef idx="minor">
+              <a:schemeClr val="tx1"/>
+            </a:fontRef>
+          </p:style>
+        </p:cxnSp>
+        <p:cxnSp>
+          <p:nvCxnSpPr>
+            <p:cNvPr id="57" name="Straight Connector 56">
+              <a:extLst>
+                <a:ext uri="{FF2B5EF4-FFF2-40B4-BE49-F238E27FC236}">
+                  <a16:creationId xmlns:a16="http://schemas.microsoft.com/office/drawing/2014/main" id="{2A9DAD74-B36F-66EE-57D3-B081C5F6A832}"/>
+                </a:ext>
+              </a:extLst>
+            </p:cNvPr>
+            <p:cNvCxnSpPr>
+              <a:cxnSpLocks/>
+            </p:cNvCxnSpPr>
+            <p:nvPr/>
+          </p:nvCxnSpPr>
+          <p:spPr>
+            <a:xfrm flipH="1">
+              <a:off x="5431778" y="2139655"/>
+              <a:ext cx="186109" cy="0"/>
+            </a:xfrm>
+            <a:prstGeom prst="line">
+              <a:avLst/>
+            </a:prstGeom>
+            <a:ln w="38100">
+              <a:solidFill>
+                <a:schemeClr val="accent1"/>
+              </a:solidFill>
+            </a:ln>
+          </p:spPr>
+          <p:style>
+            <a:lnRef idx="1">
+              <a:schemeClr val="accent1"/>
+            </a:lnRef>
+            <a:fillRef idx="0">
+              <a:schemeClr val="accent1"/>
+            </a:fillRef>
+            <a:effectRef idx="0">
+              <a:schemeClr val="accent1"/>
+            </a:effectRef>
+            <a:fontRef idx="minor">
+              <a:schemeClr val="tx1"/>
+            </a:fontRef>
+          </p:style>
+        </p:cxnSp>
+        <p:cxnSp>
+          <p:nvCxnSpPr>
+            <p:cNvPr id="58" name="Straight Connector 57">
+              <a:extLst>
+                <a:ext uri="{FF2B5EF4-FFF2-40B4-BE49-F238E27FC236}">
+                  <a16:creationId xmlns:a16="http://schemas.microsoft.com/office/drawing/2014/main" id="{E2461DD5-6571-F73E-436F-5A5548F236F8}"/>
+                </a:ext>
+              </a:extLst>
+            </p:cNvPr>
+            <p:cNvCxnSpPr>
+              <a:cxnSpLocks/>
+            </p:cNvCxnSpPr>
+            <p:nvPr/>
+          </p:nvCxnSpPr>
+          <p:spPr>
+            <a:xfrm flipH="1">
+              <a:off x="4579043" y="1522015"/>
+              <a:ext cx="2802156" cy="0"/>
+            </a:xfrm>
+            <a:prstGeom prst="line">
+              <a:avLst/>
+            </a:prstGeom>
+            <a:ln w="38100">
+              <a:solidFill>
+                <a:schemeClr val="accent1"/>
+              </a:solidFill>
+              <a:prstDash val="sysDot"/>
+            </a:ln>
+          </p:spPr>
+          <p:style>
+            <a:lnRef idx="1">
+              <a:schemeClr val="accent1"/>
+            </a:lnRef>
+            <a:fillRef idx="0">
+              <a:schemeClr val="accent1"/>
+            </a:fillRef>
+            <a:effectRef idx="0">
+              <a:schemeClr val="accent1"/>
+            </a:effectRef>
+            <a:fontRef idx="minor">
+              <a:schemeClr val="tx1"/>
+            </a:fontRef>
+          </p:style>
+        </p:cxnSp>
+        <p:cxnSp>
+          <p:nvCxnSpPr>
+            <p:cNvPr id="59" name="Straight Connector 58">
+              <a:extLst>
+                <a:ext uri="{FF2B5EF4-FFF2-40B4-BE49-F238E27FC236}">
+                  <a16:creationId xmlns:a16="http://schemas.microsoft.com/office/drawing/2014/main" id="{F0909F8F-16B4-0EA8-81F7-5B5FF2CAE0A5}"/>
+                </a:ext>
+              </a:extLst>
+            </p:cNvPr>
+            <p:cNvCxnSpPr>
+              <a:cxnSpLocks/>
+            </p:cNvCxnSpPr>
+            <p:nvPr/>
+          </p:nvCxnSpPr>
+          <p:spPr>
+            <a:xfrm>
+              <a:off x="4586477" y="1505050"/>
+              <a:ext cx="0" cy="652926"/>
+            </a:xfrm>
+            <a:prstGeom prst="line">
+              <a:avLst/>
+            </a:prstGeom>
+            <a:ln w="38100">
+              <a:solidFill>
+                <a:schemeClr val="accent1"/>
+              </a:solidFill>
+              <a:prstDash val="sysDot"/>
+              <a:tailEnd type="triangle"/>
+            </a:ln>
+          </p:spPr>
+          <p:style>
+            <a:lnRef idx="1">
+              <a:schemeClr val="accent1"/>
+            </a:lnRef>
+            <a:fillRef idx="0">
+              <a:schemeClr val="accent1"/>
+            </a:fillRef>
+            <a:effectRef idx="0">
+              <a:schemeClr val="accent1"/>
+            </a:effectRef>
+            <a:fontRef idx="minor">
+              <a:schemeClr val="tx1"/>
+            </a:fontRef>
+          </p:style>
+        </p:cxnSp>
+        <p:cxnSp>
+          <p:nvCxnSpPr>
+            <p:cNvPr id="60" name="Straight Connector 59">
+              <a:extLst>
+                <a:ext uri="{FF2B5EF4-FFF2-40B4-BE49-F238E27FC236}">
+                  <a16:creationId xmlns:a16="http://schemas.microsoft.com/office/drawing/2014/main" id="{7332E39E-A725-0105-95F9-479CB88EB811}"/>
+                </a:ext>
+              </a:extLst>
+            </p:cNvPr>
+            <p:cNvCxnSpPr>
+              <a:cxnSpLocks/>
+            </p:cNvCxnSpPr>
+            <p:nvPr/>
+          </p:nvCxnSpPr>
+          <p:spPr>
+            <a:xfrm>
+              <a:off x="7381199" y="1503630"/>
+              <a:ext cx="0" cy="652926"/>
+            </a:xfrm>
+            <a:prstGeom prst="line">
+              <a:avLst/>
+            </a:prstGeom>
+            <a:ln w="38100">
+              <a:solidFill>
+                <a:schemeClr val="accent1"/>
+              </a:solidFill>
+              <a:prstDash val="sysDot"/>
+              <a:tailEnd type="triangle"/>
+            </a:ln>
+          </p:spPr>
+          <p:style>
+            <a:lnRef idx="1">
+              <a:schemeClr val="accent1"/>
+            </a:lnRef>
+            <a:fillRef idx="0">
+              <a:schemeClr val="accent1"/>
+            </a:fillRef>
+            <a:effectRef idx="0">
+              <a:schemeClr val="accent1"/>
+            </a:effectRef>
+            <a:fontRef idx="minor">
+              <a:schemeClr val="tx1"/>
+            </a:fontRef>
+          </p:style>
+        </p:cxnSp>
+        <p:cxnSp>
+          <p:nvCxnSpPr>
+            <p:cNvPr id="61" name="Straight Connector 60">
+              <a:extLst>
+                <a:ext uri="{FF2B5EF4-FFF2-40B4-BE49-F238E27FC236}">
+                  <a16:creationId xmlns:a16="http://schemas.microsoft.com/office/drawing/2014/main" id="{DA531754-CB9B-21B5-CD1C-A6F608FBF221}"/>
+                </a:ext>
+              </a:extLst>
+            </p:cNvPr>
+            <p:cNvCxnSpPr>
+              <a:cxnSpLocks/>
+            </p:cNvCxnSpPr>
+            <p:nvPr/>
+          </p:nvCxnSpPr>
+          <p:spPr>
+            <a:xfrm>
+              <a:off x="6065815" y="1523435"/>
+              <a:ext cx="0" cy="652926"/>
+            </a:xfrm>
+            <a:prstGeom prst="line">
+              <a:avLst/>
+            </a:prstGeom>
+            <a:ln w="38100">
+              <a:solidFill>
+                <a:schemeClr val="accent1"/>
+              </a:solidFill>
+              <a:prstDash val="sysDot"/>
+              <a:tailEnd type="triangle"/>
+            </a:ln>
+          </p:spPr>
+          <p:style>
+            <a:lnRef idx="1">
+              <a:schemeClr val="accent1"/>
+            </a:lnRef>
+            <a:fillRef idx="0">
+              <a:schemeClr val="accent1"/>
+            </a:fillRef>
+            <a:effectRef idx="0">
+              <a:schemeClr val="accent1"/>
+            </a:effectRef>
+            <a:fontRef idx="minor">
+              <a:schemeClr val="tx1"/>
+            </a:fontRef>
+          </p:style>
+        </p:cxnSp>
+        <p:cxnSp>
+          <p:nvCxnSpPr>
+            <p:cNvPr id="62" name="Straight Connector 61">
+              <a:extLst>
+                <a:ext uri="{FF2B5EF4-FFF2-40B4-BE49-F238E27FC236}">
+                  <a16:creationId xmlns:a16="http://schemas.microsoft.com/office/drawing/2014/main" id="{44A5F5E4-293B-A090-056B-A58D3F780BEA}"/>
+                </a:ext>
+              </a:extLst>
+            </p:cNvPr>
+            <p:cNvCxnSpPr>
+              <a:cxnSpLocks/>
+            </p:cNvCxnSpPr>
+            <p:nvPr/>
+          </p:nvCxnSpPr>
+          <p:spPr>
+            <a:xfrm flipH="1">
+              <a:off x="4731418" y="1396792"/>
+              <a:ext cx="2802156" cy="0"/>
+            </a:xfrm>
+            <a:prstGeom prst="line">
+              <a:avLst/>
+            </a:prstGeom>
+            <a:ln w="38100">
+              <a:solidFill>
+                <a:schemeClr val="accent6"/>
+              </a:solidFill>
+              <a:prstDash val="sysDot"/>
+            </a:ln>
+          </p:spPr>
+          <p:style>
+            <a:lnRef idx="1">
+              <a:schemeClr val="accent1"/>
+            </a:lnRef>
+            <a:fillRef idx="0">
+              <a:schemeClr val="accent1"/>
+            </a:fillRef>
+            <a:effectRef idx="0">
+              <a:schemeClr val="accent1"/>
+            </a:effectRef>
+            <a:fontRef idx="minor">
+              <a:schemeClr val="tx1"/>
+            </a:fontRef>
+          </p:style>
+        </p:cxnSp>
+        <p:cxnSp>
+          <p:nvCxnSpPr>
+            <p:cNvPr id="63" name="Straight Connector 62">
+              <a:extLst>
+                <a:ext uri="{FF2B5EF4-FFF2-40B4-BE49-F238E27FC236}">
+                  <a16:creationId xmlns:a16="http://schemas.microsoft.com/office/drawing/2014/main" id="{8CAD7FFA-0A57-C735-929E-D6505256CCC1}"/>
+                </a:ext>
+              </a:extLst>
+            </p:cNvPr>
+            <p:cNvCxnSpPr>
+              <a:cxnSpLocks/>
+            </p:cNvCxnSpPr>
+            <p:nvPr/>
+          </p:nvCxnSpPr>
+          <p:spPr>
+            <a:xfrm>
+              <a:off x="7533574" y="1378407"/>
+              <a:ext cx="0" cy="778149"/>
+            </a:xfrm>
+            <a:prstGeom prst="line">
+              <a:avLst/>
+            </a:prstGeom>
+            <a:ln w="38100">
+              <a:solidFill>
+                <a:schemeClr val="accent6"/>
+              </a:solidFill>
+              <a:prstDash val="sysDot"/>
+              <a:tailEnd type="triangle"/>
+            </a:ln>
+          </p:spPr>
+          <p:style>
+            <a:lnRef idx="1">
+              <a:schemeClr val="accent1"/>
+            </a:lnRef>
+            <a:fillRef idx="0">
+              <a:schemeClr val="accent1"/>
+            </a:fillRef>
+            <a:effectRef idx="0">
+              <a:schemeClr val="accent1"/>
+            </a:effectRef>
+            <a:fontRef idx="minor">
+              <a:schemeClr val="tx1"/>
+            </a:fontRef>
+          </p:style>
+        </p:cxnSp>
+        <p:cxnSp>
+          <p:nvCxnSpPr>
+            <p:cNvPr id="64" name="Straight Connector 63">
+              <a:extLst>
+                <a:ext uri="{FF2B5EF4-FFF2-40B4-BE49-F238E27FC236}">
+                  <a16:creationId xmlns:a16="http://schemas.microsoft.com/office/drawing/2014/main" id="{BF3957AD-933B-26E8-FFD0-AF19B03C178B}"/>
+                </a:ext>
+              </a:extLst>
+            </p:cNvPr>
+            <p:cNvCxnSpPr>
+              <a:cxnSpLocks/>
+            </p:cNvCxnSpPr>
+            <p:nvPr/>
+          </p:nvCxnSpPr>
+          <p:spPr>
+            <a:xfrm>
+              <a:off x="6218190" y="1398212"/>
+              <a:ext cx="0" cy="778149"/>
+            </a:xfrm>
+            <a:prstGeom prst="line">
+              <a:avLst/>
+            </a:prstGeom>
+            <a:ln w="38100">
+              <a:solidFill>
+                <a:schemeClr val="accent6"/>
+              </a:solidFill>
+              <a:prstDash val="sysDot"/>
+              <a:tailEnd type="triangle"/>
+            </a:ln>
+          </p:spPr>
+          <p:style>
+            <a:lnRef idx="1">
+              <a:schemeClr val="accent1"/>
+            </a:lnRef>
+            <a:fillRef idx="0">
+              <a:schemeClr val="accent1"/>
+            </a:fillRef>
+            <a:effectRef idx="0">
+              <a:schemeClr val="accent1"/>
+            </a:effectRef>
+            <a:fontRef idx="minor">
+              <a:schemeClr val="tx1"/>
+            </a:fontRef>
+          </p:style>
+        </p:cxnSp>
+        <p:cxnSp>
+          <p:nvCxnSpPr>
+            <p:cNvPr id="65" name="Straight Connector 64">
+              <a:extLst>
+                <a:ext uri="{FF2B5EF4-FFF2-40B4-BE49-F238E27FC236}">
+                  <a16:creationId xmlns:a16="http://schemas.microsoft.com/office/drawing/2014/main" id="{C0A5074F-5C46-B753-AD18-60F83E606B06}"/>
+                </a:ext>
+              </a:extLst>
+            </p:cNvPr>
+            <p:cNvCxnSpPr>
+              <a:cxnSpLocks/>
+            </p:cNvCxnSpPr>
+            <p:nvPr/>
+          </p:nvCxnSpPr>
+          <p:spPr>
+            <a:xfrm flipV="1">
+              <a:off x="6663981" y="1378407"/>
+              <a:ext cx="0" cy="315106"/>
+            </a:xfrm>
+            <a:prstGeom prst="line">
+              <a:avLst/>
+            </a:prstGeom>
+            <a:ln w="38100">
+              <a:solidFill>
+                <a:schemeClr val="accent6"/>
+              </a:solidFill>
+              <a:prstDash val="sysDot"/>
+            </a:ln>
+          </p:spPr>
+          <p:style>
+            <a:lnRef idx="1">
+              <a:schemeClr val="accent1"/>
+            </a:lnRef>
+            <a:fillRef idx="0">
+              <a:schemeClr val="accent1"/>
+            </a:fillRef>
+            <a:effectRef idx="0">
+              <a:schemeClr val="accent1"/>
+            </a:effectRef>
+            <a:fontRef idx="minor">
+              <a:schemeClr val="tx1"/>
+            </a:fontRef>
+          </p:style>
+        </p:cxnSp>
+        <p:cxnSp>
+          <p:nvCxnSpPr>
+            <p:cNvPr id="66" name="Straight Connector 65">
+              <a:extLst>
+                <a:ext uri="{FF2B5EF4-FFF2-40B4-BE49-F238E27FC236}">
+                  <a16:creationId xmlns:a16="http://schemas.microsoft.com/office/drawing/2014/main" id="{4D1800C5-F608-C38E-CA26-D498E5C1D81C}"/>
+                </a:ext>
+              </a:extLst>
+            </p:cNvPr>
+            <p:cNvCxnSpPr>
+              <a:cxnSpLocks/>
+            </p:cNvCxnSpPr>
+            <p:nvPr/>
+          </p:nvCxnSpPr>
+          <p:spPr>
+            <a:xfrm flipV="1">
+              <a:off x="5524833" y="1522015"/>
+              <a:ext cx="0" cy="201438"/>
+            </a:xfrm>
+            <a:prstGeom prst="line">
+              <a:avLst/>
+            </a:prstGeom>
+            <a:ln w="38100">
+              <a:solidFill>
+                <a:schemeClr val="accent1"/>
+              </a:solidFill>
+              <a:prstDash val="sysDot"/>
+            </a:ln>
+          </p:spPr>
+          <p:style>
+            <a:lnRef idx="1">
+              <a:schemeClr val="accent1"/>
+            </a:lnRef>
+            <a:fillRef idx="0">
+              <a:schemeClr val="accent1"/>
+            </a:fillRef>
+            <a:effectRef idx="0">
+              <a:schemeClr val="accent1"/>
+            </a:effectRef>
+            <a:fontRef idx="minor">
+              <a:schemeClr val="tx1"/>
+            </a:fontRef>
+          </p:style>
+        </p:cxnSp>
+        <p:cxnSp>
+          <p:nvCxnSpPr>
+            <p:cNvPr id="67" name="Straight Connector 66">
+              <a:extLst>
+                <a:ext uri="{FF2B5EF4-FFF2-40B4-BE49-F238E27FC236}">
+                  <a16:creationId xmlns:a16="http://schemas.microsoft.com/office/drawing/2014/main" id="{091C161F-6C38-779F-D2C4-7BE8C4804B42}"/>
+                </a:ext>
+              </a:extLst>
+            </p:cNvPr>
+            <p:cNvCxnSpPr>
+              <a:cxnSpLocks/>
+            </p:cNvCxnSpPr>
+            <p:nvPr/>
+          </p:nvCxnSpPr>
+          <p:spPr>
+            <a:xfrm>
+              <a:off x="4755451" y="1378407"/>
+              <a:ext cx="0" cy="778149"/>
+            </a:xfrm>
+            <a:prstGeom prst="line">
+              <a:avLst/>
+            </a:prstGeom>
+            <a:ln w="38100">
+              <a:solidFill>
+                <a:schemeClr val="accent6"/>
+              </a:solidFill>
+              <a:prstDash val="sysDot"/>
+              <a:tailEnd type="triangle"/>
+            </a:ln>
+          </p:spPr>
+          <p:style>
+            <a:lnRef idx="1">
+              <a:schemeClr val="accent1"/>
+            </a:lnRef>
+            <a:fillRef idx="0">
+              <a:schemeClr val="accent1"/>
+            </a:fillRef>
+            <a:effectRef idx="0">
+              <a:schemeClr val="accent1"/>
+            </a:effectRef>
+            <a:fontRef idx="minor">
+              <a:schemeClr val="tx1"/>
+            </a:fontRef>
+          </p:style>
+        </p:cxnSp>
+        <p:sp>
+          <p:nvSpPr>
+            <p:cNvPr id="68" name="TextBox 67">
+              <a:extLst>
+                <a:ext uri="{FF2B5EF4-FFF2-40B4-BE49-F238E27FC236}">
+                  <a16:creationId xmlns:a16="http://schemas.microsoft.com/office/drawing/2014/main" id="{2D606006-DC24-8297-3BEB-77CD84ACC6AA}"/>
+                </a:ext>
+              </a:extLst>
+            </p:cNvPr>
+            <p:cNvSpPr txBox="1"/>
+            <p:nvPr/>
+          </p:nvSpPr>
+          <p:spPr>
+            <a:xfrm>
+              <a:off x="5461578" y="1098483"/>
+              <a:ext cx="1329210" cy="307777"/>
+            </a:xfrm>
+            <a:prstGeom prst="rect">
+              <a:avLst/>
+            </a:prstGeom>
+            <a:noFill/>
+          </p:spPr>
+          <p:txBody>
+            <a:bodyPr wrap="none" rtlCol="0">
+              <a:spAutoFit/>
+            </a:bodyPr>
+            <a:lstStyle/>
+            <a:p>
+              <a:r>
+                <a:rPr lang="en-US" sz="1400" dirty="0">
+                  <a:latin typeface="Arial" panose="020B0604020202020204" pitchFamily="34" charset="0"/>
+                  <a:cs typeface="Arial" panose="020B0604020202020204" pitchFamily="34" charset="0"/>
+                </a:rPr>
+                <a:t>ligand sensing</a:t>
+              </a:r>
+            </a:p>
+          </p:txBody>
+        </p:sp>
       </p:grpSp>
-      <p:cxnSp>
-        <p:nvCxnSpPr>
-          <p:cNvPr id="54" name="Straight Connector 53">
+    </p:spTree>
+    <p:extLst>
+      <p:ext uri="{BB962C8B-B14F-4D97-AF65-F5344CB8AC3E}">
+        <p14:creationId xmlns:p14="http://schemas.microsoft.com/office/powerpoint/2010/main" val="174850049"/>
+      </p:ext>
+    </p:extLst>
+  </p:cSld>
+  <p:clrMapOvr>
+    <a:masterClrMapping/>
+  </p:clrMapOvr>
+</p:sld>
+</file>
+
+<file path=ppt/slides/slide2.xml><?xml version="1.0" encoding="utf-8"?>
+<p:sld xmlns:a="http://schemas.openxmlformats.org/drawingml/2006/main" xmlns:r="http://schemas.openxmlformats.org/officeDocument/2006/relationships" xmlns:p="http://schemas.openxmlformats.org/presentationml/2006/main">
+  <p:cSld>
+    <p:spTree>
+      <p:nvGrpSpPr>
+        <p:cNvPr id="1" name=""/>
+        <p:cNvGrpSpPr/>
+        <p:nvPr/>
+      </p:nvGrpSpPr>
+      <p:grpSpPr>
+        <a:xfrm>
+          <a:off x="0" y="0"/>
+          <a:ext cx="0" cy="0"/>
+          <a:chOff x="0" y="0"/>
+          <a:chExt cx="0" cy="0"/>
+        </a:xfrm>
+      </p:grpSpPr>
+      <p:pic>
+        <p:nvPicPr>
+          <p:cNvPr id="3" name="Picture 2" descr="Graphical user interface, application&#10;&#10;Description automatically generated">
             <a:extLst>
               <a:ext uri="{FF2B5EF4-FFF2-40B4-BE49-F238E27FC236}">
-                <a16:creationId xmlns:a16="http://schemas.microsoft.com/office/drawing/2014/main" id="{3408885C-5DCD-EF78-412F-46E5A9C9DAAC}"/>
+                <a16:creationId xmlns:a16="http://schemas.microsoft.com/office/drawing/2014/main" id="{5C6FBD15-C70E-3D0A-54D3-0D4E77F434F6}"/>
               </a:ext>
             </a:extLst>
           </p:cNvPr>
-          <p:cNvCxnSpPr/>
+          <p:cNvPicPr>
+            <a:picLocks noChangeAspect="1"/>
+          </p:cNvPicPr>
           <p:nvPr/>
-        </p:nvCxnSpPr>
+        </p:nvPicPr>
+        <p:blipFill>
+          <a:blip r:embed="rId2"/>
+          <a:stretch>
+            <a:fillRect/>
+          </a:stretch>
+        </p:blipFill>
         <p:spPr>
-          <a:xfrm flipV="1">
-            <a:off x="3311720" y="2765921"/>
-            <a:ext cx="0" cy="972357"/>
+          <a:xfrm>
+            <a:off x="1021844" y="855396"/>
+            <a:ext cx="4775200" cy="3124200"/>
           </a:xfrm>
-          <a:prstGeom prst="line">
+          <a:prstGeom prst="rect">
             <a:avLst/>
           </a:prstGeom>
-          <a:ln w="38100">
-            <a:solidFill>
-              <a:schemeClr val="accent1"/>
-            </a:solidFill>
-            <a:prstDash val="sysDot"/>
-          </a:ln>
         </p:spPr>
-        <p:style>
-          <a:lnRef idx="1">
-            <a:schemeClr val="accent1"/>
-          </a:lnRef>
-          <a:fillRef idx="0">
-            <a:schemeClr val="accent1"/>
-          </a:fillRef>
-          <a:effectRef idx="0">
-            <a:schemeClr val="accent1"/>
-          </a:effectRef>
-          <a:fontRef idx="minor">
-            <a:schemeClr val="tx1"/>
-          </a:fontRef>
-        </p:style>
-      </p:cxnSp>
-      <p:cxnSp>
-        <p:nvCxnSpPr>
-          <p:cNvPr id="55" name="Straight Connector 54">
+      </p:pic>
+      <p:pic>
+        <p:nvPicPr>
+          <p:cNvPr id="5" name="Picture 4" descr="Graphical user interface, application, icon&#10;&#10;Description automatically generated">
             <a:extLst>
               <a:ext uri="{FF2B5EF4-FFF2-40B4-BE49-F238E27FC236}">
-                <a16:creationId xmlns:a16="http://schemas.microsoft.com/office/drawing/2014/main" id="{C24003AB-2DAB-4F48-F11A-246459E6E52C}"/>
+                <a16:creationId xmlns:a16="http://schemas.microsoft.com/office/drawing/2014/main" id="{8264CFFA-68BC-8637-6DDF-D6CBF5DD63EC}"/>
               </a:ext>
             </a:extLst>
           </p:cNvPr>
-          <p:cNvCxnSpPr/>
+          <p:cNvPicPr>
+            <a:picLocks noChangeAspect="1"/>
+          </p:cNvPicPr>
           <p:nvPr/>
-        </p:nvCxnSpPr>
+        </p:nvPicPr>
+        <p:blipFill>
+          <a:blip r:embed="rId3"/>
+          <a:stretch>
+            <a:fillRect/>
+          </a:stretch>
+        </p:blipFill>
         <p:spPr>
-          <a:xfrm flipV="1">
-            <a:off x="4444943" y="2765920"/>
-            <a:ext cx="0" cy="972357"/>
+          <a:xfrm>
+            <a:off x="832806" y="3856922"/>
+            <a:ext cx="4964238" cy="1241060"/>
           </a:xfrm>
-          <a:prstGeom prst="line">
+          <a:prstGeom prst="rect">
             <a:avLst/>
           </a:prstGeom>
-          <a:ln w="38100">
-            <a:solidFill>
-              <a:schemeClr val="accent6"/>
-            </a:solidFill>
-            <a:prstDash val="sysDot"/>
-          </a:ln>
         </p:spPr>
-        <p:style>
-          <a:lnRef idx="1">
-            <a:schemeClr val="accent1"/>
-          </a:lnRef>
-          <a:fillRef idx="0">
-            <a:schemeClr val="accent1"/>
-          </a:fillRef>
-          <a:effectRef idx="0">
-            <a:schemeClr val="accent1"/>
-          </a:effectRef>
-          <a:fontRef idx="minor">
-            <a:schemeClr val="tx1"/>
-          </a:fontRef>
-        </p:style>
-      </p:cxnSp>
-      <p:cxnSp>
-        <p:nvCxnSpPr>
-          <p:cNvPr id="56" name="Straight Connector 55">
+      </p:pic>
+      <p:sp>
+        <p:nvSpPr>
+          <p:cNvPr id="7" name="Rectangle 6">
             <a:extLst>
               <a:ext uri="{FF2B5EF4-FFF2-40B4-BE49-F238E27FC236}">
-                <a16:creationId xmlns:a16="http://schemas.microsoft.com/office/drawing/2014/main" id="{12FBB9D9-75B4-285E-2D84-525998D10104}"/>
+                <a16:creationId xmlns:a16="http://schemas.microsoft.com/office/drawing/2014/main" id="{9A7ECE50-0B40-9619-C10F-896E3447AF87}"/>
               </a:ext>
             </a:extLst>
           </p:cNvPr>
-          <p:cNvCxnSpPr>
-            <a:cxnSpLocks/>
-          </p:cNvCxnSpPr>
+          <p:cNvSpPr/>
           <p:nvPr/>
-        </p:nvCxnSpPr>
+        </p:nvSpPr>
         <p:spPr>
-          <a:xfrm flipH="1">
-            <a:off x="4351888" y="2765920"/>
-            <a:ext cx="186109" cy="0"/>
+          <a:xfrm>
+            <a:off x="5986081" y="525983"/>
+            <a:ext cx="4323171" cy="4572000"/>
           </a:xfrm>
-          <a:prstGeom prst="line">
+          <a:prstGeom prst="rect">
             <a:avLst/>
           </a:prstGeom>
-          <a:ln w="38100">
+          <a:noFill/>
+          <a:ln>
             <a:solidFill>
-              <a:schemeClr val="accent6"/>
+              <a:schemeClr val="tx1"/>
             </a:solidFill>
           </a:ln>
         </p:spPr>
         <p:style>
-          <a:lnRef idx="1">
-            <a:schemeClr val="accent1"/>
+          <a:lnRef idx="2">
+            <a:schemeClr val="dk1">
+              <a:shade val="50000"/>
+            </a:schemeClr>
           </a:lnRef>
-          <a:fillRef idx="0">
-            <a:schemeClr val="accent1"/>
+          <a:fillRef idx="1">
+            <a:schemeClr val="dk1"/>
           </a:fillRef>
           <a:effectRef idx="0">
-            <a:schemeClr val="accent1"/>
+            <a:schemeClr val="dk1"/>
           </a:effectRef>
           <a:fontRef idx="minor">
-            <a:schemeClr val="tx1"/>
+            <a:schemeClr val="lt1"/>
           </a:fontRef>
         </p:style>
-      </p:cxnSp>
-      <p:cxnSp>
-        <p:nvCxnSpPr>
-          <p:cNvPr id="57" name="Straight Connector 56">
+        <p:txBody>
+          <a:bodyPr rtlCol="0" anchor="ctr"/>
+          <a:lstStyle/>
+          <a:p>
+            <a:pPr algn="ctr"/>
+            <a:r>
+              <a:rPr lang="en-US" dirty="0">
+                <a:solidFill>
+                  <a:schemeClr val="tx1"/>
+                </a:solidFill>
+                <a:latin typeface="Arial" panose="020B0604020202020204" pitchFamily="34" charset="0"/>
+                <a:cs typeface="Arial" panose="020B0604020202020204" pitchFamily="34" charset="0"/>
+              </a:rPr>
+              <a:t>Schematic of Bayesian Optimization</a:t>
+            </a:r>
+          </a:p>
+        </p:txBody>
+      </p:sp>
+    </p:spTree>
+    <p:extLst>
+      <p:ext uri="{BB962C8B-B14F-4D97-AF65-F5344CB8AC3E}">
+        <p14:creationId xmlns:p14="http://schemas.microsoft.com/office/powerpoint/2010/main" val="2020672547"/>
+      </p:ext>
+    </p:extLst>
+  </p:cSld>
+  <p:clrMapOvr>
+    <a:masterClrMapping/>
+  </p:clrMapOvr>
+</p:sld>
+</file>
+
+<file path=ppt/slides/slide3.xml><?xml version="1.0" encoding="utf-8"?>
+<p:sld xmlns:a="http://schemas.openxmlformats.org/drawingml/2006/main" xmlns:r="http://schemas.openxmlformats.org/officeDocument/2006/relationships" xmlns:p="http://schemas.openxmlformats.org/presentationml/2006/main">
+  <p:cSld>
+    <p:spTree>
+      <p:nvGrpSpPr>
+        <p:cNvPr id="1" name=""/>
+        <p:cNvGrpSpPr/>
+        <p:nvPr/>
+      </p:nvGrpSpPr>
+      <p:grpSpPr>
+        <a:xfrm>
+          <a:off x="0" y="0"/>
+          <a:ext cx="0" cy="0"/>
+          <a:chOff x="0" y="0"/>
+          <a:chExt cx="0" cy="0"/>
+        </a:xfrm>
+      </p:grpSpPr>
+      <p:pic>
+        <p:nvPicPr>
+          <p:cNvPr id="3" name="Picture 2" descr="Graphical user interface, application&#10;&#10;Description automatically generated">
             <a:extLst>
               <a:ext uri="{FF2B5EF4-FFF2-40B4-BE49-F238E27FC236}">
-                <a16:creationId xmlns:a16="http://schemas.microsoft.com/office/drawing/2014/main" id="{2A9DAD74-B36F-66EE-57D3-B081C5F6A832}"/>
+                <a16:creationId xmlns:a16="http://schemas.microsoft.com/office/drawing/2014/main" id="{892BC80E-4762-81FE-1422-9BBC3BBA3D3E}"/>
               </a:ext>
             </a:extLst>
           </p:cNvPr>
-          <p:cNvCxnSpPr>
-            <a:cxnSpLocks/>
-          </p:cNvCxnSpPr>
+          <p:cNvPicPr>
+            <a:picLocks noChangeAspect="1"/>
+          </p:cNvPicPr>
           <p:nvPr/>
-        </p:nvCxnSpPr>
+        </p:nvPicPr>
+        <p:blipFill>
+          <a:blip r:embed="rId2"/>
+          <a:stretch>
+            <a:fillRect/>
+          </a:stretch>
+        </p:blipFill>
         <p:spPr>
-          <a:xfrm flipH="1">
-            <a:off x="3218665" y="2766781"/>
-            <a:ext cx="186109" cy="0"/>
+          <a:xfrm>
+            <a:off x="1013556" y="827889"/>
+            <a:ext cx="5991899" cy="4798597"/>
           </a:xfrm>
-          <a:prstGeom prst="line">
+          <a:prstGeom prst="rect">
             <a:avLst/>
           </a:prstGeom>
-          <a:ln w="38100">
+        </p:spPr>
+      </p:pic>
+      <p:pic>
+        <p:nvPicPr>
+          <p:cNvPr id="7" name="Picture 6" descr="Chart, scatter chart&#10;&#10;Description automatically generated">
+            <a:extLst>
+              <a:ext uri="{FF2B5EF4-FFF2-40B4-BE49-F238E27FC236}">
+                <a16:creationId xmlns:a16="http://schemas.microsoft.com/office/drawing/2014/main" id="{6BB5D000-1618-B5DE-7EE1-EC2A1FB75702}"/>
+              </a:ext>
+            </a:extLst>
+          </p:cNvPr>
+          <p:cNvPicPr>
+            <a:picLocks noChangeAspect="1"/>
+          </p:cNvPicPr>
+          <p:nvPr/>
+        </p:nvPicPr>
+        <p:blipFill>
+          <a:blip r:embed="rId3"/>
+          <a:stretch>
+            <a:fillRect/>
+          </a:stretch>
+        </p:blipFill>
+        <p:spPr>
+          <a:xfrm>
+            <a:off x="6940719" y="2656709"/>
+            <a:ext cx="3959703" cy="2969777"/>
+          </a:xfrm>
+          <a:prstGeom prst="rect">
+            <a:avLst/>
+          </a:prstGeom>
+        </p:spPr>
+      </p:pic>
+      <p:pic>
+        <p:nvPicPr>
+          <p:cNvPr id="9" name="Picture 8" descr="Chart&#10;&#10;Description automatically generated">
+            <a:extLst>
+              <a:ext uri="{FF2B5EF4-FFF2-40B4-BE49-F238E27FC236}">
+                <a16:creationId xmlns:a16="http://schemas.microsoft.com/office/drawing/2014/main" id="{C38FD331-FEF1-F21C-A8DC-CD0B37DB16E8}"/>
+              </a:ext>
+            </a:extLst>
+          </p:cNvPr>
+          <p:cNvPicPr>
+            <a:picLocks noChangeAspect="1"/>
+          </p:cNvPicPr>
+          <p:nvPr/>
+        </p:nvPicPr>
+        <p:blipFill>
+          <a:blip r:embed="rId4"/>
+          <a:stretch>
+            <a:fillRect/>
+          </a:stretch>
+        </p:blipFill>
+        <p:spPr>
+          <a:xfrm>
+            <a:off x="7005456" y="827889"/>
+            <a:ext cx="3894966" cy="1947483"/>
+          </a:xfrm>
+          <a:prstGeom prst="rect">
+            <a:avLst/>
+          </a:prstGeom>
+        </p:spPr>
+      </p:pic>
+    </p:spTree>
+    <p:extLst>
+      <p:ext uri="{BB962C8B-B14F-4D97-AF65-F5344CB8AC3E}">
+        <p14:creationId xmlns:p14="http://schemas.microsoft.com/office/powerpoint/2010/main" val="1149382462"/>
+      </p:ext>
+    </p:extLst>
+  </p:cSld>
+  <p:clrMapOvr>
+    <a:masterClrMapping/>
+  </p:clrMapOvr>
+</p:sld>
+</file>
+
+<file path=ppt/slides/slide4.xml><?xml version="1.0" encoding="utf-8"?>
+<p:sld xmlns:a="http://schemas.openxmlformats.org/drawingml/2006/main" xmlns:r="http://schemas.openxmlformats.org/officeDocument/2006/relationships" xmlns:p="http://schemas.openxmlformats.org/presentationml/2006/main">
+  <p:cSld>
+    <p:spTree>
+      <p:nvGrpSpPr>
+        <p:cNvPr id="1" name=""/>
+        <p:cNvGrpSpPr/>
+        <p:nvPr/>
+      </p:nvGrpSpPr>
+      <p:grpSpPr>
+        <a:xfrm>
+          <a:off x="0" y="0"/>
+          <a:ext cx="0" cy="0"/>
+          <a:chOff x="0" y="0"/>
+          <a:chExt cx="0" cy="0"/>
+        </a:xfrm>
+      </p:grpSpPr>
+      <p:sp>
+        <p:nvSpPr>
+          <p:cNvPr id="2" name="Rectangle 1">
+            <a:extLst>
+              <a:ext uri="{FF2B5EF4-FFF2-40B4-BE49-F238E27FC236}">
+                <a16:creationId xmlns:a16="http://schemas.microsoft.com/office/drawing/2014/main" id="{7649E94A-45E1-5478-F9E0-3CF4473DB38D}"/>
+              </a:ext>
+            </a:extLst>
+          </p:cNvPr>
+          <p:cNvSpPr/>
+          <p:nvPr/>
+        </p:nvSpPr>
+        <p:spPr>
+          <a:xfrm>
+            <a:off x="1495002" y="678383"/>
+            <a:ext cx="4323171" cy="4572000"/>
+          </a:xfrm>
+          <a:prstGeom prst="rect">
+            <a:avLst/>
+          </a:prstGeom>
+          <a:noFill/>
+          <a:ln>
             <a:solidFill>
-              <a:schemeClr val="accent1"/>
+              <a:schemeClr val="tx1"/>
             </a:solidFill>
           </a:ln>
         </p:spPr>
         <p:style>
-          <a:lnRef idx="1">
-            <a:schemeClr val="accent1"/>
+          <a:lnRef idx="2">
+            <a:schemeClr val="dk1">
+              <a:shade val="50000"/>
+            </a:schemeClr>
           </a:lnRef>
-          <a:fillRef idx="0">
-            <a:schemeClr val="accent1"/>
+          <a:fillRef idx="1">
+            <a:schemeClr val="dk1"/>
           </a:fillRef>
           <a:effectRef idx="0">
-            <a:schemeClr val="accent1"/>
+            <a:schemeClr val="dk1"/>
           </a:effectRef>
           <a:fontRef idx="minor">
-            <a:schemeClr val="tx1"/>
+            <a:schemeClr val="lt1"/>
           </a:fontRef>
         </p:style>
-      </p:cxnSp>
-      <p:cxnSp>
-        <p:nvCxnSpPr>
-          <p:cNvPr id="58" name="Straight Connector 57">
+        <p:txBody>
+          <a:bodyPr rtlCol="0" anchor="ctr"/>
+          <a:lstStyle/>
+          <a:p>
+            <a:pPr algn="ctr"/>
+            <a:r>
+              <a:rPr lang="en-US" dirty="0">
+                <a:solidFill>
+                  <a:schemeClr val="tx1"/>
+                </a:solidFill>
+                <a:latin typeface="Arial" panose="020B0604020202020204" pitchFamily="34" charset="0"/>
+                <a:cs typeface="Arial" panose="020B0604020202020204" pitchFamily="34" charset="0"/>
+              </a:rPr>
+              <a:t>Kinetic parameter robustness</a:t>
+            </a:r>
+          </a:p>
+        </p:txBody>
+      </p:sp>
+      <p:sp>
+        <p:nvSpPr>
+          <p:cNvPr id="3" name="Rectangle 2">
             <a:extLst>
               <a:ext uri="{FF2B5EF4-FFF2-40B4-BE49-F238E27FC236}">
-                <a16:creationId xmlns:a16="http://schemas.microsoft.com/office/drawing/2014/main" id="{E2461DD5-6571-F73E-436F-5A5548F236F8}"/>
+                <a16:creationId xmlns:a16="http://schemas.microsoft.com/office/drawing/2014/main" id="{0DC85236-A719-B853-48F1-5898881FD665}"/>
               </a:ext>
             </a:extLst>
           </p:cNvPr>
-          <p:cNvCxnSpPr>
-            <a:cxnSpLocks/>
-          </p:cNvCxnSpPr>
+          <p:cNvSpPr/>
           <p:nvPr/>
-        </p:nvCxnSpPr>
+        </p:nvSpPr>
         <p:spPr>
-          <a:xfrm flipH="1">
-            <a:off x="2365930" y="2149141"/>
-            <a:ext cx="2802156" cy="0"/>
+          <a:xfrm>
+            <a:off x="6138481" y="678383"/>
+            <a:ext cx="4323171" cy="4572000"/>
           </a:xfrm>
-          <a:prstGeom prst="line">
+          <a:prstGeom prst="rect">
             <a:avLst/>
           </a:prstGeom>
-          <a:ln w="38100">
+          <a:noFill/>
+          <a:ln>
             <a:solidFill>
-              <a:schemeClr val="accent1"/>
+              <a:schemeClr val="tx1"/>
             </a:solidFill>
-            <a:prstDash val="sysDot"/>
           </a:ln>
         </p:spPr>
         <p:style>
-          <a:lnRef idx="1">
-            <a:schemeClr val="accent1"/>
+          <a:lnRef idx="2">
+            <a:schemeClr val="dk1">
+              <a:shade val="50000"/>
+            </a:schemeClr>
           </a:lnRef>
-          <a:fillRef idx="0">
-            <a:schemeClr val="accent1"/>
+          <a:fillRef idx="1">
+            <a:schemeClr val="dk1"/>
           </a:fillRef>
           <a:effectRef idx="0">
-            <a:schemeClr val="accent1"/>
+            <a:schemeClr val="dk1"/>
           </a:effectRef>
           <a:fontRef idx="minor">
-            <a:schemeClr val="tx1"/>
+            <a:schemeClr val="lt1"/>
           </a:fontRef>
         </p:style>
-      </p:cxnSp>
-      <p:cxnSp>
-        <p:nvCxnSpPr>
-          <p:cNvPr id="59" name="Straight Connector 58">
+        <p:txBody>
+          <a:bodyPr rtlCol="0" anchor="ctr"/>
+          <a:lstStyle/>
+          <a:p>
+            <a:pPr algn="ctr"/>
+            <a:r>
+              <a:rPr lang="en-US" dirty="0">
+                <a:solidFill>
+                  <a:schemeClr val="tx1"/>
+                </a:solidFill>
+                <a:latin typeface="Arial" panose="020B0604020202020204" pitchFamily="34" charset="0"/>
+                <a:cs typeface="Arial" panose="020B0604020202020204" pitchFamily="34" charset="0"/>
+              </a:rPr>
+              <a:t>Influx concentration sweep</a:t>
+            </a:r>
+          </a:p>
+        </p:txBody>
+      </p:sp>
+    </p:spTree>
+    <p:extLst>
+      <p:ext uri="{BB962C8B-B14F-4D97-AF65-F5344CB8AC3E}">
+        <p14:creationId xmlns:p14="http://schemas.microsoft.com/office/powerpoint/2010/main" val="1014845054"/>
+      </p:ext>
+    </p:extLst>
+  </p:cSld>
+  <p:clrMapOvr>
+    <a:masterClrMapping/>
+  </p:clrMapOvr>
+</p:sld>
+</file>
+
+<file path=ppt/slides/slide5.xml><?xml version="1.0" encoding="utf-8"?>
+<p:sld xmlns:a="http://schemas.openxmlformats.org/drawingml/2006/main" xmlns:r="http://schemas.openxmlformats.org/officeDocument/2006/relationships" xmlns:p="http://schemas.openxmlformats.org/presentationml/2006/main">
+  <p:cSld>
+    <p:spTree>
+      <p:nvGrpSpPr>
+        <p:cNvPr id="1" name=""/>
+        <p:cNvGrpSpPr/>
+        <p:nvPr/>
+      </p:nvGrpSpPr>
+      <p:grpSpPr>
+        <a:xfrm>
+          <a:off x="0" y="0"/>
+          <a:ext cx="0" cy="0"/>
+          <a:chOff x="0" y="0"/>
+          <a:chExt cx="0" cy="0"/>
+        </a:xfrm>
+      </p:grpSpPr>
+      <p:pic>
+        <p:nvPicPr>
+          <p:cNvPr id="3" name="Picture 2" descr="A picture containing website&#10;&#10;Description automatically generated">
             <a:extLst>
               <a:ext uri="{FF2B5EF4-FFF2-40B4-BE49-F238E27FC236}">
-                <a16:creationId xmlns:a16="http://schemas.microsoft.com/office/drawing/2014/main" id="{F0909F8F-16B4-0EA8-81F7-5B5FF2CAE0A5}"/>
+                <a16:creationId xmlns:a16="http://schemas.microsoft.com/office/drawing/2014/main" id="{BAF33652-4ACE-EE86-0D24-38016A6D6163}"/>
               </a:ext>
             </a:extLst>
           </p:cNvPr>
-          <p:cNvCxnSpPr>
-            <a:cxnSpLocks/>
-          </p:cNvCxnSpPr>
+          <p:cNvPicPr>
+            <a:picLocks noChangeAspect="1"/>
+          </p:cNvPicPr>
           <p:nvPr/>
-        </p:nvCxnSpPr>
+        </p:nvPicPr>
+        <p:blipFill>
+          <a:blip r:embed="rId2"/>
+          <a:stretch>
+            <a:fillRect/>
+          </a:stretch>
+        </p:blipFill>
         <p:spPr>
           <a:xfrm>
-            <a:off x="2373364" y="2132176"/>
-            <a:ext cx="0" cy="652926"/>
+            <a:off x="6313381" y="849516"/>
+            <a:ext cx="3573981" cy="2233738"/>
           </a:xfrm>
-          <a:prstGeom prst="line">
+          <a:prstGeom prst="rect">
             <a:avLst/>
           </a:prstGeom>
-          <a:ln w="38100">
+        </p:spPr>
+      </p:pic>
+      <p:pic>
+        <p:nvPicPr>
+          <p:cNvPr id="5" name="Picture 4" descr="A screenshot of a computer&#10;&#10;Description automatically generated with low confidence">
+            <a:extLst>
+              <a:ext uri="{FF2B5EF4-FFF2-40B4-BE49-F238E27FC236}">
+                <a16:creationId xmlns:a16="http://schemas.microsoft.com/office/drawing/2014/main" id="{7534FFE7-5C5C-AA4A-FF64-241C5108EB52}"/>
+              </a:ext>
+            </a:extLst>
+          </p:cNvPr>
+          <p:cNvPicPr>
+            <a:picLocks noChangeAspect="1"/>
+          </p:cNvPicPr>
+          <p:nvPr/>
+        </p:nvPicPr>
+        <p:blipFill>
+          <a:blip r:embed="rId3"/>
+          <a:stretch>
+            <a:fillRect/>
+          </a:stretch>
+        </p:blipFill>
+        <p:spPr>
+          <a:xfrm>
+            <a:off x="2444041" y="631179"/>
+            <a:ext cx="3869340" cy="2573268"/>
+          </a:xfrm>
+          <a:prstGeom prst="rect">
+            <a:avLst/>
+          </a:prstGeom>
+        </p:spPr>
+      </p:pic>
+      <p:pic>
+        <p:nvPicPr>
+          <p:cNvPr id="7" name="Picture 6" descr="Chart, scatter chart&#10;&#10;Description automatically generated">
+            <a:extLst>
+              <a:ext uri="{FF2B5EF4-FFF2-40B4-BE49-F238E27FC236}">
+                <a16:creationId xmlns:a16="http://schemas.microsoft.com/office/drawing/2014/main" id="{DE6C8C34-D026-478C-0FBB-F891974F4404}"/>
+              </a:ext>
+            </a:extLst>
+          </p:cNvPr>
+          <p:cNvPicPr>
+            <a:picLocks noChangeAspect="1"/>
+          </p:cNvPicPr>
+          <p:nvPr/>
+        </p:nvPicPr>
+        <p:blipFill>
+          <a:blip r:embed="rId4"/>
+          <a:stretch>
+            <a:fillRect/>
+          </a:stretch>
+        </p:blipFill>
+        <p:spPr>
+          <a:xfrm>
+            <a:off x="2447840" y="3204446"/>
+            <a:ext cx="7555604" cy="3022241"/>
+          </a:xfrm>
+          <a:prstGeom prst="rect">
+            <a:avLst/>
+          </a:prstGeom>
+        </p:spPr>
+      </p:pic>
+    </p:spTree>
+    <p:extLst>
+      <p:ext uri="{BB962C8B-B14F-4D97-AF65-F5344CB8AC3E}">
+        <p14:creationId xmlns:p14="http://schemas.microsoft.com/office/powerpoint/2010/main" val="582314163"/>
+      </p:ext>
+    </p:extLst>
+  </p:cSld>
+  <p:clrMapOvr>
+    <a:masterClrMapping/>
+  </p:clrMapOvr>
+</p:sld>
+</file>
+
+<file path=ppt/slides/slide6.xml><?xml version="1.0" encoding="utf-8"?>
+<p:sld xmlns:a="http://schemas.openxmlformats.org/drawingml/2006/main" xmlns:r="http://schemas.openxmlformats.org/officeDocument/2006/relationships" xmlns:p="http://schemas.openxmlformats.org/presentationml/2006/main">
+  <p:cSld>
+    <p:spTree>
+      <p:nvGrpSpPr>
+        <p:cNvPr id="1" name=""/>
+        <p:cNvGrpSpPr/>
+        <p:nvPr/>
+      </p:nvGrpSpPr>
+      <p:grpSpPr>
+        <a:xfrm>
+          <a:off x="0" y="0"/>
+          <a:ext cx="0" cy="0"/>
+          <a:chOff x="0" y="0"/>
+          <a:chExt cx="0" cy="0"/>
+        </a:xfrm>
+      </p:grpSpPr>
+      <p:pic>
+        <p:nvPicPr>
+          <p:cNvPr id="3" name="Picture 2" descr="Graphical user interface&#10;&#10;Description automatically generated">
+            <a:extLst>
+              <a:ext uri="{FF2B5EF4-FFF2-40B4-BE49-F238E27FC236}">
+                <a16:creationId xmlns:a16="http://schemas.microsoft.com/office/drawing/2014/main" id="{534F240F-EE24-508F-EE1E-763F1D42585E}"/>
+              </a:ext>
+            </a:extLst>
+          </p:cNvPr>
+          <p:cNvPicPr>
+            <a:picLocks noChangeAspect="1"/>
+          </p:cNvPicPr>
+          <p:nvPr/>
+        </p:nvPicPr>
+        <p:blipFill>
+          <a:blip r:embed="rId2"/>
+          <a:stretch>
+            <a:fillRect/>
+          </a:stretch>
+        </p:blipFill>
+        <p:spPr>
+          <a:xfrm>
+            <a:off x="2042509" y="278494"/>
+            <a:ext cx="4738617" cy="2862688"/>
+          </a:xfrm>
+          <a:prstGeom prst="rect">
+            <a:avLst/>
+          </a:prstGeom>
+        </p:spPr>
+      </p:pic>
+      <p:pic>
+        <p:nvPicPr>
+          <p:cNvPr id="5" name="Picture 4" descr="Chart, scatter chart&#10;&#10;Description automatically generated">
+            <a:extLst>
+              <a:ext uri="{FF2B5EF4-FFF2-40B4-BE49-F238E27FC236}">
+                <a16:creationId xmlns:a16="http://schemas.microsoft.com/office/drawing/2014/main" id="{6905F304-7F53-BE6F-F982-08E974653B2D}"/>
+              </a:ext>
+            </a:extLst>
+          </p:cNvPr>
+          <p:cNvPicPr>
+            <a:picLocks noChangeAspect="1"/>
+          </p:cNvPicPr>
+          <p:nvPr/>
+        </p:nvPicPr>
+        <p:blipFill>
+          <a:blip r:embed="rId3"/>
+          <a:stretch>
+            <a:fillRect/>
+          </a:stretch>
+        </p:blipFill>
+        <p:spPr>
+          <a:xfrm>
+            <a:off x="1812615" y="3258866"/>
+            <a:ext cx="8997837" cy="3599134"/>
+          </a:xfrm>
+          <a:prstGeom prst="rect">
+            <a:avLst/>
+          </a:prstGeom>
+        </p:spPr>
+      </p:pic>
+      <p:sp>
+        <p:nvSpPr>
+          <p:cNvPr id="6" name="Rectangle 5">
+            <a:extLst>
+              <a:ext uri="{FF2B5EF4-FFF2-40B4-BE49-F238E27FC236}">
+                <a16:creationId xmlns:a16="http://schemas.microsoft.com/office/drawing/2014/main" id="{70BC3680-E5C9-A1B7-AB53-4C984453A07B}"/>
+              </a:ext>
+            </a:extLst>
+          </p:cNvPr>
+          <p:cNvSpPr/>
+          <p:nvPr/>
+        </p:nvSpPr>
+        <p:spPr>
+          <a:xfrm>
+            <a:off x="7145267" y="525983"/>
+            <a:ext cx="3406747" cy="2411426"/>
+          </a:xfrm>
+          <a:prstGeom prst="rect">
+            <a:avLst/>
+          </a:prstGeom>
+          <a:noFill/>
+          <a:ln>
             <a:solidFill>
-              <a:schemeClr val="accent1"/>
+              <a:schemeClr val="tx1"/>
             </a:solidFill>
-            <a:prstDash val="sysDot"/>
-            <a:tailEnd type="triangle"/>
           </a:ln>
         </p:spPr>
         <p:style>
-          <a:lnRef idx="1">
-            <a:schemeClr val="accent1"/>
+          <a:lnRef idx="2">
+            <a:schemeClr val="dk1">
+              <a:shade val="50000"/>
+            </a:schemeClr>
           </a:lnRef>
-          <a:fillRef idx="0">
-            <a:schemeClr val="accent1"/>
+          <a:fillRef idx="1">
+            <a:schemeClr val="dk1"/>
           </a:fillRef>
           <a:effectRef idx="0">
-            <a:schemeClr val="accent1"/>
+            <a:schemeClr val="dk1"/>
           </a:effectRef>
           <a:fontRef idx="minor">
-            <a:schemeClr val="tx1"/>
+            <a:schemeClr val="lt1"/>
           </a:fontRef>
         </p:style>
-      </p:cxnSp>
-      <p:cxnSp>
-        <p:nvCxnSpPr>
-          <p:cNvPr id="60" name="Straight Connector 59">
+        <p:txBody>
+          <a:bodyPr rtlCol="0" anchor="ctr"/>
+          <a:lstStyle/>
+          <a:p>
+            <a:pPr algn="ctr"/>
+            <a:r>
+              <a:rPr lang="en-US" dirty="0">
+                <a:solidFill>
+                  <a:schemeClr val="tx1"/>
+                </a:solidFill>
+                <a:latin typeface="Arial" panose="020B0604020202020204" pitchFamily="34" charset="0"/>
+                <a:cs typeface="Arial" panose="020B0604020202020204" pitchFamily="34" charset="0"/>
+              </a:rPr>
+              <a:t>Toxicity Factor Robustness Results</a:t>
+            </a:r>
+          </a:p>
+        </p:txBody>
+      </p:sp>
+      <p:sp>
+        <p:nvSpPr>
+          <p:cNvPr id="7" name="TextBox 6">
             <a:extLst>
               <a:ext uri="{FF2B5EF4-FFF2-40B4-BE49-F238E27FC236}">
-                <a16:creationId xmlns:a16="http://schemas.microsoft.com/office/drawing/2014/main" id="{7332E39E-A725-0105-95F9-479CB88EB811}"/>
-              </a:ext>
-            </a:extLst>
-          </p:cNvPr>
-          <p:cNvCxnSpPr>
-            <a:cxnSpLocks/>
-          </p:cNvCxnSpPr>
-          <p:nvPr/>
-        </p:nvCxnSpPr>
-        <p:spPr>
-          <a:xfrm>
-            <a:off x="5168086" y="2130756"/>
-            <a:ext cx="0" cy="652926"/>
-          </a:xfrm>
-          <a:prstGeom prst="line">
-            <a:avLst/>
-          </a:prstGeom>
-          <a:ln w="38100">
-            <a:solidFill>
-              <a:schemeClr val="accent1"/>
-            </a:solidFill>
-            <a:prstDash val="sysDot"/>
-            <a:tailEnd type="triangle"/>
-          </a:ln>
-        </p:spPr>
-        <p:style>
-          <a:lnRef idx="1">
-            <a:schemeClr val="accent1"/>
-          </a:lnRef>
-          <a:fillRef idx="0">
-            <a:schemeClr val="accent1"/>
-          </a:fillRef>
-          <a:effectRef idx="0">
-            <a:schemeClr val="accent1"/>
-          </a:effectRef>
-          <a:fontRef idx="minor">
-            <a:schemeClr val="tx1"/>
-          </a:fontRef>
-        </p:style>
-      </p:cxnSp>
-      <p:cxnSp>
-        <p:nvCxnSpPr>
-          <p:cNvPr id="61" name="Straight Connector 60">
-            <a:extLst>
-              <a:ext uri="{FF2B5EF4-FFF2-40B4-BE49-F238E27FC236}">
-                <a16:creationId xmlns:a16="http://schemas.microsoft.com/office/drawing/2014/main" id="{DA531754-CB9B-21B5-CD1C-A6F608FBF221}"/>
-              </a:ext>
-            </a:extLst>
-          </p:cNvPr>
-          <p:cNvCxnSpPr>
-            <a:cxnSpLocks/>
-          </p:cNvCxnSpPr>
-          <p:nvPr/>
-        </p:nvCxnSpPr>
-        <p:spPr>
-          <a:xfrm>
-            <a:off x="3852702" y="2150561"/>
-            <a:ext cx="0" cy="652926"/>
-          </a:xfrm>
-          <a:prstGeom prst="line">
-            <a:avLst/>
-          </a:prstGeom>
-          <a:ln w="38100">
-            <a:solidFill>
-              <a:schemeClr val="accent1"/>
-            </a:solidFill>
-            <a:prstDash val="sysDot"/>
-            <a:tailEnd type="triangle"/>
-          </a:ln>
-        </p:spPr>
-        <p:style>
-          <a:lnRef idx="1">
-            <a:schemeClr val="accent1"/>
-          </a:lnRef>
-          <a:fillRef idx="0">
-            <a:schemeClr val="accent1"/>
-          </a:fillRef>
-          <a:effectRef idx="0">
-            <a:schemeClr val="accent1"/>
-          </a:effectRef>
-          <a:fontRef idx="minor">
-            <a:schemeClr val="tx1"/>
-          </a:fontRef>
-        </p:style>
-      </p:cxnSp>
-      <p:cxnSp>
-        <p:nvCxnSpPr>
-          <p:cNvPr id="62" name="Straight Connector 61">
-            <a:extLst>
-              <a:ext uri="{FF2B5EF4-FFF2-40B4-BE49-F238E27FC236}">
-                <a16:creationId xmlns:a16="http://schemas.microsoft.com/office/drawing/2014/main" id="{44A5F5E4-293B-A090-056B-A58D3F780BEA}"/>
-              </a:ext>
-            </a:extLst>
-          </p:cNvPr>
-          <p:cNvCxnSpPr>
-            <a:cxnSpLocks/>
-          </p:cNvCxnSpPr>
-          <p:nvPr/>
-        </p:nvCxnSpPr>
-        <p:spPr>
-          <a:xfrm flipH="1">
-            <a:off x="2518305" y="2023918"/>
-            <a:ext cx="2802156" cy="0"/>
-          </a:xfrm>
-          <a:prstGeom prst="line">
-            <a:avLst/>
-          </a:prstGeom>
-          <a:ln w="38100">
-            <a:solidFill>
-              <a:schemeClr val="accent6"/>
-            </a:solidFill>
-            <a:prstDash val="sysDot"/>
-          </a:ln>
-        </p:spPr>
-        <p:style>
-          <a:lnRef idx="1">
-            <a:schemeClr val="accent1"/>
-          </a:lnRef>
-          <a:fillRef idx="0">
-            <a:schemeClr val="accent1"/>
-          </a:fillRef>
-          <a:effectRef idx="0">
-            <a:schemeClr val="accent1"/>
-          </a:effectRef>
-          <a:fontRef idx="minor">
-            <a:schemeClr val="tx1"/>
-          </a:fontRef>
-        </p:style>
-      </p:cxnSp>
-      <p:cxnSp>
-        <p:nvCxnSpPr>
-          <p:cNvPr id="63" name="Straight Connector 62">
-            <a:extLst>
-              <a:ext uri="{FF2B5EF4-FFF2-40B4-BE49-F238E27FC236}">
-                <a16:creationId xmlns:a16="http://schemas.microsoft.com/office/drawing/2014/main" id="{8CAD7FFA-0A57-C735-929E-D6505256CCC1}"/>
-              </a:ext>
-            </a:extLst>
-          </p:cNvPr>
-          <p:cNvCxnSpPr>
-            <a:cxnSpLocks/>
-          </p:cNvCxnSpPr>
-          <p:nvPr/>
-        </p:nvCxnSpPr>
-        <p:spPr>
-          <a:xfrm>
-            <a:off x="5320461" y="2005533"/>
-            <a:ext cx="0" cy="778149"/>
-          </a:xfrm>
-          <a:prstGeom prst="line">
-            <a:avLst/>
-          </a:prstGeom>
-          <a:ln w="38100">
-            <a:solidFill>
-              <a:schemeClr val="accent6"/>
-            </a:solidFill>
-            <a:prstDash val="sysDot"/>
-            <a:tailEnd type="triangle"/>
-          </a:ln>
-        </p:spPr>
-        <p:style>
-          <a:lnRef idx="1">
-            <a:schemeClr val="accent1"/>
-          </a:lnRef>
-          <a:fillRef idx="0">
-            <a:schemeClr val="accent1"/>
-          </a:fillRef>
-          <a:effectRef idx="0">
-            <a:schemeClr val="accent1"/>
-          </a:effectRef>
-          <a:fontRef idx="minor">
-            <a:schemeClr val="tx1"/>
-          </a:fontRef>
-        </p:style>
-      </p:cxnSp>
-      <p:cxnSp>
-        <p:nvCxnSpPr>
-          <p:cNvPr id="64" name="Straight Connector 63">
-            <a:extLst>
-              <a:ext uri="{FF2B5EF4-FFF2-40B4-BE49-F238E27FC236}">
-                <a16:creationId xmlns:a16="http://schemas.microsoft.com/office/drawing/2014/main" id="{BF3957AD-933B-26E8-FFD0-AF19B03C178B}"/>
-              </a:ext>
-            </a:extLst>
-          </p:cNvPr>
-          <p:cNvCxnSpPr>
-            <a:cxnSpLocks/>
-          </p:cNvCxnSpPr>
-          <p:nvPr/>
-        </p:nvCxnSpPr>
-        <p:spPr>
-          <a:xfrm>
-            <a:off x="4005077" y="2025338"/>
-            <a:ext cx="0" cy="778149"/>
-          </a:xfrm>
-          <a:prstGeom prst="line">
-            <a:avLst/>
-          </a:prstGeom>
-          <a:ln w="38100">
-            <a:solidFill>
-              <a:schemeClr val="accent6"/>
-            </a:solidFill>
-            <a:prstDash val="sysDot"/>
-            <a:tailEnd type="triangle"/>
-          </a:ln>
-        </p:spPr>
-        <p:style>
-          <a:lnRef idx="1">
-            <a:schemeClr val="accent1"/>
-          </a:lnRef>
-          <a:fillRef idx="0">
-            <a:schemeClr val="accent1"/>
-          </a:fillRef>
-          <a:effectRef idx="0">
-            <a:schemeClr val="accent1"/>
-          </a:effectRef>
-          <a:fontRef idx="minor">
-            <a:schemeClr val="tx1"/>
-          </a:fontRef>
-        </p:style>
-      </p:cxnSp>
-      <p:cxnSp>
-        <p:nvCxnSpPr>
-          <p:cNvPr id="65" name="Straight Connector 64">
-            <a:extLst>
-              <a:ext uri="{FF2B5EF4-FFF2-40B4-BE49-F238E27FC236}">
-                <a16:creationId xmlns:a16="http://schemas.microsoft.com/office/drawing/2014/main" id="{C0A5074F-5C46-B753-AD18-60F83E606B06}"/>
-              </a:ext>
-            </a:extLst>
-          </p:cNvPr>
-          <p:cNvCxnSpPr>
-            <a:cxnSpLocks/>
-          </p:cNvCxnSpPr>
-          <p:nvPr/>
-        </p:nvCxnSpPr>
-        <p:spPr>
-          <a:xfrm flipV="1">
-            <a:off x="4450868" y="2005533"/>
-            <a:ext cx="0" cy="315106"/>
-          </a:xfrm>
-          <a:prstGeom prst="line">
-            <a:avLst/>
-          </a:prstGeom>
-          <a:ln w="38100">
-            <a:solidFill>
-              <a:schemeClr val="accent6"/>
-            </a:solidFill>
-            <a:prstDash val="sysDot"/>
-          </a:ln>
-        </p:spPr>
-        <p:style>
-          <a:lnRef idx="1">
-            <a:schemeClr val="accent1"/>
-          </a:lnRef>
-          <a:fillRef idx="0">
-            <a:schemeClr val="accent1"/>
-          </a:fillRef>
-          <a:effectRef idx="0">
-            <a:schemeClr val="accent1"/>
-          </a:effectRef>
-          <a:fontRef idx="minor">
-            <a:schemeClr val="tx1"/>
-          </a:fontRef>
-        </p:style>
-      </p:cxnSp>
-      <p:cxnSp>
-        <p:nvCxnSpPr>
-          <p:cNvPr id="66" name="Straight Connector 65">
-            <a:extLst>
-              <a:ext uri="{FF2B5EF4-FFF2-40B4-BE49-F238E27FC236}">
-                <a16:creationId xmlns:a16="http://schemas.microsoft.com/office/drawing/2014/main" id="{4D1800C5-F608-C38E-CA26-D498E5C1D81C}"/>
-              </a:ext>
-            </a:extLst>
-          </p:cNvPr>
-          <p:cNvCxnSpPr>
-            <a:cxnSpLocks/>
-          </p:cNvCxnSpPr>
-          <p:nvPr/>
-        </p:nvCxnSpPr>
-        <p:spPr>
-          <a:xfrm flipV="1">
-            <a:off x="3311720" y="2149141"/>
-            <a:ext cx="0" cy="201438"/>
-          </a:xfrm>
-          <a:prstGeom prst="line">
-            <a:avLst/>
-          </a:prstGeom>
-          <a:ln w="38100">
-            <a:solidFill>
-              <a:schemeClr val="accent1"/>
-            </a:solidFill>
-            <a:prstDash val="sysDot"/>
-          </a:ln>
-        </p:spPr>
-        <p:style>
-          <a:lnRef idx="1">
-            <a:schemeClr val="accent1"/>
-          </a:lnRef>
-          <a:fillRef idx="0">
-            <a:schemeClr val="accent1"/>
-          </a:fillRef>
-          <a:effectRef idx="0">
-            <a:schemeClr val="accent1"/>
-          </a:effectRef>
-          <a:fontRef idx="minor">
-            <a:schemeClr val="tx1"/>
-          </a:fontRef>
-        </p:style>
-      </p:cxnSp>
-      <p:cxnSp>
-        <p:nvCxnSpPr>
-          <p:cNvPr id="67" name="Straight Connector 66">
-            <a:extLst>
-              <a:ext uri="{FF2B5EF4-FFF2-40B4-BE49-F238E27FC236}">
-                <a16:creationId xmlns:a16="http://schemas.microsoft.com/office/drawing/2014/main" id="{091C161F-6C38-779F-D2C4-7BE8C4804B42}"/>
-              </a:ext>
-            </a:extLst>
-          </p:cNvPr>
-          <p:cNvCxnSpPr>
-            <a:cxnSpLocks/>
-          </p:cNvCxnSpPr>
-          <p:nvPr/>
-        </p:nvCxnSpPr>
-        <p:spPr>
-          <a:xfrm>
-            <a:off x="2542338" y="2005533"/>
-            <a:ext cx="0" cy="778149"/>
-          </a:xfrm>
-          <a:prstGeom prst="line">
-            <a:avLst/>
-          </a:prstGeom>
-          <a:ln w="38100">
-            <a:solidFill>
-              <a:schemeClr val="accent6"/>
-            </a:solidFill>
-            <a:prstDash val="sysDot"/>
-            <a:tailEnd type="triangle"/>
-          </a:ln>
-        </p:spPr>
-        <p:style>
-          <a:lnRef idx="1">
-            <a:schemeClr val="accent1"/>
-          </a:lnRef>
-          <a:fillRef idx="0">
-            <a:schemeClr val="accent1"/>
-          </a:fillRef>
-          <a:effectRef idx="0">
-            <a:schemeClr val="accent1"/>
-          </a:effectRef>
-          <a:fontRef idx="minor">
-            <a:schemeClr val="tx1"/>
-          </a:fontRef>
-        </p:style>
-      </p:cxnSp>
-      <p:sp>
-        <p:nvSpPr>
-          <p:cNvPr id="68" name="TextBox 67">
-            <a:extLst>
-              <a:ext uri="{FF2B5EF4-FFF2-40B4-BE49-F238E27FC236}">
-                <a16:creationId xmlns:a16="http://schemas.microsoft.com/office/drawing/2014/main" id="{2D606006-DC24-8297-3BEB-77CD84ACC6AA}"/>
+                <a16:creationId xmlns:a16="http://schemas.microsoft.com/office/drawing/2014/main" id="{A0FCE128-19D0-99E3-1D01-900281DD0357}"/>
               </a:ext>
             </a:extLst>
           </p:cNvPr>
@@ -16034,8 +16800,84 @@
         </p:nvSpPr>
         <p:spPr>
           <a:xfrm>
-            <a:off x="3248465" y="1725609"/>
-            <a:ext cx="1329210" cy="307777"/>
+            <a:off x="3544312" y="3545784"/>
+            <a:ext cx="1608133" cy="369332"/>
+          </a:xfrm>
+          <a:prstGeom prst="rect">
+            <a:avLst/>
+          </a:prstGeom>
+          <a:noFill/>
+          <a:ln w="38100">
+            <a:solidFill>
+              <a:schemeClr val="tx1"/>
+            </a:solidFill>
+          </a:ln>
+        </p:spPr>
+        <p:txBody>
+          <a:bodyPr wrap="none" rtlCol="0">
+            <a:spAutoFit/>
+          </a:bodyPr>
+          <a:lstStyle/>
+          <a:p>
+            <a:r>
+              <a:rPr lang="en-US" dirty="0">
+                <a:highlight>
+                  <a:srgbClr val="FFFF00"/>
+                </a:highlight>
+                <a:latin typeface="Arial" panose="020B0604020202020204" pitchFamily="34" charset="0"/>
+                <a:cs typeface="Arial" panose="020B0604020202020204" pitchFamily="34" charset="0"/>
+              </a:rPr>
+              <a:t>Needs legend</a:t>
+            </a:r>
+          </a:p>
+        </p:txBody>
+      </p:sp>
+    </p:spTree>
+    <p:extLst>
+      <p:ext uri="{BB962C8B-B14F-4D97-AF65-F5344CB8AC3E}">
+        <p14:creationId xmlns:p14="http://schemas.microsoft.com/office/powerpoint/2010/main" val="3477051198"/>
+      </p:ext>
+    </p:extLst>
+  </p:cSld>
+  <p:clrMapOvr>
+    <a:masterClrMapping/>
+  </p:clrMapOvr>
+</p:sld>
+</file>
+
+<file path=ppt/slides/slide7.xml><?xml version="1.0" encoding="utf-8"?>
+<p:sld xmlns:a="http://schemas.openxmlformats.org/drawingml/2006/main" xmlns:r="http://schemas.openxmlformats.org/officeDocument/2006/relationships" xmlns:p="http://schemas.openxmlformats.org/presentationml/2006/main">
+  <p:cSld>
+    <p:spTree>
+      <p:nvGrpSpPr>
+        <p:cNvPr id="1" name=""/>
+        <p:cNvGrpSpPr/>
+        <p:nvPr/>
+      </p:nvGrpSpPr>
+      <p:grpSpPr>
+        <a:xfrm>
+          <a:off x="0" y="0"/>
+          <a:ext cx="0" cy="0"/>
+          <a:chOff x="0" y="0"/>
+          <a:chExt cx="0" cy="0"/>
+        </a:xfrm>
+      </p:grpSpPr>
+      <p:sp>
+        <p:nvSpPr>
+          <p:cNvPr id="2" name="TextBox 1">
+            <a:extLst>
+              <a:ext uri="{FF2B5EF4-FFF2-40B4-BE49-F238E27FC236}">
+                <a16:creationId xmlns:a16="http://schemas.microsoft.com/office/drawing/2014/main" id="{1A2BE9DB-9E10-3E09-2699-8D4E8C3DD6D0}"/>
+              </a:ext>
+            </a:extLst>
+          </p:cNvPr>
+          <p:cNvSpPr txBox="1"/>
+          <p:nvPr/>
+        </p:nvSpPr>
+        <p:spPr>
+          <a:xfrm>
+            <a:off x="3618398" y="3105834"/>
+            <a:ext cx="4955203" cy="646331"/>
           </a:xfrm>
           <a:prstGeom prst="rect">
             <a:avLst/>
@@ -16049,11 +16891,11 @@
           <a:lstStyle/>
           <a:p>
             <a:r>
-              <a:rPr lang="en-US" sz="1400" dirty="0">
+              <a:rPr lang="en-US" sz="3600" dirty="0">
                 <a:latin typeface="Arial" panose="020B0604020202020204" pitchFamily="34" charset="0"/>
                 <a:cs typeface="Arial" panose="020B0604020202020204" pitchFamily="34" charset="0"/>
               </a:rPr>
-              <a:t>ligand sensing</a:t>
+              <a:t>Supplementary Figures</a:t>
             </a:r>
           </a:p>
         </p:txBody>
@@ -16061,7 +16903,2543 @@
     </p:spTree>
     <p:extLst>
       <p:ext uri="{BB962C8B-B14F-4D97-AF65-F5344CB8AC3E}">
-        <p14:creationId xmlns:p14="http://schemas.microsoft.com/office/powerpoint/2010/main" val="174850049"/>
+        <p14:creationId xmlns:p14="http://schemas.microsoft.com/office/powerpoint/2010/main" val="1274753384"/>
+      </p:ext>
+    </p:extLst>
+  </p:cSld>
+  <p:clrMapOvr>
+    <a:masterClrMapping/>
+  </p:clrMapOvr>
+</p:sld>
+</file>
+
+<file path=ppt/slides/slide8.xml><?xml version="1.0" encoding="utf-8"?>
+<p:sld xmlns:a="http://schemas.openxmlformats.org/drawingml/2006/main" xmlns:r="http://schemas.openxmlformats.org/officeDocument/2006/relationships" xmlns:p="http://schemas.openxmlformats.org/presentationml/2006/main">
+  <p:cSld>
+    <p:spTree>
+      <p:nvGrpSpPr>
+        <p:cNvPr id="1" name=""/>
+        <p:cNvGrpSpPr/>
+        <p:nvPr/>
+      </p:nvGrpSpPr>
+      <p:grpSpPr>
+        <a:xfrm>
+          <a:off x="0" y="0"/>
+          <a:ext cx="0" cy="0"/>
+          <a:chOff x="0" y="0"/>
+          <a:chExt cx="0" cy="0"/>
+        </a:xfrm>
+      </p:grpSpPr>
+      <p:sp>
+        <p:nvSpPr>
+          <p:cNvPr id="2" name="TextBox 1">
+            <a:extLst>
+              <a:ext uri="{FF2B5EF4-FFF2-40B4-BE49-F238E27FC236}">
+                <a16:creationId xmlns:a16="http://schemas.microsoft.com/office/drawing/2014/main" id="{1A2BE9DB-9E10-3E09-2699-8D4E8C3DD6D0}"/>
+              </a:ext>
+            </a:extLst>
+          </p:cNvPr>
+          <p:cNvSpPr txBox="1"/>
+          <p:nvPr/>
+        </p:nvSpPr>
+        <p:spPr>
+          <a:xfrm>
+            <a:off x="4708440" y="3105834"/>
+            <a:ext cx="2775119" cy="646331"/>
+          </a:xfrm>
+          <a:prstGeom prst="rect">
+            <a:avLst/>
+          </a:prstGeom>
+          <a:noFill/>
+        </p:spPr>
+        <p:txBody>
+          <a:bodyPr wrap="none" rtlCol="0">
+            <a:spAutoFit/>
+          </a:bodyPr>
+          <a:lstStyle/>
+          <a:p>
+            <a:r>
+              <a:rPr lang="en-US" sz="3600" dirty="0">
+                <a:latin typeface="Arial" panose="020B0604020202020204" pitchFamily="34" charset="0"/>
+                <a:cs typeface="Arial" panose="020B0604020202020204" pitchFamily="34" charset="0"/>
+              </a:rPr>
+              <a:t>Raw Figures</a:t>
+            </a:r>
+          </a:p>
+        </p:txBody>
+      </p:sp>
+    </p:spTree>
+    <p:extLst>
+      <p:ext uri="{BB962C8B-B14F-4D97-AF65-F5344CB8AC3E}">
+        <p14:creationId xmlns:p14="http://schemas.microsoft.com/office/powerpoint/2010/main" val="2134557671"/>
+      </p:ext>
+    </p:extLst>
+  </p:cSld>
+  <p:clrMapOvr>
+    <a:masterClrMapping/>
+  </p:clrMapOvr>
+</p:sld>
+</file>
+
+<file path=ppt/slides/slide9.xml><?xml version="1.0" encoding="utf-8"?>
+<p:sld xmlns:a="http://schemas.openxmlformats.org/drawingml/2006/main" xmlns:r="http://schemas.openxmlformats.org/officeDocument/2006/relationships" xmlns:p="http://schemas.openxmlformats.org/presentationml/2006/main">
+  <p:cSld>
+    <p:spTree>
+      <p:nvGrpSpPr>
+        <p:cNvPr id="1" name=""/>
+        <p:cNvGrpSpPr/>
+        <p:nvPr/>
+      </p:nvGrpSpPr>
+      <p:grpSpPr>
+        <a:xfrm>
+          <a:off x="0" y="0"/>
+          <a:ext cx="0" cy="0"/>
+          <a:chOff x="0" y="0"/>
+          <a:chExt cx="0" cy="0"/>
+        </a:xfrm>
+      </p:grpSpPr>
+      <p:grpSp>
+        <p:nvGrpSpPr>
+          <p:cNvPr id="4" name="Group 3">
+            <a:extLst>
+              <a:ext uri="{FF2B5EF4-FFF2-40B4-BE49-F238E27FC236}">
+                <a16:creationId xmlns:a16="http://schemas.microsoft.com/office/drawing/2014/main" id="{78E083EC-AA20-25B5-99A6-3BB95067F9FB}"/>
+              </a:ext>
+            </a:extLst>
+          </p:cNvPr>
+          <p:cNvGrpSpPr/>
+          <p:nvPr/>
+        </p:nvGrpSpPr>
+        <p:grpSpPr>
+          <a:xfrm>
+            <a:off x="2598082" y="2683134"/>
+            <a:ext cx="1030963" cy="1398048"/>
+            <a:chOff x="1357687" y="2686172"/>
+            <a:chExt cx="1406670" cy="1907528"/>
+          </a:xfrm>
+        </p:grpSpPr>
+        <p:sp>
+          <p:nvSpPr>
+            <p:cNvPr id="5" name="Oval 4">
+              <a:extLst>
+                <a:ext uri="{FF2B5EF4-FFF2-40B4-BE49-F238E27FC236}">
+                  <a16:creationId xmlns:a16="http://schemas.microsoft.com/office/drawing/2014/main" id="{119CE519-CC9B-41CF-42AF-29528DAA4753}"/>
+                </a:ext>
+              </a:extLst>
+            </p:cNvPr>
+            <p:cNvSpPr/>
+            <p:nvPr/>
+          </p:nvSpPr>
+          <p:spPr>
+            <a:xfrm>
+              <a:off x="1844834" y="3474108"/>
+              <a:ext cx="417191" cy="417191"/>
+            </a:xfrm>
+            <a:prstGeom prst="ellipse">
+              <a:avLst/>
+            </a:prstGeom>
+            <a:solidFill>
+              <a:schemeClr val="bg2">
+                <a:lumMod val="90000"/>
+              </a:schemeClr>
+            </a:solidFill>
+            <a:ln w="28575">
+              <a:solidFill>
+                <a:schemeClr val="tx1"/>
+              </a:solidFill>
+            </a:ln>
+          </p:spPr>
+          <p:style>
+            <a:lnRef idx="2">
+              <a:schemeClr val="accent1">
+                <a:shade val="50000"/>
+              </a:schemeClr>
+            </a:lnRef>
+            <a:fillRef idx="1">
+              <a:schemeClr val="accent1"/>
+            </a:fillRef>
+            <a:effectRef idx="0">
+              <a:schemeClr val="accent1"/>
+            </a:effectRef>
+            <a:fontRef idx="minor">
+              <a:schemeClr val="lt1"/>
+            </a:fontRef>
+          </p:style>
+          <p:txBody>
+            <a:bodyPr rtlCol="0" anchor="ctr"/>
+            <a:lstStyle/>
+            <a:p>
+              <a:pPr algn="ctr"/>
+              <a:endParaRPr lang="en-US" sz="1400" baseline="-25000" dirty="0">
+                <a:solidFill>
+                  <a:schemeClr val="tx1"/>
+                </a:solidFill>
+                <a:latin typeface="Arial" panose="020B0604020202020204" pitchFamily="34" charset="0"/>
+                <a:cs typeface="Arial" panose="020B0604020202020204" pitchFamily="34" charset="0"/>
+              </a:endParaRPr>
+            </a:p>
+          </p:txBody>
+        </p:sp>
+        <p:cxnSp>
+          <p:nvCxnSpPr>
+            <p:cNvPr id="6" name="Straight Arrow Connector 5">
+              <a:extLst>
+                <a:ext uri="{FF2B5EF4-FFF2-40B4-BE49-F238E27FC236}">
+                  <a16:creationId xmlns:a16="http://schemas.microsoft.com/office/drawing/2014/main" id="{2DD1439F-933B-DCA6-80A9-35FEA65ED56B}"/>
+                </a:ext>
+              </a:extLst>
+            </p:cNvPr>
+            <p:cNvCxnSpPr>
+              <a:cxnSpLocks/>
+            </p:cNvCxnSpPr>
+            <p:nvPr/>
+          </p:nvCxnSpPr>
+          <p:spPr>
+            <a:xfrm>
+              <a:off x="1379763" y="3682702"/>
+              <a:ext cx="380515" cy="0"/>
+            </a:xfrm>
+            <a:prstGeom prst="straightConnector1">
+              <a:avLst/>
+            </a:prstGeom>
+            <a:ln w="38100">
+              <a:solidFill>
+                <a:schemeClr val="tx1"/>
+              </a:solidFill>
+              <a:tailEnd type="triangle"/>
+            </a:ln>
+          </p:spPr>
+          <p:style>
+            <a:lnRef idx="1">
+              <a:schemeClr val="accent1"/>
+            </a:lnRef>
+            <a:fillRef idx="0">
+              <a:schemeClr val="accent1"/>
+            </a:fillRef>
+            <a:effectRef idx="0">
+              <a:schemeClr val="accent1"/>
+            </a:effectRef>
+            <a:fontRef idx="minor">
+              <a:schemeClr val="tx1"/>
+            </a:fontRef>
+          </p:style>
+        </p:cxnSp>
+        <p:cxnSp>
+          <p:nvCxnSpPr>
+            <p:cNvPr id="7" name="Straight Arrow Connector 6">
+              <a:extLst>
+                <a:ext uri="{FF2B5EF4-FFF2-40B4-BE49-F238E27FC236}">
+                  <a16:creationId xmlns:a16="http://schemas.microsoft.com/office/drawing/2014/main" id="{D9CA28E3-916F-DBA2-BECB-4EBA4E5A9726}"/>
+                </a:ext>
+              </a:extLst>
+            </p:cNvPr>
+            <p:cNvCxnSpPr>
+              <a:cxnSpLocks/>
+            </p:cNvCxnSpPr>
+            <p:nvPr/>
+          </p:nvCxnSpPr>
+          <p:spPr>
+            <a:xfrm>
+              <a:off x="2361452" y="3682704"/>
+              <a:ext cx="402905" cy="0"/>
+            </a:xfrm>
+            <a:prstGeom prst="straightConnector1">
+              <a:avLst/>
+            </a:prstGeom>
+            <a:ln w="38100">
+              <a:solidFill>
+                <a:schemeClr val="tx1"/>
+              </a:solidFill>
+              <a:tailEnd type="triangle"/>
+            </a:ln>
+          </p:spPr>
+          <p:style>
+            <a:lnRef idx="1">
+              <a:schemeClr val="accent1"/>
+            </a:lnRef>
+            <a:fillRef idx="0">
+              <a:schemeClr val="accent1"/>
+            </a:fillRef>
+            <a:effectRef idx="0">
+              <a:schemeClr val="accent1"/>
+            </a:effectRef>
+            <a:fontRef idx="minor">
+              <a:schemeClr val="tx1"/>
+            </a:fontRef>
+          </p:style>
+        </p:cxnSp>
+        <p:sp>
+          <p:nvSpPr>
+            <p:cNvPr id="8" name="TextBox 7">
+              <a:extLst>
+                <a:ext uri="{FF2B5EF4-FFF2-40B4-BE49-F238E27FC236}">
+                  <a16:creationId xmlns:a16="http://schemas.microsoft.com/office/drawing/2014/main" id="{78B392D8-253D-DF8D-9BAA-969200F5FC9D}"/>
+                </a:ext>
+              </a:extLst>
+            </p:cNvPr>
+            <p:cNvSpPr txBox="1"/>
+            <p:nvPr/>
+          </p:nvSpPr>
+          <p:spPr>
+            <a:xfrm>
+              <a:off x="1774415" y="2686172"/>
+              <a:ext cx="593161" cy="461931"/>
+            </a:xfrm>
+            <a:prstGeom prst="rect">
+              <a:avLst/>
+            </a:prstGeom>
+            <a:noFill/>
+          </p:spPr>
+          <p:txBody>
+            <a:bodyPr wrap="none" rtlCol="0">
+              <a:spAutoFit/>
+            </a:bodyPr>
+            <a:lstStyle/>
+            <a:p>
+              <a:r>
+                <a:rPr lang="en-US" sz="1600" dirty="0">
+                  <a:solidFill>
+                    <a:schemeClr val="accent2"/>
+                  </a:solidFill>
+                  <a:latin typeface="Arial" panose="020B0604020202020204" pitchFamily="34" charset="0"/>
+                  <a:cs typeface="Arial" panose="020B0604020202020204" pitchFamily="34" charset="0"/>
+                </a:rPr>
+                <a:t>TF</a:t>
+              </a:r>
+            </a:p>
+          </p:txBody>
+        </p:sp>
+        <p:cxnSp>
+          <p:nvCxnSpPr>
+            <p:cNvPr id="9" name="Straight Connector 8">
+              <a:extLst>
+                <a:ext uri="{FF2B5EF4-FFF2-40B4-BE49-F238E27FC236}">
+                  <a16:creationId xmlns:a16="http://schemas.microsoft.com/office/drawing/2014/main" id="{0AA7F355-7AD4-1A67-D75D-FE502B1B60D1}"/>
+                </a:ext>
+              </a:extLst>
+            </p:cNvPr>
+            <p:cNvCxnSpPr>
+              <a:cxnSpLocks/>
+            </p:cNvCxnSpPr>
+            <p:nvPr/>
+          </p:nvCxnSpPr>
+          <p:spPr>
+            <a:xfrm flipV="1">
+              <a:off x="2053429" y="3155242"/>
+              <a:ext cx="0" cy="248215"/>
+            </a:xfrm>
+            <a:prstGeom prst="line">
+              <a:avLst/>
+            </a:prstGeom>
+            <a:ln w="38100">
+              <a:solidFill>
+                <a:schemeClr val="accent2"/>
+              </a:solidFill>
+            </a:ln>
+          </p:spPr>
+          <p:style>
+            <a:lnRef idx="1">
+              <a:schemeClr val="accent1"/>
+            </a:lnRef>
+            <a:fillRef idx="0">
+              <a:schemeClr val="accent1"/>
+            </a:fillRef>
+            <a:effectRef idx="0">
+              <a:schemeClr val="accent1"/>
+            </a:effectRef>
+            <a:fontRef idx="minor">
+              <a:schemeClr val="tx1"/>
+            </a:fontRef>
+          </p:style>
+        </p:cxnSp>
+        <p:cxnSp>
+          <p:nvCxnSpPr>
+            <p:cNvPr id="10" name="Straight Connector 9">
+              <a:extLst>
+                <a:ext uri="{FF2B5EF4-FFF2-40B4-BE49-F238E27FC236}">
+                  <a16:creationId xmlns:a16="http://schemas.microsoft.com/office/drawing/2014/main" id="{0400A20D-8E40-0CEC-73F7-97FAF6520A1F}"/>
+                </a:ext>
+              </a:extLst>
+            </p:cNvPr>
+            <p:cNvCxnSpPr>
+              <a:cxnSpLocks/>
+            </p:cNvCxnSpPr>
+            <p:nvPr/>
+          </p:nvCxnSpPr>
+          <p:spPr>
+            <a:xfrm flipH="1">
+              <a:off x="1926463" y="3147893"/>
+              <a:ext cx="253931" cy="0"/>
+            </a:xfrm>
+            <a:prstGeom prst="line">
+              <a:avLst/>
+            </a:prstGeom>
+            <a:ln w="38100">
+              <a:solidFill>
+                <a:schemeClr val="accent2"/>
+              </a:solidFill>
+            </a:ln>
+          </p:spPr>
+          <p:style>
+            <a:lnRef idx="1">
+              <a:schemeClr val="accent1"/>
+            </a:lnRef>
+            <a:fillRef idx="0">
+              <a:schemeClr val="accent1"/>
+            </a:fillRef>
+            <a:effectRef idx="0">
+              <a:schemeClr val="accent1"/>
+            </a:effectRef>
+            <a:fontRef idx="minor">
+              <a:schemeClr val="tx1"/>
+            </a:fontRef>
+          </p:style>
+        </p:cxnSp>
+        <p:cxnSp>
+          <p:nvCxnSpPr>
+            <p:cNvPr id="11" name="Straight Connector 10">
+              <a:extLst>
+                <a:ext uri="{FF2B5EF4-FFF2-40B4-BE49-F238E27FC236}">
+                  <a16:creationId xmlns:a16="http://schemas.microsoft.com/office/drawing/2014/main" id="{C6B74A8D-8C2B-FD0C-2EBB-B002F826F03F}"/>
+                </a:ext>
+              </a:extLst>
+            </p:cNvPr>
+            <p:cNvCxnSpPr>
+              <a:cxnSpLocks/>
+            </p:cNvCxnSpPr>
+            <p:nvPr/>
+          </p:nvCxnSpPr>
+          <p:spPr>
+            <a:xfrm flipH="1" flipV="1">
+              <a:off x="1491748" y="2943262"/>
+              <a:ext cx="309472" cy="2479"/>
+            </a:xfrm>
+            <a:prstGeom prst="line">
+              <a:avLst/>
+            </a:prstGeom>
+            <a:ln w="38100">
+              <a:solidFill>
+                <a:schemeClr val="accent2"/>
+              </a:solidFill>
+            </a:ln>
+          </p:spPr>
+          <p:style>
+            <a:lnRef idx="1">
+              <a:schemeClr val="accent1"/>
+            </a:lnRef>
+            <a:fillRef idx="0">
+              <a:schemeClr val="accent1"/>
+            </a:fillRef>
+            <a:effectRef idx="0">
+              <a:schemeClr val="accent1"/>
+            </a:effectRef>
+            <a:fontRef idx="minor">
+              <a:schemeClr val="tx1"/>
+            </a:fontRef>
+          </p:style>
+        </p:cxnSp>
+        <p:cxnSp>
+          <p:nvCxnSpPr>
+            <p:cNvPr id="12" name="Straight Arrow Connector 11">
+              <a:extLst>
+                <a:ext uri="{FF2B5EF4-FFF2-40B4-BE49-F238E27FC236}">
+                  <a16:creationId xmlns:a16="http://schemas.microsoft.com/office/drawing/2014/main" id="{4947BCDC-DABA-78D9-3717-B14605D7123E}"/>
+                </a:ext>
+              </a:extLst>
+            </p:cNvPr>
+            <p:cNvCxnSpPr>
+              <a:cxnSpLocks/>
+            </p:cNvCxnSpPr>
+            <p:nvPr/>
+          </p:nvCxnSpPr>
+          <p:spPr>
+            <a:xfrm>
+              <a:off x="1513878" y="2943261"/>
+              <a:ext cx="0" cy="621539"/>
+            </a:xfrm>
+            <a:prstGeom prst="straightConnector1">
+              <a:avLst/>
+            </a:prstGeom>
+            <a:ln w="38100">
+              <a:solidFill>
+                <a:schemeClr val="accent2"/>
+              </a:solidFill>
+              <a:tailEnd type="triangle"/>
+            </a:ln>
+          </p:spPr>
+          <p:style>
+            <a:lnRef idx="1">
+              <a:schemeClr val="accent1"/>
+            </a:lnRef>
+            <a:fillRef idx="0">
+              <a:schemeClr val="accent1"/>
+            </a:fillRef>
+            <a:effectRef idx="0">
+              <a:schemeClr val="accent1"/>
+            </a:effectRef>
+            <a:fontRef idx="minor">
+              <a:schemeClr val="tx1"/>
+            </a:fontRef>
+          </p:style>
+        </p:cxnSp>
+        <p:sp>
+          <p:nvSpPr>
+            <p:cNvPr id="13" name="TextBox 12">
+              <a:extLst>
+                <a:ext uri="{FF2B5EF4-FFF2-40B4-BE49-F238E27FC236}">
+                  <a16:creationId xmlns:a16="http://schemas.microsoft.com/office/drawing/2014/main" id="{0A4D0CCC-29E2-56A2-1780-7C1EECFB8F89}"/>
+                </a:ext>
+              </a:extLst>
+            </p:cNvPr>
+            <p:cNvSpPr txBox="1"/>
+            <p:nvPr/>
+          </p:nvSpPr>
+          <p:spPr>
+            <a:xfrm>
+              <a:off x="1357687" y="3879807"/>
+              <a:ext cx="1391481" cy="713893"/>
+            </a:xfrm>
+            <a:prstGeom prst="rect">
+              <a:avLst/>
+            </a:prstGeom>
+            <a:noFill/>
+          </p:spPr>
+          <p:txBody>
+            <a:bodyPr wrap="none" rtlCol="0">
+              <a:spAutoFit/>
+            </a:bodyPr>
+            <a:lstStyle/>
+            <a:p>
+              <a:pPr algn="ctr"/>
+              <a:r>
+                <a:rPr lang="en-US" sz="1400" dirty="0">
+                  <a:solidFill>
+                    <a:schemeClr val="accent2"/>
+                  </a:solidFill>
+                  <a:latin typeface="Arial" panose="020B0604020202020204" pitchFamily="34" charset="0"/>
+                  <a:cs typeface="Arial" panose="020B0604020202020204" pitchFamily="34" charset="0"/>
+                </a:rPr>
+                <a:t>upstream </a:t>
+              </a:r>
+            </a:p>
+            <a:p>
+              <a:pPr algn="ctr"/>
+              <a:r>
+                <a:rPr lang="en-US" sz="1400" dirty="0">
+                  <a:solidFill>
+                    <a:schemeClr val="accent2"/>
+                  </a:solidFill>
+                  <a:latin typeface="Arial" panose="020B0604020202020204" pitchFamily="34" charset="0"/>
+                  <a:cs typeface="Arial" panose="020B0604020202020204" pitchFamily="34" charset="0"/>
+                </a:rPr>
+                <a:t>repression</a:t>
+              </a:r>
+            </a:p>
+          </p:txBody>
+        </p:sp>
+      </p:grpSp>
+      <p:grpSp>
+        <p:nvGrpSpPr>
+          <p:cNvPr id="14" name="Group 13">
+            <a:extLst>
+              <a:ext uri="{FF2B5EF4-FFF2-40B4-BE49-F238E27FC236}">
+                <a16:creationId xmlns:a16="http://schemas.microsoft.com/office/drawing/2014/main" id="{0172CE37-B59D-571B-DADC-9D6508B1FECE}"/>
+              </a:ext>
+            </a:extLst>
+          </p:cNvPr>
+          <p:cNvGrpSpPr/>
+          <p:nvPr/>
+        </p:nvGrpSpPr>
+        <p:grpSpPr>
+          <a:xfrm>
+            <a:off x="3747231" y="2700222"/>
+            <a:ext cx="1159292" cy="1426559"/>
+            <a:chOff x="3316177" y="2532104"/>
+            <a:chExt cx="1159292" cy="1426559"/>
+          </a:xfrm>
+        </p:grpSpPr>
+        <p:grpSp>
+          <p:nvGrpSpPr>
+            <p:cNvPr id="15" name="Group 14">
+              <a:extLst>
+                <a:ext uri="{FF2B5EF4-FFF2-40B4-BE49-F238E27FC236}">
+                  <a16:creationId xmlns:a16="http://schemas.microsoft.com/office/drawing/2014/main" id="{8D07A7AB-65C8-DC98-3469-4BD36CD5B60A}"/>
+                </a:ext>
+              </a:extLst>
+            </p:cNvPr>
+            <p:cNvGrpSpPr/>
+            <p:nvPr/>
+          </p:nvGrpSpPr>
+          <p:grpSpPr>
+            <a:xfrm>
+              <a:off x="3316177" y="2532104"/>
+              <a:ext cx="1159292" cy="1426559"/>
+              <a:chOff x="1262546" y="2686172"/>
+              <a:chExt cx="1581765" cy="1946429"/>
+            </a:xfrm>
+          </p:grpSpPr>
+          <p:sp>
+            <p:nvSpPr>
+              <p:cNvPr id="17" name="Oval 16">
+                <a:extLst>
+                  <a:ext uri="{FF2B5EF4-FFF2-40B4-BE49-F238E27FC236}">
+                    <a16:creationId xmlns:a16="http://schemas.microsoft.com/office/drawing/2014/main" id="{9E94651E-AEBB-734A-AF07-28753D6C9A9E}"/>
+                  </a:ext>
+                </a:extLst>
+              </p:cNvPr>
+              <p:cNvSpPr/>
+              <p:nvPr/>
+            </p:nvSpPr>
+            <p:spPr>
+              <a:xfrm>
+                <a:off x="1844834" y="3474108"/>
+                <a:ext cx="417191" cy="417191"/>
+              </a:xfrm>
+              <a:prstGeom prst="ellipse">
+                <a:avLst/>
+              </a:prstGeom>
+              <a:solidFill>
+                <a:schemeClr val="bg2">
+                  <a:lumMod val="90000"/>
+                </a:schemeClr>
+              </a:solidFill>
+              <a:ln w="28575">
+                <a:solidFill>
+                  <a:schemeClr val="tx1"/>
+                </a:solidFill>
+              </a:ln>
+            </p:spPr>
+            <p:style>
+              <a:lnRef idx="2">
+                <a:schemeClr val="accent1">
+                  <a:shade val="50000"/>
+                </a:schemeClr>
+              </a:lnRef>
+              <a:fillRef idx="1">
+                <a:schemeClr val="accent1"/>
+              </a:fillRef>
+              <a:effectRef idx="0">
+                <a:schemeClr val="accent1"/>
+              </a:effectRef>
+              <a:fontRef idx="minor">
+                <a:schemeClr val="lt1"/>
+              </a:fontRef>
+            </p:style>
+            <p:txBody>
+              <a:bodyPr rtlCol="0" anchor="ctr"/>
+              <a:lstStyle/>
+              <a:p>
+                <a:pPr algn="ctr"/>
+                <a:endParaRPr lang="en-US" sz="1400" baseline="-25000" dirty="0">
+                  <a:solidFill>
+                    <a:schemeClr val="tx1"/>
+                  </a:solidFill>
+                  <a:latin typeface="Arial" panose="020B0604020202020204" pitchFamily="34" charset="0"/>
+                  <a:cs typeface="Arial" panose="020B0604020202020204" pitchFamily="34" charset="0"/>
+                </a:endParaRPr>
+              </a:p>
+            </p:txBody>
+          </p:sp>
+          <p:cxnSp>
+            <p:nvCxnSpPr>
+              <p:cNvPr id="18" name="Straight Arrow Connector 17">
+                <a:extLst>
+                  <a:ext uri="{FF2B5EF4-FFF2-40B4-BE49-F238E27FC236}">
+                    <a16:creationId xmlns:a16="http://schemas.microsoft.com/office/drawing/2014/main" id="{DB859222-E915-72BD-FBA3-EEDA07906B6D}"/>
+                  </a:ext>
+                </a:extLst>
+              </p:cNvPr>
+              <p:cNvCxnSpPr>
+                <a:cxnSpLocks/>
+              </p:cNvCxnSpPr>
+              <p:nvPr/>
+            </p:nvCxnSpPr>
+            <p:spPr>
+              <a:xfrm>
+                <a:off x="1379763" y="3682702"/>
+                <a:ext cx="380515" cy="0"/>
+              </a:xfrm>
+              <a:prstGeom prst="straightConnector1">
+                <a:avLst/>
+              </a:prstGeom>
+              <a:ln w="38100">
+                <a:solidFill>
+                  <a:schemeClr val="tx1"/>
+                </a:solidFill>
+                <a:tailEnd type="triangle"/>
+              </a:ln>
+            </p:spPr>
+            <p:style>
+              <a:lnRef idx="1">
+                <a:schemeClr val="accent1"/>
+              </a:lnRef>
+              <a:fillRef idx="0">
+                <a:schemeClr val="accent1"/>
+              </a:fillRef>
+              <a:effectRef idx="0">
+                <a:schemeClr val="accent1"/>
+              </a:effectRef>
+              <a:fontRef idx="minor">
+                <a:schemeClr val="tx1"/>
+              </a:fontRef>
+            </p:style>
+          </p:cxnSp>
+          <p:cxnSp>
+            <p:nvCxnSpPr>
+              <p:cNvPr id="19" name="Straight Arrow Connector 18">
+                <a:extLst>
+                  <a:ext uri="{FF2B5EF4-FFF2-40B4-BE49-F238E27FC236}">
+                    <a16:creationId xmlns:a16="http://schemas.microsoft.com/office/drawing/2014/main" id="{D3858878-03EE-2781-CD57-E36BBA79C461}"/>
+                  </a:ext>
+                </a:extLst>
+              </p:cNvPr>
+              <p:cNvCxnSpPr>
+                <a:cxnSpLocks/>
+              </p:cNvCxnSpPr>
+              <p:nvPr/>
+            </p:nvCxnSpPr>
+            <p:spPr>
+              <a:xfrm>
+                <a:off x="2361452" y="3682704"/>
+                <a:ext cx="402905" cy="0"/>
+              </a:xfrm>
+              <a:prstGeom prst="straightConnector1">
+                <a:avLst/>
+              </a:prstGeom>
+              <a:ln w="38100">
+                <a:solidFill>
+                  <a:schemeClr val="tx1"/>
+                </a:solidFill>
+                <a:tailEnd type="triangle"/>
+              </a:ln>
+            </p:spPr>
+            <p:style>
+              <a:lnRef idx="1">
+                <a:schemeClr val="accent1"/>
+              </a:lnRef>
+              <a:fillRef idx="0">
+                <a:schemeClr val="accent1"/>
+              </a:fillRef>
+              <a:effectRef idx="0">
+                <a:schemeClr val="accent1"/>
+              </a:effectRef>
+              <a:fontRef idx="minor">
+                <a:schemeClr val="tx1"/>
+              </a:fontRef>
+            </p:style>
+          </p:cxnSp>
+          <p:sp>
+            <p:nvSpPr>
+              <p:cNvPr id="20" name="TextBox 19">
+                <a:extLst>
+                  <a:ext uri="{FF2B5EF4-FFF2-40B4-BE49-F238E27FC236}">
+                    <a16:creationId xmlns:a16="http://schemas.microsoft.com/office/drawing/2014/main" id="{F9935465-2989-5041-2840-20306E6ED074}"/>
+                  </a:ext>
+                </a:extLst>
+              </p:cNvPr>
+              <p:cNvSpPr txBox="1"/>
+              <p:nvPr/>
+            </p:nvSpPr>
+            <p:spPr>
+              <a:xfrm>
+                <a:off x="1774415" y="2686172"/>
+                <a:ext cx="593161" cy="461931"/>
+              </a:xfrm>
+              <a:prstGeom prst="rect">
+                <a:avLst/>
+              </a:prstGeom>
+              <a:noFill/>
+            </p:spPr>
+            <p:txBody>
+              <a:bodyPr wrap="none" rtlCol="0">
+                <a:spAutoFit/>
+              </a:bodyPr>
+              <a:lstStyle/>
+              <a:p>
+                <a:r>
+                  <a:rPr lang="en-US" sz="1600" dirty="0">
+                    <a:solidFill>
+                      <a:schemeClr val="accent6"/>
+                    </a:solidFill>
+                    <a:latin typeface="Arial" panose="020B0604020202020204" pitchFamily="34" charset="0"/>
+                    <a:cs typeface="Arial" panose="020B0604020202020204" pitchFamily="34" charset="0"/>
+                  </a:rPr>
+                  <a:t>TF</a:t>
+                </a:r>
+              </a:p>
+            </p:txBody>
+          </p:sp>
+          <p:cxnSp>
+            <p:nvCxnSpPr>
+              <p:cNvPr id="21" name="Straight Connector 20">
+                <a:extLst>
+                  <a:ext uri="{FF2B5EF4-FFF2-40B4-BE49-F238E27FC236}">
+                    <a16:creationId xmlns:a16="http://schemas.microsoft.com/office/drawing/2014/main" id="{BB7AB0CF-7812-885A-54BD-E4D5906C76F6}"/>
+                  </a:ext>
+                </a:extLst>
+              </p:cNvPr>
+              <p:cNvCxnSpPr>
+                <a:cxnSpLocks/>
+              </p:cNvCxnSpPr>
+              <p:nvPr/>
+            </p:nvCxnSpPr>
+            <p:spPr>
+              <a:xfrm flipV="1">
+                <a:off x="2053429" y="3155242"/>
+                <a:ext cx="0" cy="248215"/>
+              </a:xfrm>
+              <a:prstGeom prst="line">
+                <a:avLst/>
+              </a:prstGeom>
+              <a:ln w="38100">
+                <a:solidFill>
+                  <a:schemeClr val="accent6"/>
+                </a:solidFill>
+              </a:ln>
+            </p:spPr>
+            <p:style>
+              <a:lnRef idx="1">
+                <a:schemeClr val="accent1"/>
+              </a:lnRef>
+              <a:fillRef idx="0">
+                <a:schemeClr val="accent1"/>
+              </a:fillRef>
+              <a:effectRef idx="0">
+                <a:schemeClr val="accent1"/>
+              </a:effectRef>
+              <a:fontRef idx="minor">
+                <a:schemeClr val="tx1"/>
+              </a:fontRef>
+            </p:style>
+          </p:cxnSp>
+          <p:cxnSp>
+            <p:nvCxnSpPr>
+              <p:cNvPr id="22" name="Straight Connector 21">
+                <a:extLst>
+                  <a:ext uri="{FF2B5EF4-FFF2-40B4-BE49-F238E27FC236}">
+                    <a16:creationId xmlns:a16="http://schemas.microsoft.com/office/drawing/2014/main" id="{FDE86B5D-3309-8947-BF5F-13AB72036AA1}"/>
+                  </a:ext>
+                </a:extLst>
+              </p:cNvPr>
+              <p:cNvCxnSpPr>
+                <a:cxnSpLocks/>
+              </p:cNvCxnSpPr>
+              <p:nvPr/>
+            </p:nvCxnSpPr>
+            <p:spPr>
+              <a:xfrm flipH="1">
+                <a:off x="1926463" y="3147893"/>
+                <a:ext cx="253931" cy="0"/>
+              </a:xfrm>
+              <a:prstGeom prst="line">
+                <a:avLst/>
+              </a:prstGeom>
+              <a:ln w="38100">
+                <a:solidFill>
+                  <a:schemeClr val="accent6"/>
+                </a:solidFill>
+              </a:ln>
+            </p:spPr>
+            <p:style>
+              <a:lnRef idx="1">
+                <a:schemeClr val="accent1"/>
+              </a:lnRef>
+              <a:fillRef idx="0">
+                <a:schemeClr val="accent1"/>
+              </a:fillRef>
+              <a:effectRef idx="0">
+                <a:schemeClr val="accent1"/>
+              </a:effectRef>
+              <a:fontRef idx="minor">
+                <a:schemeClr val="tx1"/>
+              </a:fontRef>
+            </p:style>
+          </p:cxnSp>
+          <p:cxnSp>
+            <p:nvCxnSpPr>
+              <p:cNvPr id="23" name="Straight Connector 22">
+                <a:extLst>
+                  <a:ext uri="{FF2B5EF4-FFF2-40B4-BE49-F238E27FC236}">
+                    <a16:creationId xmlns:a16="http://schemas.microsoft.com/office/drawing/2014/main" id="{2F992CAC-D1F3-2936-181B-3A00AD405E11}"/>
+                  </a:ext>
+                </a:extLst>
+              </p:cNvPr>
+              <p:cNvCxnSpPr>
+                <a:cxnSpLocks/>
+              </p:cNvCxnSpPr>
+              <p:nvPr/>
+            </p:nvCxnSpPr>
+            <p:spPr>
+              <a:xfrm>
+                <a:off x="2262780" y="2951710"/>
+                <a:ext cx="249713" cy="0"/>
+              </a:xfrm>
+              <a:prstGeom prst="line">
+                <a:avLst/>
+              </a:prstGeom>
+              <a:ln w="38100">
+                <a:solidFill>
+                  <a:schemeClr val="accent6"/>
+                </a:solidFill>
+              </a:ln>
+            </p:spPr>
+            <p:style>
+              <a:lnRef idx="1">
+                <a:schemeClr val="accent1"/>
+              </a:lnRef>
+              <a:fillRef idx="0">
+                <a:schemeClr val="accent1"/>
+              </a:fillRef>
+              <a:effectRef idx="0">
+                <a:schemeClr val="accent1"/>
+              </a:effectRef>
+              <a:fontRef idx="minor">
+                <a:schemeClr val="tx1"/>
+              </a:fontRef>
+            </p:style>
+          </p:cxnSp>
+          <p:cxnSp>
+            <p:nvCxnSpPr>
+              <p:cNvPr id="24" name="Straight Arrow Connector 23">
+                <a:extLst>
+                  <a:ext uri="{FF2B5EF4-FFF2-40B4-BE49-F238E27FC236}">
+                    <a16:creationId xmlns:a16="http://schemas.microsoft.com/office/drawing/2014/main" id="{3ACA4491-42A0-D55D-86F4-22765680C502}"/>
+                  </a:ext>
+                </a:extLst>
+              </p:cNvPr>
+              <p:cNvCxnSpPr>
+                <a:cxnSpLocks/>
+              </p:cNvCxnSpPr>
+              <p:nvPr/>
+            </p:nvCxnSpPr>
+            <p:spPr>
+              <a:xfrm flipH="1">
+                <a:off x="2486958" y="2943261"/>
+                <a:ext cx="0" cy="621539"/>
+              </a:xfrm>
+              <a:prstGeom prst="straightConnector1">
+                <a:avLst/>
+              </a:prstGeom>
+              <a:ln w="38100">
+                <a:solidFill>
+                  <a:schemeClr val="accent6"/>
+                </a:solidFill>
+                <a:tailEnd type="none"/>
+              </a:ln>
+            </p:spPr>
+            <p:style>
+              <a:lnRef idx="1">
+                <a:schemeClr val="accent1"/>
+              </a:lnRef>
+              <a:fillRef idx="0">
+                <a:schemeClr val="accent1"/>
+              </a:fillRef>
+              <a:effectRef idx="0">
+                <a:schemeClr val="accent1"/>
+              </a:effectRef>
+              <a:fontRef idx="minor">
+                <a:schemeClr val="tx1"/>
+              </a:fontRef>
+            </p:style>
+          </p:cxnSp>
+          <p:sp>
+            <p:nvSpPr>
+              <p:cNvPr id="25" name="TextBox 24">
+                <a:extLst>
+                  <a:ext uri="{FF2B5EF4-FFF2-40B4-BE49-F238E27FC236}">
+                    <a16:creationId xmlns:a16="http://schemas.microsoft.com/office/drawing/2014/main" id="{43B3125B-C7F2-1A6A-B478-A797865DE9F7}"/>
+                  </a:ext>
+                </a:extLst>
+              </p:cNvPr>
+              <p:cNvSpPr txBox="1"/>
+              <p:nvPr/>
+            </p:nvSpPr>
+            <p:spPr>
+              <a:xfrm>
+                <a:off x="1262546" y="3918708"/>
+                <a:ext cx="1581765" cy="713893"/>
+              </a:xfrm>
+              <a:prstGeom prst="rect">
+                <a:avLst/>
+              </a:prstGeom>
+              <a:noFill/>
+            </p:spPr>
+            <p:txBody>
+              <a:bodyPr wrap="none" rtlCol="0">
+                <a:spAutoFit/>
+              </a:bodyPr>
+              <a:lstStyle/>
+              <a:p>
+                <a:r>
+                  <a:rPr lang="en-US" sz="1400" dirty="0">
+                    <a:solidFill>
+                      <a:schemeClr val="accent6"/>
+                    </a:solidFill>
+                    <a:latin typeface="Arial" panose="020B0604020202020204" pitchFamily="34" charset="0"/>
+                    <a:cs typeface="Arial" panose="020B0604020202020204" pitchFamily="34" charset="0"/>
+                  </a:rPr>
+                  <a:t>downstream</a:t>
+                </a:r>
+              </a:p>
+              <a:p>
+                <a:pPr algn="ctr"/>
+                <a:r>
+                  <a:rPr lang="en-US" sz="1400" dirty="0">
+                    <a:solidFill>
+                      <a:schemeClr val="accent6"/>
+                    </a:solidFill>
+                    <a:latin typeface="Arial" panose="020B0604020202020204" pitchFamily="34" charset="0"/>
+                    <a:cs typeface="Arial" panose="020B0604020202020204" pitchFamily="34" charset="0"/>
+                  </a:rPr>
+                  <a:t>activation</a:t>
+                </a:r>
+              </a:p>
+            </p:txBody>
+          </p:sp>
+        </p:grpSp>
+        <p:cxnSp>
+          <p:nvCxnSpPr>
+            <p:cNvPr id="16" name="Straight Connector 15">
+              <a:extLst>
+                <a:ext uri="{FF2B5EF4-FFF2-40B4-BE49-F238E27FC236}">
+                  <a16:creationId xmlns:a16="http://schemas.microsoft.com/office/drawing/2014/main" id="{2AAB266F-14DF-08FB-8D40-FA90061E651B}"/>
+                </a:ext>
+              </a:extLst>
+            </p:cNvPr>
+            <p:cNvCxnSpPr>
+              <a:cxnSpLocks/>
+            </p:cNvCxnSpPr>
+            <p:nvPr/>
+          </p:nvCxnSpPr>
+          <p:spPr>
+            <a:xfrm flipH="1">
+              <a:off x="4118453" y="3164421"/>
+              <a:ext cx="186109" cy="0"/>
+            </a:xfrm>
+            <a:prstGeom prst="line">
+              <a:avLst/>
+            </a:prstGeom>
+            <a:ln w="38100">
+              <a:solidFill>
+                <a:schemeClr val="accent6"/>
+              </a:solidFill>
+            </a:ln>
+          </p:spPr>
+          <p:style>
+            <a:lnRef idx="1">
+              <a:schemeClr val="accent1"/>
+            </a:lnRef>
+            <a:fillRef idx="0">
+              <a:schemeClr val="accent1"/>
+            </a:fillRef>
+            <a:effectRef idx="0">
+              <a:schemeClr val="accent1"/>
+            </a:effectRef>
+            <a:fontRef idx="minor">
+              <a:schemeClr val="tx1"/>
+            </a:fontRef>
+          </p:style>
+        </p:cxnSp>
+      </p:grpSp>
+      <p:grpSp>
+        <p:nvGrpSpPr>
+          <p:cNvPr id="26" name="Group 25">
+            <a:extLst>
+              <a:ext uri="{FF2B5EF4-FFF2-40B4-BE49-F238E27FC236}">
+                <a16:creationId xmlns:a16="http://schemas.microsoft.com/office/drawing/2014/main" id="{6FEA75B1-A15D-21EA-721F-50CF1D53F0BC}"/>
+              </a:ext>
+            </a:extLst>
+          </p:cNvPr>
+          <p:cNvGrpSpPr/>
+          <p:nvPr/>
+        </p:nvGrpSpPr>
+        <p:grpSpPr>
+          <a:xfrm>
+            <a:off x="5035574" y="2703522"/>
+            <a:ext cx="1109599" cy="1193192"/>
+            <a:chOff x="5346891" y="2532105"/>
+            <a:chExt cx="1109599" cy="1193192"/>
+          </a:xfrm>
+        </p:grpSpPr>
+        <p:sp>
+          <p:nvSpPr>
+            <p:cNvPr id="27" name="Oval 26">
+              <a:extLst>
+                <a:ext uri="{FF2B5EF4-FFF2-40B4-BE49-F238E27FC236}">
+                  <a16:creationId xmlns:a16="http://schemas.microsoft.com/office/drawing/2014/main" id="{0C857089-67B7-622C-D527-03D9C136AB9C}"/>
+                </a:ext>
+              </a:extLst>
+            </p:cNvPr>
+            <p:cNvSpPr/>
+            <p:nvPr/>
+          </p:nvSpPr>
+          <p:spPr>
+            <a:xfrm>
+              <a:off x="5748810" y="3109592"/>
+              <a:ext cx="305764" cy="305764"/>
+            </a:xfrm>
+            <a:prstGeom prst="ellipse">
+              <a:avLst/>
+            </a:prstGeom>
+            <a:solidFill>
+              <a:schemeClr val="bg2">
+                <a:lumMod val="90000"/>
+              </a:schemeClr>
+            </a:solidFill>
+            <a:ln w="28575">
+              <a:solidFill>
+                <a:schemeClr val="tx1"/>
+              </a:solidFill>
+            </a:ln>
+          </p:spPr>
+          <p:style>
+            <a:lnRef idx="2">
+              <a:schemeClr val="accent1">
+                <a:shade val="50000"/>
+              </a:schemeClr>
+            </a:lnRef>
+            <a:fillRef idx="1">
+              <a:schemeClr val="accent1"/>
+            </a:fillRef>
+            <a:effectRef idx="0">
+              <a:schemeClr val="accent1"/>
+            </a:effectRef>
+            <a:fontRef idx="minor">
+              <a:schemeClr val="lt1"/>
+            </a:fontRef>
+          </p:style>
+          <p:txBody>
+            <a:bodyPr rtlCol="0" anchor="ctr"/>
+            <a:lstStyle/>
+            <a:p>
+              <a:pPr algn="ctr"/>
+              <a:endParaRPr lang="en-US" sz="1400" baseline="-25000" dirty="0">
+                <a:solidFill>
+                  <a:schemeClr val="tx1"/>
+                </a:solidFill>
+                <a:latin typeface="Arial" panose="020B0604020202020204" pitchFamily="34" charset="0"/>
+                <a:cs typeface="Arial" panose="020B0604020202020204" pitchFamily="34" charset="0"/>
+              </a:endParaRPr>
+            </a:p>
+          </p:txBody>
+        </p:sp>
+        <p:cxnSp>
+          <p:nvCxnSpPr>
+            <p:cNvPr id="28" name="Straight Arrow Connector 27">
+              <a:extLst>
+                <a:ext uri="{FF2B5EF4-FFF2-40B4-BE49-F238E27FC236}">
+                  <a16:creationId xmlns:a16="http://schemas.microsoft.com/office/drawing/2014/main" id="{0687A72B-901B-D829-E24D-595EB67C5E27}"/>
+                </a:ext>
+              </a:extLst>
+            </p:cNvPr>
+            <p:cNvCxnSpPr>
+              <a:cxnSpLocks/>
+            </p:cNvCxnSpPr>
+            <p:nvPr/>
+          </p:nvCxnSpPr>
+          <p:spPr>
+            <a:xfrm>
+              <a:off x="5407955" y="3262473"/>
+              <a:ext cx="278883" cy="0"/>
+            </a:xfrm>
+            <a:prstGeom prst="straightConnector1">
+              <a:avLst/>
+            </a:prstGeom>
+            <a:ln w="38100">
+              <a:solidFill>
+                <a:schemeClr val="tx1"/>
+              </a:solidFill>
+              <a:tailEnd type="triangle"/>
+            </a:ln>
+          </p:spPr>
+          <p:style>
+            <a:lnRef idx="1">
+              <a:schemeClr val="accent1"/>
+            </a:lnRef>
+            <a:fillRef idx="0">
+              <a:schemeClr val="accent1"/>
+            </a:fillRef>
+            <a:effectRef idx="0">
+              <a:schemeClr val="accent1"/>
+            </a:effectRef>
+            <a:fontRef idx="minor">
+              <a:schemeClr val="tx1"/>
+            </a:fontRef>
+          </p:style>
+        </p:cxnSp>
+        <p:cxnSp>
+          <p:nvCxnSpPr>
+            <p:cNvPr id="29" name="Straight Arrow Connector 28">
+              <a:extLst>
+                <a:ext uri="{FF2B5EF4-FFF2-40B4-BE49-F238E27FC236}">
+                  <a16:creationId xmlns:a16="http://schemas.microsoft.com/office/drawing/2014/main" id="{8B1FD966-2343-F2DE-E195-233DA4E46117}"/>
+                </a:ext>
+              </a:extLst>
+            </p:cNvPr>
+            <p:cNvCxnSpPr>
+              <a:cxnSpLocks/>
+            </p:cNvCxnSpPr>
+            <p:nvPr/>
+          </p:nvCxnSpPr>
+          <p:spPr>
+            <a:xfrm>
+              <a:off x="6127445" y="3262474"/>
+              <a:ext cx="295293" cy="0"/>
+            </a:xfrm>
+            <a:prstGeom prst="straightConnector1">
+              <a:avLst/>
+            </a:prstGeom>
+            <a:ln w="38100">
+              <a:solidFill>
+                <a:schemeClr val="tx1"/>
+              </a:solidFill>
+              <a:tailEnd type="triangle"/>
+            </a:ln>
+          </p:spPr>
+          <p:style>
+            <a:lnRef idx="1">
+              <a:schemeClr val="accent1"/>
+            </a:lnRef>
+            <a:fillRef idx="0">
+              <a:schemeClr val="accent1"/>
+            </a:fillRef>
+            <a:effectRef idx="0">
+              <a:schemeClr val="accent1"/>
+            </a:effectRef>
+            <a:fontRef idx="minor">
+              <a:schemeClr val="tx1"/>
+            </a:fontRef>
+          </p:style>
+        </p:cxnSp>
+        <p:sp>
+          <p:nvSpPr>
+            <p:cNvPr id="30" name="TextBox 29">
+              <a:extLst>
+                <a:ext uri="{FF2B5EF4-FFF2-40B4-BE49-F238E27FC236}">
+                  <a16:creationId xmlns:a16="http://schemas.microsoft.com/office/drawing/2014/main" id="{1119AB32-D5DF-9D5F-D8FA-F574B51CE902}"/>
+                </a:ext>
+              </a:extLst>
+            </p:cNvPr>
+            <p:cNvSpPr txBox="1"/>
+            <p:nvPr/>
+          </p:nvSpPr>
+          <p:spPr>
+            <a:xfrm>
+              <a:off x="5697199" y="2532105"/>
+              <a:ext cx="434734" cy="338554"/>
+            </a:xfrm>
+            <a:prstGeom prst="rect">
+              <a:avLst/>
+            </a:prstGeom>
+            <a:noFill/>
+          </p:spPr>
+          <p:txBody>
+            <a:bodyPr wrap="none" rtlCol="0">
+              <a:spAutoFit/>
+            </a:bodyPr>
+            <a:lstStyle/>
+            <a:p>
+              <a:r>
+                <a:rPr lang="en-US" sz="1600" dirty="0">
+                  <a:solidFill>
+                    <a:schemeClr val="accent1"/>
+                  </a:solidFill>
+                  <a:latin typeface="Arial" panose="020B0604020202020204" pitchFamily="34" charset="0"/>
+                  <a:cs typeface="Arial" panose="020B0604020202020204" pitchFamily="34" charset="0"/>
+                </a:rPr>
+                <a:t>TF</a:t>
+              </a:r>
+            </a:p>
+          </p:txBody>
+        </p:sp>
+        <p:cxnSp>
+          <p:nvCxnSpPr>
+            <p:cNvPr id="31" name="Straight Connector 30">
+              <a:extLst>
+                <a:ext uri="{FF2B5EF4-FFF2-40B4-BE49-F238E27FC236}">
+                  <a16:creationId xmlns:a16="http://schemas.microsoft.com/office/drawing/2014/main" id="{E893C670-3520-2524-5A74-3CBED7197F13}"/>
+                </a:ext>
+              </a:extLst>
+            </p:cNvPr>
+            <p:cNvCxnSpPr>
+              <a:cxnSpLocks/>
+            </p:cNvCxnSpPr>
+            <p:nvPr/>
+          </p:nvCxnSpPr>
+          <p:spPr>
+            <a:xfrm flipV="1">
+              <a:off x="5901692" y="2875892"/>
+              <a:ext cx="0" cy="181920"/>
+            </a:xfrm>
+            <a:prstGeom prst="line">
+              <a:avLst/>
+            </a:prstGeom>
+            <a:ln w="38100">
+              <a:solidFill>
+                <a:schemeClr val="accent1"/>
+              </a:solidFill>
+            </a:ln>
+          </p:spPr>
+          <p:style>
+            <a:lnRef idx="1">
+              <a:schemeClr val="accent1"/>
+            </a:lnRef>
+            <a:fillRef idx="0">
+              <a:schemeClr val="accent1"/>
+            </a:fillRef>
+            <a:effectRef idx="0">
+              <a:schemeClr val="accent1"/>
+            </a:effectRef>
+            <a:fontRef idx="minor">
+              <a:schemeClr val="tx1"/>
+            </a:fontRef>
+          </p:style>
+        </p:cxnSp>
+        <p:cxnSp>
+          <p:nvCxnSpPr>
+            <p:cNvPr id="32" name="Straight Connector 31">
+              <a:extLst>
+                <a:ext uri="{FF2B5EF4-FFF2-40B4-BE49-F238E27FC236}">
+                  <a16:creationId xmlns:a16="http://schemas.microsoft.com/office/drawing/2014/main" id="{0098ABAF-736D-79A2-A8E0-BB9F571C9D60}"/>
+                </a:ext>
+              </a:extLst>
+            </p:cNvPr>
+            <p:cNvCxnSpPr>
+              <a:cxnSpLocks/>
+            </p:cNvCxnSpPr>
+            <p:nvPr/>
+          </p:nvCxnSpPr>
+          <p:spPr>
+            <a:xfrm flipH="1">
+              <a:off x="5808637" y="2870505"/>
+              <a:ext cx="186109" cy="0"/>
+            </a:xfrm>
+            <a:prstGeom prst="line">
+              <a:avLst/>
+            </a:prstGeom>
+            <a:ln w="38100">
+              <a:solidFill>
+                <a:schemeClr val="accent1"/>
+              </a:solidFill>
+            </a:ln>
+          </p:spPr>
+          <p:style>
+            <a:lnRef idx="1">
+              <a:schemeClr val="accent1"/>
+            </a:lnRef>
+            <a:fillRef idx="0">
+              <a:schemeClr val="accent1"/>
+            </a:fillRef>
+            <a:effectRef idx="0">
+              <a:schemeClr val="accent1"/>
+            </a:effectRef>
+            <a:fontRef idx="minor">
+              <a:schemeClr val="tx1"/>
+            </a:fontRef>
+          </p:style>
+        </p:cxnSp>
+        <p:cxnSp>
+          <p:nvCxnSpPr>
+            <p:cNvPr id="33" name="Straight Connector 32">
+              <a:extLst>
+                <a:ext uri="{FF2B5EF4-FFF2-40B4-BE49-F238E27FC236}">
+                  <a16:creationId xmlns:a16="http://schemas.microsoft.com/office/drawing/2014/main" id="{78D4B26F-AB6D-39D3-2B18-65A38079062A}"/>
+                </a:ext>
+              </a:extLst>
+            </p:cNvPr>
+            <p:cNvCxnSpPr>
+              <a:cxnSpLocks/>
+            </p:cNvCxnSpPr>
+            <p:nvPr/>
+          </p:nvCxnSpPr>
+          <p:spPr>
+            <a:xfrm flipH="1" flipV="1">
+              <a:off x="5490030" y="2720529"/>
+              <a:ext cx="226815" cy="1817"/>
+            </a:xfrm>
+            <a:prstGeom prst="line">
+              <a:avLst/>
+            </a:prstGeom>
+            <a:ln w="38100">
+              <a:solidFill>
+                <a:schemeClr val="accent1"/>
+              </a:solidFill>
+            </a:ln>
+          </p:spPr>
+          <p:style>
+            <a:lnRef idx="1">
+              <a:schemeClr val="accent1"/>
+            </a:lnRef>
+            <a:fillRef idx="0">
+              <a:schemeClr val="accent1"/>
+            </a:fillRef>
+            <a:effectRef idx="0">
+              <a:schemeClr val="accent1"/>
+            </a:effectRef>
+            <a:fontRef idx="minor">
+              <a:schemeClr val="tx1"/>
+            </a:fontRef>
+          </p:style>
+        </p:cxnSp>
+        <p:cxnSp>
+          <p:nvCxnSpPr>
+            <p:cNvPr id="34" name="Straight Arrow Connector 33">
+              <a:extLst>
+                <a:ext uri="{FF2B5EF4-FFF2-40B4-BE49-F238E27FC236}">
+                  <a16:creationId xmlns:a16="http://schemas.microsoft.com/office/drawing/2014/main" id="{410BD86B-2FFC-4796-4EAF-A6A52D25E2CB}"/>
+                </a:ext>
+              </a:extLst>
+            </p:cNvPr>
+            <p:cNvCxnSpPr>
+              <a:cxnSpLocks/>
+            </p:cNvCxnSpPr>
+            <p:nvPr/>
+          </p:nvCxnSpPr>
+          <p:spPr>
+            <a:xfrm>
+              <a:off x="5506249" y="2720528"/>
+              <a:ext cx="0" cy="455533"/>
+            </a:xfrm>
+            <a:prstGeom prst="straightConnector1">
+              <a:avLst/>
+            </a:prstGeom>
+            <a:ln w="38100">
+              <a:solidFill>
+                <a:schemeClr val="accent1"/>
+              </a:solidFill>
+              <a:tailEnd type="triangle"/>
+            </a:ln>
+          </p:spPr>
+          <p:style>
+            <a:lnRef idx="1">
+              <a:schemeClr val="accent1"/>
+            </a:lnRef>
+            <a:fillRef idx="0">
+              <a:schemeClr val="accent1"/>
+            </a:fillRef>
+            <a:effectRef idx="0">
+              <a:schemeClr val="accent1"/>
+            </a:effectRef>
+            <a:fontRef idx="minor">
+              <a:schemeClr val="tx1"/>
+            </a:fontRef>
+          </p:style>
+        </p:cxnSp>
+        <p:sp>
+          <p:nvSpPr>
+            <p:cNvPr id="35" name="TextBox 34">
+              <a:extLst>
+                <a:ext uri="{FF2B5EF4-FFF2-40B4-BE49-F238E27FC236}">
+                  <a16:creationId xmlns:a16="http://schemas.microsoft.com/office/drawing/2014/main" id="{0D7444B1-D749-9FBB-C955-CE3C4CF670A1}"/>
+                </a:ext>
+              </a:extLst>
+            </p:cNvPr>
+            <p:cNvSpPr txBox="1"/>
+            <p:nvPr/>
+          </p:nvSpPr>
+          <p:spPr>
+            <a:xfrm>
+              <a:off x="5346891" y="3417520"/>
+              <a:ext cx="1109599" cy="307777"/>
+            </a:xfrm>
+            <a:prstGeom prst="rect">
+              <a:avLst/>
+            </a:prstGeom>
+            <a:noFill/>
+          </p:spPr>
+          <p:txBody>
+            <a:bodyPr wrap="none" rtlCol="0">
+              <a:spAutoFit/>
+            </a:bodyPr>
+            <a:lstStyle/>
+            <a:p>
+              <a:r>
+                <a:rPr lang="en-US" sz="1400" dirty="0">
+                  <a:solidFill>
+                    <a:schemeClr val="accent1"/>
+                  </a:solidFill>
+                  <a:latin typeface="Arial" panose="020B0604020202020204" pitchFamily="34" charset="0"/>
+                  <a:cs typeface="Arial" panose="020B0604020202020204" pitchFamily="34" charset="0"/>
+                </a:rPr>
+                <a:t>dual control</a:t>
+              </a:r>
+            </a:p>
+          </p:txBody>
+        </p:sp>
+        <p:cxnSp>
+          <p:nvCxnSpPr>
+            <p:cNvPr id="36" name="Straight Connector 35">
+              <a:extLst>
+                <a:ext uri="{FF2B5EF4-FFF2-40B4-BE49-F238E27FC236}">
+                  <a16:creationId xmlns:a16="http://schemas.microsoft.com/office/drawing/2014/main" id="{7282B224-4411-A2DE-0290-929FF2AE783A}"/>
+                </a:ext>
+              </a:extLst>
+            </p:cNvPr>
+            <p:cNvCxnSpPr>
+              <a:cxnSpLocks/>
+            </p:cNvCxnSpPr>
+            <p:nvPr/>
+          </p:nvCxnSpPr>
+          <p:spPr>
+            <a:xfrm>
+              <a:off x="6067310" y="2707575"/>
+              <a:ext cx="183017" cy="0"/>
+            </a:xfrm>
+            <a:prstGeom prst="line">
+              <a:avLst/>
+            </a:prstGeom>
+            <a:ln w="38100">
+              <a:solidFill>
+                <a:schemeClr val="accent1"/>
+              </a:solidFill>
+            </a:ln>
+          </p:spPr>
+          <p:style>
+            <a:lnRef idx="1">
+              <a:schemeClr val="accent1"/>
+            </a:lnRef>
+            <a:fillRef idx="0">
+              <a:schemeClr val="accent1"/>
+            </a:fillRef>
+            <a:effectRef idx="0">
+              <a:schemeClr val="accent1"/>
+            </a:effectRef>
+            <a:fontRef idx="minor">
+              <a:schemeClr val="tx1"/>
+            </a:fontRef>
+          </p:style>
+        </p:cxnSp>
+        <p:cxnSp>
+          <p:nvCxnSpPr>
+            <p:cNvPr id="37" name="Straight Arrow Connector 36">
+              <a:extLst>
+                <a:ext uri="{FF2B5EF4-FFF2-40B4-BE49-F238E27FC236}">
+                  <a16:creationId xmlns:a16="http://schemas.microsoft.com/office/drawing/2014/main" id="{8390B743-8439-A385-B2F8-DDAEEFA0AFB7}"/>
+                </a:ext>
+              </a:extLst>
+            </p:cNvPr>
+            <p:cNvCxnSpPr>
+              <a:cxnSpLocks/>
+            </p:cNvCxnSpPr>
+            <p:nvPr/>
+          </p:nvCxnSpPr>
+          <p:spPr>
+            <a:xfrm flipH="1">
+              <a:off x="6231612" y="2701382"/>
+              <a:ext cx="0" cy="455533"/>
+            </a:xfrm>
+            <a:prstGeom prst="straightConnector1">
+              <a:avLst/>
+            </a:prstGeom>
+            <a:ln w="38100">
+              <a:solidFill>
+                <a:schemeClr val="accent1"/>
+              </a:solidFill>
+              <a:tailEnd type="none"/>
+            </a:ln>
+          </p:spPr>
+          <p:style>
+            <a:lnRef idx="1">
+              <a:schemeClr val="accent1"/>
+            </a:lnRef>
+            <a:fillRef idx="0">
+              <a:schemeClr val="accent1"/>
+            </a:fillRef>
+            <a:effectRef idx="0">
+              <a:schemeClr val="accent1"/>
+            </a:effectRef>
+            <a:fontRef idx="minor">
+              <a:schemeClr val="tx1"/>
+            </a:fontRef>
+          </p:style>
+        </p:cxnSp>
+        <p:cxnSp>
+          <p:nvCxnSpPr>
+            <p:cNvPr id="38" name="Straight Connector 37">
+              <a:extLst>
+                <a:ext uri="{FF2B5EF4-FFF2-40B4-BE49-F238E27FC236}">
+                  <a16:creationId xmlns:a16="http://schemas.microsoft.com/office/drawing/2014/main" id="{1A7CAD18-09D3-6BD0-F47A-C11FD981915E}"/>
+                </a:ext>
+              </a:extLst>
+            </p:cNvPr>
+            <p:cNvCxnSpPr>
+              <a:cxnSpLocks/>
+            </p:cNvCxnSpPr>
+            <p:nvPr/>
+          </p:nvCxnSpPr>
+          <p:spPr>
+            <a:xfrm flipH="1">
+              <a:off x="6136505" y="3145275"/>
+              <a:ext cx="186109" cy="0"/>
+            </a:xfrm>
+            <a:prstGeom prst="line">
+              <a:avLst/>
+            </a:prstGeom>
+            <a:ln w="38100">
+              <a:solidFill>
+                <a:schemeClr val="accent1"/>
+              </a:solidFill>
+            </a:ln>
+          </p:spPr>
+          <p:style>
+            <a:lnRef idx="1">
+              <a:schemeClr val="accent1"/>
+            </a:lnRef>
+            <a:fillRef idx="0">
+              <a:schemeClr val="accent1"/>
+            </a:fillRef>
+            <a:effectRef idx="0">
+              <a:schemeClr val="accent1"/>
+            </a:effectRef>
+            <a:fontRef idx="minor">
+              <a:schemeClr val="tx1"/>
+            </a:fontRef>
+          </p:style>
+        </p:cxnSp>
+      </p:grpSp>
+      <p:grpSp>
+        <p:nvGrpSpPr>
+          <p:cNvPr id="40" name="Group 39">
+            <a:extLst>
+              <a:ext uri="{FF2B5EF4-FFF2-40B4-BE49-F238E27FC236}">
+                <a16:creationId xmlns:a16="http://schemas.microsoft.com/office/drawing/2014/main" id="{740D0A44-AF09-4B53-6285-108D61D64E5F}"/>
+              </a:ext>
+            </a:extLst>
+          </p:cNvPr>
+          <p:cNvGrpSpPr/>
+          <p:nvPr/>
+        </p:nvGrpSpPr>
+        <p:grpSpPr>
+          <a:xfrm>
+            <a:off x="2222445" y="1072483"/>
+            <a:ext cx="3049571" cy="1585712"/>
+            <a:chOff x="1008157" y="852622"/>
+            <a:chExt cx="3049571" cy="1585712"/>
+          </a:xfrm>
+        </p:grpSpPr>
+        <p:sp>
+          <p:nvSpPr>
+            <p:cNvPr id="42" name="Oval 41">
+              <a:extLst>
+                <a:ext uri="{FF2B5EF4-FFF2-40B4-BE49-F238E27FC236}">
+                  <a16:creationId xmlns:a16="http://schemas.microsoft.com/office/drawing/2014/main" id="{DB45F081-C4B7-F50C-F475-C8E386B6533C}"/>
+                </a:ext>
+              </a:extLst>
+            </p:cNvPr>
+            <p:cNvSpPr/>
+            <p:nvPr/>
+          </p:nvSpPr>
+          <p:spPr>
+            <a:xfrm>
+              <a:off x="1636236" y="1266143"/>
+              <a:ext cx="417191" cy="417191"/>
+            </a:xfrm>
+            <a:prstGeom prst="ellipse">
+              <a:avLst/>
+            </a:prstGeom>
+            <a:solidFill>
+              <a:schemeClr val="bg2">
+                <a:lumMod val="90000"/>
+              </a:schemeClr>
+            </a:solidFill>
+            <a:ln w="28575">
+              <a:solidFill>
+                <a:schemeClr val="tx1"/>
+              </a:solidFill>
+            </a:ln>
+          </p:spPr>
+          <p:style>
+            <a:lnRef idx="2">
+              <a:schemeClr val="accent1">
+                <a:shade val="50000"/>
+              </a:schemeClr>
+            </a:lnRef>
+            <a:fillRef idx="1">
+              <a:schemeClr val="accent1"/>
+            </a:fillRef>
+            <a:effectRef idx="0">
+              <a:schemeClr val="accent1"/>
+            </a:effectRef>
+            <a:fontRef idx="minor">
+              <a:schemeClr val="lt1"/>
+            </a:fontRef>
+          </p:style>
+          <p:txBody>
+            <a:bodyPr rtlCol="0" anchor="ctr"/>
+            <a:lstStyle/>
+            <a:p>
+              <a:pPr algn="ctr"/>
+              <a:endParaRPr lang="en-US" sz="1400" baseline="-25000" dirty="0">
+                <a:solidFill>
+                  <a:schemeClr val="tx1"/>
+                </a:solidFill>
+                <a:latin typeface="Arial" panose="020B0604020202020204" pitchFamily="34" charset="0"/>
+                <a:cs typeface="Arial" panose="020B0604020202020204" pitchFamily="34" charset="0"/>
+              </a:endParaRPr>
+            </a:p>
+          </p:txBody>
+        </p:sp>
+        <p:cxnSp>
+          <p:nvCxnSpPr>
+            <p:cNvPr id="43" name="Straight Arrow Connector 42">
+              <a:extLst>
+                <a:ext uri="{FF2B5EF4-FFF2-40B4-BE49-F238E27FC236}">
+                  <a16:creationId xmlns:a16="http://schemas.microsoft.com/office/drawing/2014/main" id="{21196250-27E9-FCDB-1847-D5FF4FBD10F4}"/>
+                </a:ext>
+              </a:extLst>
+            </p:cNvPr>
+            <p:cNvCxnSpPr>
+              <a:cxnSpLocks/>
+            </p:cNvCxnSpPr>
+            <p:nvPr/>
+          </p:nvCxnSpPr>
+          <p:spPr>
+            <a:xfrm>
+              <a:off x="1299428" y="852622"/>
+              <a:ext cx="336808" cy="413521"/>
+            </a:xfrm>
+            <a:prstGeom prst="straightConnector1">
+              <a:avLst/>
+            </a:prstGeom>
+            <a:ln w="38100">
+              <a:solidFill>
+                <a:schemeClr val="tx1"/>
+              </a:solidFill>
+              <a:tailEnd type="triangle" w="med" len="lg"/>
+            </a:ln>
+          </p:spPr>
+          <p:style>
+            <a:lnRef idx="1">
+              <a:schemeClr val="accent1"/>
+            </a:lnRef>
+            <a:fillRef idx="0">
+              <a:schemeClr val="accent1"/>
+            </a:fillRef>
+            <a:effectRef idx="0">
+              <a:schemeClr val="accent1"/>
+            </a:effectRef>
+            <a:fontRef idx="minor">
+              <a:schemeClr val="tx1"/>
+            </a:fontRef>
+          </p:style>
+        </p:cxnSp>
+        <p:cxnSp>
+          <p:nvCxnSpPr>
+            <p:cNvPr id="44" name="Straight Arrow Connector 43">
+              <a:extLst>
+                <a:ext uri="{FF2B5EF4-FFF2-40B4-BE49-F238E27FC236}">
+                  <a16:creationId xmlns:a16="http://schemas.microsoft.com/office/drawing/2014/main" id="{FF1D9B12-7666-A765-0DFC-9332957AC88A}"/>
+                </a:ext>
+              </a:extLst>
+            </p:cNvPr>
+            <p:cNvCxnSpPr>
+              <a:cxnSpLocks/>
+            </p:cNvCxnSpPr>
+            <p:nvPr/>
+          </p:nvCxnSpPr>
+          <p:spPr>
+            <a:xfrm>
+              <a:off x="2150876" y="1474739"/>
+              <a:ext cx="402905" cy="0"/>
+            </a:xfrm>
+            <a:prstGeom prst="straightConnector1">
+              <a:avLst/>
+            </a:prstGeom>
+            <a:ln w="38100">
+              <a:solidFill>
+                <a:schemeClr val="tx1"/>
+              </a:solidFill>
+              <a:tailEnd type="triangle" w="med" len="lg"/>
+            </a:ln>
+          </p:spPr>
+          <p:style>
+            <a:lnRef idx="1">
+              <a:schemeClr val="accent1"/>
+            </a:lnRef>
+            <a:fillRef idx="0">
+              <a:schemeClr val="accent1"/>
+            </a:fillRef>
+            <a:effectRef idx="0">
+              <a:schemeClr val="accent1"/>
+            </a:effectRef>
+            <a:fontRef idx="minor">
+              <a:schemeClr val="tx1"/>
+            </a:fontRef>
+          </p:style>
+        </p:cxnSp>
+        <p:sp>
+          <p:nvSpPr>
+            <p:cNvPr id="45" name="Oval 44">
+              <a:extLst>
+                <a:ext uri="{FF2B5EF4-FFF2-40B4-BE49-F238E27FC236}">
+                  <a16:creationId xmlns:a16="http://schemas.microsoft.com/office/drawing/2014/main" id="{2899F994-69BB-5B38-16AE-E5E6E728361B}"/>
+                </a:ext>
+              </a:extLst>
+            </p:cNvPr>
+            <p:cNvSpPr/>
+            <p:nvPr/>
+          </p:nvSpPr>
+          <p:spPr>
+            <a:xfrm>
+              <a:off x="2625543" y="1266143"/>
+              <a:ext cx="417191" cy="417191"/>
+            </a:xfrm>
+            <a:prstGeom prst="ellipse">
+              <a:avLst/>
+            </a:prstGeom>
+            <a:solidFill>
+              <a:schemeClr val="bg2">
+                <a:lumMod val="90000"/>
+              </a:schemeClr>
+            </a:solidFill>
+            <a:ln w="28575">
+              <a:solidFill>
+                <a:srgbClr val="C00000"/>
+              </a:solidFill>
+            </a:ln>
+          </p:spPr>
+          <p:style>
+            <a:lnRef idx="2">
+              <a:schemeClr val="accent1">
+                <a:shade val="50000"/>
+              </a:schemeClr>
+            </a:lnRef>
+            <a:fillRef idx="1">
+              <a:schemeClr val="accent1"/>
+            </a:fillRef>
+            <a:effectRef idx="0">
+              <a:schemeClr val="accent1"/>
+            </a:effectRef>
+            <a:fontRef idx="minor">
+              <a:schemeClr val="lt1"/>
+            </a:fontRef>
+          </p:style>
+          <p:txBody>
+            <a:bodyPr rtlCol="0" anchor="ctr"/>
+            <a:lstStyle/>
+            <a:p>
+              <a:pPr algn="ctr"/>
+              <a:endParaRPr lang="en-US" sz="1400" baseline="-25000" dirty="0">
+                <a:solidFill>
+                  <a:schemeClr val="tx1"/>
+                </a:solidFill>
+                <a:latin typeface="Arial" panose="020B0604020202020204" pitchFamily="34" charset="0"/>
+                <a:cs typeface="Arial" panose="020B0604020202020204" pitchFamily="34" charset="0"/>
+              </a:endParaRPr>
+            </a:p>
+          </p:txBody>
+        </p:sp>
+        <p:cxnSp>
+          <p:nvCxnSpPr>
+            <p:cNvPr id="46" name="Straight Arrow Connector 45">
+              <a:extLst>
+                <a:ext uri="{FF2B5EF4-FFF2-40B4-BE49-F238E27FC236}">
+                  <a16:creationId xmlns:a16="http://schemas.microsoft.com/office/drawing/2014/main" id="{A516C847-6529-4ADF-944D-E41A755003DC}"/>
+                </a:ext>
+              </a:extLst>
+            </p:cNvPr>
+            <p:cNvCxnSpPr>
+              <a:cxnSpLocks/>
+            </p:cNvCxnSpPr>
+            <p:nvPr/>
+          </p:nvCxnSpPr>
+          <p:spPr>
+            <a:xfrm>
+              <a:off x="3140183" y="1474739"/>
+              <a:ext cx="402905" cy="0"/>
+            </a:xfrm>
+            <a:prstGeom prst="straightConnector1">
+              <a:avLst/>
+            </a:prstGeom>
+            <a:ln w="38100">
+              <a:solidFill>
+                <a:schemeClr val="tx1"/>
+              </a:solidFill>
+              <a:tailEnd type="triangle" w="med" len="lg"/>
+            </a:ln>
+          </p:spPr>
+          <p:style>
+            <a:lnRef idx="1">
+              <a:schemeClr val="accent1"/>
+            </a:lnRef>
+            <a:fillRef idx="0">
+              <a:schemeClr val="accent1"/>
+            </a:fillRef>
+            <a:effectRef idx="0">
+              <a:schemeClr val="accent1"/>
+            </a:effectRef>
+            <a:fontRef idx="minor">
+              <a:schemeClr val="tx1"/>
+            </a:fontRef>
+          </p:style>
+        </p:cxnSp>
+        <p:sp>
+          <p:nvSpPr>
+            <p:cNvPr id="47" name="Oval 46">
+              <a:extLst>
+                <a:ext uri="{FF2B5EF4-FFF2-40B4-BE49-F238E27FC236}">
+                  <a16:creationId xmlns:a16="http://schemas.microsoft.com/office/drawing/2014/main" id="{024EDFCA-587B-C762-32FB-26F2091DE480}"/>
+                </a:ext>
+              </a:extLst>
+            </p:cNvPr>
+            <p:cNvSpPr/>
+            <p:nvPr/>
+          </p:nvSpPr>
+          <p:spPr>
+            <a:xfrm>
+              <a:off x="3640537" y="1266143"/>
+              <a:ext cx="417191" cy="417191"/>
+            </a:xfrm>
+            <a:prstGeom prst="ellipse">
+              <a:avLst/>
+            </a:prstGeom>
+            <a:solidFill>
+              <a:schemeClr val="bg2">
+                <a:lumMod val="90000"/>
+              </a:schemeClr>
+            </a:solidFill>
+            <a:ln w="28575">
+              <a:solidFill>
+                <a:schemeClr val="tx1"/>
+              </a:solidFill>
+            </a:ln>
+          </p:spPr>
+          <p:style>
+            <a:lnRef idx="2">
+              <a:schemeClr val="accent1">
+                <a:shade val="50000"/>
+              </a:schemeClr>
+            </a:lnRef>
+            <a:fillRef idx="1">
+              <a:schemeClr val="accent1"/>
+            </a:fillRef>
+            <a:effectRef idx="0">
+              <a:schemeClr val="accent1"/>
+            </a:effectRef>
+            <a:fontRef idx="minor">
+              <a:schemeClr val="lt1"/>
+            </a:fontRef>
+          </p:style>
+          <p:txBody>
+            <a:bodyPr rtlCol="0" anchor="ctr"/>
+            <a:lstStyle/>
+            <a:p>
+              <a:pPr algn="ctr"/>
+              <a:endParaRPr lang="en-US" sz="1400" baseline="-25000" dirty="0">
+                <a:solidFill>
+                  <a:schemeClr val="tx1"/>
+                </a:solidFill>
+                <a:latin typeface="Arial" panose="020B0604020202020204" pitchFamily="34" charset="0"/>
+                <a:cs typeface="Arial" panose="020B0604020202020204" pitchFamily="34" charset="0"/>
+              </a:endParaRPr>
+            </a:p>
+          </p:txBody>
+        </p:sp>
+        <p:cxnSp>
+          <p:nvCxnSpPr>
+            <p:cNvPr id="48" name="Straight Arrow Connector 47">
+              <a:extLst>
+                <a:ext uri="{FF2B5EF4-FFF2-40B4-BE49-F238E27FC236}">
+                  <a16:creationId xmlns:a16="http://schemas.microsoft.com/office/drawing/2014/main" id="{D442E581-694A-239A-B063-6BE7210FC73D}"/>
+                </a:ext>
+              </a:extLst>
+            </p:cNvPr>
+            <p:cNvCxnSpPr>
+              <a:cxnSpLocks/>
+            </p:cNvCxnSpPr>
+            <p:nvPr/>
+          </p:nvCxnSpPr>
+          <p:spPr>
+            <a:xfrm>
+              <a:off x="1844831" y="1799705"/>
+              <a:ext cx="0" cy="503584"/>
+            </a:xfrm>
+            <a:prstGeom prst="straightConnector1">
+              <a:avLst/>
+            </a:prstGeom>
+            <a:ln w="38100">
+              <a:solidFill>
+                <a:schemeClr val="tx1"/>
+              </a:solidFill>
+              <a:tailEnd type="triangle" w="med" len="lg"/>
+            </a:ln>
+          </p:spPr>
+          <p:style>
+            <a:lnRef idx="1">
+              <a:schemeClr val="accent1"/>
+            </a:lnRef>
+            <a:fillRef idx="0">
+              <a:schemeClr val="accent1"/>
+            </a:fillRef>
+            <a:effectRef idx="0">
+              <a:schemeClr val="accent1"/>
+            </a:effectRef>
+            <a:fontRef idx="minor">
+              <a:schemeClr val="tx1"/>
+            </a:fontRef>
+          </p:style>
+        </p:cxnSp>
+        <p:sp>
+          <p:nvSpPr>
+            <p:cNvPr id="49" name="TextBox 48">
+              <a:extLst>
+                <a:ext uri="{FF2B5EF4-FFF2-40B4-BE49-F238E27FC236}">
+                  <a16:creationId xmlns:a16="http://schemas.microsoft.com/office/drawing/2014/main" id="{0330243D-52E2-0E42-C8E9-2457E22A227A}"/>
+                </a:ext>
+              </a:extLst>
+            </p:cNvPr>
+            <p:cNvSpPr txBox="1"/>
+            <p:nvPr/>
+          </p:nvSpPr>
+          <p:spPr>
+            <a:xfrm>
+              <a:off x="1653061" y="1266143"/>
+              <a:ext cx="423514" cy="646331"/>
+            </a:xfrm>
+            <a:prstGeom prst="rect">
+              <a:avLst/>
+            </a:prstGeom>
+            <a:noFill/>
+          </p:spPr>
+          <p:txBody>
+            <a:bodyPr wrap="none" rtlCol="0">
+              <a:spAutoFit/>
+            </a:bodyPr>
+            <a:lstStyle/>
+            <a:p>
+              <a:r>
+                <a:rPr lang="en-US" dirty="0">
+                  <a:latin typeface="Arial" panose="020B0604020202020204" pitchFamily="34" charset="0"/>
+                  <a:cs typeface="Arial" panose="020B0604020202020204" pitchFamily="34" charset="0"/>
+                </a:rPr>
+                <a:t>X</a:t>
+              </a:r>
+              <a:r>
+                <a:rPr lang="en-US" baseline="-25000" dirty="0">
+                  <a:latin typeface="Arial" panose="020B0604020202020204" pitchFamily="34" charset="0"/>
+                  <a:cs typeface="Arial" panose="020B0604020202020204" pitchFamily="34" charset="0"/>
+                </a:rPr>
+                <a:t>o</a:t>
+              </a:r>
+            </a:p>
+            <a:p>
+              <a:endParaRPr lang="en-US" dirty="0"/>
+            </a:p>
+          </p:txBody>
+        </p:sp>
+        <p:sp>
+          <p:nvSpPr>
+            <p:cNvPr id="50" name="TextBox 49">
+              <a:extLst>
+                <a:ext uri="{FF2B5EF4-FFF2-40B4-BE49-F238E27FC236}">
+                  <a16:creationId xmlns:a16="http://schemas.microsoft.com/office/drawing/2014/main" id="{2DB75A8A-A801-DF57-3449-0BFAA6FEBB71}"/>
+                </a:ext>
+              </a:extLst>
+            </p:cNvPr>
+            <p:cNvSpPr txBox="1"/>
+            <p:nvPr/>
+          </p:nvSpPr>
+          <p:spPr>
+            <a:xfrm>
+              <a:off x="2651230" y="1266143"/>
+              <a:ext cx="423514" cy="369332"/>
+            </a:xfrm>
+            <a:prstGeom prst="rect">
+              <a:avLst/>
+            </a:prstGeom>
+            <a:noFill/>
+          </p:spPr>
+          <p:txBody>
+            <a:bodyPr wrap="none" rtlCol="0">
+              <a:spAutoFit/>
+            </a:bodyPr>
+            <a:lstStyle/>
+            <a:p>
+              <a:r>
+                <a:rPr lang="en-US" dirty="0">
+                  <a:latin typeface="Arial" panose="020B0604020202020204" pitchFamily="34" charset="0"/>
+                  <a:cs typeface="Arial" panose="020B0604020202020204" pitchFamily="34" charset="0"/>
+                </a:rPr>
+                <a:t>X</a:t>
+              </a:r>
+              <a:r>
+                <a:rPr lang="en-US" baseline="-25000" dirty="0">
+                  <a:latin typeface="Arial" panose="020B0604020202020204" pitchFamily="34" charset="0"/>
+                  <a:cs typeface="Arial" panose="020B0604020202020204" pitchFamily="34" charset="0"/>
+                </a:rPr>
+                <a:t>1</a:t>
+              </a:r>
+            </a:p>
+          </p:txBody>
+        </p:sp>
+        <p:sp>
+          <p:nvSpPr>
+            <p:cNvPr id="51" name="TextBox 50">
+              <a:extLst>
+                <a:ext uri="{FF2B5EF4-FFF2-40B4-BE49-F238E27FC236}">
+                  <a16:creationId xmlns:a16="http://schemas.microsoft.com/office/drawing/2014/main" id="{638E072C-EA74-6649-54E2-DF320E4D82E9}"/>
+                </a:ext>
+              </a:extLst>
+            </p:cNvPr>
+            <p:cNvSpPr txBox="1"/>
+            <p:nvPr/>
+          </p:nvSpPr>
+          <p:spPr>
+            <a:xfrm>
+              <a:off x="3694988" y="1266143"/>
+              <a:ext cx="338554" cy="646331"/>
+            </a:xfrm>
+            <a:prstGeom prst="rect">
+              <a:avLst/>
+            </a:prstGeom>
+            <a:noFill/>
+          </p:spPr>
+          <p:txBody>
+            <a:bodyPr wrap="none" rtlCol="0">
+              <a:spAutoFit/>
+            </a:bodyPr>
+            <a:lstStyle/>
+            <a:p>
+              <a:r>
+                <a:rPr lang="en-US" dirty="0">
+                  <a:latin typeface="Arial" panose="020B0604020202020204" pitchFamily="34" charset="0"/>
+                  <a:cs typeface="Arial" panose="020B0604020202020204" pitchFamily="34" charset="0"/>
+                </a:rPr>
+                <a:t>P</a:t>
+              </a:r>
+              <a:endParaRPr lang="en-US" baseline="-25000" dirty="0">
+                <a:latin typeface="Arial" panose="020B0604020202020204" pitchFamily="34" charset="0"/>
+                <a:cs typeface="Arial" panose="020B0604020202020204" pitchFamily="34" charset="0"/>
+              </a:endParaRPr>
+            </a:p>
+            <a:p>
+              <a:endParaRPr lang="en-US" dirty="0"/>
+            </a:p>
+          </p:txBody>
+        </p:sp>
+        <p:sp>
+          <p:nvSpPr>
+            <p:cNvPr id="52" name="TextBox 51">
+              <a:extLst>
+                <a:ext uri="{FF2B5EF4-FFF2-40B4-BE49-F238E27FC236}">
+                  <a16:creationId xmlns:a16="http://schemas.microsoft.com/office/drawing/2014/main" id="{824A3B99-28DF-18BF-C978-875D2266AB82}"/>
+                </a:ext>
+              </a:extLst>
+            </p:cNvPr>
+            <p:cNvSpPr txBox="1"/>
+            <p:nvPr/>
+          </p:nvSpPr>
+          <p:spPr>
+            <a:xfrm>
+              <a:off x="2137263" y="1037003"/>
+              <a:ext cx="423514" cy="646331"/>
+            </a:xfrm>
+            <a:prstGeom prst="rect">
+              <a:avLst/>
+            </a:prstGeom>
+            <a:noFill/>
+          </p:spPr>
+          <p:txBody>
+            <a:bodyPr wrap="none" rtlCol="0">
+              <a:spAutoFit/>
+            </a:bodyPr>
+            <a:lstStyle/>
+            <a:p>
+              <a:r>
+                <a:rPr lang="en-US" dirty="0">
+                  <a:latin typeface="Arial" panose="020B0604020202020204" pitchFamily="34" charset="0"/>
+                  <a:cs typeface="Arial" panose="020B0604020202020204" pitchFamily="34" charset="0"/>
+                </a:rPr>
+                <a:t>E</a:t>
+              </a:r>
+              <a:r>
+                <a:rPr lang="en-US" baseline="-25000" dirty="0">
+                  <a:latin typeface="Arial" panose="020B0604020202020204" pitchFamily="34" charset="0"/>
+                  <a:cs typeface="Arial" panose="020B0604020202020204" pitchFamily="34" charset="0"/>
+                </a:rPr>
+                <a:t>1</a:t>
+              </a:r>
+            </a:p>
+            <a:p>
+              <a:endParaRPr lang="en-US" dirty="0"/>
+            </a:p>
+          </p:txBody>
+        </p:sp>
+        <p:sp>
+          <p:nvSpPr>
+            <p:cNvPr id="53" name="TextBox 52">
+              <a:extLst>
+                <a:ext uri="{FF2B5EF4-FFF2-40B4-BE49-F238E27FC236}">
+                  <a16:creationId xmlns:a16="http://schemas.microsoft.com/office/drawing/2014/main" id="{BFA95D41-3180-21A7-ECA3-C9724A1CE35B}"/>
+                </a:ext>
+              </a:extLst>
+            </p:cNvPr>
+            <p:cNvSpPr txBox="1"/>
+            <p:nvPr/>
+          </p:nvSpPr>
+          <p:spPr>
+            <a:xfrm>
+              <a:off x="3107500" y="1037002"/>
+              <a:ext cx="423514" cy="646331"/>
+            </a:xfrm>
+            <a:prstGeom prst="rect">
+              <a:avLst/>
+            </a:prstGeom>
+            <a:noFill/>
+          </p:spPr>
+          <p:txBody>
+            <a:bodyPr wrap="none" rtlCol="0">
+              <a:spAutoFit/>
+            </a:bodyPr>
+            <a:lstStyle/>
+            <a:p>
+              <a:r>
+                <a:rPr lang="en-US" dirty="0">
+                  <a:latin typeface="Arial" panose="020B0604020202020204" pitchFamily="34" charset="0"/>
+                  <a:cs typeface="Arial" panose="020B0604020202020204" pitchFamily="34" charset="0"/>
+                </a:rPr>
+                <a:t>E</a:t>
+              </a:r>
+              <a:r>
+                <a:rPr lang="en-US" baseline="-25000" dirty="0">
+                  <a:latin typeface="Arial" panose="020B0604020202020204" pitchFamily="34" charset="0"/>
+                  <a:cs typeface="Arial" panose="020B0604020202020204" pitchFamily="34" charset="0"/>
+                </a:rPr>
+                <a:t>2</a:t>
+              </a:r>
+            </a:p>
+            <a:p>
+              <a:endParaRPr lang="en-US" dirty="0"/>
+            </a:p>
+          </p:txBody>
+        </p:sp>
+        <p:sp>
+          <p:nvSpPr>
+            <p:cNvPr id="54" name="TextBox 53">
+              <a:extLst>
+                <a:ext uri="{FF2B5EF4-FFF2-40B4-BE49-F238E27FC236}">
+                  <a16:creationId xmlns:a16="http://schemas.microsoft.com/office/drawing/2014/main" id="{E437F53A-E649-6BAE-EAC9-305CD17DDC87}"/>
+                </a:ext>
+              </a:extLst>
+            </p:cNvPr>
+            <p:cNvSpPr txBox="1"/>
+            <p:nvPr/>
+          </p:nvSpPr>
+          <p:spPr>
+            <a:xfrm>
+              <a:off x="1397131" y="1792003"/>
+              <a:ext cx="423514" cy="646331"/>
+            </a:xfrm>
+            <a:prstGeom prst="rect">
+              <a:avLst/>
+            </a:prstGeom>
+            <a:noFill/>
+          </p:spPr>
+          <p:txBody>
+            <a:bodyPr wrap="none" rtlCol="0">
+              <a:spAutoFit/>
+            </a:bodyPr>
+            <a:lstStyle/>
+            <a:p>
+              <a:r>
+                <a:rPr lang="en-US" dirty="0">
+                  <a:latin typeface="Arial" panose="020B0604020202020204" pitchFamily="34" charset="0"/>
+                  <a:cs typeface="Arial" panose="020B0604020202020204" pitchFamily="34" charset="0"/>
+                </a:rPr>
+                <a:t>E</a:t>
+              </a:r>
+              <a:r>
+                <a:rPr lang="en-US" baseline="-25000" dirty="0">
+                  <a:latin typeface="Arial" panose="020B0604020202020204" pitchFamily="34" charset="0"/>
+                  <a:cs typeface="Arial" panose="020B0604020202020204" pitchFamily="34" charset="0"/>
+                </a:rPr>
+                <a:t>0</a:t>
+              </a:r>
+            </a:p>
+            <a:p>
+              <a:endParaRPr lang="en-US" dirty="0"/>
+            </a:p>
+          </p:txBody>
+        </p:sp>
+        <p:sp>
+          <p:nvSpPr>
+            <p:cNvPr id="55" name="TextBox 54">
+              <a:extLst>
+                <a:ext uri="{FF2B5EF4-FFF2-40B4-BE49-F238E27FC236}">
+                  <a16:creationId xmlns:a16="http://schemas.microsoft.com/office/drawing/2014/main" id="{27572A71-66B6-1CB2-128C-10756FF73063}"/>
+                </a:ext>
+              </a:extLst>
+            </p:cNvPr>
+            <p:cNvSpPr txBox="1"/>
+            <p:nvPr/>
+          </p:nvSpPr>
+          <p:spPr>
+            <a:xfrm>
+              <a:off x="1008157" y="915011"/>
+              <a:ext cx="453009" cy="646331"/>
+            </a:xfrm>
+            <a:prstGeom prst="rect">
+              <a:avLst/>
+            </a:prstGeom>
+            <a:noFill/>
+          </p:spPr>
+          <p:txBody>
+            <a:bodyPr wrap="none" rtlCol="0">
+              <a:spAutoFit/>
+            </a:bodyPr>
+            <a:lstStyle/>
+            <a:p>
+              <a:r>
+                <a:rPr lang="en-US" dirty="0">
+                  <a:latin typeface="Arial" panose="020B0604020202020204" pitchFamily="34" charset="0"/>
+                  <a:cs typeface="Arial" panose="020B0604020202020204" pitchFamily="34" charset="0"/>
+                </a:rPr>
+                <a:t>V</a:t>
+              </a:r>
+              <a:r>
+                <a:rPr lang="en-US" baseline="-25000" dirty="0">
+                  <a:latin typeface="Arial" panose="020B0604020202020204" pitchFamily="34" charset="0"/>
+                  <a:cs typeface="Arial" panose="020B0604020202020204" pitchFamily="34" charset="0"/>
+                </a:rPr>
+                <a:t>in</a:t>
+              </a:r>
+            </a:p>
+            <a:p>
+              <a:endParaRPr lang="en-US" dirty="0"/>
+            </a:p>
+          </p:txBody>
+        </p:sp>
+      </p:grpSp>
+      <p:grpSp>
+        <p:nvGrpSpPr>
+          <p:cNvPr id="56" name="Group 55">
+            <a:extLst>
+              <a:ext uri="{FF2B5EF4-FFF2-40B4-BE49-F238E27FC236}">
+                <a16:creationId xmlns:a16="http://schemas.microsoft.com/office/drawing/2014/main" id="{D18CAA8B-F8B6-EBA9-26E8-FB8D55278180}"/>
+              </a:ext>
+            </a:extLst>
+          </p:cNvPr>
+          <p:cNvGrpSpPr/>
+          <p:nvPr/>
+        </p:nvGrpSpPr>
+        <p:grpSpPr>
+          <a:xfrm>
+            <a:off x="1451312" y="3252245"/>
+            <a:ext cx="1014783" cy="820561"/>
+            <a:chOff x="1379763" y="3474108"/>
+            <a:chExt cx="1384594" cy="1119592"/>
+          </a:xfrm>
+        </p:grpSpPr>
+        <p:sp>
+          <p:nvSpPr>
+            <p:cNvPr id="57" name="Oval 56">
+              <a:extLst>
+                <a:ext uri="{FF2B5EF4-FFF2-40B4-BE49-F238E27FC236}">
+                  <a16:creationId xmlns:a16="http://schemas.microsoft.com/office/drawing/2014/main" id="{6C9D6CF4-A554-492F-66C7-6CB16C343C7B}"/>
+                </a:ext>
+              </a:extLst>
+            </p:cNvPr>
+            <p:cNvSpPr/>
+            <p:nvPr/>
+          </p:nvSpPr>
+          <p:spPr>
+            <a:xfrm>
+              <a:off x="1844834" y="3474108"/>
+              <a:ext cx="417191" cy="417191"/>
+            </a:xfrm>
+            <a:prstGeom prst="ellipse">
+              <a:avLst/>
+            </a:prstGeom>
+            <a:solidFill>
+              <a:schemeClr val="bg2">
+                <a:lumMod val="90000"/>
+              </a:schemeClr>
+            </a:solidFill>
+            <a:ln w="28575">
+              <a:solidFill>
+                <a:schemeClr val="tx1"/>
+              </a:solidFill>
+            </a:ln>
+          </p:spPr>
+          <p:style>
+            <a:lnRef idx="2">
+              <a:schemeClr val="accent1">
+                <a:shade val="50000"/>
+              </a:schemeClr>
+            </a:lnRef>
+            <a:fillRef idx="1">
+              <a:schemeClr val="accent1"/>
+            </a:fillRef>
+            <a:effectRef idx="0">
+              <a:schemeClr val="accent1"/>
+            </a:effectRef>
+            <a:fontRef idx="minor">
+              <a:schemeClr val="lt1"/>
+            </a:fontRef>
+          </p:style>
+          <p:txBody>
+            <a:bodyPr rtlCol="0" anchor="ctr"/>
+            <a:lstStyle/>
+            <a:p>
+              <a:pPr algn="ctr"/>
+              <a:endParaRPr lang="en-US" sz="1400" baseline="-25000" dirty="0">
+                <a:solidFill>
+                  <a:schemeClr val="tx1"/>
+                </a:solidFill>
+                <a:latin typeface="Arial" panose="020B0604020202020204" pitchFamily="34" charset="0"/>
+                <a:cs typeface="Arial" panose="020B0604020202020204" pitchFamily="34" charset="0"/>
+              </a:endParaRPr>
+            </a:p>
+          </p:txBody>
+        </p:sp>
+        <p:cxnSp>
+          <p:nvCxnSpPr>
+            <p:cNvPr id="58" name="Straight Arrow Connector 57">
+              <a:extLst>
+                <a:ext uri="{FF2B5EF4-FFF2-40B4-BE49-F238E27FC236}">
+                  <a16:creationId xmlns:a16="http://schemas.microsoft.com/office/drawing/2014/main" id="{4F91D576-24AD-D952-B87F-3C6C9E661817}"/>
+                </a:ext>
+              </a:extLst>
+            </p:cNvPr>
+            <p:cNvCxnSpPr>
+              <a:cxnSpLocks/>
+            </p:cNvCxnSpPr>
+            <p:nvPr/>
+          </p:nvCxnSpPr>
+          <p:spPr>
+            <a:xfrm>
+              <a:off x="1379763" y="3682702"/>
+              <a:ext cx="380515" cy="0"/>
+            </a:xfrm>
+            <a:prstGeom prst="straightConnector1">
+              <a:avLst/>
+            </a:prstGeom>
+            <a:ln w="38100">
+              <a:solidFill>
+                <a:schemeClr val="tx1"/>
+              </a:solidFill>
+              <a:tailEnd type="triangle"/>
+            </a:ln>
+          </p:spPr>
+          <p:style>
+            <a:lnRef idx="1">
+              <a:schemeClr val="accent1"/>
+            </a:lnRef>
+            <a:fillRef idx="0">
+              <a:schemeClr val="accent1"/>
+            </a:fillRef>
+            <a:effectRef idx="0">
+              <a:schemeClr val="accent1"/>
+            </a:effectRef>
+            <a:fontRef idx="minor">
+              <a:schemeClr val="tx1"/>
+            </a:fontRef>
+          </p:style>
+        </p:cxnSp>
+        <p:cxnSp>
+          <p:nvCxnSpPr>
+            <p:cNvPr id="59" name="Straight Arrow Connector 58">
+              <a:extLst>
+                <a:ext uri="{FF2B5EF4-FFF2-40B4-BE49-F238E27FC236}">
+                  <a16:creationId xmlns:a16="http://schemas.microsoft.com/office/drawing/2014/main" id="{C426ED41-1243-9032-BB73-85E6C4FED3B9}"/>
+                </a:ext>
+              </a:extLst>
+            </p:cNvPr>
+            <p:cNvCxnSpPr>
+              <a:cxnSpLocks/>
+            </p:cNvCxnSpPr>
+            <p:nvPr/>
+          </p:nvCxnSpPr>
+          <p:spPr>
+            <a:xfrm>
+              <a:off x="2361452" y="3682704"/>
+              <a:ext cx="402905" cy="0"/>
+            </a:xfrm>
+            <a:prstGeom prst="straightConnector1">
+              <a:avLst/>
+            </a:prstGeom>
+            <a:ln w="38100">
+              <a:solidFill>
+                <a:schemeClr val="tx1"/>
+              </a:solidFill>
+              <a:tailEnd type="triangle"/>
+            </a:ln>
+          </p:spPr>
+          <p:style>
+            <a:lnRef idx="1">
+              <a:schemeClr val="accent1"/>
+            </a:lnRef>
+            <a:fillRef idx="0">
+              <a:schemeClr val="accent1"/>
+            </a:fillRef>
+            <a:effectRef idx="0">
+              <a:schemeClr val="accent1"/>
+            </a:effectRef>
+            <a:fontRef idx="minor">
+              <a:schemeClr val="tx1"/>
+            </a:fontRef>
+          </p:style>
+        </p:cxnSp>
+        <p:sp>
+          <p:nvSpPr>
+            <p:cNvPr id="65" name="TextBox 64">
+              <a:extLst>
+                <a:ext uri="{FF2B5EF4-FFF2-40B4-BE49-F238E27FC236}">
+                  <a16:creationId xmlns:a16="http://schemas.microsoft.com/office/drawing/2014/main" id="{D4382E3E-63EE-201C-C125-246EBE2784F8}"/>
+                </a:ext>
+              </a:extLst>
+            </p:cNvPr>
+            <p:cNvSpPr txBox="1"/>
+            <p:nvPr/>
+          </p:nvSpPr>
+          <p:spPr>
+            <a:xfrm>
+              <a:off x="1656236" y="3879807"/>
+              <a:ext cx="794382" cy="713893"/>
+            </a:xfrm>
+            <a:prstGeom prst="rect">
+              <a:avLst/>
+            </a:prstGeom>
+            <a:noFill/>
+          </p:spPr>
+          <p:txBody>
+            <a:bodyPr wrap="none" rtlCol="0">
+              <a:spAutoFit/>
+            </a:bodyPr>
+            <a:lstStyle/>
+            <a:p>
+              <a:pPr algn="ctr"/>
+              <a:r>
+                <a:rPr lang="en-US" sz="1400" dirty="0">
+                  <a:solidFill>
+                    <a:srgbClr val="C00000"/>
+                  </a:solidFill>
+                  <a:latin typeface="Arial" panose="020B0604020202020204" pitchFamily="34" charset="0"/>
+                  <a:cs typeface="Arial" panose="020B0604020202020204" pitchFamily="34" charset="0"/>
+                </a:rPr>
+                <a:t>open</a:t>
+              </a:r>
+            </a:p>
+            <a:p>
+              <a:pPr algn="ctr"/>
+              <a:r>
+                <a:rPr lang="en-US" sz="1400" dirty="0">
+                  <a:solidFill>
+                    <a:srgbClr val="C00000"/>
+                  </a:solidFill>
+                  <a:latin typeface="Arial" panose="020B0604020202020204" pitchFamily="34" charset="0"/>
+                  <a:cs typeface="Arial" panose="020B0604020202020204" pitchFamily="34" charset="0"/>
+                </a:rPr>
+                <a:t>loop</a:t>
+              </a:r>
+            </a:p>
+          </p:txBody>
+        </p:sp>
+      </p:grpSp>
+    </p:spTree>
+    <p:extLst>
+      <p:ext uri="{BB962C8B-B14F-4D97-AF65-F5344CB8AC3E}">
+        <p14:creationId xmlns:p14="http://schemas.microsoft.com/office/powerpoint/2010/main" val="930959625"/>
       </p:ext>
     </p:extLst>
   </p:cSld>
@@ -16102,7 +19480,7 @@
                                           </p:stCondLst>
                                         </p:cTn>
                                         <p:tgtEl>
-                                          <p:spTgt spid="54"/>
+                                          <p:spTgt spid="4"/>
                                         </p:tgtEl>
                                         <p:attrNameLst>
                                           <p:attrName>style.visibility</p:attrName>
@@ -16129,7 +19507,7 @@
                                           </p:stCondLst>
                                         </p:cTn>
                                         <p:tgtEl>
-                                          <p:spTgt spid="57"/>
+                                          <p:spTgt spid="14"/>
                                         </p:tgtEl>
                                         <p:attrNameLst>
                                           <p:attrName>style.visibility</p:attrName>
@@ -16156,142 +19534,7 @@
                                           </p:stCondLst>
                                         </p:cTn>
                                         <p:tgtEl>
-                                          <p:spTgt spid="48"/>
-                                        </p:tgtEl>
-                                        <p:attrNameLst>
-                                          <p:attrName>style.visibility</p:attrName>
-                                        </p:attrNameLst>
-                                      </p:cBhvr>
-                                      <p:to>
-                                        <p:strVal val="visible"/>
-                                      </p:to>
-                                    </p:set>
-                                  </p:childTnLst>
-                                </p:cTn>
-                              </p:par>
-                              <p:par>
-                                <p:cTn id="11" presetID="1" presetClass="entr" presetSubtype="0" fill="hold" nodeType="withEffect">
-                                  <p:stCondLst>
-                                    <p:cond delay="0"/>
-                                  </p:stCondLst>
-                                  <p:childTnLst>
-                                    <p:set>
-                                      <p:cBhvr>
-                                        <p:cTn id="12" dur="1" fill="hold">
-                                          <p:stCondLst>
-                                            <p:cond delay="0"/>
-                                          </p:stCondLst>
-                                        </p:cTn>
-                                        <p:tgtEl>
-                                          <p:spTgt spid="58"/>
-                                        </p:tgtEl>
-                                        <p:attrNameLst>
-                                          <p:attrName>style.visibility</p:attrName>
-                                        </p:attrNameLst>
-                                      </p:cBhvr>
-                                      <p:to>
-                                        <p:strVal val="visible"/>
-                                      </p:to>
-                                    </p:set>
-                                  </p:childTnLst>
-                                </p:cTn>
-                              </p:par>
-                              <p:par>
-                                <p:cTn id="13" presetID="1" presetClass="entr" presetSubtype="0" fill="hold" nodeType="withEffect">
-                                  <p:stCondLst>
-                                    <p:cond delay="0"/>
-                                  </p:stCondLst>
-                                  <p:childTnLst>
-                                    <p:set>
-                                      <p:cBhvr>
-                                        <p:cTn id="14" dur="1" fill="hold">
-                                          <p:stCondLst>
-                                            <p:cond delay="0"/>
-                                          </p:stCondLst>
-                                        </p:cTn>
-                                        <p:tgtEl>
-                                          <p:spTgt spid="59"/>
-                                        </p:tgtEl>
-                                        <p:attrNameLst>
-                                          <p:attrName>style.visibility</p:attrName>
-                                        </p:attrNameLst>
-                                      </p:cBhvr>
-                                      <p:to>
-                                        <p:strVal val="visible"/>
-                                      </p:to>
-                                    </p:set>
-                                  </p:childTnLst>
-                                </p:cTn>
-                              </p:par>
-                              <p:par>
-                                <p:cTn id="15" presetID="1" presetClass="entr" presetSubtype="0" fill="hold" nodeType="withEffect">
-                                  <p:stCondLst>
-                                    <p:cond delay="0"/>
-                                  </p:stCondLst>
-                                  <p:childTnLst>
-                                    <p:set>
-                                      <p:cBhvr>
-                                        <p:cTn id="16" dur="1" fill="hold">
-                                          <p:stCondLst>
-                                            <p:cond delay="0"/>
-                                          </p:stCondLst>
-                                        </p:cTn>
-                                        <p:tgtEl>
-                                          <p:spTgt spid="61"/>
-                                        </p:tgtEl>
-                                        <p:attrNameLst>
-                                          <p:attrName>style.visibility</p:attrName>
-                                        </p:attrNameLst>
-                                      </p:cBhvr>
-                                      <p:to>
-                                        <p:strVal val="visible"/>
-                                      </p:to>
-                                    </p:set>
-                                  </p:childTnLst>
-                                </p:cTn>
-                              </p:par>
-                              <p:par>
-                                <p:cTn id="17" presetID="1" presetClass="entr" presetSubtype="0" fill="hold" nodeType="withEffect">
-                                  <p:stCondLst>
-                                    <p:cond delay="0"/>
-                                  </p:stCondLst>
-                                  <p:childTnLst>
-                                    <p:set>
-                                      <p:cBhvr>
-                                        <p:cTn id="18" dur="1" fill="hold">
-                                          <p:stCondLst>
-                                            <p:cond delay="0"/>
-                                          </p:stCondLst>
-                                        </p:cTn>
-                                        <p:tgtEl>
-                                          <p:spTgt spid="60"/>
-                                        </p:tgtEl>
-                                        <p:attrNameLst>
-                                          <p:attrName>style.visibility</p:attrName>
-                                        </p:attrNameLst>
-                                      </p:cBhvr>
-                                      <p:to>
-                                        <p:strVal val="visible"/>
-                                      </p:to>
-                                    </p:set>
-                                  </p:childTnLst>
-                                </p:cTn>
-                              </p:par>
-                              <p:par>
-                                <p:cTn id="19" presetID="1" presetClass="entr" presetSubtype="0" fill="hold" nodeType="withEffect">
-                                  <p:stCondLst>
-                                    <p:cond delay="0"/>
-                                  </p:stCondLst>
-                                  <p:childTnLst>
-                                    <p:set>
-                                      <p:cBhvr>
-                                        <p:cTn id="20" dur="1" fill="hold">
-                                          <p:stCondLst>
-                                            <p:cond delay="0"/>
-                                          </p:stCondLst>
-                                        </p:cTn>
-                                        <p:tgtEl>
-                                          <p:spTgt spid="66"/>
+                                          <p:spTgt spid="26"/>
                                         </p:tgtEl>
                                         <p:attrNameLst>
                                           <p:attrName>style.visibility</p:attrName>
@@ -16311,248 +19554,32 @@
                     </p:cTn>
                   </p:par>
                   <p:par>
-                    <p:cTn id="21" fill="hold">
+                    <p:cTn id="11" fill="hold">
                       <p:stCondLst>
                         <p:cond delay="indefinite"/>
                       </p:stCondLst>
                       <p:childTnLst>
                         <p:par>
-                          <p:cTn id="22" fill="hold">
+                          <p:cTn id="12" fill="hold">
                             <p:stCondLst>
                               <p:cond delay="0"/>
                             </p:stCondLst>
                             <p:childTnLst>
                               <p:par>
-                                <p:cTn id="23" presetID="1" presetClass="entr" presetSubtype="0" fill="hold" nodeType="clickEffect">
+                                <p:cTn id="13" presetID="1" presetClass="entr" presetSubtype="0" fill="hold" nodeType="clickEffect">
                                   <p:stCondLst>
                                     <p:cond delay="0"/>
                                   </p:stCondLst>
                                   <p:childTnLst>
                                     <p:set>
                                       <p:cBhvr>
-                                        <p:cTn id="24" dur="1" fill="hold">
-                                          <p:stCondLst>
-                                            <p:cond delay="0"/>
-                                          </p:stCondLst>
-                                        </p:cTn>
-                                        <p:tgtEl>
-                                          <p:spTgt spid="55"/>
-                                        </p:tgtEl>
-                                        <p:attrNameLst>
-                                          <p:attrName>style.visibility</p:attrName>
-                                        </p:attrNameLst>
-                                      </p:cBhvr>
-                                      <p:to>
-                                        <p:strVal val="visible"/>
-                                      </p:to>
-                                    </p:set>
-                                  </p:childTnLst>
-                                </p:cTn>
-                              </p:par>
-                              <p:par>
-                                <p:cTn id="25" presetID="1" presetClass="entr" presetSubtype="0" fill="hold" nodeType="withEffect">
-                                  <p:stCondLst>
-                                    <p:cond delay="0"/>
-                                  </p:stCondLst>
-                                  <p:childTnLst>
-                                    <p:set>
-                                      <p:cBhvr>
-                                        <p:cTn id="26" dur="1" fill="hold">
+                                        <p:cTn id="14" dur="1" fill="hold">
                                           <p:stCondLst>
                                             <p:cond delay="0"/>
                                           </p:stCondLst>
                                         </p:cTn>
                                         <p:tgtEl>
                                           <p:spTgt spid="56"/>
-                                        </p:tgtEl>
-                                        <p:attrNameLst>
-                                          <p:attrName>style.visibility</p:attrName>
-                                        </p:attrNameLst>
-                                      </p:cBhvr>
-                                      <p:to>
-                                        <p:strVal val="visible"/>
-                                      </p:to>
-                                    </p:set>
-                                  </p:childTnLst>
-                                </p:cTn>
-                              </p:par>
-                              <p:par>
-                                <p:cTn id="27" presetID="1" presetClass="entr" presetSubtype="0" fill="hold" nodeType="withEffect">
-                                  <p:stCondLst>
-                                    <p:cond delay="0"/>
-                                  </p:stCondLst>
-                                  <p:childTnLst>
-                                    <p:set>
-                                      <p:cBhvr>
-                                        <p:cTn id="28" dur="1" fill="hold">
-                                          <p:stCondLst>
-                                            <p:cond delay="0"/>
-                                          </p:stCondLst>
-                                        </p:cTn>
-                                        <p:tgtEl>
-                                          <p:spTgt spid="51"/>
-                                        </p:tgtEl>
-                                        <p:attrNameLst>
-                                          <p:attrName>style.visibility</p:attrName>
-                                        </p:attrNameLst>
-                                      </p:cBhvr>
-                                      <p:to>
-                                        <p:strVal val="visible"/>
-                                      </p:to>
-                                    </p:set>
-                                  </p:childTnLst>
-                                </p:cTn>
-                              </p:par>
-                              <p:par>
-                                <p:cTn id="29" presetID="1" presetClass="entr" presetSubtype="0" fill="hold" nodeType="withEffect">
-                                  <p:stCondLst>
-                                    <p:cond delay="0"/>
-                                  </p:stCondLst>
-                                  <p:childTnLst>
-                                    <p:set>
-                                      <p:cBhvr>
-                                        <p:cTn id="30" dur="1" fill="hold">
-                                          <p:stCondLst>
-                                            <p:cond delay="0"/>
-                                          </p:stCondLst>
-                                        </p:cTn>
-                                        <p:tgtEl>
-                                          <p:spTgt spid="64"/>
-                                        </p:tgtEl>
-                                        <p:attrNameLst>
-                                          <p:attrName>style.visibility</p:attrName>
-                                        </p:attrNameLst>
-                                      </p:cBhvr>
-                                      <p:to>
-                                        <p:strVal val="visible"/>
-                                      </p:to>
-                                    </p:set>
-                                  </p:childTnLst>
-                                </p:cTn>
-                              </p:par>
-                              <p:par>
-                                <p:cTn id="31" presetID="1" presetClass="entr" presetSubtype="0" fill="hold" grpId="0" nodeType="withEffect">
-                                  <p:stCondLst>
-                                    <p:cond delay="0"/>
-                                  </p:stCondLst>
-                                  <p:childTnLst>
-                                    <p:set>
-                                      <p:cBhvr>
-                                        <p:cTn id="32" dur="1" fill="hold">
-                                          <p:stCondLst>
-                                            <p:cond delay="0"/>
-                                          </p:stCondLst>
-                                        </p:cTn>
-                                        <p:tgtEl>
-                                          <p:spTgt spid="68"/>
-                                        </p:tgtEl>
-                                        <p:attrNameLst>
-                                          <p:attrName>style.visibility</p:attrName>
-                                        </p:attrNameLst>
-                                      </p:cBhvr>
-                                      <p:to>
-                                        <p:strVal val="visible"/>
-                                      </p:to>
-                                    </p:set>
-                                  </p:childTnLst>
-                                </p:cTn>
-                              </p:par>
-                              <p:par>
-                                <p:cTn id="33" presetID="1" presetClass="entr" presetSubtype="0" fill="hold" nodeType="withEffect">
-                                  <p:stCondLst>
-                                    <p:cond delay="0"/>
-                                  </p:stCondLst>
-                                  <p:childTnLst>
-                                    <p:set>
-                                      <p:cBhvr>
-                                        <p:cTn id="34" dur="1" fill="hold">
-                                          <p:stCondLst>
-                                            <p:cond delay="0"/>
-                                          </p:stCondLst>
-                                        </p:cTn>
-                                        <p:tgtEl>
-                                          <p:spTgt spid="62"/>
-                                        </p:tgtEl>
-                                        <p:attrNameLst>
-                                          <p:attrName>style.visibility</p:attrName>
-                                        </p:attrNameLst>
-                                      </p:cBhvr>
-                                      <p:to>
-                                        <p:strVal val="visible"/>
-                                      </p:to>
-                                    </p:set>
-                                  </p:childTnLst>
-                                </p:cTn>
-                              </p:par>
-                              <p:par>
-                                <p:cTn id="35" presetID="1" presetClass="entr" presetSubtype="0" fill="hold" nodeType="withEffect">
-                                  <p:stCondLst>
-                                    <p:cond delay="0"/>
-                                  </p:stCondLst>
-                                  <p:childTnLst>
-                                    <p:set>
-                                      <p:cBhvr>
-                                        <p:cTn id="36" dur="1" fill="hold">
-                                          <p:stCondLst>
-                                            <p:cond delay="0"/>
-                                          </p:stCondLst>
-                                        </p:cTn>
-                                        <p:tgtEl>
-                                          <p:spTgt spid="67"/>
-                                        </p:tgtEl>
-                                        <p:attrNameLst>
-                                          <p:attrName>style.visibility</p:attrName>
-                                        </p:attrNameLst>
-                                      </p:cBhvr>
-                                      <p:to>
-                                        <p:strVal val="visible"/>
-                                      </p:to>
-                                    </p:set>
-                                  </p:childTnLst>
-                                </p:cTn>
-                              </p:par>
-                              <p:par>
-                                <p:cTn id="37" presetID="1" presetClass="entr" presetSubtype="0" fill="hold" nodeType="withEffect">
-                                  <p:stCondLst>
-                                    <p:cond delay="0"/>
-                                  </p:stCondLst>
-                                  <p:childTnLst>
-                                    <p:set>
-                                      <p:cBhvr>
-                                        <p:cTn id="38" dur="1" fill="hold">
-                                          <p:stCondLst>
-                                            <p:cond delay="0"/>
-                                          </p:stCondLst>
-                                        </p:cTn>
-                                        <p:tgtEl>
-                                          <p:spTgt spid="63"/>
-                                        </p:tgtEl>
-                                        <p:attrNameLst>
-                                          <p:attrName>style.visibility</p:attrName>
-                                        </p:attrNameLst>
-                                      </p:cBhvr>
-                                      <p:to>
-                                        <p:strVal val="visible"/>
-                                      </p:to>
-                                    </p:set>
-                                  </p:childTnLst>
-                                </p:cTn>
-                              </p:par>
-                              <p:par>
-                                <p:cTn id="39" presetID="1" presetClass="entr" presetSubtype="0" fill="hold" nodeType="withEffect">
-                                  <p:stCondLst>
-                                    <p:cond delay="0"/>
-                                  </p:stCondLst>
-                                  <p:childTnLst>
-                                    <p:set>
-                                      <p:cBhvr>
-                                        <p:cTn id="40" dur="1" fill="hold">
-                                          <p:stCondLst>
-                                            <p:cond delay="0"/>
-                                          </p:stCondLst>
-                                        </p:cTn>
-                                        <p:tgtEl>
-                                          <p:spTgt spid="65"/>
                                         </p:tgtEl>
                                         <p:attrNameLst>
                                           <p:attrName>style.visibility</p:attrName>
@@ -16592,9 +19619,6 @@
         </p:cTn>
       </p:par>
     </p:tnLst>
-    <p:bldLst>
-      <p:bldP spid="68" grpId="0"/>
-    </p:bldLst>
   </p:timing>
 </p:sld>
 </file>

--- a/Figures.pptx
+++ b/Figures.pptx
@@ -4,6 +4,9 @@
   <p:sldMasterIdLst>
     <p:sldMasterId id="2147483648" r:id="rId1"/>
   </p:sldMasterIdLst>
+  <p:notesMasterIdLst>
+    <p:notesMasterId r:id="rId14"/>
+  </p:notesMasterIdLst>
   <p:sldIdLst>
     <p:sldId id="256" r:id="rId2"/>
     <p:sldId id="262" r:id="rId3"/>
@@ -121,6 +124,454 @@
     </p:ext>
   </p:extLst>
 </p:presentation>
+</file>
+
+<file path=ppt/notesMasters/notesMaster1.xml><?xml version="1.0" encoding="utf-8"?>
+<p:notesMaster xmlns:a="http://schemas.openxmlformats.org/drawingml/2006/main" xmlns:r="http://schemas.openxmlformats.org/officeDocument/2006/relationships" xmlns:p="http://schemas.openxmlformats.org/presentationml/2006/main">
+  <p:cSld>
+    <p:bg>
+      <p:bgRef idx="1001">
+        <a:schemeClr val="bg1"/>
+      </p:bgRef>
+    </p:bg>
+    <p:spTree>
+      <p:nvGrpSpPr>
+        <p:cNvPr id="1" name=""/>
+        <p:cNvGrpSpPr/>
+        <p:nvPr/>
+      </p:nvGrpSpPr>
+      <p:grpSpPr>
+        <a:xfrm>
+          <a:off x="0" y="0"/>
+          <a:ext cx="0" cy="0"/>
+          <a:chOff x="0" y="0"/>
+          <a:chExt cx="0" cy="0"/>
+        </a:xfrm>
+      </p:grpSpPr>
+      <p:sp>
+        <p:nvSpPr>
+          <p:cNvPr id="2" name="Header Placeholder 1"/>
+          <p:cNvSpPr>
+            <a:spLocks noGrp="1"/>
+          </p:cNvSpPr>
+          <p:nvPr>
+            <p:ph type="hdr" sz="quarter"/>
+          </p:nvPr>
+        </p:nvSpPr>
+        <p:spPr>
+          <a:xfrm>
+            <a:off x="0" y="0"/>
+            <a:ext cx="2971800" cy="458788"/>
+          </a:xfrm>
+          <a:prstGeom prst="rect">
+            <a:avLst/>
+          </a:prstGeom>
+        </p:spPr>
+        <p:txBody>
+          <a:bodyPr vert="horz" lIns="91440" tIns="45720" rIns="91440" bIns="45720" rtlCol="0"/>
+          <a:lstStyle>
+            <a:lvl1pPr algn="l">
+              <a:defRPr sz="1200"/>
+            </a:lvl1pPr>
+          </a:lstStyle>
+          <a:p>
+            <a:endParaRPr lang="en-US"/>
+          </a:p>
+        </p:txBody>
+      </p:sp>
+      <p:sp>
+        <p:nvSpPr>
+          <p:cNvPr id="3" name="Date Placeholder 2"/>
+          <p:cNvSpPr>
+            <a:spLocks noGrp="1"/>
+          </p:cNvSpPr>
+          <p:nvPr>
+            <p:ph type="dt" idx="1"/>
+          </p:nvPr>
+        </p:nvSpPr>
+        <p:spPr>
+          <a:xfrm>
+            <a:off x="3884613" y="0"/>
+            <a:ext cx="2971800" cy="458788"/>
+          </a:xfrm>
+          <a:prstGeom prst="rect">
+            <a:avLst/>
+          </a:prstGeom>
+        </p:spPr>
+        <p:txBody>
+          <a:bodyPr vert="horz" lIns="91440" tIns="45720" rIns="91440" bIns="45720" rtlCol="0"/>
+          <a:lstStyle>
+            <a:lvl1pPr algn="r">
+              <a:defRPr sz="1200"/>
+            </a:lvl1pPr>
+          </a:lstStyle>
+          <a:p>
+            <a:fld id="{ACD158C3-9754-9447-BE10-13154554F86A}" type="datetimeFigureOut">
+              <a:rPr lang="en-US" smtClean="0"/>
+              <a:t>6/20/22</a:t>
+            </a:fld>
+            <a:endParaRPr lang="en-US"/>
+          </a:p>
+        </p:txBody>
+      </p:sp>
+      <p:sp>
+        <p:nvSpPr>
+          <p:cNvPr id="4" name="Slide Image Placeholder 3"/>
+          <p:cNvSpPr>
+            <a:spLocks noGrp="1" noRot="1" noChangeAspect="1"/>
+          </p:cNvSpPr>
+          <p:nvPr>
+            <p:ph type="sldImg" idx="2"/>
+          </p:nvPr>
+        </p:nvSpPr>
+        <p:spPr>
+          <a:xfrm>
+            <a:off x="685800" y="1143000"/>
+            <a:ext cx="5486400" cy="3086100"/>
+          </a:xfrm>
+          <a:prstGeom prst="rect">
+            <a:avLst/>
+          </a:prstGeom>
+          <a:noFill/>
+          <a:ln w="12700">
+            <a:solidFill>
+              <a:prstClr val="black"/>
+            </a:solidFill>
+          </a:ln>
+        </p:spPr>
+        <p:txBody>
+          <a:bodyPr vert="horz" lIns="91440" tIns="45720" rIns="91440" bIns="45720" rtlCol="0" anchor="ctr"/>
+          <a:lstStyle/>
+          <a:p>
+            <a:endParaRPr lang="en-US"/>
+          </a:p>
+        </p:txBody>
+      </p:sp>
+      <p:sp>
+        <p:nvSpPr>
+          <p:cNvPr id="5" name="Notes Placeholder 4"/>
+          <p:cNvSpPr>
+            <a:spLocks noGrp="1"/>
+          </p:cNvSpPr>
+          <p:nvPr>
+            <p:ph type="body" sz="quarter" idx="3"/>
+          </p:nvPr>
+        </p:nvSpPr>
+        <p:spPr>
+          <a:xfrm>
+            <a:off x="685800" y="4400550"/>
+            <a:ext cx="5486400" cy="3600450"/>
+          </a:xfrm>
+          <a:prstGeom prst="rect">
+            <a:avLst/>
+          </a:prstGeom>
+        </p:spPr>
+        <p:txBody>
+          <a:bodyPr vert="horz" lIns="91440" tIns="45720" rIns="91440" bIns="45720" rtlCol="0"/>
+          <a:lstStyle/>
+          <a:p>
+            <a:pPr lvl="0"/>
+            <a:r>
+              <a:rPr lang="en-US"/>
+              <a:t>Click to edit Master text styles</a:t>
+            </a:r>
+          </a:p>
+          <a:p>
+            <a:pPr lvl="1"/>
+            <a:r>
+              <a:rPr lang="en-US"/>
+              <a:t>Second level</a:t>
+            </a:r>
+          </a:p>
+          <a:p>
+            <a:pPr lvl="2"/>
+            <a:r>
+              <a:rPr lang="en-US"/>
+              <a:t>Third level</a:t>
+            </a:r>
+          </a:p>
+          <a:p>
+            <a:pPr lvl="3"/>
+            <a:r>
+              <a:rPr lang="en-US"/>
+              <a:t>Fourth level</a:t>
+            </a:r>
+          </a:p>
+          <a:p>
+            <a:pPr lvl="4"/>
+            <a:r>
+              <a:rPr lang="en-US"/>
+              <a:t>Fifth level</a:t>
+            </a:r>
+          </a:p>
+        </p:txBody>
+      </p:sp>
+      <p:sp>
+        <p:nvSpPr>
+          <p:cNvPr id="6" name="Footer Placeholder 5"/>
+          <p:cNvSpPr>
+            <a:spLocks noGrp="1"/>
+          </p:cNvSpPr>
+          <p:nvPr>
+            <p:ph type="ftr" sz="quarter" idx="4"/>
+          </p:nvPr>
+        </p:nvSpPr>
+        <p:spPr>
+          <a:xfrm>
+            <a:off x="0" y="8685213"/>
+            <a:ext cx="2971800" cy="458787"/>
+          </a:xfrm>
+          <a:prstGeom prst="rect">
+            <a:avLst/>
+          </a:prstGeom>
+        </p:spPr>
+        <p:txBody>
+          <a:bodyPr vert="horz" lIns="91440" tIns="45720" rIns="91440" bIns="45720" rtlCol="0" anchor="b"/>
+          <a:lstStyle>
+            <a:lvl1pPr algn="l">
+              <a:defRPr sz="1200"/>
+            </a:lvl1pPr>
+          </a:lstStyle>
+          <a:p>
+            <a:endParaRPr lang="en-US"/>
+          </a:p>
+        </p:txBody>
+      </p:sp>
+      <p:sp>
+        <p:nvSpPr>
+          <p:cNvPr id="7" name="Slide Number Placeholder 6"/>
+          <p:cNvSpPr>
+            <a:spLocks noGrp="1"/>
+          </p:cNvSpPr>
+          <p:nvPr>
+            <p:ph type="sldNum" sz="quarter" idx="5"/>
+          </p:nvPr>
+        </p:nvSpPr>
+        <p:spPr>
+          <a:xfrm>
+            <a:off x="3884613" y="8685213"/>
+            <a:ext cx="2971800" cy="458787"/>
+          </a:xfrm>
+          <a:prstGeom prst="rect">
+            <a:avLst/>
+          </a:prstGeom>
+        </p:spPr>
+        <p:txBody>
+          <a:bodyPr vert="horz" lIns="91440" tIns="45720" rIns="91440" bIns="45720" rtlCol="0" anchor="b"/>
+          <a:lstStyle>
+            <a:lvl1pPr algn="r">
+              <a:defRPr sz="1200"/>
+            </a:lvl1pPr>
+          </a:lstStyle>
+          <a:p>
+            <a:fld id="{536CD67C-AC1D-3C49-A666-99E7C6339AFD}" type="slidenum">
+              <a:rPr lang="en-US" smtClean="0"/>
+              <a:t>‹#›</a:t>
+            </a:fld>
+            <a:endParaRPr lang="en-US"/>
+          </a:p>
+        </p:txBody>
+      </p:sp>
+    </p:spTree>
+    <p:extLst>
+      <p:ext uri="{BB962C8B-B14F-4D97-AF65-F5344CB8AC3E}">
+        <p14:creationId xmlns:p14="http://schemas.microsoft.com/office/powerpoint/2010/main" val="2895090552"/>
+      </p:ext>
+    </p:extLst>
+  </p:cSld>
+  <p:clrMap bg1="lt1" tx1="dk1" bg2="lt2" tx2="dk2" accent1="accent1" accent2="accent2" accent3="accent3" accent4="accent4" accent5="accent5" accent6="accent6" hlink="hlink" folHlink="folHlink"/>
+  <p:notesStyle>
+    <a:lvl1pPr marL="0" algn="l" defTabSz="914400" rtl="0" eaLnBrk="1" latinLnBrk="0" hangingPunct="1">
+      <a:defRPr sz="1200" kern="1200">
+        <a:solidFill>
+          <a:schemeClr val="tx1"/>
+        </a:solidFill>
+        <a:latin typeface="+mn-lt"/>
+        <a:ea typeface="+mn-ea"/>
+        <a:cs typeface="+mn-cs"/>
+      </a:defRPr>
+    </a:lvl1pPr>
+    <a:lvl2pPr marL="457200" algn="l" defTabSz="914400" rtl="0" eaLnBrk="1" latinLnBrk="0" hangingPunct="1">
+      <a:defRPr sz="1200" kern="1200">
+        <a:solidFill>
+          <a:schemeClr val="tx1"/>
+        </a:solidFill>
+        <a:latin typeface="+mn-lt"/>
+        <a:ea typeface="+mn-ea"/>
+        <a:cs typeface="+mn-cs"/>
+      </a:defRPr>
+    </a:lvl2pPr>
+    <a:lvl3pPr marL="914400" algn="l" defTabSz="914400" rtl="0" eaLnBrk="1" latinLnBrk="0" hangingPunct="1">
+      <a:defRPr sz="1200" kern="1200">
+        <a:solidFill>
+          <a:schemeClr val="tx1"/>
+        </a:solidFill>
+        <a:latin typeface="+mn-lt"/>
+        <a:ea typeface="+mn-ea"/>
+        <a:cs typeface="+mn-cs"/>
+      </a:defRPr>
+    </a:lvl3pPr>
+    <a:lvl4pPr marL="1371600" algn="l" defTabSz="914400" rtl="0" eaLnBrk="1" latinLnBrk="0" hangingPunct="1">
+      <a:defRPr sz="1200" kern="1200">
+        <a:solidFill>
+          <a:schemeClr val="tx1"/>
+        </a:solidFill>
+        <a:latin typeface="+mn-lt"/>
+        <a:ea typeface="+mn-ea"/>
+        <a:cs typeface="+mn-cs"/>
+      </a:defRPr>
+    </a:lvl4pPr>
+    <a:lvl5pPr marL="1828800" algn="l" defTabSz="914400" rtl="0" eaLnBrk="1" latinLnBrk="0" hangingPunct="1">
+      <a:defRPr sz="1200" kern="1200">
+        <a:solidFill>
+          <a:schemeClr val="tx1"/>
+        </a:solidFill>
+        <a:latin typeface="+mn-lt"/>
+        <a:ea typeface="+mn-ea"/>
+        <a:cs typeface="+mn-cs"/>
+      </a:defRPr>
+    </a:lvl5pPr>
+    <a:lvl6pPr marL="2286000" algn="l" defTabSz="914400" rtl="0" eaLnBrk="1" latinLnBrk="0" hangingPunct="1">
+      <a:defRPr sz="1200" kern="1200">
+        <a:solidFill>
+          <a:schemeClr val="tx1"/>
+        </a:solidFill>
+        <a:latin typeface="+mn-lt"/>
+        <a:ea typeface="+mn-ea"/>
+        <a:cs typeface="+mn-cs"/>
+      </a:defRPr>
+    </a:lvl6pPr>
+    <a:lvl7pPr marL="2743200" algn="l" defTabSz="914400" rtl="0" eaLnBrk="1" latinLnBrk="0" hangingPunct="1">
+      <a:defRPr sz="1200" kern="1200">
+        <a:solidFill>
+          <a:schemeClr val="tx1"/>
+        </a:solidFill>
+        <a:latin typeface="+mn-lt"/>
+        <a:ea typeface="+mn-ea"/>
+        <a:cs typeface="+mn-cs"/>
+      </a:defRPr>
+    </a:lvl7pPr>
+    <a:lvl8pPr marL="3200400" algn="l" defTabSz="914400" rtl="0" eaLnBrk="1" latinLnBrk="0" hangingPunct="1">
+      <a:defRPr sz="1200" kern="1200">
+        <a:solidFill>
+          <a:schemeClr val="tx1"/>
+        </a:solidFill>
+        <a:latin typeface="+mn-lt"/>
+        <a:ea typeface="+mn-ea"/>
+        <a:cs typeface="+mn-cs"/>
+      </a:defRPr>
+    </a:lvl8pPr>
+    <a:lvl9pPr marL="3657600" algn="l" defTabSz="914400" rtl="0" eaLnBrk="1" latinLnBrk="0" hangingPunct="1">
+      <a:defRPr sz="1200" kern="1200">
+        <a:solidFill>
+          <a:schemeClr val="tx1"/>
+        </a:solidFill>
+        <a:latin typeface="+mn-lt"/>
+        <a:ea typeface="+mn-ea"/>
+        <a:cs typeface="+mn-cs"/>
+      </a:defRPr>
+    </a:lvl9pPr>
+  </p:notesStyle>
+</p:notesMaster>
+</file>
+
+<file path=ppt/notesSlides/notesSlide1.xml><?xml version="1.0" encoding="utf-8"?>
+<p:notes xmlns:a="http://schemas.openxmlformats.org/drawingml/2006/main" xmlns:r="http://schemas.openxmlformats.org/officeDocument/2006/relationships" xmlns:p="http://schemas.openxmlformats.org/presentationml/2006/main">
+  <p:cSld>
+    <p:spTree>
+      <p:nvGrpSpPr>
+        <p:cNvPr id="1" name=""/>
+        <p:cNvGrpSpPr/>
+        <p:nvPr/>
+      </p:nvGrpSpPr>
+      <p:grpSpPr>
+        <a:xfrm>
+          <a:off x="0" y="0"/>
+          <a:ext cx="0" cy="0"/>
+          <a:chOff x="0" y="0"/>
+          <a:chExt cx="0" cy="0"/>
+        </a:xfrm>
+      </p:grpSpPr>
+      <p:sp>
+        <p:nvSpPr>
+          <p:cNvPr id="2" name="Slide Image Placeholder 1"/>
+          <p:cNvSpPr>
+            <a:spLocks noGrp="1" noRot="1" noChangeAspect="1"/>
+          </p:cNvSpPr>
+          <p:nvPr>
+            <p:ph type="sldImg"/>
+          </p:nvPr>
+        </p:nvSpPr>
+        <p:spPr/>
+      </p:sp>
+      <p:sp>
+        <p:nvSpPr>
+          <p:cNvPr id="3" name="Notes Placeholder 2"/>
+          <p:cNvSpPr>
+            <a:spLocks noGrp="1"/>
+          </p:cNvSpPr>
+          <p:nvPr>
+            <p:ph type="body" idx="1"/>
+          </p:nvPr>
+        </p:nvSpPr>
+        <p:spPr/>
+        <p:txBody>
+          <a:bodyPr/>
+          <a:lstStyle/>
+          <a:p>
+            <a:r>
+              <a:rPr lang="en-US" dirty="0"/>
+              <a:t>Robustness score is invariant to mean. Instead, use coefficient of variation </a:t>
+            </a:r>
+          </a:p>
+          <a:p>
+            <a:r>
+              <a:rPr lang="en-US" dirty="0"/>
+              <a:t>Try violins/box plots for parameters</a:t>
+            </a:r>
+          </a:p>
+          <a:p>
+            <a:r>
+              <a:rPr lang="en-US" dirty="0"/>
+              <a:t>Bar plot with error bars</a:t>
+            </a:r>
+          </a:p>
+        </p:txBody>
+      </p:sp>
+      <p:sp>
+        <p:nvSpPr>
+          <p:cNvPr id="4" name="Slide Number Placeholder 3"/>
+          <p:cNvSpPr>
+            <a:spLocks noGrp="1"/>
+          </p:cNvSpPr>
+          <p:nvPr>
+            <p:ph type="sldNum" sz="quarter" idx="5"/>
+          </p:nvPr>
+        </p:nvSpPr>
+        <p:spPr/>
+        <p:txBody>
+          <a:bodyPr/>
+          <a:lstStyle/>
+          <a:p>
+            <a:fld id="{536CD67C-AC1D-3C49-A666-99E7C6339AFD}" type="slidenum">
+              <a:rPr lang="en-US" smtClean="0"/>
+              <a:t>5</a:t>
+            </a:fld>
+            <a:endParaRPr lang="en-US"/>
+          </a:p>
+        </p:txBody>
+      </p:sp>
+    </p:spTree>
+    <p:extLst>
+      <p:ext uri="{BB962C8B-B14F-4D97-AF65-F5344CB8AC3E}">
+        <p14:creationId xmlns:p14="http://schemas.microsoft.com/office/powerpoint/2010/main" val="2806294486"/>
+      </p:ext>
+    </p:extLst>
+  </p:cSld>
+  <p:clrMapOvr>
+    <a:masterClrMapping/>
+  </p:clrMapOvr>
+</p:notes>
 </file>
 
 <file path=ppt/slideLayouts/slideLayout1.xml><?xml version="1.0" encoding="utf-8"?>
@@ -270,7 +721,7 @@
           <a:p>
             <a:fld id="{0C47E950-7371-4A44-97D6-8899311B9D63}" type="datetimeFigureOut">
               <a:rPr lang="en-US" smtClean="0"/>
-              <a:t>6/16/22</a:t>
+              <a:t>6/20/22</a:t>
             </a:fld>
             <a:endParaRPr lang="en-US"/>
           </a:p>
@@ -468,7 +919,7 @@
           <a:p>
             <a:fld id="{0C47E950-7371-4A44-97D6-8899311B9D63}" type="datetimeFigureOut">
               <a:rPr lang="en-US" smtClean="0"/>
-              <a:t>6/16/22</a:t>
+              <a:t>6/20/22</a:t>
             </a:fld>
             <a:endParaRPr lang="en-US"/>
           </a:p>
@@ -676,7 +1127,7 @@
           <a:p>
             <a:fld id="{0C47E950-7371-4A44-97D6-8899311B9D63}" type="datetimeFigureOut">
               <a:rPr lang="en-US" smtClean="0"/>
-              <a:t>6/16/22</a:t>
+              <a:t>6/20/22</a:t>
             </a:fld>
             <a:endParaRPr lang="en-US"/>
           </a:p>
@@ -874,7 +1325,7 @@
           <a:p>
             <a:fld id="{0C47E950-7371-4A44-97D6-8899311B9D63}" type="datetimeFigureOut">
               <a:rPr lang="en-US" smtClean="0"/>
-              <a:t>6/16/22</a:t>
+              <a:t>6/20/22</a:t>
             </a:fld>
             <a:endParaRPr lang="en-US"/>
           </a:p>
@@ -1149,7 +1600,7 @@
           <a:p>
             <a:fld id="{0C47E950-7371-4A44-97D6-8899311B9D63}" type="datetimeFigureOut">
               <a:rPr lang="en-US" smtClean="0"/>
-              <a:t>6/16/22</a:t>
+              <a:t>6/20/22</a:t>
             </a:fld>
             <a:endParaRPr lang="en-US"/>
           </a:p>
@@ -1414,7 +1865,7 @@
           <a:p>
             <a:fld id="{0C47E950-7371-4A44-97D6-8899311B9D63}" type="datetimeFigureOut">
               <a:rPr lang="en-US" smtClean="0"/>
-              <a:t>6/16/22</a:t>
+              <a:t>6/20/22</a:t>
             </a:fld>
             <a:endParaRPr lang="en-US"/>
           </a:p>
@@ -1826,7 +2277,7 @@
           <a:p>
             <a:fld id="{0C47E950-7371-4A44-97D6-8899311B9D63}" type="datetimeFigureOut">
               <a:rPr lang="en-US" smtClean="0"/>
-              <a:t>6/16/22</a:t>
+              <a:t>6/20/22</a:t>
             </a:fld>
             <a:endParaRPr lang="en-US"/>
           </a:p>
@@ -1967,7 +2418,7 @@
           <a:p>
             <a:fld id="{0C47E950-7371-4A44-97D6-8899311B9D63}" type="datetimeFigureOut">
               <a:rPr lang="en-US" smtClean="0"/>
-              <a:t>6/16/22</a:t>
+              <a:t>6/20/22</a:t>
             </a:fld>
             <a:endParaRPr lang="en-US"/>
           </a:p>
@@ -2080,7 +2531,7 @@
           <a:p>
             <a:fld id="{0C47E950-7371-4A44-97D6-8899311B9D63}" type="datetimeFigureOut">
               <a:rPr lang="en-US" smtClean="0"/>
-              <a:t>6/16/22</a:t>
+              <a:t>6/20/22</a:t>
             </a:fld>
             <a:endParaRPr lang="en-US"/>
           </a:p>
@@ -2391,7 +2842,7 @@
           <a:p>
             <a:fld id="{0C47E950-7371-4A44-97D6-8899311B9D63}" type="datetimeFigureOut">
               <a:rPr lang="en-US" smtClean="0"/>
-              <a:t>6/16/22</a:t>
+              <a:t>6/20/22</a:t>
             </a:fld>
             <a:endParaRPr lang="en-US"/>
           </a:p>
@@ -2679,7 +3130,7 @@
           <a:p>
             <a:fld id="{0C47E950-7371-4A44-97D6-8899311B9D63}" type="datetimeFigureOut">
               <a:rPr lang="en-US" smtClean="0"/>
-              <a:t>6/16/22</a:t>
+              <a:t>6/20/22</a:t>
             </a:fld>
             <a:endParaRPr lang="en-US"/>
           </a:p>
@@ -2920,7 +3371,7 @@
           <a:p>
             <a:fld id="{0C47E950-7371-4A44-97D6-8899311B9D63}" type="datetimeFigureOut">
               <a:rPr lang="en-US" smtClean="0"/>
-              <a:t>6/16/22</a:t>
+              <a:t>6/20/22</a:t>
             </a:fld>
             <a:endParaRPr lang="en-US"/>
           </a:p>
@@ -13034,7 +13485,7 @@
         </p:nvGrpSpPr>
         <p:grpSpPr>
           <a:xfrm>
-            <a:off x="2833205" y="1098483"/>
+            <a:off x="2833205" y="1049055"/>
             <a:ext cx="5475908" cy="3162021"/>
             <a:chOff x="2833205" y="1098483"/>
             <a:chExt cx="5475908" cy="3162021"/>
@@ -16152,12 +16603,478 @@
           </a:prstGeom>
         </p:spPr>
       </p:pic>
+      <p:sp>
+        <p:nvSpPr>
+          <p:cNvPr id="9" name="Rectangle 8">
+            <a:extLst>
+              <a:ext uri="{FF2B5EF4-FFF2-40B4-BE49-F238E27FC236}">
+                <a16:creationId xmlns:a16="http://schemas.microsoft.com/office/drawing/2014/main" id="{34B44296-7635-728C-6323-270063CD75FA}"/>
+              </a:ext>
+            </a:extLst>
+          </p:cNvPr>
+          <p:cNvSpPr/>
+          <p:nvPr/>
+        </p:nvSpPr>
+        <p:spPr>
+          <a:xfrm>
+            <a:off x="5986082" y="2016494"/>
+            <a:ext cx="2466109" cy="595746"/>
+          </a:xfrm>
+          <a:prstGeom prst="rect">
+            <a:avLst/>
+          </a:prstGeom>
+          <a:noFill/>
+          <a:ln w="28575">
+            <a:solidFill>
+              <a:schemeClr val="tx1"/>
+            </a:solidFill>
+          </a:ln>
+        </p:spPr>
+        <p:style>
+          <a:lnRef idx="2">
+            <a:schemeClr val="accent1">
+              <a:shade val="50000"/>
+            </a:schemeClr>
+          </a:lnRef>
+          <a:fillRef idx="1">
+            <a:schemeClr val="accent1"/>
+          </a:fillRef>
+          <a:effectRef idx="0">
+            <a:schemeClr val="accent1"/>
+          </a:effectRef>
+          <a:fontRef idx="minor">
+            <a:schemeClr val="lt1"/>
+          </a:fontRef>
+        </p:style>
+        <p:txBody>
+          <a:bodyPr rtlCol="0" anchor="ctr"/>
+          <a:lstStyle/>
+          <a:p>
+            <a:pPr algn="ctr"/>
+            <a:r>
+              <a:rPr lang="en-US" sz="1600" dirty="0">
+                <a:solidFill>
+                  <a:schemeClr val="tx1"/>
+                </a:solidFill>
+                <a:latin typeface="Arial" panose="020B0604020202020204" pitchFamily="34" charset="0"/>
+                <a:cs typeface="Arial" panose="020B0604020202020204" pitchFamily="34" charset="0"/>
+              </a:rPr>
+              <a:t>Solve ODE and compute objective function</a:t>
+            </a:r>
+          </a:p>
+        </p:txBody>
+      </p:sp>
+      <p:sp>
+        <p:nvSpPr>
+          <p:cNvPr id="10" name="Rectangle 9">
+            <a:extLst>
+              <a:ext uri="{FF2B5EF4-FFF2-40B4-BE49-F238E27FC236}">
+                <a16:creationId xmlns:a16="http://schemas.microsoft.com/office/drawing/2014/main" id="{C105DD10-8CE4-DE1D-91FF-629553EA0C41}"/>
+              </a:ext>
+            </a:extLst>
+          </p:cNvPr>
+          <p:cNvSpPr/>
+          <p:nvPr/>
+        </p:nvSpPr>
+        <p:spPr>
+          <a:xfrm>
+            <a:off x="5986082" y="2998045"/>
+            <a:ext cx="2466109" cy="595746"/>
+          </a:xfrm>
+          <a:prstGeom prst="rect">
+            <a:avLst/>
+          </a:prstGeom>
+          <a:noFill/>
+          <a:ln w="28575">
+            <a:solidFill>
+              <a:schemeClr val="tx1"/>
+            </a:solidFill>
+          </a:ln>
+        </p:spPr>
+        <p:style>
+          <a:lnRef idx="2">
+            <a:schemeClr val="accent1">
+              <a:shade val="50000"/>
+            </a:schemeClr>
+          </a:lnRef>
+          <a:fillRef idx="1">
+            <a:schemeClr val="accent1"/>
+          </a:fillRef>
+          <a:effectRef idx="0">
+            <a:schemeClr val="accent1"/>
+          </a:effectRef>
+          <a:fontRef idx="minor">
+            <a:schemeClr val="lt1"/>
+          </a:fontRef>
+        </p:style>
+        <p:txBody>
+          <a:bodyPr rtlCol="0" anchor="ctr"/>
+          <a:lstStyle/>
+          <a:p>
+            <a:pPr algn="ctr"/>
+            <a:r>
+              <a:rPr lang="en-US" sz="1600" dirty="0">
+                <a:solidFill>
+                  <a:schemeClr val="tx1"/>
+                </a:solidFill>
+                <a:latin typeface="Arial" panose="020B0604020202020204" pitchFamily="34" charset="0"/>
+                <a:cs typeface="Arial" panose="020B0604020202020204" pitchFamily="34" charset="0"/>
+              </a:rPr>
+              <a:t>Fit landscape with nonparametric model</a:t>
+            </a:r>
+          </a:p>
+        </p:txBody>
+      </p:sp>
+      <p:sp>
+        <p:nvSpPr>
+          <p:cNvPr id="11" name="Rectangle 10">
+            <a:extLst>
+              <a:ext uri="{FF2B5EF4-FFF2-40B4-BE49-F238E27FC236}">
+                <a16:creationId xmlns:a16="http://schemas.microsoft.com/office/drawing/2014/main" id="{D05A6E1F-68E5-794B-A728-26EF9A28CBC1}"/>
+              </a:ext>
+            </a:extLst>
+          </p:cNvPr>
+          <p:cNvSpPr/>
+          <p:nvPr/>
+        </p:nvSpPr>
+        <p:spPr>
+          <a:xfrm>
+            <a:off x="5986082" y="3979596"/>
+            <a:ext cx="2466109" cy="997527"/>
+          </a:xfrm>
+          <a:prstGeom prst="rect">
+            <a:avLst/>
+          </a:prstGeom>
+          <a:noFill/>
+          <a:ln w="28575">
+            <a:solidFill>
+              <a:schemeClr val="tx1"/>
+            </a:solidFill>
+          </a:ln>
+        </p:spPr>
+        <p:style>
+          <a:lnRef idx="2">
+            <a:schemeClr val="accent1">
+              <a:shade val="50000"/>
+            </a:schemeClr>
+          </a:lnRef>
+          <a:fillRef idx="1">
+            <a:schemeClr val="accent1"/>
+          </a:fillRef>
+          <a:effectRef idx="0">
+            <a:schemeClr val="accent1"/>
+          </a:effectRef>
+          <a:fontRef idx="minor">
+            <a:schemeClr val="lt1"/>
+          </a:fontRef>
+        </p:style>
+        <p:txBody>
+          <a:bodyPr rtlCol="0" anchor="ctr"/>
+          <a:lstStyle/>
+          <a:p>
+            <a:pPr algn="ctr"/>
+            <a:r>
+              <a:rPr lang="en-US" sz="1600" dirty="0">
+                <a:solidFill>
+                  <a:schemeClr val="tx1"/>
+                </a:solidFill>
+                <a:latin typeface="Arial" panose="020B0604020202020204" pitchFamily="34" charset="0"/>
+                <a:cs typeface="Arial" panose="020B0604020202020204" pitchFamily="34" charset="0"/>
+              </a:rPr>
+              <a:t>Determine next sample balancing exploration and exploitation</a:t>
+            </a:r>
+          </a:p>
+        </p:txBody>
+      </p:sp>
+      <p:sp>
+        <p:nvSpPr>
+          <p:cNvPr id="12" name="Rectangle 11">
+            <a:extLst>
+              <a:ext uri="{FF2B5EF4-FFF2-40B4-BE49-F238E27FC236}">
+                <a16:creationId xmlns:a16="http://schemas.microsoft.com/office/drawing/2014/main" id="{5737B917-5B12-7E2D-E437-561E1FFC116D}"/>
+              </a:ext>
+            </a:extLst>
+          </p:cNvPr>
+          <p:cNvSpPr/>
+          <p:nvPr/>
+        </p:nvSpPr>
+        <p:spPr>
+          <a:xfrm>
+            <a:off x="5986082" y="1034943"/>
+            <a:ext cx="2466109" cy="595746"/>
+          </a:xfrm>
+          <a:prstGeom prst="rect">
+            <a:avLst/>
+          </a:prstGeom>
+          <a:noFill/>
+          <a:ln w="28575">
+            <a:solidFill>
+              <a:schemeClr val="tx1"/>
+            </a:solidFill>
+          </a:ln>
+        </p:spPr>
+        <p:style>
+          <a:lnRef idx="2">
+            <a:schemeClr val="accent1">
+              <a:shade val="50000"/>
+            </a:schemeClr>
+          </a:lnRef>
+          <a:fillRef idx="1">
+            <a:schemeClr val="accent1"/>
+          </a:fillRef>
+          <a:effectRef idx="0">
+            <a:schemeClr val="accent1"/>
+          </a:effectRef>
+          <a:fontRef idx="minor">
+            <a:schemeClr val="lt1"/>
+          </a:fontRef>
+        </p:style>
+        <p:txBody>
+          <a:bodyPr rtlCol="0" anchor="ctr"/>
+          <a:lstStyle/>
+          <a:p>
+            <a:pPr algn="ctr"/>
+            <a:r>
+              <a:rPr lang="en-US" sz="1600" dirty="0">
+                <a:solidFill>
+                  <a:schemeClr val="tx1"/>
+                </a:solidFill>
+                <a:latin typeface="Arial" panose="020B0604020202020204" pitchFamily="34" charset="0"/>
+                <a:cs typeface="Arial" panose="020B0604020202020204" pitchFamily="34" charset="0"/>
+              </a:rPr>
+              <a:t>Sample parameter space</a:t>
+            </a:r>
+          </a:p>
+        </p:txBody>
+      </p:sp>
+      <p:sp>
+        <p:nvSpPr>
+          <p:cNvPr id="14" name="Triangle 13">
+            <a:extLst>
+              <a:ext uri="{FF2B5EF4-FFF2-40B4-BE49-F238E27FC236}">
+                <a16:creationId xmlns:a16="http://schemas.microsoft.com/office/drawing/2014/main" id="{F13D2297-C006-9CFB-9467-23CCBA5502D8}"/>
+              </a:ext>
+            </a:extLst>
+          </p:cNvPr>
+          <p:cNvSpPr/>
+          <p:nvPr/>
+        </p:nvSpPr>
+        <p:spPr>
+          <a:xfrm rot="10800000">
+            <a:off x="7115227" y="1695713"/>
+            <a:ext cx="207818" cy="207815"/>
+          </a:xfrm>
+          <a:prstGeom prst="triangle">
+            <a:avLst/>
+          </a:prstGeom>
+          <a:solidFill>
+            <a:schemeClr val="tx1"/>
+          </a:solidFill>
+        </p:spPr>
+        <p:style>
+          <a:lnRef idx="2">
+            <a:schemeClr val="accent1">
+              <a:shade val="50000"/>
+            </a:schemeClr>
+          </a:lnRef>
+          <a:fillRef idx="1">
+            <a:schemeClr val="accent1"/>
+          </a:fillRef>
+          <a:effectRef idx="0">
+            <a:schemeClr val="accent1"/>
+          </a:effectRef>
+          <a:fontRef idx="minor">
+            <a:schemeClr val="lt1"/>
+          </a:fontRef>
+        </p:style>
+        <p:txBody>
+          <a:bodyPr rtlCol="0" anchor="ctr"/>
+          <a:lstStyle/>
+          <a:p>
+            <a:pPr algn="ctr"/>
+            <a:endParaRPr lang="en-US" sz="1600">
+              <a:latin typeface="Arial" panose="020B0604020202020204" pitchFamily="34" charset="0"/>
+              <a:cs typeface="Arial" panose="020B0604020202020204" pitchFamily="34" charset="0"/>
+            </a:endParaRPr>
+          </a:p>
+        </p:txBody>
+      </p:sp>
+      <p:sp>
+        <p:nvSpPr>
+          <p:cNvPr id="15" name="Triangle 14">
+            <a:extLst>
+              <a:ext uri="{FF2B5EF4-FFF2-40B4-BE49-F238E27FC236}">
+                <a16:creationId xmlns:a16="http://schemas.microsoft.com/office/drawing/2014/main" id="{79559EC9-A155-55F6-4A92-79DA1FEDA9AE}"/>
+              </a:ext>
+            </a:extLst>
+          </p:cNvPr>
+          <p:cNvSpPr/>
+          <p:nvPr/>
+        </p:nvSpPr>
+        <p:spPr>
+          <a:xfrm rot="10800000">
+            <a:off x="7115227" y="2701235"/>
+            <a:ext cx="207818" cy="207815"/>
+          </a:xfrm>
+          <a:prstGeom prst="triangle">
+            <a:avLst/>
+          </a:prstGeom>
+          <a:solidFill>
+            <a:schemeClr val="tx1"/>
+          </a:solidFill>
+        </p:spPr>
+        <p:style>
+          <a:lnRef idx="2">
+            <a:schemeClr val="accent1">
+              <a:shade val="50000"/>
+            </a:schemeClr>
+          </a:lnRef>
+          <a:fillRef idx="1">
+            <a:schemeClr val="accent1"/>
+          </a:fillRef>
+          <a:effectRef idx="0">
+            <a:schemeClr val="accent1"/>
+          </a:effectRef>
+          <a:fontRef idx="minor">
+            <a:schemeClr val="lt1"/>
+          </a:fontRef>
+        </p:style>
+        <p:txBody>
+          <a:bodyPr rtlCol="0" anchor="ctr"/>
+          <a:lstStyle/>
+          <a:p>
+            <a:pPr algn="ctr"/>
+            <a:endParaRPr lang="en-US" sz="1600">
+              <a:latin typeface="Arial" panose="020B0604020202020204" pitchFamily="34" charset="0"/>
+              <a:cs typeface="Arial" panose="020B0604020202020204" pitchFamily="34" charset="0"/>
+            </a:endParaRPr>
+          </a:p>
+        </p:txBody>
+      </p:sp>
+      <p:sp>
+        <p:nvSpPr>
+          <p:cNvPr id="16" name="Triangle 15">
+            <a:extLst>
+              <a:ext uri="{FF2B5EF4-FFF2-40B4-BE49-F238E27FC236}">
+                <a16:creationId xmlns:a16="http://schemas.microsoft.com/office/drawing/2014/main" id="{202272C6-74B9-8A53-EEDF-8FB663210DDD}"/>
+              </a:ext>
+            </a:extLst>
+          </p:cNvPr>
+          <p:cNvSpPr/>
+          <p:nvPr/>
+        </p:nvSpPr>
+        <p:spPr>
+          <a:xfrm rot="10800000">
+            <a:off x="7156789" y="3682786"/>
+            <a:ext cx="207818" cy="207815"/>
+          </a:xfrm>
+          <a:prstGeom prst="triangle">
+            <a:avLst/>
+          </a:prstGeom>
+          <a:solidFill>
+            <a:schemeClr val="tx1"/>
+          </a:solidFill>
+        </p:spPr>
+        <p:style>
+          <a:lnRef idx="2">
+            <a:schemeClr val="accent1">
+              <a:shade val="50000"/>
+            </a:schemeClr>
+          </a:lnRef>
+          <a:fillRef idx="1">
+            <a:schemeClr val="accent1"/>
+          </a:fillRef>
+          <a:effectRef idx="0">
+            <a:schemeClr val="accent1"/>
+          </a:effectRef>
+          <a:fontRef idx="minor">
+            <a:schemeClr val="lt1"/>
+          </a:fontRef>
+        </p:style>
+        <p:txBody>
+          <a:bodyPr rtlCol="0" anchor="ctr"/>
+          <a:lstStyle/>
+          <a:p>
+            <a:pPr algn="ctr"/>
+            <a:endParaRPr lang="en-US" sz="1600">
+              <a:latin typeface="Arial" panose="020B0604020202020204" pitchFamily="34" charset="0"/>
+              <a:cs typeface="Arial" panose="020B0604020202020204" pitchFamily="34" charset="0"/>
+            </a:endParaRPr>
+          </a:p>
+        </p:txBody>
+      </p:sp>
+      <p:sp>
+        <p:nvSpPr>
+          <p:cNvPr id="18" name="U-Turn Arrow 17">
+            <a:extLst>
+              <a:ext uri="{FF2B5EF4-FFF2-40B4-BE49-F238E27FC236}">
+                <a16:creationId xmlns:a16="http://schemas.microsoft.com/office/drawing/2014/main" id="{60258874-8907-F3E6-ED46-471D0427DDAF}"/>
+              </a:ext>
+            </a:extLst>
+          </p:cNvPr>
+          <p:cNvSpPr/>
+          <p:nvPr/>
+        </p:nvSpPr>
+        <p:spPr>
+          <a:xfrm rot="16200000" flipV="1">
+            <a:off x="6999331" y="2763852"/>
+            <a:ext cx="3261761" cy="188279"/>
+          </a:xfrm>
+          <a:prstGeom prst="uturnArrow">
+            <a:avLst>
+              <a:gd name="adj1" fmla="val 25000"/>
+              <a:gd name="adj2" fmla="val 25000"/>
+              <a:gd name="adj3" fmla="val 25000"/>
+              <a:gd name="adj4" fmla="val 43750"/>
+              <a:gd name="adj5" fmla="val 100000"/>
+            </a:avLst>
+          </a:prstGeom>
+          <a:solidFill>
+            <a:schemeClr val="tx1"/>
+          </a:solidFill>
+          <a:ln>
+            <a:solidFill>
+              <a:schemeClr val="tx1"/>
+            </a:solidFill>
+          </a:ln>
+        </p:spPr>
+        <p:style>
+          <a:lnRef idx="2">
+            <a:schemeClr val="accent1">
+              <a:shade val="50000"/>
+            </a:schemeClr>
+          </a:lnRef>
+          <a:fillRef idx="1">
+            <a:schemeClr val="accent1"/>
+          </a:fillRef>
+          <a:effectRef idx="0">
+            <a:schemeClr val="accent1"/>
+          </a:effectRef>
+          <a:fontRef idx="minor">
+            <a:schemeClr val="lt1"/>
+          </a:fontRef>
+        </p:style>
+        <p:txBody>
+          <a:bodyPr rtlCol="0" anchor="ctr"/>
+          <a:lstStyle/>
+          <a:p>
+            <a:pPr algn="ctr"/>
+            <a:endParaRPr lang="en-US" dirty="0">
+              <a:solidFill>
+                <a:schemeClr val="tx1"/>
+              </a:solidFill>
+              <a:latin typeface="Arial" panose="020B0604020202020204" pitchFamily="34" charset="0"/>
+              <a:cs typeface="Arial" panose="020B0604020202020204" pitchFamily="34" charset="0"/>
+            </a:endParaRPr>
+          </a:p>
+        </p:txBody>
+      </p:sp>
       <p:pic>
         <p:nvPicPr>
-          <p:cNvPr id="5" name="Picture 4" descr="Graphical user interface, application, icon&#10;&#10;Description automatically generated">
+          <p:cNvPr id="4" name="Picture 3" descr="A picture containing background pattern&#10;&#10;Description automatically generated">
             <a:extLst>
               <a:ext uri="{FF2B5EF4-FFF2-40B4-BE49-F238E27FC236}">
-                <a16:creationId xmlns:a16="http://schemas.microsoft.com/office/drawing/2014/main" id="{8264CFFA-68BC-8637-6DDF-D6CBF5DD63EC}"/>
+                <a16:creationId xmlns:a16="http://schemas.microsoft.com/office/drawing/2014/main" id="{156D4808-DEE3-9890-C371-C605E4163FDB}"/>
               </a:ext>
             </a:extLst>
           </p:cNvPr>
@@ -16174,8 +17091,8 @@
         </p:blipFill>
         <p:spPr>
           <a:xfrm>
-            <a:off x="832806" y="3856922"/>
-            <a:ext cx="4964238" cy="1241060"/>
+            <a:off x="1012074" y="3881459"/>
+            <a:ext cx="4775200" cy="1193800"/>
           </a:xfrm>
           <a:prstGeom prst="rect">
             <a:avLst/>
@@ -16184,10 +17101,100 @@
       </p:pic>
       <p:sp>
         <p:nvSpPr>
-          <p:cNvPr id="7" name="Rectangle 6">
+          <p:cNvPr id="6" name="TextBox 5">
             <a:extLst>
               <a:ext uri="{FF2B5EF4-FFF2-40B4-BE49-F238E27FC236}">
-                <a16:creationId xmlns:a16="http://schemas.microsoft.com/office/drawing/2014/main" id="{9A7ECE50-0B40-9619-C10F-896E3447AF87}"/>
+                <a16:creationId xmlns:a16="http://schemas.microsoft.com/office/drawing/2014/main" id="{424071C3-5DCC-EE9C-A380-5059E6D6FEC4}"/>
+              </a:ext>
+            </a:extLst>
+          </p:cNvPr>
+          <p:cNvSpPr txBox="1"/>
+          <p:nvPr/>
+        </p:nvSpPr>
+        <p:spPr>
+          <a:xfrm>
+            <a:off x="777613" y="4258602"/>
+            <a:ext cx="385042" cy="369332"/>
+          </a:xfrm>
+          <a:prstGeom prst="rect">
+            <a:avLst/>
+          </a:prstGeom>
+          <a:noFill/>
+        </p:spPr>
+        <p:txBody>
+          <a:bodyPr wrap="none" rtlCol="0">
+            <a:spAutoFit/>
+          </a:bodyPr>
+          <a:lstStyle/>
+          <a:p>
+            <a:r>
+              <a:rPr lang="en-US" dirty="0">
+                <a:latin typeface="Arial" panose="020B0604020202020204" pitchFamily="34" charset="0"/>
+                <a:cs typeface="Arial" panose="020B0604020202020204" pitchFamily="34" charset="0"/>
+              </a:rPr>
+              <a:t>k</a:t>
+            </a:r>
+            <a:r>
+              <a:rPr lang="en-US" baseline="-25000" dirty="0">
+                <a:latin typeface="Arial" panose="020B0604020202020204" pitchFamily="34" charset="0"/>
+                <a:cs typeface="Arial" panose="020B0604020202020204" pitchFamily="34" charset="0"/>
+              </a:rPr>
+              <a:t>1</a:t>
+            </a:r>
+          </a:p>
+        </p:txBody>
+      </p:sp>
+      <p:sp>
+        <p:nvSpPr>
+          <p:cNvPr id="17" name="TextBox 16">
+            <a:extLst>
+              <a:ext uri="{FF2B5EF4-FFF2-40B4-BE49-F238E27FC236}">
+                <a16:creationId xmlns:a16="http://schemas.microsoft.com/office/drawing/2014/main" id="{18D48C54-7ED7-FA61-F5E1-457D692FB66F}"/>
+              </a:ext>
+            </a:extLst>
+          </p:cNvPr>
+          <p:cNvSpPr txBox="1"/>
+          <p:nvPr/>
+        </p:nvSpPr>
+        <p:spPr>
+          <a:xfrm>
+            <a:off x="3216923" y="5077113"/>
+            <a:ext cx="385042" cy="369332"/>
+          </a:xfrm>
+          <a:prstGeom prst="rect">
+            <a:avLst/>
+          </a:prstGeom>
+          <a:noFill/>
+        </p:spPr>
+        <p:txBody>
+          <a:bodyPr wrap="none" rtlCol="0">
+            <a:spAutoFit/>
+          </a:bodyPr>
+          <a:lstStyle/>
+          <a:p>
+            <a:r>
+              <a:rPr lang="en-US" dirty="0">
+                <a:latin typeface="Arial" panose="020B0604020202020204" pitchFamily="34" charset="0"/>
+                <a:cs typeface="Arial" panose="020B0604020202020204" pitchFamily="34" charset="0"/>
+              </a:rPr>
+              <a:t>k</a:t>
+            </a:r>
+            <a:r>
+              <a:rPr lang="en-US" baseline="-25000" dirty="0">
+                <a:latin typeface="Arial" panose="020B0604020202020204" pitchFamily="34" charset="0"/>
+                <a:cs typeface="Arial" panose="020B0604020202020204" pitchFamily="34" charset="0"/>
+              </a:rPr>
+              <a:t>2</a:t>
+            </a:r>
+          </a:p>
+        </p:txBody>
+      </p:sp>
+      <p:sp>
+        <p:nvSpPr>
+          <p:cNvPr id="8" name="Right Bracket 7">
+            <a:extLst>
+              <a:ext uri="{FF2B5EF4-FFF2-40B4-BE49-F238E27FC236}">
+                <a16:creationId xmlns:a16="http://schemas.microsoft.com/office/drawing/2014/main" id="{6BE496A3-9700-4F8D-90C9-E3D10FD76466}"/>
               </a:ext>
             </a:extLst>
           </p:cNvPr>
@@ -16195,34 +17202,31 @@
           <p:nvPr/>
         </p:nvSpPr>
         <p:spPr>
-          <a:xfrm>
-            <a:off x="5986081" y="525983"/>
-            <a:ext cx="4323171" cy="4572000"/>
+          <a:xfrm rot="5400000">
+            <a:off x="3350604" y="3226634"/>
+            <a:ext cx="98137" cy="3599117"/>
           </a:xfrm>
-          <a:prstGeom prst="rect">
+          <a:prstGeom prst="rightBracket">
             <a:avLst/>
           </a:prstGeom>
-          <a:noFill/>
-          <a:ln>
+          <a:ln w="28575">
             <a:solidFill>
               <a:schemeClr val="tx1"/>
             </a:solidFill>
           </a:ln>
         </p:spPr>
         <p:style>
-          <a:lnRef idx="2">
-            <a:schemeClr val="dk1">
-              <a:shade val="50000"/>
-            </a:schemeClr>
+          <a:lnRef idx="1">
+            <a:schemeClr val="accent1"/>
           </a:lnRef>
-          <a:fillRef idx="1">
-            <a:schemeClr val="dk1"/>
+          <a:fillRef idx="0">
+            <a:schemeClr val="accent1"/>
           </a:fillRef>
           <a:effectRef idx="0">
-            <a:schemeClr val="dk1"/>
+            <a:schemeClr val="accent1"/>
           </a:effectRef>
           <a:fontRef idx="minor">
-            <a:schemeClr val="lt1"/>
+            <a:schemeClr val="tx1"/>
           </a:fontRef>
         </p:style>
         <p:txBody>
@@ -16230,16 +17234,7 @@
           <a:lstStyle/>
           <a:p>
             <a:pPr algn="ctr"/>
-            <a:r>
-              <a:rPr lang="en-US" dirty="0">
-                <a:solidFill>
-                  <a:schemeClr val="tx1"/>
-                </a:solidFill>
-                <a:latin typeface="Arial" panose="020B0604020202020204" pitchFamily="34" charset="0"/>
-                <a:cs typeface="Arial" panose="020B0604020202020204" pitchFamily="34" charset="0"/>
-              </a:rPr>
-              <a:t>Schematic of Bayesian Optimization</a:t>
-            </a:r>
+            <a:endParaRPr lang="en-US"/>
           </a:p>
         </p:txBody>
       </p:sp>
@@ -16253,6 +17248,84 @@
   <p:clrMapOvr>
     <a:masterClrMapping/>
   </p:clrMapOvr>
+  <p:timing>
+    <p:tnLst>
+      <p:par>
+        <p:cTn id="1" dur="indefinite" restart="never" nodeType="tmRoot">
+          <p:childTnLst>
+            <p:seq concurrent="1" nextAc="seek">
+              <p:cTn id="2" dur="indefinite" nodeType="mainSeq">
+                <p:childTnLst>
+                  <p:par>
+                    <p:cTn id="3" fill="hold">
+                      <p:stCondLst>
+                        <p:cond delay="indefinite"/>
+                      </p:stCondLst>
+                      <p:childTnLst>
+                        <p:par>
+                          <p:cTn id="4" fill="hold">
+                            <p:stCondLst>
+                              <p:cond delay="0"/>
+                            </p:stCondLst>
+                            <p:childTnLst>
+                              <p:par>
+                                <p:cTn id="5" presetID="1" presetClass="entr" presetSubtype="0" fill="hold" grpId="0" nodeType="clickEffect">
+                                  <p:stCondLst>
+                                    <p:cond delay="0"/>
+                                  </p:stCondLst>
+                                  <p:childTnLst>
+                                    <p:set>
+                                      <p:cBhvr>
+                                        <p:cTn id="6" dur="1" fill="hold">
+                                          <p:stCondLst>
+                                            <p:cond delay="0"/>
+                                          </p:stCondLst>
+                                        </p:cTn>
+                                        <p:tgtEl>
+                                          <p:spTgt spid="18"/>
+                                        </p:tgtEl>
+                                        <p:attrNameLst>
+                                          <p:attrName>style.visibility</p:attrName>
+                                        </p:attrNameLst>
+                                      </p:cBhvr>
+                                      <p:to>
+                                        <p:strVal val="visible"/>
+                                      </p:to>
+                                    </p:set>
+                                  </p:childTnLst>
+                                </p:cTn>
+                              </p:par>
+                            </p:childTnLst>
+                          </p:cTn>
+                        </p:par>
+                      </p:childTnLst>
+                    </p:cTn>
+                  </p:par>
+                </p:childTnLst>
+              </p:cTn>
+              <p:prevCondLst>
+                <p:cond evt="onPrev" delay="0">
+                  <p:tgtEl>
+                    <p:sldTgt/>
+                  </p:tgtEl>
+                </p:cond>
+              </p:prevCondLst>
+              <p:nextCondLst>
+                <p:cond evt="onNext" delay="0">
+                  <p:tgtEl>
+                    <p:sldTgt/>
+                  </p:tgtEl>
+                </p:cond>
+              </p:nextCondLst>
+            </p:seq>
+          </p:childTnLst>
+        </p:cTn>
+      </p:par>
+    </p:tnLst>
+    <p:bldLst>
+      <p:bldP spid="18" grpId="0" animBg="1"/>
+    </p:bldLst>
+  </p:timing>
 </p:sld>
 </file>
 
@@ -16560,14 +17633,14 @@
           <p:nvPr/>
         </p:nvPicPr>
         <p:blipFill>
-          <a:blip r:embed="rId2"/>
+          <a:blip r:embed="rId3"/>
           <a:stretch>
             <a:fillRect/>
           </a:stretch>
         </p:blipFill>
         <p:spPr>
           <a:xfrm>
-            <a:off x="6313381" y="849516"/>
+            <a:off x="7728896" y="3785727"/>
             <a:ext cx="3573981" cy="2233738"/>
           </a:xfrm>
           <a:prstGeom prst="rect">
@@ -16590,14 +17663,14 @@
           <p:nvPr/>
         </p:nvPicPr>
         <p:blipFill>
-          <a:blip r:embed="rId3"/>
+          <a:blip r:embed="rId4"/>
           <a:stretch>
             <a:fillRect/>
           </a:stretch>
         </p:blipFill>
         <p:spPr>
           <a:xfrm>
-            <a:off x="2444041" y="631179"/>
+            <a:off x="1458203" y="631178"/>
             <a:ext cx="3869340" cy="2573268"/>
           </a:xfrm>
           <a:prstGeom prst="rect">
@@ -16620,15 +17693,45 @@
           <p:nvPr/>
         </p:nvPicPr>
         <p:blipFill>
-          <a:blip r:embed="rId4"/>
+          <a:blip r:embed="rId5"/>
           <a:stretch>
             <a:fillRect/>
           </a:stretch>
         </p:blipFill>
         <p:spPr>
           <a:xfrm>
-            <a:off x="2447840" y="3204446"/>
+            <a:off x="1549741" y="3542925"/>
             <a:ext cx="7555604" cy="3022241"/>
+          </a:xfrm>
+          <a:prstGeom prst="rect">
+            <a:avLst/>
+          </a:prstGeom>
+        </p:spPr>
+      </p:pic>
+      <p:pic>
+        <p:nvPicPr>
+          <p:cNvPr id="4" name="Picture 3" descr="Chart&#10;&#10;Description automatically generated">
+            <a:extLst>
+              <a:ext uri="{FF2B5EF4-FFF2-40B4-BE49-F238E27FC236}">
+                <a16:creationId xmlns:a16="http://schemas.microsoft.com/office/drawing/2014/main" id="{64B8BD78-A2D8-AB5C-662B-6E7E904576A3}"/>
+              </a:ext>
+            </a:extLst>
+          </p:cNvPr>
+          <p:cNvPicPr>
+            <a:picLocks noChangeAspect="1"/>
+          </p:cNvPicPr>
+          <p:nvPr/>
+        </p:nvPicPr>
+        <p:blipFill>
+          <a:blip r:embed="rId6"/>
+          <a:stretch>
+            <a:fillRect/>
+          </a:stretch>
+        </p:blipFill>
+        <p:spPr>
+          <a:xfrm>
+            <a:off x="5813524" y="631178"/>
+            <a:ext cx="5230920" cy="2441096"/>
           </a:xfrm>
           <a:prstGeom prst="rect">
             <a:avLst/>
@@ -19916,4 +21019,299 @@
     </a:ext>
   </a:extLst>
 </a:theme>
+</file>
+
+<file path=ppt/theme/theme2.xml><?xml version="1.0" encoding="utf-8"?>
+<a:theme xmlns:a="http://schemas.openxmlformats.org/drawingml/2006/main" name="Office Theme">
+  <a:themeElements>
+    <a:clrScheme name="Office">
+      <a:dk1>
+        <a:sysClr val="windowText" lastClr="000000"/>
+      </a:dk1>
+      <a:lt1>
+        <a:sysClr val="window" lastClr="FFFFFF"/>
+      </a:lt1>
+      <a:dk2>
+        <a:srgbClr val="44546A"/>
+      </a:dk2>
+      <a:lt2>
+        <a:srgbClr val="E7E6E6"/>
+      </a:lt2>
+      <a:accent1>
+        <a:srgbClr val="4472C4"/>
+      </a:accent1>
+      <a:accent2>
+        <a:srgbClr val="ED7D31"/>
+      </a:accent2>
+      <a:accent3>
+        <a:srgbClr val="A5A5A5"/>
+      </a:accent3>
+      <a:accent4>
+        <a:srgbClr val="FFC000"/>
+      </a:accent4>
+      <a:accent5>
+        <a:srgbClr val="5B9BD5"/>
+      </a:accent5>
+      <a:accent6>
+        <a:srgbClr val="70AD47"/>
+      </a:accent6>
+      <a:hlink>
+        <a:srgbClr val="0563C1"/>
+      </a:hlink>
+      <a:folHlink>
+        <a:srgbClr val="954F72"/>
+      </a:folHlink>
+    </a:clrScheme>
+    <a:fontScheme name="Office">
+      <a:majorFont>
+        <a:latin typeface="Calibri Light" panose="020F0302020204030204"/>
+        <a:ea typeface=""/>
+        <a:cs typeface=""/>
+        <a:font script="Jpan" typeface="游ゴシック Light"/>
+        <a:font script="Hang" typeface="맑은 고딕"/>
+        <a:font script="Hans" typeface="等线 Light"/>
+        <a:font script="Hant" typeface="新細明體"/>
+        <a:font script="Arab" typeface="Times New Roman"/>
+        <a:font script="Hebr" typeface="Times New Roman"/>
+        <a:font script="Thai" typeface="Angsana New"/>
+        <a:font script="Ethi" typeface="Nyala"/>
+        <a:font script="Beng" typeface="Vrinda"/>
+        <a:font script="Gujr" typeface="Shruti"/>
+        <a:font script="Khmr" typeface="MoolBoran"/>
+        <a:font script="Knda" typeface="Tunga"/>
+        <a:font script="Guru" typeface="Raavi"/>
+        <a:font script="Cans" typeface="Euphemia"/>
+        <a:font script="Cher" typeface="Plantagenet Cherokee"/>
+        <a:font script="Yiii" typeface="Microsoft Yi Baiti"/>
+        <a:font script="Tibt" typeface="Microsoft Himalaya"/>
+        <a:font script="Thaa" typeface="MV Boli"/>
+        <a:font script="Deva" typeface="Mangal"/>
+        <a:font script="Telu" typeface="Gautami"/>
+        <a:font script="Taml" typeface="Latha"/>
+        <a:font script="Syrc" typeface="Estrangelo Edessa"/>
+        <a:font script="Orya" typeface="Kalinga"/>
+        <a:font script="Mlym" typeface="Kartika"/>
+        <a:font script="Laoo" typeface="DokChampa"/>
+        <a:font script="Sinh" typeface="Iskoola Pota"/>
+        <a:font script="Mong" typeface="Mongolian Baiti"/>
+        <a:font script="Viet" typeface="Times New Roman"/>
+        <a:font script="Uigh" typeface="Microsoft Uighur"/>
+        <a:font script="Geor" typeface="Sylfaen"/>
+        <a:font script="Armn" typeface="Arial"/>
+        <a:font script="Bugi" typeface="Leelawadee UI"/>
+        <a:font script="Bopo" typeface="Microsoft JhengHei"/>
+        <a:font script="Java" typeface="Javanese Text"/>
+        <a:font script="Lisu" typeface="Segoe UI"/>
+        <a:font script="Mymr" typeface="Myanmar Text"/>
+        <a:font script="Nkoo" typeface="Ebrima"/>
+        <a:font script="Olck" typeface="Nirmala UI"/>
+        <a:font script="Osma" typeface="Ebrima"/>
+        <a:font script="Phag" typeface="Phagspa"/>
+        <a:font script="Syrn" typeface="Estrangelo Edessa"/>
+        <a:font script="Syrj" typeface="Estrangelo Edessa"/>
+        <a:font script="Syre" typeface="Estrangelo Edessa"/>
+        <a:font script="Sora" typeface="Nirmala UI"/>
+        <a:font script="Tale" typeface="Microsoft Tai Le"/>
+        <a:font script="Talu" typeface="Microsoft New Tai Lue"/>
+        <a:font script="Tfng" typeface="Ebrima"/>
+      </a:majorFont>
+      <a:minorFont>
+        <a:latin typeface="Calibri" panose="020F0502020204030204"/>
+        <a:ea typeface=""/>
+        <a:cs typeface=""/>
+        <a:font script="Jpan" typeface="游ゴシック"/>
+        <a:font script="Hang" typeface="맑은 고딕"/>
+        <a:font script="Hans" typeface="等线"/>
+        <a:font script="Hant" typeface="新細明體"/>
+        <a:font script="Arab" typeface="Arial"/>
+        <a:font script="Hebr" typeface="Arial"/>
+        <a:font script="Thai" typeface="Cordia New"/>
+        <a:font script="Ethi" typeface="Nyala"/>
+        <a:font script="Beng" typeface="Vrinda"/>
+        <a:font script="Gujr" typeface="Shruti"/>
+        <a:font script="Khmr" typeface="DaunPenh"/>
+        <a:font script="Knda" typeface="Tunga"/>
+        <a:font script="Guru" typeface="Raavi"/>
+        <a:font script="Cans" typeface="Euphemia"/>
+        <a:font script="Cher" typeface="Plantagenet Cherokee"/>
+        <a:font script="Yiii" typeface="Microsoft Yi Baiti"/>
+        <a:font script="Tibt" typeface="Microsoft Himalaya"/>
+        <a:font script="Thaa" typeface="MV Boli"/>
+        <a:font script="Deva" typeface="Mangal"/>
+        <a:font script="Telu" typeface="Gautami"/>
+        <a:font script="Taml" typeface="Latha"/>
+        <a:font script="Syrc" typeface="Estrangelo Edessa"/>
+        <a:font script="Orya" typeface="Kalinga"/>
+        <a:font script="Mlym" typeface="Kartika"/>
+        <a:font script="Laoo" typeface="DokChampa"/>
+        <a:font script="Sinh" typeface="Iskoola Pota"/>
+        <a:font script="Mong" typeface="Mongolian Baiti"/>
+        <a:font script="Viet" typeface="Arial"/>
+        <a:font script="Uigh" typeface="Microsoft Uighur"/>
+        <a:font script="Geor" typeface="Sylfaen"/>
+        <a:font script="Armn" typeface="Arial"/>
+        <a:font script="Bugi" typeface="Leelawadee UI"/>
+        <a:font script="Bopo" typeface="Microsoft JhengHei"/>
+        <a:font script="Java" typeface="Javanese Text"/>
+        <a:font script="Lisu" typeface="Segoe UI"/>
+        <a:font script="Mymr" typeface="Myanmar Text"/>
+        <a:font script="Nkoo" typeface="Ebrima"/>
+        <a:font script="Olck" typeface="Nirmala UI"/>
+        <a:font script="Osma" typeface="Ebrima"/>
+        <a:font script="Phag" typeface="Phagspa"/>
+        <a:font script="Syrn" typeface="Estrangelo Edessa"/>
+        <a:font script="Syrj" typeface="Estrangelo Edessa"/>
+        <a:font script="Syre" typeface="Estrangelo Edessa"/>
+        <a:font script="Sora" typeface="Nirmala UI"/>
+        <a:font script="Tale" typeface="Microsoft Tai Le"/>
+        <a:font script="Talu" typeface="Microsoft New Tai Lue"/>
+        <a:font script="Tfng" typeface="Ebrima"/>
+      </a:minorFont>
+    </a:fontScheme>
+    <a:fmtScheme name="Office">
+      <a:fillStyleLst>
+        <a:solidFill>
+          <a:schemeClr val="phClr"/>
+        </a:solidFill>
+        <a:gradFill rotWithShape="1">
+          <a:gsLst>
+            <a:gs pos="0">
+              <a:schemeClr val="phClr">
+                <a:lumMod val="110000"/>
+                <a:satMod val="105000"/>
+                <a:tint val="67000"/>
+              </a:schemeClr>
+            </a:gs>
+            <a:gs pos="50000">
+              <a:schemeClr val="phClr">
+                <a:lumMod val="105000"/>
+                <a:satMod val="103000"/>
+                <a:tint val="73000"/>
+              </a:schemeClr>
+            </a:gs>
+            <a:gs pos="100000">
+              <a:schemeClr val="phClr">
+                <a:lumMod val="105000"/>
+                <a:satMod val="109000"/>
+                <a:tint val="81000"/>
+              </a:schemeClr>
+            </a:gs>
+          </a:gsLst>
+          <a:lin ang="5400000" scaled="0"/>
+        </a:gradFill>
+        <a:gradFill rotWithShape="1">
+          <a:gsLst>
+            <a:gs pos="0">
+              <a:schemeClr val="phClr">
+                <a:satMod val="103000"/>
+                <a:lumMod val="102000"/>
+                <a:tint val="94000"/>
+              </a:schemeClr>
+            </a:gs>
+            <a:gs pos="50000">
+              <a:schemeClr val="phClr">
+                <a:satMod val="110000"/>
+                <a:lumMod val="100000"/>
+                <a:shade val="100000"/>
+              </a:schemeClr>
+            </a:gs>
+            <a:gs pos="100000">
+              <a:schemeClr val="phClr">
+                <a:lumMod val="99000"/>
+                <a:satMod val="120000"/>
+                <a:shade val="78000"/>
+              </a:schemeClr>
+            </a:gs>
+          </a:gsLst>
+          <a:lin ang="5400000" scaled="0"/>
+        </a:gradFill>
+      </a:fillStyleLst>
+      <a:lnStyleLst>
+        <a:ln w="6350" cap="flat" cmpd="sng" algn="ctr">
+          <a:solidFill>
+            <a:schemeClr val="phClr"/>
+          </a:solidFill>
+          <a:prstDash val="solid"/>
+          <a:miter lim="800000"/>
+        </a:ln>
+        <a:ln w="12700" cap="flat" cmpd="sng" algn="ctr">
+          <a:solidFill>
+            <a:schemeClr val="phClr"/>
+          </a:solidFill>
+          <a:prstDash val="solid"/>
+          <a:miter lim="800000"/>
+        </a:ln>
+        <a:ln w="19050" cap="flat" cmpd="sng" algn="ctr">
+          <a:solidFill>
+            <a:schemeClr val="phClr"/>
+          </a:solidFill>
+          <a:prstDash val="solid"/>
+          <a:miter lim="800000"/>
+        </a:ln>
+      </a:lnStyleLst>
+      <a:effectStyleLst>
+        <a:effectStyle>
+          <a:effectLst/>
+        </a:effectStyle>
+        <a:effectStyle>
+          <a:effectLst/>
+        </a:effectStyle>
+        <a:effectStyle>
+          <a:effectLst>
+            <a:outerShdw blurRad="57150" dist="19050" dir="5400000" algn="ctr" rotWithShape="0">
+              <a:srgbClr val="000000">
+                <a:alpha val="63000"/>
+              </a:srgbClr>
+            </a:outerShdw>
+          </a:effectLst>
+        </a:effectStyle>
+      </a:effectStyleLst>
+      <a:bgFillStyleLst>
+        <a:solidFill>
+          <a:schemeClr val="phClr"/>
+        </a:solidFill>
+        <a:solidFill>
+          <a:schemeClr val="phClr">
+            <a:tint val="95000"/>
+            <a:satMod val="170000"/>
+          </a:schemeClr>
+        </a:solidFill>
+        <a:gradFill rotWithShape="1">
+          <a:gsLst>
+            <a:gs pos="0">
+              <a:schemeClr val="phClr">
+                <a:tint val="93000"/>
+                <a:satMod val="150000"/>
+                <a:shade val="98000"/>
+                <a:lumMod val="102000"/>
+              </a:schemeClr>
+            </a:gs>
+            <a:gs pos="50000">
+              <a:schemeClr val="phClr">
+                <a:tint val="98000"/>
+                <a:satMod val="130000"/>
+                <a:shade val="90000"/>
+                <a:lumMod val="103000"/>
+              </a:schemeClr>
+            </a:gs>
+            <a:gs pos="100000">
+              <a:schemeClr val="phClr">
+                <a:shade val="63000"/>
+                <a:satMod val="120000"/>
+              </a:schemeClr>
+            </a:gs>
+          </a:gsLst>
+          <a:lin ang="5400000" scaled="0"/>
+        </a:gradFill>
+      </a:bgFillStyleLst>
+    </a:fmtScheme>
+  </a:themeElements>
+  <a:objectDefaults/>
+  <a:extraClrSchemeLst/>
+  <a:extLst>
+    <a:ext uri="{05A4C25C-085E-4340-85A3-A5531E510DB2}">
+      <thm15:themeFamily xmlns:thm15="http://schemas.microsoft.com/office/thememl/2012/main" name="Office Theme" id="{62F939B6-93AF-4DB8-9C6B-D6C7DFDC589F}" vid="{4A3C46E8-61CC-4603-A589-7422A47A8E4A}"/>
+    </a:ext>
+  </a:extLst>
+</a:theme>
 </file>
--- a/Figures.pptx
+++ b/Figures.pptx
@@ -17368,8 +17368,8 @@
         </p:blipFill>
         <p:spPr>
           <a:xfrm>
-            <a:off x="1013556" y="827889"/>
-            <a:ext cx="5991899" cy="4798597"/>
+            <a:off x="1013555" y="827888"/>
+            <a:ext cx="5994400" cy="4800600"/>
           </a:xfrm>
           <a:prstGeom prst="rect">
             <a:avLst/>

--- a/Figures.pptx
+++ b/Figures.pptx
@@ -208,7 +208,7 @@
           <a:p>
             <a:fld id="{ACD158C3-9754-9447-BE10-13154554F86A}" type="datetimeFigureOut">
               <a:rPr lang="en-US" smtClean="0"/>
-              <a:t>6/20/22</a:t>
+              <a:t>6/29/22</a:t>
             </a:fld>
             <a:endParaRPr lang="en-US"/>
           </a:p>
@@ -721,7 +721,7 @@
           <a:p>
             <a:fld id="{0C47E950-7371-4A44-97D6-8899311B9D63}" type="datetimeFigureOut">
               <a:rPr lang="en-US" smtClean="0"/>
-              <a:t>6/20/22</a:t>
+              <a:t>6/29/22</a:t>
             </a:fld>
             <a:endParaRPr lang="en-US"/>
           </a:p>
@@ -919,7 +919,7 @@
           <a:p>
             <a:fld id="{0C47E950-7371-4A44-97D6-8899311B9D63}" type="datetimeFigureOut">
               <a:rPr lang="en-US" smtClean="0"/>
-              <a:t>6/20/22</a:t>
+              <a:t>6/29/22</a:t>
             </a:fld>
             <a:endParaRPr lang="en-US"/>
           </a:p>
@@ -1127,7 +1127,7 @@
           <a:p>
             <a:fld id="{0C47E950-7371-4A44-97D6-8899311B9D63}" type="datetimeFigureOut">
               <a:rPr lang="en-US" smtClean="0"/>
-              <a:t>6/20/22</a:t>
+              <a:t>6/29/22</a:t>
             </a:fld>
             <a:endParaRPr lang="en-US"/>
           </a:p>
@@ -1325,7 +1325,7 @@
           <a:p>
             <a:fld id="{0C47E950-7371-4A44-97D6-8899311B9D63}" type="datetimeFigureOut">
               <a:rPr lang="en-US" smtClean="0"/>
-              <a:t>6/20/22</a:t>
+              <a:t>6/29/22</a:t>
             </a:fld>
             <a:endParaRPr lang="en-US"/>
           </a:p>
@@ -1600,7 +1600,7 @@
           <a:p>
             <a:fld id="{0C47E950-7371-4A44-97D6-8899311B9D63}" type="datetimeFigureOut">
               <a:rPr lang="en-US" smtClean="0"/>
-              <a:t>6/20/22</a:t>
+              <a:t>6/29/22</a:t>
             </a:fld>
             <a:endParaRPr lang="en-US"/>
           </a:p>
@@ -1865,7 +1865,7 @@
           <a:p>
             <a:fld id="{0C47E950-7371-4A44-97D6-8899311B9D63}" type="datetimeFigureOut">
               <a:rPr lang="en-US" smtClean="0"/>
-              <a:t>6/20/22</a:t>
+              <a:t>6/29/22</a:t>
             </a:fld>
             <a:endParaRPr lang="en-US"/>
           </a:p>
@@ -2277,7 +2277,7 @@
           <a:p>
             <a:fld id="{0C47E950-7371-4A44-97D6-8899311B9D63}" type="datetimeFigureOut">
               <a:rPr lang="en-US" smtClean="0"/>
-              <a:t>6/20/22</a:t>
+              <a:t>6/29/22</a:t>
             </a:fld>
             <a:endParaRPr lang="en-US"/>
           </a:p>
@@ -2418,7 +2418,7 @@
           <a:p>
             <a:fld id="{0C47E950-7371-4A44-97D6-8899311B9D63}" type="datetimeFigureOut">
               <a:rPr lang="en-US" smtClean="0"/>
-              <a:t>6/20/22</a:t>
+              <a:t>6/29/22</a:t>
             </a:fld>
             <a:endParaRPr lang="en-US"/>
           </a:p>
@@ -2531,7 +2531,7 @@
           <a:p>
             <a:fld id="{0C47E950-7371-4A44-97D6-8899311B9D63}" type="datetimeFigureOut">
               <a:rPr lang="en-US" smtClean="0"/>
-              <a:t>6/20/22</a:t>
+              <a:t>6/29/22</a:t>
             </a:fld>
             <a:endParaRPr lang="en-US"/>
           </a:p>
@@ -2842,7 +2842,7 @@
           <a:p>
             <a:fld id="{0C47E950-7371-4A44-97D6-8899311B9D63}" type="datetimeFigureOut">
               <a:rPr lang="en-US" smtClean="0"/>
-              <a:t>6/20/22</a:t>
+              <a:t>6/29/22</a:t>
             </a:fld>
             <a:endParaRPr lang="en-US"/>
           </a:p>
@@ -3130,7 +3130,7 @@
           <a:p>
             <a:fld id="{0C47E950-7371-4A44-97D6-8899311B9D63}" type="datetimeFigureOut">
               <a:rPr lang="en-US" smtClean="0"/>
-              <a:t>6/20/22</a:t>
+              <a:t>6/29/22</a:t>
             </a:fld>
             <a:endParaRPr lang="en-US"/>
           </a:p>
@@ -3371,7 +3371,7 @@
           <a:p>
             <a:fld id="{0C47E950-7371-4A44-97D6-8899311B9D63}" type="datetimeFigureOut">
               <a:rPr lang="en-US" smtClean="0"/>
-              <a:t>6/20/22</a:t>
+              <a:t>6/29/22</a:t>
             </a:fld>
             <a:endParaRPr lang="en-US"/>
           </a:p>
@@ -17071,10 +17071,10 @@
       </p:sp>
       <p:pic>
         <p:nvPicPr>
-          <p:cNvPr id="4" name="Picture 3" descr="A picture containing background pattern&#10;&#10;Description automatically generated">
+          <p:cNvPr id="19" name="Picture 18" descr="Chart&#10;&#10;Description automatically generated">
             <a:extLst>
               <a:ext uri="{FF2B5EF4-FFF2-40B4-BE49-F238E27FC236}">
-                <a16:creationId xmlns:a16="http://schemas.microsoft.com/office/drawing/2014/main" id="{156D4808-DEE3-9890-C371-C605E4163FDB}"/>
+                <a16:creationId xmlns:a16="http://schemas.microsoft.com/office/drawing/2014/main" id="{D714DA83-2965-7208-1919-2EC0EC162C8D}"/>
               </a:ext>
             </a:extLst>
           </p:cNvPr>
@@ -17091,153 +17091,14 @@
         </p:blipFill>
         <p:spPr>
           <a:xfrm>
-            <a:off x="1012074" y="3881459"/>
-            <a:ext cx="4775200" cy="1193800"/>
+            <a:off x="757238" y="3960771"/>
+            <a:ext cx="5039806" cy="1259951"/>
           </a:xfrm>
           <a:prstGeom prst="rect">
             <a:avLst/>
           </a:prstGeom>
         </p:spPr>
       </p:pic>
-      <p:sp>
-        <p:nvSpPr>
-          <p:cNvPr id="6" name="TextBox 5">
-            <a:extLst>
-              <a:ext uri="{FF2B5EF4-FFF2-40B4-BE49-F238E27FC236}">
-                <a16:creationId xmlns:a16="http://schemas.microsoft.com/office/drawing/2014/main" id="{424071C3-5DCC-EE9C-A380-5059E6D6FEC4}"/>
-              </a:ext>
-            </a:extLst>
-          </p:cNvPr>
-          <p:cNvSpPr txBox="1"/>
-          <p:nvPr/>
-        </p:nvSpPr>
-        <p:spPr>
-          <a:xfrm>
-            <a:off x="777613" y="4258602"/>
-            <a:ext cx="385042" cy="369332"/>
-          </a:xfrm>
-          <a:prstGeom prst="rect">
-            <a:avLst/>
-          </a:prstGeom>
-          <a:noFill/>
-        </p:spPr>
-        <p:txBody>
-          <a:bodyPr wrap="none" rtlCol="0">
-            <a:spAutoFit/>
-          </a:bodyPr>
-          <a:lstStyle/>
-          <a:p>
-            <a:r>
-              <a:rPr lang="en-US" dirty="0">
-                <a:latin typeface="Arial" panose="020B0604020202020204" pitchFamily="34" charset="0"/>
-                <a:cs typeface="Arial" panose="020B0604020202020204" pitchFamily="34" charset="0"/>
-              </a:rPr>
-              <a:t>k</a:t>
-            </a:r>
-            <a:r>
-              <a:rPr lang="en-US" baseline="-25000" dirty="0">
-                <a:latin typeface="Arial" panose="020B0604020202020204" pitchFamily="34" charset="0"/>
-                <a:cs typeface="Arial" panose="020B0604020202020204" pitchFamily="34" charset="0"/>
-              </a:rPr>
-              <a:t>1</a:t>
-            </a:r>
-          </a:p>
-        </p:txBody>
-      </p:sp>
-      <p:sp>
-        <p:nvSpPr>
-          <p:cNvPr id="17" name="TextBox 16">
-            <a:extLst>
-              <a:ext uri="{FF2B5EF4-FFF2-40B4-BE49-F238E27FC236}">
-                <a16:creationId xmlns:a16="http://schemas.microsoft.com/office/drawing/2014/main" id="{18D48C54-7ED7-FA61-F5E1-457D692FB66F}"/>
-              </a:ext>
-            </a:extLst>
-          </p:cNvPr>
-          <p:cNvSpPr txBox="1"/>
-          <p:nvPr/>
-        </p:nvSpPr>
-        <p:spPr>
-          <a:xfrm>
-            <a:off x="3216923" y="5077113"/>
-            <a:ext cx="385042" cy="369332"/>
-          </a:xfrm>
-          <a:prstGeom prst="rect">
-            <a:avLst/>
-          </a:prstGeom>
-          <a:noFill/>
-        </p:spPr>
-        <p:txBody>
-          <a:bodyPr wrap="none" rtlCol="0">
-            <a:spAutoFit/>
-          </a:bodyPr>
-          <a:lstStyle/>
-          <a:p>
-            <a:r>
-              <a:rPr lang="en-US" dirty="0">
-                <a:latin typeface="Arial" panose="020B0604020202020204" pitchFamily="34" charset="0"/>
-                <a:cs typeface="Arial" panose="020B0604020202020204" pitchFamily="34" charset="0"/>
-              </a:rPr>
-              <a:t>k</a:t>
-            </a:r>
-            <a:r>
-              <a:rPr lang="en-US" baseline="-25000" dirty="0">
-                <a:latin typeface="Arial" panose="020B0604020202020204" pitchFamily="34" charset="0"/>
-                <a:cs typeface="Arial" panose="020B0604020202020204" pitchFamily="34" charset="0"/>
-              </a:rPr>
-              <a:t>2</a:t>
-            </a:r>
-          </a:p>
-        </p:txBody>
-      </p:sp>
-      <p:sp>
-        <p:nvSpPr>
-          <p:cNvPr id="8" name="Right Bracket 7">
-            <a:extLst>
-              <a:ext uri="{FF2B5EF4-FFF2-40B4-BE49-F238E27FC236}">
-                <a16:creationId xmlns:a16="http://schemas.microsoft.com/office/drawing/2014/main" id="{6BE496A3-9700-4F8D-90C9-E3D10FD76466}"/>
-              </a:ext>
-            </a:extLst>
-          </p:cNvPr>
-          <p:cNvSpPr/>
-          <p:nvPr/>
-        </p:nvSpPr>
-        <p:spPr>
-          <a:xfrm rot="5400000">
-            <a:off x="3350604" y="3226634"/>
-            <a:ext cx="98137" cy="3599117"/>
-          </a:xfrm>
-          <a:prstGeom prst="rightBracket">
-            <a:avLst/>
-          </a:prstGeom>
-          <a:ln w="28575">
-            <a:solidFill>
-              <a:schemeClr val="tx1"/>
-            </a:solidFill>
-          </a:ln>
-        </p:spPr>
-        <p:style>
-          <a:lnRef idx="1">
-            <a:schemeClr val="accent1"/>
-          </a:lnRef>
-          <a:fillRef idx="0">
-            <a:schemeClr val="accent1"/>
-          </a:fillRef>
-          <a:effectRef idx="0">
-            <a:schemeClr val="accent1"/>
-          </a:effectRef>
-          <a:fontRef idx="minor">
-            <a:schemeClr val="tx1"/>
-          </a:fontRef>
-        </p:style>
-        <p:txBody>
-          <a:bodyPr rtlCol="0" anchor="ctr"/>
-          <a:lstStyle/>
-          <a:p>
-            <a:pPr algn="ctr"/>
-            <a:endParaRPr lang="en-US"/>
-          </a:p>
-        </p:txBody>
-      </p:sp>
     </p:spTree>
     <p:extLst>
       <p:ext uri="{BB962C8B-B14F-4D97-AF65-F5344CB8AC3E}">
